--- a/PowerPointFinal/Apresentação.pptx
+++ b/PowerPointFinal/Apresentação.pptx
@@ -7,16 +7,12 @@
   <p:sldIdLst>
     <p:sldId id="256" r:id="rId5"/>
     <p:sldId id="257" r:id="rId6"/>
-    <p:sldId id="263" r:id="rId7"/>
-    <p:sldId id="264" r:id="rId8"/>
-    <p:sldId id="265" r:id="rId9"/>
-    <p:sldId id="266" r:id="rId10"/>
-    <p:sldId id="267" r:id="rId11"/>
-    <p:sldId id="258" r:id="rId12"/>
-    <p:sldId id="262" r:id="rId13"/>
-    <p:sldId id="260" r:id="rId14"/>
-    <p:sldId id="261" r:id="rId15"/>
-    <p:sldId id="259" r:id="rId16"/>
+    <p:sldId id="258" r:id="rId7"/>
+    <p:sldId id="262" r:id="rId8"/>
+    <p:sldId id="260" r:id="rId9"/>
+    <p:sldId id="261" r:id="rId10"/>
+    <p:sldId id="259" r:id="rId11"/>
+    <p:sldId id="263" r:id="rId12"/>
   </p:sldIdLst>
   <p:sldSz cx="12192000" cy="6858000"/>
   <p:notesSz cx="6858000" cy="9144000"/>
@@ -125,6 +121,183 @@
 
 <file path=ppt/changesInfos/changesInfo1.xml><?xml version="1.0" encoding="utf-8"?>
 <pc:chgInfo xmlns:a="http://schemas.openxmlformats.org/drawingml/2006/main" xmlns:r="http://schemas.openxmlformats.org/officeDocument/2006/relationships" xmlns:ac="http://schemas.microsoft.com/office/drawing/2013/main/command" xmlns:pc="http://schemas.microsoft.com/office/powerpoint/2013/main/command">
+  <pc:docChgLst>
+    <pc:chgData name="Daniel Filipe Gonçalves" userId="74e986df-189c-436d-a9a0-87d3a9e2574d" providerId="ADAL" clId="{4BBBAAD5-3280-42AC-A90B-E2611A1238AC}"/>
+    <pc:docChg chg="undo delSld modSld sldOrd">
+      <pc:chgData name="Daniel Filipe Gonçalves" userId="74e986df-189c-436d-a9a0-87d3a9e2574d" providerId="ADAL" clId="{4BBBAAD5-3280-42AC-A90B-E2611A1238AC}" dt="2019-12-08T23:23:28.096" v="80"/>
+      <pc:docMkLst>
+        <pc:docMk/>
+      </pc:docMkLst>
+      <pc:sldChg chg="addSp modSp">
+        <pc:chgData name="Daniel Filipe Gonçalves" userId="74e986df-189c-436d-a9a0-87d3a9e2574d" providerId="ADAL" clId="{4BBBAAD5-3280-42AC-A90B-E2611A1238AC}" dt="2019-12-08T23:08:30.512" v="7" actId="1076"/>
+        <pc:sldMkLst>
+          <pc:docMk/>
+          <pc:sldMk cId="3326355777" sldId="256"/>
+        </pc:sldMkLst>
+        <pc:picChg chg="add mod">
+          <ac:chgData name="Daniel Filipe Gonçalves" userId="74e986df-189c-436d-a9a0-87d3a9e2574d" providerId="ADAL" clId="{4BBBAAD5-3280-42AC-A90B-E2611A1238AC}" dt="2019-12-08T23:08:30.512" v="7" actId="1076"/>
+          <ac:picMkLst>
+            <pc:docMk/>
+            <pc:sldMk cId="3326355777" sldId="256"/>
+            <ac:picMk id="9" creationId="{BD99BE3B-2B21-4E9D-883E-6F701B076EC4}"/>
+          </ac:picMkLst>
+        </pc:picChg>
+        <pc:picChg chg="add mod">
+          <ac:chgData name="Daniel Filipe Gonçalves" userId="74e986df-189c-436d-a9a0-87d3a9e2574d" providerId="ADAL" clId="{4BBBAAD5-3280-42AC-A90B-E2611A1238AC}" dt="2019-12-08T23:08:29.142" v="5" actId="1076"/>
+          <ac:picMkLst>
+            <pc:docMk/>
+            <pc:sldMk cId="3326355777" sldId="256"/>
+            <ac:picMk id="10" creationId="{82B00F5F-BAE2-4D88-9C1D-F5029F850FE1}"/>
+          </ac:picMkLst>
+        </pc:picChg>
+      </pc:sldChg>
+      <pc:sldChg chg="delSp modSp">
+        <pc:chgData name="Daniel Filipe Gonçalves" userId="74e986df-189c-436d-a9a0-87d3a9e2574d" providerId="ADAL" clId="{4BBBAAD5-3280-42AC-A90B-E2611A1238AC}" dt="2019-12-08T23:14:17.725" v="75" actId="1076"/>
+        <pc:sldMkLst>
+          <pc:docMk/>
+          <pc:sldMk cId="3419934527" sldId="258"/>
+        </pc:sldMkLst>
+        <pc:spChg chg="del">
+          <ac:chgData name="Daniel Filipe Gonçalves" userId="74e986df-189c-436d-a9a0-87d3a9e2574d" providerId="ADAL" clId="{4BBBAAD5-3280-42AC-A90B-E2611A1238AC}" dt="2019-12-08T23:14:15.238" v="74" actId="478"/>
+          <ac:spMkLst>
+            <pc:docMk/>
+            <pc:sldMk cId="3419934527" sldId="258"/>
+            <ac:spMk id="62" creationId="{178B92E8-1353-42F1-8962-8679B6D971AA}"/>
+          </ac:spMkLst>
+        </pc:spChg>
+        <pc:picChg chg="del">
+          <ac:chgData name="Daniel Filipe Gonçalves" userId="74e986df-189c-436d-a9a0-87d3a9e2574d" providerId="ADAL" clId="{4BBBAAD5-3280-42AC-A90B-E2611A1238AC}" dt="2019-12-08T23:14:15.238" v="74" actId="478"/>
+          <ac:picMkLst>
+            <pc:docMk/>
+            <pc:sldMk cId="3419934527" sldId="258"/>
+            <ac:picMk id="9" creationId="{BA3F3E6B-9149-496D-8423-E10E8B99365F}"/>
+          </ac:picMkLst>
+        </pc:picChg>
+        <pc:picChg chg="mod">
+          <ac:chgData name="Daniel Filipe Gonçalves" userId="74e986df-189c-436d-a9a0-87d3a9e2574d" providerId="ADAL" clId="{4BBBAAD5-3280-42AC-A90B-E2611A1238AC}" dt="2019-12-08T23:14:17.725" v="75" actId="1076"/>
+          <ac:picMkLst>
+            <pc:docMk/>
+            <pc:sldMk cId="3419934527" sldId="258"/>
+            <ac:picMk id="10" creationId="{0CCEED2C-2A2E-4764-9D63-CD94A15A757C}"/>
+          </ac:picMkLst>
+        </pc:picChg>
+      </pc:sldChg>
+      <pc:sldChg chg="modSp">
+        <pc:chgData name="Daniel Filipe Gonçalves" userId="74e986df-189c-436d-a9a0-87d3a9e2574d" providerId="ADAL" clId="{4BBBAAD5-3280-42AC-A90B-E2611A1238AC}" dt="2019-12-08T23:23:08.028" v="79" actId="20577"/>
+        <pc:sldMkLst>
+          <pc:docMk/>
+          <pc:sldMk cId="1500318613" sldId="259"/>
+        </pc:sldMkLst>
+        <pc:spChg chg="mod">
+          <ac:chgData name="Daniel Filipe Gonçalves" userId="74e986df-189c-436d-a9a0-87d3a9e2574d" providerId="ADAL" clId="{4BBBAAD5-3280-42AC-A90B-E2611A1238AC}" dt="2019-12-08T23:23:08.028" v="79" actId="20577"/>
+          <ac:spMkLst>
+            <pc:docMk/>
+            <pc:sldMk cId="1500318613" sldId="259"/>
+            <ac:spMk id="2" creationId="{13E55CF4-DC66-4096-AFF8-4E317B2E0FC0}"/>
+          </ac:spMkLst>
+        </pc:spChg>
+      </pc:sldChg>
+      <pc:sldChg chg="addSp modSp ord">
+        <pc:chgData name="Daniel Filipe Gonçalves" userId="74e986df-189c-436d-a9a0-87d3a9e2574d" providerId="ADAL" clId="{4BBBAAD5-3280-42AC-A90B-E2611A1238AC}" dt="2019-12-08T23:23:28.096" v="80"/>
+        <pc:sldMkLst>
+          <pc:docMk/>
+          <pc:sldMk cId="3436602160" sldId="263"/>
+        </pc:sldMkLst>
+        <pc:picChg chg="add mod">
+          <ac:chgData name="Daniel Filipe Gonçalves" userId="74e986df-189c-436d-a9a0-87d3a9e2574d" providerId="ADAL" clId="{4BBBAAD5-3280-42AC-A90B-E2611A1238AC}" dt="2019-12-08T23:12:34.780" v="71" actId="208"/>
+          <ac:picMkLst>
+            <pc:docMk/>
+            <pc:sldMk cId="3436602160" sldId="263"/>
+            <ac:picMk id="4" creationId="{7EEAF215-D96C-409D-881B-FC03408EA186}"/>
+          </ac:picMkLst>
+        </pc:picChg>
+        <pc:picChg chg="add mod ord">
+          <ac:chgData name="Daniel Filipe Gonçalves" userId="74e986df-189c-436d-a9a0-87d3a9e2574d" providerId="ADAL" clId="{4BBBAAD5-3280-42AC-A90B-E2611A1238AC}" dt="2019-12-08T23:12:38.870" v="72" actId="14100"/>
+          <ac:picMkLst>
+            <pc:docMk/>
+            <pc:sldMk cId="3436602160" sldId="263"/>
+            <ac:picMk id="5" creationId="{8C5BD7A9-C40F-458A-8A5A-03A375C5FAF1}"/>
+          </ac:picMkLst>
+        </pc:picChg>
+        <pc:picChg chg="add mod">
+          <ac:chgData name="Daniel Filipe Gonçalves" userId="74e986df-189c-436d-a9a0-87d3a9e2574d" providerId="ADAL" clId="{4BBBAAD5-3280-42AC-A90B-E2611A1238AC}" dt="2019-12-08T23:12:34.780" v="71" actId="208"/>
+          <ac:picMkLst>
+            <pc:docMk/>
+            <pc:sldMk cId="3436602160" sldId="263"/>
+            <ac:picMk id="6" creationId="{C22EE8F1-C9F5-453E-AA99-351E358C61D9}"/>
+          </ac:picMkLst>
+        </pc:picChg>
+        <pc:picChg chg="add mod ord">
+          <ac:chgData name="Daniel Filipe Gonçalves" userId="74e986df-189c-436d-a9a0-87d3a9e2574d" providerId="ADAL" clId="{4BBBAAD5-3280-42AC-A90B-E2611A1238AC}" dt="2019-12-08T23:12:34.780" v="71" actId="208"/>
+          <ac:picMkLst>
+            <pc:docMk/>
+            <pc:sldMk cId="3436602160" sldId="263"/>
+            <ac:picMk id="7" creationId="{F25C3844-4F80-4A64-ADB9-076D1F918980}"/>
+          </ac:picMkLst>
+        </pc:picChg>
+        <pc:picChg chg="add mod">
+          <ac:chgData name="Daniel Filipe Gonçalves" userId="74e986df-189c-436d-a9a0-87d3a9e2574d" providerId="ADAL" clId="{4BBBAAD5-3280-42AC-A90B-E2611A1238AC}" dt="2019-12-08T23:12:34.780" v="71" actId="208"/>
+          <ac:picMkLst>
+            <pc:docMk/>
+            <pc:sldMk cId="3436602160" sldId="263"/>
+            <ac:picMk id="8" creationId="{E93EC1CE-66C7-457B-B855-67B30850FE90}"/>
+          </ac:picMkLst>
+        </pc:picChg>
+        <pc:picChg chg="add mod">
+          <ac:chgData name="Daniel Filipe Gonçalves" userId="74e986df-189c-436d-a9a0-87d3a9e2574d" providerId="ADAL" clId="{4BBBAAD5-3280-42AC-A90B-E2611A1238AC}" dt="2019-12-08T23:12:34.780" v="71" actId="208"/>
+          <ac:picMkLst>
+            <pc:docMk/>
+            <pc:sldMk cId="3436602160" sldId="263"/>
+            <ac:picMk id="9" creationId="{22DBDB09-08C5-4EBF-AF02-9C9A32AD4B56}"/>
+          </ac:picMkLst>
+        </pc:picChg>
+        <pc:picChg chg="add mod">
+          <ac:chgData name="Daniel Filipe Gonçalves" userId="74e986df-189c-436d-a9a0-87d3a9e2574d" providerId="ADAL" clId="{4BBBAAD5-3280-42AC-A90B-E2611A1238AC}" dt="2019-12-08T23:12:34.780" v="71" actId="208"/>
+          <ac:picMkLst>
+            <pc:docMk/>
+            <pc:sldMk cId="3436602160" sldId="263"/>
+            <ac:picMk id="10" creationId="{FECFDA58-9A90-456F-947A-CB21C77A5872}"/>
+          </ac:picMkLst>
+        </pc:picChg>
+        <pc:picChg chg="add mod">
+          <ac:chgData name="Daniel Filipe Gonçalves" userId="74e986df-189c-436d-a9a0-87d3a9e2574d" providerId="ADAL" clId="{4BBBAAD5-3280-42AC-A90B-E2611A1238AC}" dt="2019-12-08T23:12:34.780" v="71" actId="208"/>
+          <ac:picMkLst>
+            <pc:docMk/>
+            <pc:sldMk cId="3436602160" sldId="263"/>
+            <ac:picMk id="11" creationId="{E8015B72-CABF-4EB9-BEAA-C07FF192D399}"/>
+          </ac:picMkLst>
+        </pc:picChg>
+      </pc:sldChg>
+      <pc:sldChg chg="del">
+        <pc:chgData name="Daniel Filipe Gonçalves" userId="74e986df-189c-436d-a9a0-87d3a9e2574d" providerId="ADAL" clId="{4BBBAAD5-3280-42AC-A90B-E2611A1238AC}" dt="2019-12-08T23:12:42.354" v="73" actId="47"/>
+        <pc:sldMkLst>
+          <pc:docMk/>
+          <pc:sldMk cId="3598400891" sldId="264"/>
+        </pc:sldMkLst>
+      </pc:sldChg>
+      <pc:sldChg chg="del">
+        <pc:chgData name="Daniel Filipe Gonçalves" userId="74e986df-189c-436d-a9a0-87d3a9e2574d" providerId="ADAL" clId="{4BBBAAD5-3280-42AC-A90B-E2611A1238AC}" dt="2019-12-08T23:08:36.755" v="10" actId="47"/>
+        <pc:sldMkLst>
+          <pc:docMk/>
+          <pc:sldMk cId="1871475558" sldId="265"/>
+        </pc:sldMkLst>
+      </pc:sldChg>
+      <pc:sldChg chg="del">
+        <pc:chgData name="Daniel Filipe Gonçalves" userId="74e986df-189c-436d-a9a0-87d3a9e2574d" providerId="ADAL" clId="{4BBBAAD5-3280-42AC-A90B-E2611A1238AC}" dt="2019-12-08T23:08:35.451" v="9" actId="47"/>
+        <pc:sldMkLst>
+          <pc:docMk/>
+          <pc:sldMk cId="1791486231" sldId="266"/>
+        </pc:sldMkLst>
+      </pc:sldChg>
+      <pc:sldChg chg="del">
+        <pc:chgData name="Daniel Filipe Gonçalves" userId="74e986df-189c-436d-a9a0-87d3a9e2574d" providerId="ADAL" clId="{4BBBAAD5-3280-42AC-A90B-E2611A1238AC}" dt="2019-12-08T23:08:33.820" v="8" actId="47"/>
+        <pc:sldMkLst>
+          <pc:docMk/>
+          <pc:sldMk cId="2430330435" sldId="267"/>
+        </pc:sldMkLst>
+      </pc:sldChg>
+    </pc:docChg>
+  </pc:docChgLst>
   <pc:docChgLst>
     <pc:chgData name="Daniel Filipe Gonçalves" userId="74e986df-189c-436d-a9a0-87d3a9e2574d" providerId="ADAL" clId="{24D43239-8517-4118-A009-AFA6A8E1452E}"/>
     <pc:docChg chg="custSel addSld modSld sldOrd">
@@ -6948,7 +7121,7 @@
 </p:sld>
 </file>
 
-<file path=ppt/slides/slide10.xml><?xml version="1.0" encoding="utf-8"?>
+<file path=ppt/slides/slide2.xml><?xml version="1.0" encoding="utf-8"?>
 <p:sld xmlns:a="http://schemas.openxmlformats.org/drawingml/2006/main" xmlns:r="http://schemas.openxmlformats.org/officeDocument/2006/relationships" xmlns:p="http://schemas.openxmlformats.org/presentationml/2006/main">
   <p:cSld>
     <p:spTree>
@@ -7025,8 +7198,3295 @@
           </a:prstGeom>
         </p:spPr>
       </p:pic>
-      <mc:AlternateContent xmlns:mc="http://schemas.openxmlformats.org/markup-compatibility/2006">
-        <mc:Choice xmlns:a14="http://schemas.microsoft.com/office/drawing/2010/main" Requires="a14">
+      <p:sp>
+        <p:nvSpPr>
+          <p:cNvPr id="8" name="Retângulo 7">
+            <a:extLst>
+              <a:ext uri="{FF2B5EF4-FFF2-40B4-BE49-F238E27FC236}">
+                <a16:creationId xmlns:a16="http://schemas.microsoft.com/office/drawing/2014/main" id="{CDC96F03-396E-41AB-9D90-137278306F7A}"/>
+              </a:ext>
+            </a:extLst>
+          </p:cNvPr>
+          <p:cNvSpPr/>
+          <p:nvPr/>
+        </p:nvSpPr>
+        <p:spPr>
+          <a:xfrm>
+            <a:off x="0" y="2387600"/>
+            <a:ext cx="12192000" cy="4470400"/>
+          </a:xfrm>
+          <a:prstGeom prst="rect">
+            <a:avLst/>
+          </a:prstGeom>
+          <a:solidFill>
+            <a:srgbClr val="FFFFFF"/>
+          </a:solidFill>
+          <a:ln>
+            <a:noFill/>
+          </a:ln>
+        </p:spPr>
+        <p:style>
+          <a:lnRef idx="2">
+            <a:schemeClr val="accent1">
+              <a:shade val="50000"/>
+            </a:schemeClr>
+          </a:lnRef>
+          <a:fillRef idx="1">
+            <a:schemeClr val="accent1"/>
+          </a:fillRef>
+          <a:effectRef idx="0">
+            <a:schemeClr val="accent1"/>
+          </a:effectRef>
+          <a:fontRef idx="minor">
+            <a:schemeClr val="lt1"/>
+          </a:fontRef>
+        </p:style>
+        <p:txBody>
+          <a:bodyPr rtlCol="0" anchor="t"/>
+          <a:lstStyle/>
+          <a:p>
+            <a:pPr marL="571500" indent="-571500">
+              <a:buFont typeface="Arial" panose="020B0604020202020204" pitchFamily="34" charset="0"/>
+              <a:buChar char="•"/>
+            </a:pPr>
+            <a:r>
+              <a:rPr lang="pt-PT" sz="4000" dirty="0">
+                <a:solidFill>
+                  <a:srgbClr val="00B050"/>
+                </a:solidFill>
+                <a:latin typeface="Retro Gaming" panose="00000400000000000000" pitchFamily="2" charset="0"/>
+              </a:rPr>
+              <a:t>OBJETIVOS</a:t>
+            </a:r>
+          </a:p>
+          <a:p>
+            <a:pPr marL="571500" indent="-571500">
+              <a:buFont typeface="Arial" panose="020B0604020202020204" pitchFamily="34" charset="0"/>
+              <a:buChar char="•"/>
+            </a:pPr>
+            <a:endParaRPr lang="pt-PT" sz="4000" dirty="0">
+              <a:solidFill>
+                <a:srgbClr val="00B050"/>
+              </a:solidFill>
+              <a:latin typeface="Retro Gaming" panose="00000400000000000000" pitchFamily="2" charset="0"/>
+            </a:endParaRPr>
+          </a:p>
+          <a:p>
+            <a:pPr marL="1485900" lvl="2" indent="-571500">
+              <a:buFont typeface="Wingdings" panose="05000000000000000000" pitchFamily="2" charset="2"/>
+              <a:buChar char="Ø"/>
+            </a:pPr>
+            <a:r>
+              <a:rPr lang="pt-PT" sz="2800" dirty="0">
+                <a:solidFill>
+                  <a:schemeClr val="tx1"/>
+                </a:solidFill>
+                <a:latin typeface="Retro Gaming" panose="00000400000000000000" pitchFamily="2" charset="0"/>
+              </a:rPr>
+              <a:t>Implementar 4 variáveis aleatórias com distribuições: Normal, Uniforme, Geométrica e </a:t>
+            </a:r>
+            <a:r>
+              <a:rPr lang="pt-PT" sz="2800" dirty="0" err="1">
+                <a:solidFill>
+                  <a:schemeClr val="tx1"/>
+                </a:solidFill>
+                <a:latin typeface="Retro Gaming" panose="00000400000000000000" pitchFamily="2" charset="0"/>
+              </a:rPr>
+              <a:t>Gamma</a:t>
+            </a:r>
+            <a:r>
+              <a:rPr lang="pt-PT" sz="2800" dirty="0">
+                <a:solidFill>
+                  <a:schemeClr val="tx1"/>
+                </a:solidFill>
+                <a:latin typeface="Retro Gaming" panose="00000400000000000000" pitchFamily="2" charset="0"/>
+              </a:rPr>
+              <a:t>;</a:t>
+            </a:r>
+          </a:p>
+          <a:p>
+            <a:pPr marL="1485900" lvl="2" indent="-571500">
+              <a:buFont typeface="Wingdings" panose="05000000000000000000" pitchFamily="2" charset="2"/>
+              <a:buChar char="Ø"/>
+            </a:pPr>
+            <a:r>
+              <a:rPr lang="pt-PT" sz="2800" dirty="0">
+                <a:solidFill>
+                  <a:schemeClr val="tx1"/>
+                </a:solidFill>
+                <a:latin typeface="Retro Gaming" panose="00000400000000000000" pitchFamily="2" charset="0"/>
+              </a:rPr>
+              <a:t>Adaptar estas variáveis aleatórias como parte integrante de um jogo RPG estilo “</a:t>
+            </a:r>
+            <a:r>
+              <a:rPr lang="pt-PT" sz="2800" dirty="0" err="1">
+                <a:solidFill>
+                  <a:schemeClr val="tx1"/>
+                </a:solidFill>
+                <a:latin typeface="Retro Gaming" panose="00000400000000000000" pitchFamily="2" charset="0"/>
+              </a:rPr>
+              <a:t>The</a:t>
+            </a:r>
+            <a:r>
+              <a:rPr lang="pt-PT" sz="2800" dirty="0">
+                <a:solidFill>
+                  <a:schemeClr val="tx1"/>
+                </a:solidFill>
+                <a:latin typeface="Retro Gaming" panose="00000400000000000000" pitchFamily="2" charset="0"/>
+              </a:rPr>
+              <a:t> </a:t>
+            </a:r>
+            <a:r>
+              <a:rPr lang="pt-PT" sz="2800" dirty="0" err="1">
+                <a:solidFill>
+                  <a:schemeClr val="tx1"/>
+                </a:solidFill>
+                <a:latin typeface="Retro Gaming" panose="00000400000000000000" pitchFamily="2" charset="0"/>
+              </a:rPr>
+              <a:t>Legend</a:t>
+            </a:r>
+            <a:r>
+              <a:rPr lang="pt-PT" sz="2800" dirty="0">
+                <a:solidFill>
+                  <a:schemeClr val="tx1"/>
+                </a:solidFill>
+                <a:latin typeface="Retro Gaming" panose="00000400000000000000" pitchFamily="2" charset="0"/>
+              </a:rPr>
+              <a:t> </a:t>
+            </a:r>
+            <a:r>
+              <a:rPr lang="pt-PT" sz="2800" dirty="0" err="1">
+                <a:solidFill>
+                  <a:schemeClr val="tx1"/>
+                </a:solidFill>
+                <a:latin typeface="Retro Gaming" panose="00000400000000000000" pitchFamily="2" charset="0"/>
+              </a:rPr>
+              <a:t>of</a:t>
+            </a:r>
+            <a:r>
+              <a:rPr lang="pt-PT" sz="2800" dirty="0">
+                <a:solidFill>
+                  <a:schemeClr val="tx1"/>
+                </a:solidFill>
+                <a:latin typeface="Retro Gaming" panose="00000400000000000000" pitchFamily="2" charset="0"/>
+              </a:rPr>
+              <a:t> </a:t>
+            </a:r>
+            <a:r>
+              <a:rPr lang="pt-PT" sz="2800" dirty="0" err="1">
+                <a:solidFill>
+                  <a:schemeClr val="tx1"/>
+                </a:solidFill>
+                <a:latin typeface="Retro Gaming" panose="00000400000000000000" pitchFamily="2" charset="0"/>
+              </a:rPr>
+              <a:t>Zelda</a:t>
+            </a:r>
+            <a:r>
+              <a:rPr lang="pt-PT" sz="2800" dirty="0">
+                <a:solidFill>
+                  <a:schemeClr val="tx1"/>
+                </a:solidFill>
+                <a:latin typeface="Retro Gaming" panose="00000400000000000000" pitchFamily="2" charset="0"/>
+              </a:rPr>
+              <a:t>”;</a:t>
+            </a:r>
+          </a:p>
+        </p:txBody>
+      </p:sp>
+    </p:spTree>
+    <p:extLst>
+      <p:ext uri="{BB962C8B-B14F-4D97-AF65-F5344CB8AC3E}">
+        <p14:creationId xmlns:p14="http://schemas.microsoft.com/office/powerpoint/2010/main" val="2381215026"/>
+      </p:ext>
+    </p:extLst>
+  </p:cSld>
+  <p:clrMapOvr>
+    <a:masterClrMapping/>
+  </p:clrMapOvr>
+</p:sld>
+</file>
+
+<file path=ppt/slides/slide3.xml><?xml version="1.0" encoding="utf-8"?>
+<p:sld xmlns:a="http://schemas.openxmlformats.org/drawingml/2006/main" xmlns:r="http://schemas.openxmlformats.org/officeDocument/2006/relationships" xmlns:p="http://schemas.openxmlformats.org/presentationml/2006/main">
+  <p:cSld>
+    <p:spTree>
+      <p:nvGrpSpPr>
+        <p:cNvPr id="1" name=""/>
+        <p:cNvGrpSpPr/>
+        <p:nvPr/>
+      </p:nvGrpSpPr>
+      <p:grpSpPr>
+        <a:xfrm>
+          <a:off x="0" y="0"/>
+          <a:ext cx="0" cy="0"/>
+          <a:chOff x="0" y="0"/>
+          <a:chExt cx="0" cy="0"/>
+        </a:xfrm>
+      </p:grpSpPr>
+      <p:sp>
+        <p:nvSpPr>
+          <p:cNvPr id="3" name="Subtítulo 2">
+            <a:extLst>
+              <a:ext uri="{FF2B5EF4-FFF2-40B4-BE49-F238E27FC236}">
+                <a16:creationId xmlns:a16="http://schemas.microsoft.com/office/drawing/2014/main" id="{204348A3-19CC-4C5C-8645-C2F9F25F8CD5}"/>
+              </a:ext>
+            </a:extLst>
+          </p:cNvPr>
+          <p:cNvSpPr>
+            <a:spLocks noGrp="1"/>
+          </p:cNvSpPr>
+          <p:nvPr>
+            <p:ph type="subTitle" idx="1"/>
+          </p:nvPr>
+        </p:nvSpPr>
+        <p:spPr/>
+        <p:txBody>
+          <a:bodyPr/>
+          <a:lstStyle/>
+          <a:p>
+            <a:endParaRPr lang="pt-PT"/>
+          </a:p>
+        </p:txBody>
+      </p:sp>
+      <p:pic>
+        <p:nvPicPr>
+          <p:cNvPr id="7" name="Imagem 6">
+            <a:extLst>
+              <a:ext uri="{FF2B5EF4-FFF2-40B4-BE49-F238E27FC236}">
+                <a16:creationId xmlns:a16="http://schemas.microsoft.com/office/drawing/2014/main" id="{76C4170D-002F-418E-9062-DE2E371A20C6}"/>
+              </a:ext>
+            </a:extLst>
+          </p:cNvPr>
+          <p:cNvPicPr>
+            <a:picLocks noChangeAspect="1"/>
+          </p:cNvPicPr>
+          <p:nvPr/>
+        </p:nvPicPr>
+        <p:blipFill rotWithShape="1">
+          <a:blip r:embed="rId2">
+            <a:extLst>
+              <a:ext uri="{28A0092B-C50C-407E-A947-70E740481C1C}">
+                <a14:useLocalDpi xmlns:a14="http://schemas.microsoft.com/office/drawing/2010/main" val="0"/>
+              </a:ext>
+            </a:extLst>
+          </a:blip>
+          <a:srcRect t="65227" b="-64"/>
+          <a:stretch/>
+        </p:blipFill>
+        <p:spPr>
+          <a:xfrm>
+            <a:off x="-1" y="0"/>
+            <a:ext cx="12192001" cy="2387600"/>
+          </a:xfrm>
+          <a:prstGeom prst="rect">
+            <a:avLst/>
+          </a:prstGeom>
+        </p:spPr>
+      </p:pic>
+      <p:sp>
+        <p:nvSpPr>
+          <p:cNvPr id="8" name="Retângulo 7">
+            <a:extLst>
+              <a:ext uri="{FF2B5EF4-FFF2-40B4-BE49-F238E27FC236}">
+                <a16:creationId xmlns:a16="http://schemas.microsoft.com/office/drawing/2014/main" id="{CDC96F03-396E-41AB-9D90-137278306F7A}"/>
+              </a:ext>
+            </a:extLst>
+          </p:cNvPr>
+          <p:cNvSpPr/>
+          <p:nvPr/>
+        </p:nvSpPr>
+        <p:spPr>
+          <a:xfrm>
+            <a:off x="-1" y="2405677"/>
+            <a:ext cx="12192000" cy="4470400"/>
+          </a:xfrm>
+          <a:prstGeom prst="rect">
+            <a:avLst/>
+          </a:prstGeom>
+          <a:solidFill>
+            <a:srgbClr val="FFFFFF"/>
+          </a:solidFill>
+          <a:ln>
+            <a:noFill/>
+          </a:ln>
+        </p:spPr>
+        <p:style>
+          <a:lnRef idx="2">
+            <a:schemeClr val="accent1">
+              <a:shade val="50000"/>
+            </a:schemeClr>
+          </a:lnRef>
+          <a:fillRef idx="1">
+            <a:schemeClr val="accent1"/>
+          </a:fillRef>
+          <a:effectRef idx="0">
+            <a:schemeClr val="accent1"/>
+          </a:effectRef>
+          <a:fontRef idx="minor">
+            <a:schemeClr val="lt1"/>
+          </a:fontRef>
+        </p:style>
+        <p:txBody>
+          <a:bodyPr rtlCol="0" anchor="t"/>
+          <a:lstStyle/>
+          <a:p>
+            <a:pPr marL="571500" indent="-571500">
+              <a:buFont typeface="Arial" panose="020B0604020202020204" pitchFamily="34" charset="0"/>
+              <a:buChar char="•"/>
+            </a:pPr>
+            <a:r>
+              <a:rPr lang="pt-PT" sz="4000" dirty="0">
+                <a:solidFill>
+                  <a:srgbClr val="00B050"/>
+                </a:solidFill>
+                <a:latin typeface="Retro Gaming" panose="00000400000000000000" pitchFamily="2" charset="0"/>
+              </a:rPr>
+              <a:t>THE JOURNEY OF SACRIFICE</a:t>
+            </a:r>
+          </a:p>
+          <a:p>
+            <a:pPr marL="571500" indent="-571500">
+              <a:buFont typeface="Arial" panose="020B0604020202020204" pitchFamily="34" charset="0"/>
+              <a:buChar char="•"/>
+            </a:pPr>
+            <a:endParaRPr lang="pt-PT" sz="4000" dirty="0">
+              <a:solidFill>
+                <a:srgbClr val="00B050"/>
+              </a:solidFill>
+              <a:latin typeface="Retro Gaming" panose="00000400000000000000" pitchFamily="2" charset="0"/>
+            </a:endParaRPr>
+          </a:p>
+          <a:p>
+            <a:endParaRPr lang="pt-PT" sz="4000" dirty="0">
+              <a:solidFill>
+                <a:srgbClr val="00B050"/>
+              </a:solidFill>
+              <a:latin typeface="Retro Gaming" panose="00000400000000000000" pitchFamily="2" charset="0"/>
+            </a:endParaRPr>
+          </a:p>
+        </p:txBody>
+      </p:sp>
+      <p:pic>
+        <p:nvPicPr>
+          <p:cNvPr id="2050" name="Picture 2" descr="Family: Man, Woman, Boy, Boy on Apple iOS 13.2">
+            <a:extLst>
+              <a:ext uri="{FF2B5EF4-FFF2-40B4-BE49-F238E27FC236}">
+                <a16:creationId xmlns:a16="http://schemas.microsoft.com/office/drawing/2014/main" id="{73087CE6-E4CA-4402-8137-C4C588C0F130}"/>
+              </a:ext>
+            </a:extLst>
+          </p:cNvPr>
+          <p:cNvPicPr>
+            <a:picLocks noChangeAspect="1" noChangeArrowheads="1"/>
+          </p:cNvPicPr>
+          <p:nvPr/>
+        </p:nvPicPr>
+        <p:blipFill>
+          <a:blip r:embed="rId3">
+            <a:extLst>
+              <a:ext uri="{28A0092B-C50C-407E-A947-70E740481C1C}">
+                <a14:useLocalDpi xmlns:a14="http://schemas.microsoft.com/office/drawing/2010/main" val="0"/>
+              </a:ext>
+            </a:extLst>
+          </a:blip>
+          <a:srcRect/>
+          <a:stretch>
+            <a:fillRect/>
+          </a:stretch>
+        </p:blipFill>
+        <p:spPr bwMode="auto">
+          <a:xfrm>
+            <a:off x="1524000" y="3118281"/>
+            <a:ext cx="933544" cy="933544"/>
+          </a:xfrm>
+          <a:prstGeom prst="rect">
+            <a:avLst/>
+          </a:prstGeom>
+          <a:noFill/>
+          <a:extLst>
+            <a:ext uri="{909E8E84-426E-40DD-AFC4-6F175D3DCCD1}">
+              <a14:hiddenFill xmlns:a14="http://schemas.microsoft.com/office/drawing/2010/main">
+                <a:solidFill>
+                  <a:srgbClr val="FFFFFF"/>
+                </a:solidFill>
+              </a14:hiddenFill>
+            </a:ext>
+          </a:extLst>
+        </p:spPr>
+      </p:pic>
+      <p:pic>
+        <p:nvPicPr>
+          <p:cNvPr id="2052" name="Picture 4" descr="Resultado de imagem para emoji - car crash">
+            <a:extLst>
+              <a:ext uri="{FF2B5EF4-FFF2-40B4-BE49-F238E27FC236}">
+                <a16:creationId xmlns:a16="http://schemas.microsoft.com/office/drawing/2014/main" id="{77D9B10B-D64C-403F-B7D5-795DB3499485}"/>
+              </a:ext>
+            </a:extLst>
+          </p:cNvPr>
+          <p:cNvPicPr>
+            <a:picLocks noChangeAspect="1" noChangeArrowheads="1"/>
+          </p:cNvPicPr>
+          <p:nvPr/>
+        </p:nvPicPr>
+        <p:blipFill rotWithShape="1">
+          <a:blip r:embed="rId4">
+            <a:extLst>
+              <a:ext uri="{28A0092B-C50C-407E-A947-70E740481C1C}">
+                <a14:useLocalDpi xmlns:a14="http://schemas.microsoft.com/office/drawing/2010/main" val="0"/>
+              </a:ext>
+            </a:extLst>
+          </a:blip>
+          <a:srcRect t="32169" b="28847"/>
+          <a:stretch/>
+        </p:blipFill>
+        <p:spPr bwMode="auto">
+          <a:xfrm>
+            <a:off x="4951106" y="3280232"/>
+            <a:ext cx="1444510" cy="668995"/>
+          </a:xfrm>
+          <a:prstGeom prst="rect">
+            <a:avLst/>
+          </a:prstGeom>
+          <a:noFill/>
+          <a:extLst>
+            <a:ext uri="{909E8E84-426E-40DD-AFC4-6F175D3DCCD1}">
+              <a14:hiddenFill xmlns:a14="http://schemas.microsoft.com/office/drawing/2010/main">
+                <a:solidFill>
+                  <a:srgbClr val="FFFFFF"/>
+                </a:solidFill>
+              </a14:hiddenFill>
+            </a:ext>
+          </a:extLst>
+        </p:spPr>
+      </p:pic>
+      <p:pic>
+        <p:nvPicPr>
+          <p:cNvPr id="2054" name="Picture 6" descr="Resultado de imagem para emoji - christmas">
+            <a:extLst>
+              <a:ext uri="{FF2B5EF4-FFF2-40B4-BE49-F238E27FC236}">
+                <a16:creationId xmlns:a16="http://schemas.microsoft.com/office/drawing/2014/main" id="{B4760EFA-BC21-45D1-B76E-FEC72CDA1406}"/>
+              </a:ext>
+            </a:extLst>
+          </p:cNvPr>
+          <p:cNvPicPr>
+            <a:picLocks noChangeAspect="1" noChangeArrowheads="1"/>
+          </p:cNvPicPr>
+          <p:nvPr/>
+        </p:nvPicPr>
+        <p:blipFill>
+          <a:blip r:embed="rId5">
+            <a:extLst>
+              <a:ext uri="{28A0092B-C50C-407E-A947-70E740481C1C}">
+                <a14:useLocalDpi xmlns:a14="http://schemas.microsoft.com/office/drawing/2010/main" val="0"/>
+              </a:ext>
+            </a:extLst>
+          </a:blip>
+          <a:srcRect/>
+          <a:stretch>
+            <a:fillRect/>
+          </a:stretch>
+        </p:blipFill>
+        <p:spPr bwMode="auto">
+          <a:xfrm>
+            <a:off x="3289709" y="3170437"/>
+            <a:ext cx="848347" cy="848347"/>
+          </a:xfrm>
+          <a:prstGeom prst="rect">
+            <a:avLst/>
+          </a:prstGeom>
+          <a:noFill/>
+          <a:extLst>
+            <a:ext uri="{909E8E84-426E-40DD-AFC4-6F175D3DCCD1}">
+              <a14:hiddenFill xmlns:a14="http://schemas.microsoft.com/office/drawing/2010/main">
+                <a:solidFill>
+                  <a:srgbClr val="FFFFFF"/>
+                </a:solidFill>
+              </a14:hiddenFill>
+            </a:ext>
+          </a:extLst>
+        </p:spPr>
+      </p:pic>
+      <p:pic>
+        <p:nvPicPr>
+          <p:cNvPr id="10" name="Picture 2" descr="Family: Man, Woman, Boy, Boy on Apple iOS 13.2">
+            <a:extLst>
+              <a:ext uri="{FF2B5EF4-FFF2-40B4-BE49-F238E27FC236}">
+                <a16:creationId xmlns:a16="http://schemas.microsoft.com/office/drawing/2014/main" id="{0CCEED2C-2A2E-4764-9D63-CD94A15A757C}"/>
+              </a:ext>
+            </a:extLst>
+          </p:cNvPr>
+          <p:cNvPicPr>
+            <a:picLocks noChangeAspect="1" noChangeArrowheads="1"/>
+          </p:cNvPicPr>
+          <p:nvPr/>
+        </p:nvPicPr>
+        <p:blipFill rotWithShape="1">
+          <a:blip r:embed="rId3">
+            <a:extLst>
+              <a:ext uri="{28A0092B-C50C-407E-A947-70E740481C1C}">
+                <a14:useLocalDpi xmlns:a14="http://schemas.microsoft.com/office/drawing/2010/main" val="0"/>
+              </a:ext>
+            </a:extLst>
+          </a:blip>
+          <a:srcRect t="48752"/>
+          <a:stretch/>
+        </p:blipFill>
+        <p:spPr bwMode="auto">
+          <a:xfrm>
+            <a:off x="7280121" y="3382415"/>
+            <a:ext cx="933544" cy="478428"/>
+          </a:xfrm>
+          <a:prstGeom prst="rect">
+            <a:avLst/>
+          </a:prstGeom>
+          <a:noFill/>
+          <a:extLst>
+            <a:ext uri="{909E8E84-426E-40DD-AFC4-6F175D3DCCD1}">
+              <a14:hiddenFill xmlns:a14="http://schemas.microsoft.com/office/drawing/2010/main">
+                <a:solidFill>
+                  <a:srgbClr val="FFFFFF"/>
+                </a:solidFill>
+              </a14:hiddenFill>
+            </a:ext>
+          </a:extLst>
+        </p:spPr>
+      </p:pic>
+      <p:pic>
+        <p:nvPicPr>
+          <p:cNvPr id="11" name="Picture 2" descr="Family: Man, Woman, Boy, Boy on Apple iOS 13.2">
+            <a:extLst>
+              <a:ext uri="{FF2B5EF4-FFF2-40B4-BE49-F238E27FC236}">
+                <a16:creationId xmlns:a16="http://schemas.microsoft.com/office/drawing/2014/main" id="{5B7AE5DD-5AB2-4EBE-AE07-5312816E4AE1}"/>
+              </a:ext>
+            </a:extLst>
+          </p:cNvPr>
+          <p:cNvPicPr>
+            <a:picLocks noChangeAspect="1" noChangeArrowheads="1"/>
+          </p:cNvPicPr>
+          <p:nvPr/>
+        </p:nvPicPr>
+        <p:blipFill rotWithShape="1">
+          <a:blip r:embed="rId3">
+            <a:extLst>
+              <a:ext uri="{28A0092B-C50C-407E-A947-70E740481C1C}">
+                <a14:useLocalDpi xmlns:a14="http://schemas.microsoft.com/office/drawing/2010/main" val="0"/>
+              </a:ext>
+            </a:extLst>
+          </a:blip>
+          <a:srcRect t="48752" r="49626"/>
+          <a:stretch/>
+        </p:blipFill>
+        <p:spPr bwMode="auto">
+          <a:xfrm>
+            <a:off x="1846414" y="4151672"/>
+            <a:ext cx="470265" cy="478428"/>
+          </a:xfrm>
+          <a:prstGeom prst="rect">
+            <a:avLst/>
+          </a:prstGeom>
+          <a:noFill/>
+          <a:extLst>
+            <a:ext uri="{909E8E84-426E-40DD-AFC4-6F175D3DCCD1}">
+              <a14:hiddenFill xmlns:a14="http://schemas.microsoft.com/office/drawing/2010/main">
+                <a:solidFill>
+                  <a:srgbClr val="FFFFFF"/>
+                </a:solidFill>
+              </a14:hiddenFill>
+            </a:ext>
+          </a:extLst>
+        </p:spPr>
+      </p:pic>
+      <p:pic>
+        <p:nvPicPr>
+          <p:cNvPr id="2056" name="Picture 8" descr="Resultado de imagem para emoji - virus">
+            <a:extLst>
+              <a:ext uri="{FF2B5EF4-FFF2-40B4-BE49-F238E27FC236}">
+                <a16:creationId xmlns:a16="http://schemas.microsoft.com/office/drawing/2014/main" id="{DFE29D46-4EA7-4980-A98D-46FF6EEB5AF2}"/>
+              </a:ext>
+            </a:extLst>
+          </p:cNvPr>
+          <p:cNvPicPr>
+            <a:picLocks noChangeAspect="1" noChangeArrowheads="1"/>
+          </p:cNvPicPr>
+          <p:nvPr/>
+        </p:nvPicPr>
+        <p:blipFill>
+          <a:blip r:embed="rId6">
+            <a:extLst>
+              <a:ext uri="{28A0092B-C50C-407E-A947-70E740481C1C}">
+                <a14:useLocalDpi xmlns:a14="http://schemas.microsoft.com/office/drawing/2010/main" val="0"/>
+              </a:ext>
+            </a:extLst>
+          </a:blip>
+          <a:srcRect/>
+          <a:stretch>
+            <a:fillRect/>
+          </a:stretch>
+        </p:blipFill>
+        <p:spPr bwMode="auto">
+          <a:xfrm>
+            <a:off x="3304816" y="4116950"/>
+            <a:ext cx="547872" cy="547872"/>
+          </a:xfrm>
+          <a:prstGeom prst="rect">
+            <a:avLst/>
+          </a:prstGeom>
+          <a:noFill/>
+          <a:extLst>
+            <a:ext uri="{909E8E84-426E-40DD-AFC4-6F175D3DCCD1}">
+              <a14:hiddenFill xmlns:a14="http://schemas.microsoft.com/office/drawing/2010/main">
+                <a:solidFill>
+                  <a:srgbClr val="FFFFFF"/>
+                </a:solidFill>
+              </a14:hiddenFill>
+            </a:ext>
+          </a:extLst>
+        </p:spPr>
+      </p:pic>
+      <p:pic>
+        <p:nvPicPr>
+          <p:cNvPr id="2058" name="Picture 10" descr="Resultado de imagem para emoji - sickness">
+            <a:extLst>
+              <a:ext uri="{FF2B5EF4-FFF2-40B4-BE49-F238E27FC236}">
+                <a16:creationId xmlns:a16="http://schemas.microsoft.com/office/drawing/2014/main" id="{1E61F92E-63EA-40E0-B0BB-FB2DEC65288E}"/>
+              </a:ext>
+            </a:extLst>
+          </p:cNvPr>
+          <p:cNvPicPr>
+            <a:picLocks noChangeAspect="1" noChangeArrowheads="1"/>
+          </p:cNvPicPr>
+          <p:nvPr/>
+        </p:nvPicPr>
+        <p:blipFill>
+          <a:blip r:embed="rId7">
+            <a:extLst>
+              <a:ext uri="{28A0092B-C50C-407E-A947-70E740481C1C}">
+                <a14:useLocalDpi xmlns:a14="http://schemas.microsoft.com/office/drawing/2010/main" val="0"/>
+              </a:ext>
+            </a:extLst>
+          </a:blip>
+          <a:srcRect/>
+          <a:stretch>
+            <a:fillRect/>
+          </a:stretch>
+        </p:blipFill>
+        <p:spPr bwMode="auto">
+          <a:xfrm>
+            <a:off x="4842093" y="4056388"/>
+            <a:ext cx="668995" cy="668995"/>
+          </a:xfrm>
+          <a:prstGeom prst="rect">
+            <a:avLst/>
+          </a:prstGeom>
+          <a:noFill/>
+          <a:extLst>
+            <a:ext uri="{909E8E84-426E-40DD-AFC4-6F175D3DCCD1}">
+              <a14:hiddenFill xmlns:a14="http://schemas.microsoft.com/office/drawing/2010/main">
+                <a:solidFill>
+                  <a:srgbClr val="FFFFFF"/>
+                </a:solidFill>
+              </a14:hiddenFill>
+            </a:ext>
+          </a:extLst>
+        </p:spPr>
+      </p:pic>
+      <p:pic>
+        <p:nvPicPr>
+          <p:cNvPr id="2060" name="Picture 12" descr="Resultado de imagem para emoji - old man">
+            <a:extLst>
+              <a:ext uri="{FF2B5EF4-FFF2-40B4-BE49-F238E27FC236}">
+                <a16:creationId xmlns:a16="http://schemas.microsoft.com/office/drawing/2014/main" id="{E3A85CB5-E392-4A57-927C-5C5D9B18D1D3}"/>
+              </a:ext>
+            </a:extLst>
+          </p:cNvPr>
+          <p:cNvPicPr>
+            <a:picLocks noChangeAspect="1" noChangeArrowheads="1"/>
+          </p:cNvPicPr>
+          <p:nvPr/>
+        </p:nvPicPr>
+        <p:blipFill>
+          <a:blip r:embed="rId8">
+            <a:extLst>
+              <a:ext uri="{28A0092B-C50C-407E-A947-70E740481C1C}">
+                <a14:useLocalDpi xmlns:a14="http://schemas.microsoft.com/office/drawing/2010/main" val="0"/>
+              </a:ext>
+            </a:extLst>
+          </a:blip>
+          <a:srcRect/>
+          <a:stretch>
+            <a:fillRect/>
+          </a:stretch>
+        </p:blipFill>
+        <p:spPr bwMode="auto">
+          <a:xfrm>
+            <a:off x="3292807" y="4789055"/>
+            <a:ext cx="547872" cy="547872"/>
+          </a:xfrm>
+          <a:prstGeom prst="rect">
+            <a:avLst/>
+          </a:prstGeom>
+          <a:noFill/>
+          <a:extLst>
+            <a:ext uri="{909E8E84-426E-40DD-AFC4-6F175D3DCCD1}">
+              <a14:hiddenFill xmlns:a14="http://schemas.microsoft.com/office/drawing/2010/main">
+                <a:solidFill>
+                  <a:srgbClr val="FFFFFF"/>
+                </a:solidFill>
+              </a14:hiddenFill>
+            </a:ext>
+          </a:extLst>
+        </p:spPr>
+      </p:pic>
+      <p:pic>
+        <p:nvPicPr>
+          <p:cNvPr id="15" name="Picture 2" descr="Family: Man, Woman, Boy, Boy on Apple iOS 13.2">
+            <a:extLst>
+              <a:ext uri="{FF2B5EF4-FFF2-40B4-BE49-F238E27FC236}">
+                <a16:creationId xmlns:a16="http://schemas.microsoft.com/office/drawing/2014/main" id="{783E797D-D9C4-4C52-A38D-F40FEB0FF336}"/>
+              </a:ext>
+            </a:extLst>
+          </p:cNvPr>
+          <p:cNvPicPr>
+            <a:picLocks noChangeAspect="1" noChangeArrowheads="1"/>
+          </p:cNvPicPr>
+          <p:nvPr/>
+        </p:nvPicPr>
+        <p:blipFill rotWithShape="1">
+          <a:blip r:embed="rId3">
+            <a:extLst>
+              <a:ext uri="{28A0092B-C50C-407E-A947-70E740481C1C}">
+                <a14:useLocalDpi xmlns:a14="http://schemas.microsoft.com/office/drawing/2010/main" val="0"/>
+              </a:ext>
+            </a:extLst>
+          </a:blip>
+          <a:srcRect l="49626" t="48752"/>
+          <a:stretch/>
+        </p:blipFill>
+        <p:spPr bwMode="auto">
+          <a:xfrm>
+            <a:off x="1846413" y="4804274"/>
+            <a:ext cx="470265" cy="478428"/>
+          </a:xfrm>
+          <a:prstGeom prst="rect">
+            <a:avLst/>
+          </a:prstGeom>
+          <a:noFill/>
+          <a:extLst>
+            <a:ext uri="{909E8E84-426E-40DD-AFC4-6F175D3DCCD1}">
+              <a14:hiddenFill xmlns:a14="http://schemas.microsoft.com/office/drawing/2010/main">
+                <a:solidFill>
+                  <a:srgbClr val="FFFFFF"/>
+                </a:solidFill>
+              </a14:hiddenFill>
+            </a:ext>
+          </a:extLst>
+        </p:spPr>
+      </p:pic>
+      <p:pic>
+        <p:nvPicPr>
+          <p:cNvPr id="2066" name="Picture 18" descr="Resultado de imagem para emoji - scissors">
+            <a:extLst>
+              <a:ext uri="{FF2B5EF4-FFF2-40B4-BE49-F238E27FC236}">
+                <a16:creationId xmlns:a16="http://schemas.microsoft.com/office/drawing/2014/main" id="{9147EB7F-A306-41A8-9EAC-89826E837217}"/>
+              </a:ext>
+            </a:extLst>
+          </p:cNvPr>
+          <p:cNvPicPr>
+            <a:picLocks noChangeAspect="1" noChangeArrowheads="1"/>
+          </p:cNvPicPr>
+          <p:nvPr/>
+        </p:nvPicPr>
+        <p:blipFill>
+          <a:blip r:embed="rId9">
+            <a:extLst>
+              <a:ext uri="{28A0092B-C50C-407E-A947-70E740481C1C}">
+                <a14:useLocalDpi xmlns:a14="http://schemas.microsoft.com/office/drawing/2010/main" val="0"/>
+              </a:ext>
+            </a:extLst>
+          </a:blip>
+          <a:srcRect/>
+          <a:stretch>
+            <a:fillRect/>
+          </a:stretch>
+        </p:blipFill>
+        <p:spPr bwMode="auto">
+          <a:xfrm>
+            <a:off x="8519686" y="5458686"/>
+            <a:ext cx="547872" cy="547872"/>
+          </a:xfrm>
+          <a:prstGeom prst="rect">
+            <a:avLst/>
+          </a:prstGeom>
+          <a:noFill/>
+          <a:extLst>
+            <a:ext uri="{909E8E84-426E-40DD-AFC4-6F175D3DCCD1}">
+              <a14:hiddenFill xmlns:a14="http://schemas.microsoft.com/office/drawing/2010/main">
+                <a:solidFill>
+                  <a:srgbClr val="FFFFFF"/>
+                </a:solidFill>
+              </a14:hiddenFill>
+            </a:ext>
+          </a:extLst>
+        </p:spPr>
+      </p:pic>
+      <p:pic>
+        <p:nvPicPr>
+          <p:cNvPr id="2076" name="Picture 28" descr="Imagem relacionada">
+            <a:extLst>
+              <a:ext uri="{FF2B5EF4-FFF2-40B4-BE49-F238E27FC236}">
+                <a16:creationId xmlns:a16="http://schemas.microsoft.com/office/drawing/2014/main" id="{73CAB68E-7E02-48C1-ABEE-5C59E87BB8AA}"/>
+              </a:ext>
+            </a:extLst>
+          </p:cNvPr>
+          <p:cNvPicPr>
+            <a:picLocks noChangeAspect="1" noChangeArrowheads="1"/>
+          </p:cNvPicPr>
+          <p:nvPr/>
+        </p:nvPicPr>
+        <p:blipFill>
+          <a:blip r:embed="rId10">
+            <a:extLst>
+              <a:ext uri="{28A0092B-C50C-407E-A947-70E740481C1C}">
+                <a14:useLocalDpi xmlns:a14="http://schemas.microsoft.com/office/drawing/2010/main" val="0"/>
+              </a:ext>
+            </a:extLst>
+          </a:blip>
+          <a:srcRect/>
+          <a:stretch>
+            <a:fillRect/>
+          </a:stretch>
+        </p:blipFill>
+        <p:spPr bwMode="auto">
+          <a:xfrm>
+            <a:off x="7665663" y="5499262"/>
+            <a:ext cx="487996" cy="487996"/>
+          </a:xfrm>
+          <a:prstGeom prst="rect">
+            <a:avLst/>
+          </a:prstGeom>
+          <a:noFill/>
+          <a:extLst>
+            <a:ext uri="{909E8E84-426E-40DD-AFC4-6F175D3DCCD1}">
+              <a14:hiddenFill xmlns:a14="http://schemas.microsoft.com/office/drawing/2010/main">
+                <a:solidFill>
+                  <a:srgbClr val="FFFFFF"/>
+                </a:solidFill>
+              </a14:hiddenFill>
+            </a:ext>
+          </a:extLst>
+        </p:spPr>
+      </p:pic>
+      <p:pic>
+        <p:nvPicPr>
+          <p:cNvPr id="2078" name="Picture 30" descr="Resultado de imagem para emoji - thread">
+            <a:extLst>
+              <a:ext uri="{FF2B5EF4-FFF2-40B4-BE49-F238E27FC236}">
+                <a16:creationId xmlns:a16="http://schemas.microsoft.com/office/drawing/2014/main" id="{9555E43E-48BF-48E3-9B60-DA4F4980BEEE}"/>
+              </a:ext>
+            </a:extLst>
+          </p:cNvPr>
+          <p:cNvPicPr>
+            <a:picLocks noChangeAspect="1" noChangeArrowheads="1"/>
+          </p:cNvPicPr>
+          <p:nvPr/>
+        </p:nvPicPr>
+        <p:blipFill>
+          <a:blip r:embed="rId11">
+            <a:extLst>
+              <a:ext uri="{28A0092B-C50C-407E-A947-70E740481C1C}">
+                <a14:useLocalDpi xmlns:a14="http://schemas.microsoft.com/office/drawing/2010/main" val="0"/>
+              </a:ext>
+            </a:extLst>
+          </a:blip>
+          <a:srcRect/>
+          <a:stretch>
+            <a:fillRect/>
+          </a:stretch>
+        </p:blipFill>
+        <p:spPr bwMode="auto">
+          <a:xfrm>
+            <a:off x="6846099" y="5493143"/>
+            <a:ext cx="547872" cy="547872"/>
+          </a:xfrm>
+          <a:prstGeom prst="rect">
+            <a:avLst/>
+          </a:prstGeom>
+          <a:noFill/>
+          <a:extLst>
+            <a:ext uri="{909E8E84-426E-40DD-AFC4-6F175D3DCCD1}">
+              <a14:hiddenFill xmlns:a14="http://schemas.microsoft.com/office/drawing/2010/main">
+                <a:solidFill>
+                  <a:srgbClr val="FFFFFF"/>
+                </a:solidFill>
+              </a14:hiddenFill>
+            </a:ext>
+          </a:extLst>
+        </p:spPr>
+      </p:pic>
+      <p:pic>
+        <p:nvPicPr>
+          <p:cNvPr id="2080" name="Picture 32" descr="Resultado de imagem para emoji - parchment">
+            <a:extLst>
+              <a:ext uri="{FF2B5EF4-FFF2-40B4-BE49-F238E27FC236}">
+                <a16:creationId xmlns:a16="http://schemas.microsoft.com/office/drawing/2014/main" id="{40D18AFA-5198-4B2F-8B4D-72AB5B3DE89F}"/>
+              </a:ext>
+            </a:extLst>
+          </p:cNvPr>
+          <p:cNvPicPr>
+            <a:picLocks noChangeAspect="1" noChangeArrowheads="1"/>
+          </p:cNvPicPr>
+          <p:nvPr/>
+        </p:nvPicPr>
+        <p:blipFill>
+          <a:blip r:embed="rId12">
+            <a:extLst>
+              <a:ext uri="{28A0092B-C50C-407E-A947-70E740481C1C}">
+                <a14:useLocalDpi xmlns:a14="http://schemas.microsoft.com/office/drawing/2010/main" val="0"/>
+              </a:ext>
+            </a:extLst>
+          </a:blip>
+          <a:srcRect/>
+          <a:stretch>
+            <a:fillRect/>
+          </a:stretch>
+        </p:blipFill>
+        <p:spPr bwMode="auto">
+          <a:xfrm>
+            <a:off x="3256308" y="5430409"/>
+            <a:ext cx="580454" cy="580454"/>
+          </a:xfrm>
+          <a:prstGeom prst="rect">
+            <a:avLst/>
+          </a:prstGeom>
+          <a:noFill/>
+          <a:extLst>
+            <a:ext uri="{909E8E84-426E-40DD-AFC4-6F175D3DCCD1}">
+              <a14:hiddenFill xmlns:a14="http://schemas.microsoft.com/office/drawing/2010/main">
+                <a:solidFill>
+                  <a:srgbClr val="FFFFFF"/>
+                </a:solidFill>
+              </a14:hiddenFill>
+            </a:ext>
+          </a:extLst>
+        </p:spPr>
+      </p:pic>
+      <p:pic>
+        <p:nvPicPr>
+          <p:cNvPr id="26" name="Picture 12" descr="Resultado de imagem para emoji - old man">
+            <a:extLst>
+              <a:ext uri="{FF2B5EF4-FFF2-40B4-BE49-F238E27FC236}">
+                <a16:creationId xmlns:a16="http://schemas.microsoft.com/office/drawing/2014/main" id="{907E8C80-54F3-45E8-8A57-49244EAF0913}"/>
+              </a:ext>
+            </a:extLst>
+          </p:cNvPr>
+          <p:cNvPicPr>
+            <a:picLocks noChangeAspect="1" noChangeArrowheads="1"/>
+          </p:cNvPicPr>
+          <p:nvPr/>
+        </p:nvPicPr>
+        <p:blipFill>
+          <a:blip r:embed="rId8">
+            <a:extLst>
+              <a:ext uri="{28A0092B-C50C-407E-A947-70E740481C1C}">
+                <a14:useLocalDpi xmlns:a14="http://schemas.microsoft.com/office/drawing/2010/main" val="0"/>
+              </a:ext>
+            </a:extLst>
+          </a:blip>
+          <a:srcRect/>
+          <a:stretch>
+            <a:fillRect/>
+          </a:stretch>
+        </p:blipFill>
+        <p:spPr bwMode="auto">
+          <a:xfrm>
+            <a:off x="1772284" y="5431974"/>
+            <a:ext cx="547872" cy="547872"/>
+          </a:xfrm>
+          <a:prstGeom prst="rect">
+            <a:avLst/>
+          </a:prstGeom>
+          <a:noFill/>
+          <a:extLst>
+            <a:ext uri="{909E8E84-426E-40DD-AFC4-6F175D3DCCD1}">
+              <a14:hiddenFill xmlns:a14="http://schemas.microsoft.com/office/drawing/2010/main">
+                <a:solidFill>
+                  <a:srgbClr val="FFFFFF"/>
+                </a:solidFill>
+              </a14:hiddenFill>
+            </a:ext>
+          </a:extLst>
+        </p:spPr>
+      </p:pic>
+      <p:pic>
+        <p:nvPicPr>
+          <p:cNvPr id="28" name="Picture 2" descr="Family: Man, Woman, Boy, Boy on Apple iOS 13.2">
+            <a:extLst>
+              <a:ext uri="{FF2B5EF4-FFF2-40B4-BE49-F238E27FC236}">
+                <a16:creationId xmlns:a16="http://schemas.microsoft.com/office/drawing/2014/main" id="{8651CA53-0658-4D8F-8BA0-25F7C3554477}"/>
+              </a:ext>
+            </a:extLst>
+          </p:cNvPr>
+          <p:cNvPicPr>
+            <a:picLocks noChangeAspect="1" noChangeArrowheads="1"/>
+          </p:cNvPicPr>
+          <p:nvPr/>
+        </p:nvPicPr>
+        <p:blipFill rotWithShape="1">
+          <a:blip r:embed="rId3">
+            <a:extLst>
+              <a:ext uri="{28A0092B-C50C-407E-A947-70E740481C1C}">
+                <a14:useLocalDpi xmlns:a14="http://schemas.microsoft.com/office/drawing/2010/main" val="0"/>
+              </a:ext>
+            </a:extLst>
+          </a:blip>
+          <a:srcRect t="48752" r="49626"/>
+          <a:stretch/>
+        </p:blipFill>
+        <p:spPr bwMode="auto">
+          <a:xfrm>
+            <a:off x="4929539" y="5502437"/>
+            <a:ext cx="470265" cy="478428"/>
+          </a:xfrm>
+          <a:prstGeom prst="rect">
+            <a:avLst/>
+          </a:prstGeom>
+          <a:noFill/>
+          <a:extLst>
+            <a:ext uri="{909E8E84-426E-40DD-AFC4-6F175D3DCCD1}">
+              <a14:hiddenFill xmlns:a14="http://schemas.microsoft.com/office/drawing/2010/main">
+                <a:solidFill>
+                  <a:srgbClr val="FFFFFF"/>
+                </a:solidFill>
+              </a14:hiddenFill>
+            </a:ext>
+          </a:extLst>
+        </p:spPr>
+      </p:pic>
+      <p:pic>
+        <p:nvPicPr>
+          <p:cNvPr id="2082" name="Picture 34" descr="Resultado de imagem para emoji - smile">
+            <a:extLst>
+              <a:ext uri="{FF2B5EF4-FFF2-40B4-BE49-F238E27FC236}">
+                <a16:creationId xmlns:a16="http://schemas.microsoft.com/office/drawing/2014/main" id="{2FA8BC0C-C089-4A3A-AA3D-21FEFE02A090}"/>
+              </a:ext>
+            </a:extLst>
+          </p:cNvPr>
+          <p:cNvPicPr>
+            <a:picLocks noChangeAspect="1" noChangeArrowheads="1"/>
+          </p:cNvPicPr>
+          <p:nvPr/>
+        </p:nvPicPr>
+        <p:blipFill>
+          <a:blip r:embed="rId13">
+            <a:extLst>
+              <a:ext uri="{28A0092B-C50C-407E-A947-70E740481C1C}">
+                <a14:useLocalDpi xmlns:a14="http://schemas.microsoft.com/office/drawing/2010/main" val="0"/>
+              </a:ext>
+            </a:extLst>
+          </a:blip>
+          <a:srcRect/>
+          <a:stretch>
+            <a:fillRect/>
+          </a:stretch>
+        </p:blipFill>
+        <p:spPr bwMode="auto">
+          <a:xfrm>
+            <a:off x="5714787" y="5473404"/>
+            <a:ext cx="547873" cy="547873"/>
+          </a:xfrm>
+          <a:prstGeom prst="rect">
+            <a:avLst/>
+          </a:prstGeom>
+          <a:noFill/>
+          <a:extLst>
+            <a:ext uri="{909E8E84-426E-40DD-AFC4-6F175D3DCCD1}">
+              <a14:hiddenFill xmlns:a14="http://schemas.microsoft.com/office/drawing/2010/main">
+                <a:solidFill>
+                  <a:srgbClr val="FFFFFF"/>
+                </a:solidFill>
+              </a14:hiddenFill>
+            </a:ext>
+          </a:extLst>
+        </p:spPr>
+      </p:pic>
+      <p:pic>
+        <p:nvPicPr>
+          <p:cNvPr id="30" name="Picture 2" descr="Family: Man, Woman, Boy, Boy on Apple iOS 13.2">
+            <a:extLst>
+              <a:ext uri="{FF2B5EF4-FFF2-40B4-BE49-F238E27FC236}">
+                <a16:creationId xmlns:a16="http://schemas.microsoft.com/office/drawing/2014/main" id="{E8975DD8-44DF-4A40-81C2-870DEC5FD013}"/>
+              </a:ext>
+            </a:extLst>
+          </p:cNvPr>
+          <p:cNvPicPr>
+            <a:picLocks noChangeAspect="1" noChangeArrowheads="1"/>
+          </p:cNvPicPr>
+          <p:nvPr/>
+        </p:nvPicPr>
+        <p:blipFill rotWithShape="1">
+          <a:blip r:embed="rId3">
+            <a:extLst>
+              <a:ext uri="{28A0092B-C50C-407E-A947-70E740481C1C}">
+                <a14:useLocalDpi xmlns:a14="http://schemas.microsoft.com/office/drawing/2010/main" val="0"/>
+              </a:ext>
+            </a:extLst>
+          </a:blip>
+          <a:srcRect l="49626" t="48752"/>
+          <a:stretch/>
+        </p:blipFill>
+        <p:spPr bwMode="auto">
+          <a:xfrm>
+            <a:off x="9603900" y="5483338"/>
+            <a:ext cx="470265" cy="478428"/>
+          </a:xfrm>
+          <a:prstGeom prst="rect">
+            <a:avLst/>
+          </a:prstGeom>
+          <a:noFill/>
+          <a:extLst>
+            <a:ext uri="{909E8E84-426E-40DD-AFC4-6F175D3DCCD1}">
+              <a14:hiddenFill xmlns:a14="http://schemas.microsoft.com/office/drawing/2010/main">
+                <a:solidFill>
+                  <a:srgbClr val="FFFFFF"/>
+                </a:solidFill>
+              </a14:hiddenFill>
+            </a:ext>
+          </a:extLst>
+        </p:spPr>
+      </p:pic>
+      <p:pic>
+        <p:nvPicPr>
+          <p:cNvPr id="31" name="Picture 18" descr="Resultado de imagem para emoji - scissors">
+            <a:extLst>
+              <a:ext uri="{FF2B5EF4-FFF2-40B4-BE49-F238E27FC236}">
+                <a16:creationId xmlns:a16="http://schemas.microsoft.com/office/drawing/2014/main" id="{A07C6797-8C37-408C-A598-3FCF547136B7}"/>
+              </a:ext>
+            </a:extLst>
+          </p:cNvPr>
+          <p:cNvPicPr>
+            <a:picLocks noChangeAspect="1" noChangeArrowheads="1"/>
+          </p:cNvPicPr>
+          <p:nvPr/>
+        </p:nvPicPr>
+        <p:blipFill>
+          <a:blip r:embed="rId9">
+            <a:extLst>
+              <a:ext uri="{28A0092B-C50C-407E-A947-70E740481C1C}">
+                <a14:useLocalDpi xmlns:a14="http://schemas.microsoft.com/office/drawing/2010/main" val="0"/>
+              </a:ext>
+            </a:extLst>
+          </a:blip>
+          <a:srcRect/>
+          <a:stretch>
+            <a:fillRect/>
+          </a:stretch>
+        </p:blipFill>
+        <p:spPr bwMode="auto">
+          <a:xfrm>
+            <a:off x="5372742" y="6157754"/>
+            <a:ext cx="547872" cy="547872"/>
+          </a:xfrm>
+          <a:prstGeom prst="rect">
+            <a:avLst/>
+          </a:prstGeom>
+          <a:noFill/>
+          <a:extLst>
+            <a:ext uri="{909E8E84-426E-40DD-AFC4-6F175D3DCCD1}">
+              <a14:hiddenFill xmlns:a14="http://schemas.microsoft.com/office/drawing/2010/main">
+                <a:solidFill>
+                  <a:srgbClr val="FFFFFF"/>
+                </a:solidFill>
+              </a14:hiddenFill>
+            </a:ext>
+          </a:extLst>
+        </p:spPr>
+      </p:pic>
+      <p:pic>
+        <p:nvPicPr>
+          <p:cNvPr id="32" name="Picture 28" descr="Imagem relacionada">
+            <a:extLst>
+              <a:ext uri="{FF2B5EF4-FFF2-40B4-BE49-F238E27FC236}">
+                <a16:creationId xmlns:a16="http://schemas.microsoft.com/office/drawing/2014/main" id="{C73640B8-04AE-4533-82E8-A8DACBCDB478}"/>
+              </a:ext>
+            </a:extLst>
+          </p:cNvPr>
+          <p:cNvPicPr>
+            <a:picLocks noChangeAspect="1" noChangeArrowheads="1"/>
+          </p:cNvPicPr>
+          <p:nvPr/>
+        </p:nvPicPr>
+        <p:blipFill>
+          <a:blip r:embed="rId10">
+            <a:extLst>
+              <a:ext uri="{28A0092B-C50C-407E-A947-70E740481C1C}">
+                <a14:useLocalDpi xmlns:a14="http://schemas.microsoft.com/office/drawing/2010/main" val="0"/>
+              </a:ext>
+            </a:extLst>
+          </a:blip>
+          <a:srcRect/>
+          <a:stretch>
+            <a:fillRect/>
+          </a:stretch>
+        </p:blipFill>
+        <p:spPr bwMode="auto">
+          <a:xfrm>
+            <a:off x="4372487" y="6192620"/>
+            <a:ext cx="487996" cy="487996"/>
+          </a:xfrm>
+          <a:prstGeom prst="rect">
+            <a:avLst/>
+          </a:prstGeom>
+          <a:noFill/>
+          <a:extLst>
+            <a:ext uri="{909E8E84-426E-40DD-AFC4-6F175D3DCCD1}">
+              <a14:hiddenFill xmlns:a14="http://schemas.microsoft.com/office/drawing/2010/main">
+                <a:solidFill>
+                  <a:srgbClr val="FFFFFF"/>
+                </a:solidFill>
+              </a14:hiddenFill>
+            </a:ext>
+          </a:extLst>
+        </p:spPr>
+      </p:pic>
+      <p:pic>
+        <p:nvPicPr>
+          <p:cNvPr id="33" name="Picture 30" descr="Resultado de imagem para emoji - thread">
+            <a:extLst>
+              <a:ext uri="{FF2B5EF4-FFF2-40B4-BE49-F238E27FC236}">
+                <a16:creationId xmlns:a16="http://schemas.microsoft.com/office/drawing/2014/main" id="{6201E1D8-CF57-430C-BDF4-07E934B884CA}"/>
+              </a:ext>
+            </a:extLst>
+          </p:cNvPr>
+          <p:cNvPicPr>
+            <a:picLocks noChangeAspect="1" noChangeArrowheads="1"/>
+          </p:cNvPicPr>
+          <p:nvPr/>
+        </p:nvPicPr>
+        <p:blipFill>
+          <a:blip r:embed="rId11">
+            <a:extLst>
+              <a:ext uri="{28A0092B-C50C-407E-A947-70E740481C1C}">
+                <a14:useLocalDpi xmlns:a14="http://schemas.microsoft.com/office/drawing/2010/main" val="0"/>
+              </a:ext>
+            </a:extLst>
+          </a:blip>
+          <a:srcRect/>
+          <a:stretch>
+            <a:fillRect/>
+          </a:stretch>
+        </p:blipFill>
+        <p:spPr bwMode="auto">
+          <a:xfrm>
+            <a:off x="3463125" y="6176588"/>
+            <a:ext cx="547872" cy="547872"/>
+          </a:xfrm>
+          <a:prstGeom prst="rect">
+            <a:avLst/>
+          </a:prstGeom>
+          <a:noFill/>
+          <a:extLst>
+            <a:ext uri="{909E8E84-426E-40DD-AFC4-6F175D3DCCD1}">
+              <a14:hiddenFill xmlns:a14="http://schemas.microsoft.com/office/drawing/2010/main">
+                <a:solidFill>
+                  <a:srgbClr val="FFFFFF"/>
+                </a:solidFill>
+              </a14:hiddenFill>
+            </a:ext>
+          </a:extLst>
+        </p:spPr>
+      </p:pic>
+      <p:pic>
+        <p:nvPicPr>
+          <p:cNvPr id="34" name="Picture 12" descr="Resultado de imagem para emoji - old man">
+            <a:extLst>
+              <a:ext uri="{FF2B5EF4-FFF2-40B4-BE49-F238E27FC236}">
+                <a16:creationId xmlns:a16="http://schemas.microsoft.com/office/drawing/2014/main" id="{773BB4AE-51EC-4E85-B274-5D47146B82F2}"/>
+              </a:ext>
+            </a:extLst>
+          </p:cNvPr>
+          <p:cNvPicPr>
+            <a:picLocks noChangeAspect="1" noChangeArrowheads="1"/>
+          </p:cNvPicPr>
+          <p:nvPr/>
+        </p:nvPicPr>
+        <p:blipFill>
+          <a:blip r:embed="rId8">
+            <a:extLst>
+              <a:ext uri="{28A0092B-C50C-407E-A947-70E740481C1C}">
+                <a14:useLocalDpi xmlns:a14="http://schemas.microsoft.com/office/drawing/2010/main" val="0"/>
+              </a:ext>
+            </a:extLst>
+          </a:blip>
+          <a:srcRect/>
+          <a:stretch>
+            <a:fillRect/>
+          </a:stretch>
+        </p:blipFill>
+        <p:spPr bwMode="auto">
+          <a:xfrm>
+            <a:off x="1772284" y="6127913"/>
+            <a:ext cx="547872" cy="547872"/>
+          </a:xfrm>
+          <a:prstGeom prst="rect">
+            <a:avLst/>
+          </a:prstGeom>
+          <a:noFill/>
+          <a:extLst>
+            <a:ext uri="{909E8E84-426E-40DD-AFC4-6F175D3DCCD1}">
+              <a14:hiddenFill xmlns:a14="http://schemas.microsoft.com/office/drawing/2010/main">
+                <a:solidFill>
+                  <a:srgbClr val="FFFFFF"/>
+                </a:solidFill>
+              </a14:hiddenFill>
+            </a:ext>
+          </a:extLst>
+        </p:spPr>
+      </p:pic>
+      <p:pic>
+        <p:nvPicPr>
+          <p:cNvPr id="35" name="Picture 2" descr="Family: Man, Woman, Boy, Boy on Apple iOS 13.2">
+            <a:extLst>
+              <a:ext uri="{FF2B5EF4-FFF2-40B4-BE49-F238E27FC236}">
+                <a16:creationId xmlns:a16="http://schemas.microsoft.com/office/drawing/2014/main" id="{0A038D7B-207B-4599-94C3-C14CCA45BD13}"/>
+              </a:ext>
+            </a:extLst>
+          </p:cNvPr>
+          <p:cNvPicPr>
+            <a:picLocks noChangeAspect="1" noChangeArrowheads="1"/>
+          </p:cNvPicPr>
+          <p:nvPr/>
+        </p:nvPicPr>
+        <p:blipFill>
+          <a:blip r:embed="rId3">
+            <a:extLst>
+              <a:ext uri="{28A0092B-C50C-407E-A947-70E740481C1C}">
+                <a14:useLocalDpi xmlns:a14="http://schemas.microsoft.com/office/drawing/2010/main" val="0"/>
+              </a:ext>
+            </a:extLst>
+          </a:blip>
+          <a:srcRect/>
+          <a:stretch>
+            <a:fillRect/>
+          </a:stretch>
+        </p:blipFill>
+        <p:spPr bwMode="auto">
+          <a:xfrm>
+            <a:off x="6914826" y="6082197"/>
+            <a:ext cx="698986" cy="698986"/>
+          </a:xfrm>
+          <a:prstGeom prst="rect">
+            <a:avLst/>
+          </a:prstGeom>
+          <a:noFill/>
+          <a:extLst>
+            <a:ext uri="{909E8E84-426E-40DD-AFC4-6F175D3DCCD1}">
+              <a14:hiddenFill xmlns:a14="http://schemas.microsoft.com/office/drawing/2010/main">
+                <a:solidFill>
+                  <a:srgbClr val="FFFFFF"/>
+                </a:solidFill>
+              </a14:hiddenFill>
+            </a:ext>
+          </a:extLst>
+        </p:spPr>
+      </p:pic>
+      <p:sp>
+        <p:nvSpPr>
+          <p:cNvPr id="4" name="CaixaDeTexto 3">
+            <a:extLst>
+              <a:ext uri="{FF2B5EF4-FFF2-40B4-BE49-F238E27FC236}">
+                <a16:creationId xmlns:a16="http://schemas.microsoft.com/office/drawing/2014/main" id="{9067B619-33BC-470B-BC8E-9B4AABC25391}"/>
+              </a:ext>
+            </a:extLst>
+          </p:cNvPr>
+          <p:cNvSpPr txBox="1"/>
+          <p:nvPr/>
+        </p:nvSpPr>
+        <p:spPr>
+          <a:xfrm>
+            <a:off x="2712955" y="3349373"/>
+            <a:ext cx="301840" cy="523220"/>
+          </a:xfrm>
+          <a:prstGeom prst="rect">
+            <a:avLst/>
+          </a:prstGeom>
+          <a:noFill/>
+        </p:spPr>
+        <p:txBody>
+          <a:bodyPr wrap="square" rtlCol="0">
+            <a:spAutoFit/>
+          </a:bodyPr>
+          <a:lstStyle/>
+          <a:p>
+            <a:r>
+              <a:rPr lang="pt-PT" sz="2800" b="1" dirty="0"/>
+              <a:t>+</a:t>
+            </a:r>
+          </a:p>
+        </p:txBody>
+      </p:sp>
+      <p:sp>
+        <p:nvSpPr>
+          <p:cNvPr id="37" name="CaixaDeTexto 36">
+            <a:extLst>
+              <a:ext uri="{FF2B5EF4-FFF2-40B4-BE49-F238E27FC236}">
+                <a16:creationId xmlns:a16="http://schemas.microsoft.com/office/drawing/2014/main" id="{8C348BB6-54CA-41C6-A9E6-7AB5F422C584}"/>
+              </a:ext>
+            </a:extLst>
+          </p:cNvPr>
+          <p:cNvSpPr txBox="1"/>
+          <p:nvPr/>
+        </p:nvSpPr>
+        <p:spPr>
+          <a:xfrm>
+            <a:off x="4229130" y="3350922"/>
+            <a:ext cx="301840" cy="523220"/>
+          </a:xfrm>
+          <a:prstGeom prst="rect">
+            <a:avLst/>
+          </a:prstGeom>
+          <a:noFill/>
+        </p:spPr>
+        <p:txBody>
+          <a:bodyPr wrap="square" rtlCol="0">
+            <a:spAutoFit/>
+          </a:bodyPr>
+          <a:lstStyle/>
+          <a:p>
+            <a:r>
+              <a:rPr lang="pt-PT" sz="2800" b="1" dirty="0"/>
+              <a:t>+</a:t>
+            </a:r>
+          </a:p>
+        </p:txBody>
+      </p:sp>
+      <p:sp>
+        <p:nvSpPr>
+          <p:cNvPr id="38" name="CaixaDeTexto 37">
+            <a:extLst>
+              <a:ext uri="{FF2B5EF4-FFF2-40B4-BE49-F238E27FC236}">
+                <a16:creationId xmlns:a16="http://schemas.microsoft.com/office/drawing/2014/main" id="{694B317D-E85A-4E98-B9CA-3A9C1983BF99}"/>
+              </a:ext>
+            </a:extLst>
+          </p:cNvPr>
+          <p:cNvSpPr txBox="1"/>
+          <p:nvPr/>
+        </p:nvSpPr>
+        <p:spPr>
+          <a:xfrm>
+            <a:off x="2712955" y="4125895"/>
+            <a:ext cx="301840" cy="523220"/>
+          </a:xfrm>
+          <a:prstGeom prst="rect">
+            <a:avLst/>
+          </a:prstGeom>
+          <a:noFill/>
+        </p:spPr>
+        <p:txBody>
+          <a:bodyPr wrap="square" rtlCol="0">
+            <a:spAutoFit/>
+          </a:bodyPr>
+          <a:lstStyle/>
+          <a:p>
+            <a:r>
+              <a:rPr lang="pt-PT" sz="2800" b="1" dirty="0"/>
+              <a:t>+</a:t>
+            </a:r>
+          </a:p>
+        </p:txBody>
+      </p:sp>
+      <p:sp>
+        <p:nvSpPr>
+          <p:cNvPr id="39" name="CaixaDeTexto 38">
+            <a:extLst>
+              <a:ext uri="{FF2B5EF4-FFF2-40B4-BE49-F238E27FC236}">
+                <a16:creationId xmlns:a16="http://schemas.microsoft.com/office/drawing/2014/main" id="{AB94460C-AA55-4FBD-86C2-6F09FD260FF0}"/>
+              </a:ext>
+            </a:extLst>
+          </p:cNvPr>
+          <p:cNvSpPr txBox="1"/>
+          <p:nvPr/>
+        </p:nvSpPr>
+        <p:spPr>
+          <a:xfrm>
+            <a:off x="4245088" y="4205659"/>
+            <a:ext cx="301840" cy="523220"/>
+          </a:xfrm>
+          <a:prstGeom prst="rect">
+            <a:avLst/>
+          </a:prstGeom>
+          <a:noFill/>
+        </p:spPr>
+        <p:txBody>
+          <a:bodyPr wrap="square" rtlCol="0">
+            <a:spAutoFit/>
+          </a:bodyPr>
+          <a:lstStyle/>
+          <a:p>
+            <a:r>
+              <a:rPr lang="pt-PT" sz="2800" b="1" dirty="0"/>
+              <a:t>+</a:t>
+            </a:r>
+          </a:p>
+        </p:txBody>
+      </p:sp>
+      <p:sp>
+        <p:nvSpPr>
+          <p:cNvPr id="40" name="CaixaDeTexto 39">
+            <a:extLst>
+              <a:ext uri="{FF2B5EF4-FFF2-40B4-BE49-F238E27FC236}">
+                <a16:creationId xmlns:a16="http://schemas.microsoft.com/office/drawing/2014/main" id="{A09E9499-2F5D-42A1-B6A6-850610BBFD42}"/>
+              </a:ext>
+            </a:extLst>
+          </p:cNvPr>
+          <p:cNvSpPr txBox="1"/>
+          <p:nvPr/>
+        </p:nvSpPr>
+        <p:spPr>
+          <a:xfrm>
+            <a:off x="2712955" y="4726566"/>
+            <a:ext cx="301840" cy="523220"/>
+          </a:xfrm>
+          <a:prstGeom prst="rect">
+            <a:avLst/>
+          </a:prstGeom>
+          <a:noFill/>
+        </p:spPr>
+        <p:txBody>
+          <a:bodyPr wrap="square" rtlCol="0">
+            <a:spAutoFit/>
+          </a:bodyPr>
+          <a:lstStyle/>
+          <a:p>
+            <a:r>
+              <a:rPr lang="pt-PT" sz="2800" b="1" dirty="0"/>
+              <a:t>+</a:t>
+            </a:r>
+          </a:p>
+        </p:txBody>
+      </p:sp>
+      <p:sp>
+        <p:nvSpPr>
+          <p:cNvPr id="41" name="CaixaDeTexto 40">
+            <a:extLst>
+              <a:ext uri="{FF2B5EF4-FFF2-40B4-BE49-F238E27FC236}">
+                <a16:creationId xmlns:a16="http://schemas.microsoft.com/office/drawing/2014/main" id="{870DE507-2E3C-4022-812B-99C54F041EDE}"/>
+              </a:ext>
+            </a:extLst>
+          </p:cNvPr>
+          <p:cNvSpPr txBox="1"/>
+          <p:nvPr/>
+        </p:nvSpPr>
+        <p:spPr>
+          <a:xfrm>
+            <a:off x="4269176" y="4885169"/>
+            <a:ext cx="660363" cy="523220"/>
+          </a:xfrm>
+          <a:prstGeom prst="rect">
+            <a:avLst/>
+          </a:prstGeom>
+          <a:noFill/>
+        </p:spPr>
+        <p:txBody>
+          <a:bodyPr wrap="square" rtlCol="0">
+            <a:spAutoFit/>
+          </a:bodyPr>
+          <a:lstStyle/>
+          <a:p>
+            <a:r>
+              <a:rPr lang="pt-PT" sz="2800" b="1" dirty="0"/>
+              <a:t>=&gt;</a:t>
+            </a:r>
+          </a:p>
+        </p:txBody>
+      </p:sp>
+      <p:sp>
+        <p:nvSpPr>
+          <p:cNvPr id="42" name="CaixaDeTexto 41">
+            <a:extLst>
+              <a:ext uri="{FF2B5EF4-FFF2-40B4-BE49-F238E27FC236}">
+                <a16:creationId xmlns:a16="http://schemas.microsoft.com/office/drawing/2014/main" id="{962744EA-6499-47A1-B900-39A5C9E8FBD3}"/>
+              </a:ext>
+            </a:extLst>
+          </p:cNvPr>
+          <p:cNvSpPr txBox="1"/>
+          <p:nvPr/>
+        </p:nvSpPr>
+        <p:spPr>
+          <a:xfrm>
+            <a:off x="2715697" y="5471889"/>
+            <a:ext cx="301840" cy="523220"/>
+          </a:xfrm>
+          <a:prstGeom prst="rect">
+            <a:avLst/>
+          </a:prstGeom>
+          <a:noFill/>
+        </p:spPr>
+        <p:txBody>
+          <a:bodyPr wrap="square" rtlCol="0">
+            <a:spAutoFit/>
+          </a:bodyPr>
+          <a:lstStyle/>
+          <a:p>
+            <a:r>
+              <a:rPr lang="pt-PT" sz="2800" b="1" dirty="0"/>
+              <a:t>+</a:t>
+            </a:r>
+          </a:p>
+        </p:txBody>
+      </p:sp>
+      <p:sp>
+        <p:nvSpPr>
+          <p:cNvPr id="43" name="CaixaDeTexto 42">
+            <a:extLst>
+              <a:ext uri="{FF2B5EF4-FFF2-40B4-BE49-F238E27FC236}">
+                <a16:creationId xmlns:a16="http://schemas.microsoft.com/office/drawing/2014/main" id="{09FF5696-2C07-433F-9538-242712994415}"/>
+              </a:ext>
+            </a:extLst>
+          </p:cNvPr>
+          <p:cNvSpPr txBox="1"/>
+          <p:nvPr/>
+        </p:nvSpPr>
+        <p:spPr>
+          <a:xfrm>
+            <a:off x="2718653" y="6157396"/>
+            <a:ext cx="301840" cy="523220"/>
+          </a:xfrm>
+          <a:prstGeom prst="rect">
+            <a:avLst/>
+          </a:prstGeom>
+          <a:noFill/>
+        </p:spPr>
+        <p:txBody>
+          <a:bodyPr wrap="square" rtlCol="0">
+            <a:spAutoFit/>
+          </a:bodyPr>
+          <a:lstStyle/>
+          <a:p>
+            <a:r>
+              <a:rPr lang="pt-PT" sz="2800" b="1" dirty="0"/>
+              <a:t>+</a:t>
+            </a:r>
+          </a:p>
+        </p:txBody>
+      </p:sp>
+      <p:sp>
+        <p:nvSpPr>
+          <p:cNvPr id="45" name="CaixaDeTexto 44">
+            <a:extLst>
+              <a:ext uri="{FF2B5EF4-FFF2-40B4-BE49-F238E27FC236}">
+                <a16:creationId xmlns:a16="http://schemas.microsoft.com/office/drawing/2014/main" id="{5511836A-7A28-47D8-881F-236C862881A1}"/>
+              </a:ext>
+            </a:extLst>
+          </p:cNvPr>
+          <p:cNvSpPr txBox="1"/>
+          <p:nvPr/>
+        </p:nvSpPr>
+        <p:spPr>
+          <a:xfrm>
+            <a:off x="3963979" y="6148834"/>
+            <a:ext cx="301840" cy="523220"/>
+          </a:xfrm>
+          <a:prstGeom prst="rect">
+            <a:avLst/>
+          </a:prstGeom>
+          <a:noFill/>
+        </p:spPr>
+        <p:txBody>
+          <a:bodyPr wrap="square" rtlCol="0">
+            <a:spAutoFit/>
+          </a:bodyPr>
+          <a:lstStyle/>
+          <a:p>
+            <a:r>
+              <a:rPr lang="pt-PT" sz="2800" b="1" dirty="0"/>
+              <a:t>+</a:t>
+            </a:r>
+          </a:p>
+        </p:txBody>
+      </p:sp>
+      <p:sp>
+        <p:nvSpPr>
+          <p:cNvPr id="46" name="CaixaDeTexto 45">
+            <a:extLst>
+              <a:ext uri="{FF2B5EF4-FFF2-40B4-BE49-F238E27FC236}">
+                <a16:creationId xmlns:a16="http://schemas.microsoft.com/office/drawing/2014/main" id="{809AE384-CAF5-49AF-8471-C801D5AF452D}"/>
+              </a:ext>
+            </a:extLst>
+          </p:cNvPr>
+          <p:cNvSpPr txBox="1"/>
+          <p:nvPr/>
+        </p:nvSpPr>
+        <p:spPr>
+          <a:xfrm>
+            <a:off x="5002192" y="6170080"/>
+            <a:ext cx="301840" cy="523220"/>
+          </a:xfrm>
+          <a:prstGeom prst="rect">
+            <a:avLst/>
+          </a:prstGeom>
+          <a:noFill/>
+        </p:spPr>
+        <p:txBody>
+          <a:bodyPr wrap="square" rtlCol="0">
+            <a:spAutoFit/>
+          </a:bodyPr>
+          <a:lstStyle/>
+          <a:p>
+            <a:r>
+              <a:rPr lang="pt-PT" sz="2800" b="1" dirty="0"/>
+              <a:t>+</a:t>
+            </a:r>
+          </a:p>
+        </p:txBody>
+      </p:sp>
+      <p:sp>
+        <p:nvSpPr>
+          <p:cNvPr id="47" name="CaixaDeTexto 46">
+            <a:extLst>
+              <a:ext uri="{FF2B5EF4-FFF2-40B4-BE49-F238E27FC236}">
+                <a16:creationId xmlns:a16="http://schemas.microsoft.com/office/drawing/2014/main" id="{48BFB2B1-4DCF-4B46-A29F-ED2B488B2CBD}"/>
+              </a:ext>
+            </a:extLst>
+          </p:cNvPr>
+          <p:cNvSpPr txBox="1"/>
+          <p:nvPr/>
+        </p:nvSpPr>
+        <p:spPr>
+          <a:xfrm>
+            <a:off x="5394041" y="5498057"/>
+            <a:ext cx="301840" cy="523220"/>
+          </a:xfrm>
+          <a:prstGeom prst="rect">
+            <a:avLst/>
+          </a:prstGeom>
+          <a:noFill/>
+        </p:spPr>
+        <p:txBody>
+          <a:bodyPr wrap="square" rtlCol="0">
+            <a:spAutoFit/>
+          </a:bodyPr>
+          <a:lstStyle/>
+          <a:p>
+            <a:r>
+              <a:rPr lang="pt-PT" sz="2800" b="1" dirty="0"/>
+              <a:t>+</a:t>
+            </a:r>
+          </a:p>
+        </p:txBody>
+      </p:sp>
+      <p:sp>
+        <p:nvSpPr>
+          <p:cNvPr id="48" name="CaixaDeTexto 47">
+            <a:extLst>
+              <a:ext uri="{FF2B5EF4-FFF2-40B4-BE49-F238E27FC236}">
+                <a16:creationId xmlns:a16="http://schemas.microsoft.com/office/drawing/2014/main" id="{7D4C3EFF-9465-4D2B-94F4-5A50DC177CEF}"/>
+              </a:ext>
+            </a:extLst>
+          </p:cNvPr>
+          <p:cNvSpPr txBox="1"/>
+          <p:nvPr/>
+        </p:nvSpPr>
+        <p:spPr>
+          <a:xfrm>
+            <a:off x="7277907" y="5493142"/>
+            <a:ext cx="301840" cy="523220"/>
+          </a:xfrm>
+          <a:prstGeom prst="rect">
+            <a:avLst/>
+          </a:prstGeom>
+          <a:noFill/>
+        </p:spPr>
+        <p:txBody>
+          <a:bodyPr wrap="square" rtlCol="0">
+            <a:spAutoFit/>
+          </a:bodyPr>
+          <a:lstStyle/>
+          <a:p>
+            <a:r>
+              <a:rPr lang="pt-PT" sz="2800" b="1" dirty="0"/>
+              <a:t>+</a:t>
+            </a:r>
+          </a:p>
+        </p:txBody>
+      </p:sp>
+      <p:sp>
+        <p:nvSpPr>
+          <p:cNvPr id="49" name="CaixaDeTexto 48">
+            <a:extLst>
+              <a:ext uri="{FF2B5EF4-FFF2-40B4-BE49-F238E27FC236}">
+                <a16:creationId xmlns:a16="http://schemas.microsoft.com/office/drawing/2014/main" id="{7F559EF4-B1B9-4216-A73D-2D8BCF157A22}"/>
+              </a:ext>
+            </a:extLst>
+          </p:cNvPr>
+          <p:cNvSpPr txBox="1"/>
+          <p:nvPr/>
+        </p:nvSpPr>
+        <p:spPr>
+          <a:xfrm>
+            <a:off x="8180637" y="5483338"/>
+            <a:ext cx="301840" cy="523220"/>
+          </a:xfrm>
+          <a:prstGeom prst="rect">
+            <a:avLst/>
+          </a:prstGeom>
+          <a:noFill/>
+        </p:spPr>
+        <p:txBody>
+          <a:bodyPr wrap="square" rtlCol="0">
+            <a:spAutoFit/>
+          </a:bodyPr>
+          <a:lstStyle/>
+          <a:p>
+            <a:r>
+              <a:rPr lang="pt-PT" sz="2800" b="1" dirty="0"/>
+              <a:t>+</a:t>
+            </a:r>
+          </a:p>
+        </p:txBody>
+      </p:sp>
+      <p:sp>
+        <p:nvSpPr>
+          <p:cNvPr id="50" name="CaixaDeTexto 49">
+            <a:extLst>
+              <a:ext uri="{FF2B5EF4-FFF2-40B4-BE49-F238E27FC236}">
+                <a16:creationId xmlns:a16="http://schemas.microsoft.com/office/drawing/2014/main" id="{F090887D-E634-4207-8789-3CAF91FAB134}"/>
+              </a:ext>
+            </a:extLst>
+          </p:cNvPr>
+          <p:cNvSpPr txBox="1"/>
+          <p:nvPr/>
+        </p:nvSpPr>
+        <p:spPr>
+          <a:xfrm>
+            <a:off x="9118223" y="5441515"/>
+            <a:ext cx="301840" cy="523220"/>
+          </a:xfrm>
+          <a:prstGeom prst="rect">
+            <a:avLst/>
+          </a:prstGeom>
+          <a:noFill/>
+        </p:spPr>
+        <p:txBody>
+          <a:bodyPr wrap="square" rtlCol="0">
+            <a:spAutoFit/>
+          </a:bodyPr>
+          <a:lstStyle/>
+          <a:p>
+            <a:r>
+              <a:rPr lang="pt-PT" sz="2800" b="1" dirty="0"/>
+              <a:t>+</a:t>
+            </a:r>
+          </a:p>
+        </p:txBody>
+      </p:sp>
+      <p:sp>
+        <p:nvSpPr>
+          <p:cNvPr id="51" name="CaixaDeTexto 50">
+            <a:extLst>
+              <a:ext uri="{FF2B5EF4-FFF2-40B4-BE49-F238E27FC236}">
+                <a16:creationId xmlns:a16="http://schemas.microsoft.com/office/drawing/2014/main" id="{FEA9E5F5-8D4D-4D02-BACD-668377088492}"/>
+              </a:ext>
+            </a:extLst>
+          </p:cNvPr>
+          <p:cNvSpPr txBox="1"/>
+          <p:nvPr/>
+        </p:nvSpPr>
+        <p:spPr>
+          <a:xfrm>
+            <a:off x="4229130" y="5459026"/>
+            <a:ext cx="301840" cy="523220"/>
+          </a:xfrm>
+          <a:prstGeom prst="rect">
+            <a:avLst/>
+          </a:prstGeom>
+          <a:noFill/>
+        </p:spPr>
+        <p:txBody>
+          <a:bodyPr wrap="square" rtlCol="0">
+            <a:spAutoFit/>
+          </a:bodyPr>
+          <a:lstStyle/>
+          <a:p>
+            <a:r>
+              <a:rPr lang="pt-PT" sz="2800" b="1" dirty="0"/>
+              <a:t>=</a:t>
+            </a:r>
+          </a:p>
+        </p:txBody>
+      </p:sp>
+      <p:sp>
+        <p:nvSpPr>
+          <p:cNvPr id="53" name="CaixaDeTexto 52">
+            <a:extLst>
+              <a:ext uri="{FF2B5EF4-FFF2-40B4-BE49-F238E27FC236}">
+                <a16:creationId xmlns:a16="http://schemas.microsoft.com/office/drawing/2014/main" id="{282D9029-EA46-4E5B-A756-7E1C9443F9BE}"/>
+              </a:ext>
+            </a:extLst>
+          </p:cNvPr>
+          <p:cNvSpPr txBox="1"/>
+          <p:nvPr/>
+        </p:nvSpPr>
+        <p:spPr>
+          <a:xfrm>
+            <a:off x="6695179" y="3338352"/>
+            <a:ext cx="301840" cy="523220"/>
+          </a:xfrm>
+          <a:prstGeom prst="rect">
+            <a:avLst/>
+          </a:prstGeom>
+          <a:noFill/>
+        </p:spPr>
+        <p:txBody>
+          <a:bodyPr wrap="square" rtlCol="0">
+            <a:spAutoFit/>
+          </a:bodyPr>
+          <a:lstStyle/>
+          <a:p>
+            <a:r>
+              <a:rPr lang="pt-PT" sz="2800" b="1" dirty="0"/>
+              <a:t>=</a:t>
+            </a:r>
+          </a:p>
+        </p:txBody>
+      </p:sp>
+      <p:sp>
+        <p:nvSpPr>
+          <p:cNvPr id="54" name="CaixaDeTexto 53">
+            <a:extLst>
+              <a:ext uri="{FF2B5EF4-FFF2-40B4-BE49-F238E27FC236}">
+                <a16:creationId xmlns:a16="http://schemas.microsoft.com/office/drawing/2014/main" id="{E32773B4-0648-4CAD-B048-2A5EFDF2A96D}"/>
+              </a:ext>
+            </a:extLst>
+          </p:cNvPr>
+          <p:cNvSpPr txBox="1"/>
+          <p:nvPr/>
+        </p:nvSpPr>
+        <p:spPr>
+          <a:xfrm>
+            <a:off x="6218693" y="6160078"/>
+            <a:ext cx="301840" cy="523220"/>
+          </a:xfrm>
+          <a:prstGeom prst="rect">
+            <a:avLst/>
+          </a:prstGeom>
+          <a:noFill/>
+        </p:spPr>
+        <p:txBody>
+          <a:bodyPr wrap="square" rtlCol="0">
+            <a:spAutoFit/>
+          </a:bodyPr>
+          <a:lstStyle/>
+          <a:p>
+            <a:r>
+              <a:rPr lang="pt-PT" sz="2800" b="1" dirty="0"/>
+              <a:t>=</a:t>
+            </a:r>
+          </a:p>
+        </p:txBody>
+      </p:sp>
+      <p:pic>
+        <p:nvPicPr>
+          <p:cNvPr id="55" name="Picture 18" descr="Resultado de imagem para emoji - scissors">
+            <a:extLst>
+              <a:ext uri="{FF2B5EF4-FFF2-40B4-BE49-F238E27FC236}">
+                <a16:creationId xmlns:a16="http://schemas.microsoft.com/office/drawing/2014/main" id="{D84A6E6B-EEC7-4BBF-BFA9-DE067EE3B01A}"/>
+              </a:ext>
+            </a:extLst>
+          </p:cNvPr>
+          <p:cNvPicPr>
+            <a:picLocks noChangeAspect="1" noChangeArrowheads="1"/>
+          </p:cNvPicPr>
+          <p:nvPr/>
+        </p:nvPicPr>
+        <p:blipFill>
+          <a:blip r:embed="rId9">
+            <a:extLst>
+              <a:ext uri="{28A0092B-C50C-407E-A947-70E740481C1C}">
+                <a14:useLocalDpi xmlns:a14="http://schemas.microsoft.com/office/drawing/2010/main" val="0"/>
+              </a:ext>
+            </a:extLst>
+          </a:blip>
+          <a:srcRect/>
+          <a:stretch>
+            <a:fillRect/>
+          </a:stretch>
+        </p:blipFill>
+        <p:spPr bwMode="auto">
+          <a:xfrm>
+            <a:off x="6774576" y="4774819"/>
+            <a:ext cx="501406" cy="547872"/>
+          </a:xfrm>
+          <a:prstGeom prst="rect">
+            <a:avLst/>
+          </a:prstGeom>
+          <a:noFill/>
+          <a:extLst>
+            <a:ext uri="{909E8E84-426E-40DD-AFC4-6F175D3DCCD1}">
+              <a14:hiddenFill xmlns:a14="http://schemas.microsoft.com/office/drawing/2010/main">
+                <a:solidFill>
+                  <a:srgbClr val="FFFFFF"/>
+                </a:solidFill>
+              </a14:hiddenFill>
+            </a:ext>
+          </a:extLst>
+        </p:spPr>
+      </p:pic>
+      <p:pic>
+        <p:nvPicPr>
+          <p:cNvPr id="56" name="Picture 28" descr="Imagem relacionada">
+            <a:extLst>
+              <a:ext uri="{FF2B5EF4-FFF2-40B4-BE49-F238E27FC236}">
+                <a16:creationId xmlns:a16="http://schemas.microsoft.com/office/drawing/2014/main" id="{2DE8BF0E-5E34-48EF-A347-34A524D1A60C}"/>
+              </a:ext>
+            </a:extLst>
+          </p:cNvPr>
+          <p:cNvPicPr>
+            <a:picLocks noChangeAspect="1" noChangeArrowheads="1"/>
+          </p:cNvPicPr>
+          <p:nvPr/>
+        </p:nvPicPr>
+        <p:blipFill>
+          <a:blip r:embed="rId10">
+            <a:extLst>
+              <a:ext uri="{28A0092B-C50C-407E-A947-70E740481C1C}">
+                <a14:useLocalDpi xmlns:a14="http://schemas.microsoft.com/office/drawing/2010/main" val="0"/>
+              </a:ext>
+            </a:extLst>
+          </a:blip>
+          <a:srcRect/>
+          <a:stretch>
+            <a:fillRect/>
+          </a:stretch>
+        </p:blipFill>
+        <p:spPr bwMode="auto">
+          <a:xfrm>
+            <a:off x="5774321" y="4809685"/>
+            <a:ext cx="446608" cy="487996"/>
+          </a:xfrm>
+          <a:prstGeom prst="rect">
+            <a:avLst/>
+          </a:prstGeom>
+          <a:noFill/>
+          <a:extLst>
+            <a:ext uri="{909E8E84-426E-40DD-AFC4-6F175D3DCCD1}">
+              <a14:hiddenFill xmlns:a14="http://schemas.microsoft.com/office/drawing/2010/main">
+                <a:solidFill>
+                  <a:srgbClr val="FFFFFF"/>
+                </a:solidFill>
+              </a14:hiddenFill>
+            </a:ext>
+          </a:extLst>
+        </p:spPr>
+      </p:pic>
+      <p:pic>
+        <p:nvPicPr>
+          <p:cNvPr id="57" name="Picture 30" descr="Resultado de imagem para emoji - thread">
+            <a:extLst>
+              <a:ext uri="{FF2B5EF4-FFF2-40B4-BE49-F238E27FC236}">
+                <a16:creationId xmlns:a16="http://schemas.microsoft.com/office/drawing/2014/main" id="{589601C5-7387-43FB-B47D-D456D3C7BC3B}"/>
+              </a:ext>
+            </a:extLst>
+          </p:cNvPr>
+          <p:cNvPicPr>
+            <a:picLocks noChangeAspect="1" noChangeArrowheads="1"/>
+          </p:cNvPicPr>
+          <p:nvPr/>
+        </p:nvPicPr>
+        <p:blipFill>
+          <a:blip r:embed="rId11">
+            <a:extLst>
+              <a:ext uri="{28A0092B-C50C-407E-A947-70E740481C1C}">
+                <a14:useLocalDpi xmlns:a14="http://schemas.microsoft.com/office/drawing/2010/main" val="0"/>
+              </a:ext>
+            </a:extLst>
+          </a:blip>
+          <a:srcRect/>
+          <a:stretch>
+            <a:fillRect/>
+          </a:stretch>
+        </p:blipFill>
+        <p:spPr bwMode="auto">
+          <a:xfrm>
+            <a:off x="4864959" y="4793653"/>
+            <a:ext cx="501406" cy="547872"/>
+          </a:xfrm>
+          <a:prstGeom prst="rect">
+            <a:avLst/>
+          </a:prstGeom>
+          <a:noFill/>
+          <a:extLst>
+            <a:ext uri="{909E8E84-426E-40DD-AFC4-6F175D3DCCD1}">
+              <a14:hiddenFill xmlns:a14="http://schemas.microsoft.com/office/drawing/2010/main">
+                <a:solidFill>
+                  <a:srgbClr val="FFFFFF"/>
+                </a:solidFill>
+              </a14:hiddenFill>
+            </a:ext>
+          </a:extLst>
+        </p:spPr>
+      </p:pic>
+      <p:sp>
+        <p:nvSpPr>
+          <p:cNvPr id="58" name="CaixaDeTexto 57">
+            <a:extLst>
+              <a:ext uri="{FF2B5EF4-FFF2-40B4-BE49-F238E27FC236}">
+                <a16:creationId xmlns:a16="http://schemas.microsoft.com/office/drawing/2014/main" id="{984B9631-2A0A-4B2E-813D-B3F8C1E133D1}"/>
+              </a:ext>
+            </a:extLst>
+          </p:cNvPr>
+          <p:cNvSpPr txBox="1"/>
+          <p:nvPr/>
+        </p:nvSpPr>
+        <p:spPr>
+          <a:xfrm>
+            <a:off x="5365813" y="4765899"/>
+            <a:ext cx="276240" cy="523220"/>
+          </a:xfrm>
+          <a:prstGeom prst="rect">
+            <a:avLst/>
+          </a:prstGeom>
+          <a:noFill/>
+        </p:spPr>
+        <p:txBody>
+          <a:bodyPr wrap="square" rtlCol="0">
+            <a:spAutoFit/>
+          </a:bodyPr>
+          <a:lstStyle/>
+          <a:p>
+            <a:r>
+              <a:rPr lang="pt-PT" sz="2800" b="1" dirty="0"/>
+              <a:t>+</a:t>
+            </a:r>
+          </a:p>
+        </p:txBody>
+      </p:sp>
+      <p:sp>
+        <p:nvSpPr>
+          <p:cNvPr id="59" name="CaixaDeTexto 58">
+            <a:extLst>
+              <a:ext uri="{FF2B5EF4-FFF2-40B4-BE49-F238E27FC236}">
+                <a16:creationId xmlns:a16="http://schemas.microsoft.com/office/drawing/2014/main" id="{01CA1461-B463-412C-ACFB-47629CFF824B}"/>
+              </a:ext>
+            </a:extLst>
+          </p:cNvPr>
+          <p:cNvSpPr txBox="1"/>
+          <p:nvPr/>
+        </p:nvSpPr>
+        <p:spPr>
+          <a:xfrm>
+            <a:off x="6404026" y="4787145"/>
+            <a:ext cx="276240" cy="523220"/>
+          </a:xfrm>
+          <a:prstGeom prst="rect">
+            <a:avLst/>
+          </a:prstGeom>
+          <a:noFill/>
+        </p:spPr>
+        <p:txBody>
+          <a:bodyPr wrap="square" rtlCol="0">
+            <a:spAutoFit/>
+          </a:bodyPr>
+          <a:lstStyle/>
+          <a:p>
+            <a:r>
+              <a:rPr lang="pt-PT" sz="2800" b="1" dirty="0"/>
+              <a:t>+</a:t>
+            </a:r>
+          </a:p>
+        </p:txBody>
+      </p:sp>
+      <p:pic>
+        <p:nvPicPr>
+          <p:cNvPr id="2084" name="Picture 36" descr="Resultado de imagem para emoji - netflix">
+            <a:extLst>
+              <a:ext uri="{FF2B5EF4-FFF2-40B4-BE49-F238E27FC236}">
+                <a16:creationId xmlns:a16="http://schemas.microsoft.com/office/drawing/2014/main" id="{1FDD7BAE-058B-4705-97B5-968AF01130C9}"/>
+              </a:ext>
+            </a:extLst>
+          </p:cNvPr>
+          <p:cNvPicPr>
+            <a:picLocks noChangeAspect="1" noChangeArrowheads="1"/>
+          </p:cNvPicPr>
+          <p:nvPr/>
+        </p:nvPicPr>
+        <p:blipFill>
+          <a:blip r:embed="rId14">
+            <a:extLst>
+              <a:ext uri="{28A0092B-C50C-407E-A947-70E740481C1C}">
+                <a14:useLocalDpi xmlns:a14="http://schemas.microsoft.com/office/drawing/2010/main" val="0"/>
+              </a:ext>
+            </a:extLst>
+          </a:blip>
+          <a:srcRect/>
+          <a:stretch>
+            <a:fillRect/>
+          </a:stretch>
+        </p:blipFill>
+        <p:spPr bwMode="auto">
+          <a:xfrm>
+            <a:off x="7993071" y="4774437"/>
+            <a:ext cx="489397" cy="489397"/>
+          </a:xfrm>
+          <a:prstGeom prst="rect">
+            <a:avLst/>
+          </a:prstGeom>
+          <a:noFill/>
+          <a:extLst>
+            <a:ext uri="{909E8E84-426E-40DD-AFC4-6F175D3DCCD1}">
+              <a14:hiddenFill xmlns:a14="http://schemas.microsoft.com/office/drawing/2010/main">
+                <a:solidFill>
+                  <a:srgbClr val="FFFFFF"/>
+                </a:solidFill>
+              </a14:hiddenFill>
+            </a:ext>
+          </a:extLst>
+        </p:spPr>
+      </p:pic>
+      <p:sp>
+        <p:nvSpPr>
+          <p:cNvPr id="61" name="CaixaDeTexto 60">
+            <a:extLst>
+              <a:ext uri="{FF2B5EF4-FFF2-40B4-BE49-F238E27FC236}">
+                <a16:creationId xmlns:a16="http://schemas.microsoft.com/office/drawing/2014/main" id="{2B28FBC2-04CD-4A96-BB01-A40FBC12ECCE}"/>
+              </a:ext>
+            </a:extLst>
+          </p:cNvPr>
+          <p:cNvSpPr txBox="1"/>
+          <p:nvPr/>
+        </p:nvSpPr>
+        <p:spPr>
+          <a:xfrm>
+            <a:off x="7445053" y="4752657"/>
+            <a:ext cx="301840" cy="523220"/>
+          </a:xfrm>
+          <a:prstGeom prst="rect">
+            <a:avLst/>
+          </a:prstGeom>
+          <a:noFill/>
+        </p:spPr>
+        <p:txBody>
+          <a:bodyPr wrap="square" rtlCol="0">
+            <a:spAutoFit/>
+          </a:bodyPr>
+          <a:lstStyle/>
+          <a:p>
+            <a:r>
+              <a:rPr lang="pt-PT" sz="2800" b="1" dirty="0"/>
+              <a:t>=</a:t>
+            </a:r>
+          </a:p>
+        </p:txBody>
+      </p:sp>
+      <p:sp>
+        <p:nvSpPr>
+          <p:cNvPr id="63" name="CaixaDeTexto 62">
+            <a:extLst>
+              <a:ext uri="{FF2B5EF4-FFF2-40B4-BE49-F238E27FC236}">
+                <a16:creationId xmlns:a16="http://schemas.microsoft.com/office/drawing/2014/main" id="{5556B702-3BB8-4890-A8F8-7ADBBD4F6089}"/>
+              </a:ext>
+            </a:extLst>
+          </p:cNvPr>
+          <p:cNvSpPr txBox="1"/>
+          <p:nvPr/>
+        </p:nvSpPr>
+        <p:spPr>
+          <a:xfrm>
+            <a:off x="4691173" y="4836531"/>
+            <a:ext cx="301840" cy="523220"/>
+          </a:xfrm>
+          <a:prstGeom prst="rect">
+            <a:avLst/>
+          </a:prstGeom>
+          <a:noFill/>
+        </p:spPr>
+        <p:txBody>
+          <a:bodyPr wrap="square" rtlCol="0">
+            <a:spAutoFit/>
+          </a:bodyPr>
+          <a:lstStyle/>
+          <a:p>
+            <a:r>
+              <a:rPr lang="pt-PT" sz="2800" b="1" dirty="0"/>
+              <a:t>(</a:t>
+            </a:r>
+          </a:p>
+        </p:txBody>
+      </p:sp>
+      <p:sp>
+        <p:nvSpPr>
+          <p:cNvPr id="65" name="CaixaDeTexto 64">
+            <a:extLst>
+              <a:ext uri="{FF2B5EF4-FFF2-40B4-BE49-F238E27FC236}">
+                <a16:creationId xmlns:a16="http://schemas.microsoft.com/office/drawing/2014/main" id="{E28E0DE6-09DB-4614-8BB7-B8CE0629F468}"/>
+              </a:ext>
+            </a:extLst>
+          </p:cNvPr>
+          <p:cNvSpPr txBox="1"/>
+          <p:nvPr/>
+        </p:nvSpPr>
+        <p:spPr>
+          <a:xfrm>
+            <a:off x="6609243" y="5476279"/>
+            <a:ext cx="301840" cy="523220"/>
+          </a:xfrm>
+          <a:prstGeom prst="rect">
+            <a:avLst/>
+          </a:prstGeom>
+          <a:noFill/>
+        </p:spPr>
+        <p:txBody>
+          <a:bodyPr wrap="square" rtlCol="0">
+            <a:spAutoFit/>
+          </a:bodyPr>
+          <a:lstStyle/>
+          <a:p>
+            <a:r>
+              <a:rPr lang="pt-PT" sz="2800" b="1" dirty="0"/>
+              <a:t>(</a:t>
+            </a:r>
+          </a:p>
+        </p:txBody>
+      </p:sp>
+      <p:sp>
+        <p:nvSpPr>
+          <p:cNvPr id="66" name="CaixaDeTexto 65">
+            <a:extLst>
+              <a:ext uri="{FF2B5EF4-FFF2-40B4-BE49-F238E27FC236}">
+                <a16:creationId xmlns:a16="http://schemas.microsoft.com/office/drawing/2014/main" id="{87A66BC2-AA59-4A12-AE87-EDB08A061C53}"/>
+              </a:ext>
+            </a:extLst>
+          </p:cNvPr>
+          <p:cNvSpPr txBox="1"/>
+          <p:nvPr/>
+        </p:nvSpPr>
+        <p:spPr>
+          <a:xfrm>
+            <a:off x="6458323" y="5485226"/>
+            <a:ext cx="301840" cy="523220"/>
+          </a:xfrm>
+          <a:prstGeom prst="rect">
+            <a:avLst/>
+          </a:prstGeom>
+          <a:noFill/>
+        </p:spPr>
+        <p:txBody>
+          <a:bodyPr wrap="square" rtlCol="0">
+            <a:spAutoFit/>
+          </a:bodyPr>
+          <a:lstStyle/>
+          <a:p>
+            <a:r>
+              <a:rPr lang="pt-PT" sz="2800" b="1" dirty="0"/>
+              <a:t>(</a:t>
+            </a:r>
+          </a:p>
+        </p:txBody>
+      </p:sp>
+      <p:sp>
+        <p:nvSpPr>
+          <p:cNvPr id="67" name="CaixaDeTexto 66">
+            <a:extLst>
+              <a:ext uri="{FF2B5EF4-FFF2-40B4-BE49-F238E27FC236}">
+                <a16:creationId xmlns:a16="http://schemas.microsoft.com/office/drawing/2014/main" id="{79E715E7-B776-4B0F-8C54-5A0B2A065074}"/>
+              </a:ext>
+            </a:extLst>
+          </p:cNvPr>
+          <p:cNvSpPr txBox="1"/>
+          <p:nvPr/>
+        </p:nvSpPr>
+        <p:spPr>
+          <a:xfrm>
+            <a:off x="3263642" y="6169767"/>
+            <a:ext cx="301840" cy="523220"/>
+          </a:xfrm>
+          <a:prstGeom prst="rect">
+            <a:avLst/>
+          </a:prstGeom>
+          <a:noFill/>
+        </p:spPr>
+        <p:txBody>
+          <a:bodyPr wrap="square" rtlCol="0">
+            <a:spAutoFit/>
+          </a:bodyPr>
+          <a:lstStyle/>
+          <a:p>
+            <a:r>
+              <a:rPr lang="pt-PT" sz="2800" b="1" dirty="0"/>
+              <a:t>(</a:t>
+            </a:r>
+          </a:p>
+        </p:txBody>
+      </p:sp>
+      <p:sp>
+        <p:nvSpPr>
+          <p:cNvPr id="68" name="CaixaDeTexto 67">
+            <a:extLst>
+              <a:ext uri="{FF2B5EF4-FFF2-40B4-BE49-F238E27FC236}">
+                <a16:creationId xmlns:a16="http://schemas.microsoft.com/office/drawing/2014/main" id="{27C9FC8B-5C83-4087-AE7C-EB9ACD8E5234}"/>
+              </a:ext>
+            </a:extLst>
+          </p:cNvPr>
+          <p:cNvSpPr txBox="1"/>
+          <p:nvPr/>
+        </p:nvSpPr>
+        <p:spPr>
+          <a:xfrm>
+            <a:off x="7240849" y="4792073"/>
+            <a:ext cx="301840" cy="523220"/>
+          </a:xfrm>
+          <a:prstGeom prst="rect">
+            <a:avLst/>
+          </a:prstGeom>
+          <a:noFill/>
+        </p:spPr>
+        <p:txBody>
+          <a:bodyPr wrap="square" rtlCol="0">
+            <a:spAutoFit/>
+          </a:bodyPr>
+          <a:lstStyle/>
+          <a:p>
+            <a:r>
+              <a:rPr lang="pt-PT" sz="2800" b="1" dirty="0"/>
+              <a:t>)</a:t>
+            </a:r>
+          </a:p>
+        </p:txBody>
+      </p:sp>
+      <p:sp>
+        <p:nvSpPr>
+          <p:cNvPr id="70" name="CaixaDeTexto 69">
+            <a:extLst>
+              <a:ext uri="{FF2B5EF4-FFF2-40B4-BE49-F238E27FC236}">
+                <a16:creationId xmlns:a16="http://schemas.microsoft.com/office/drawing/2014/main" id="{BACD8123-68F2-4A3C-BDB4-89B7D6D3EF47}"/>
+              </a:ext>
+            </a:extLst>
+          </p:cNvPr>
+          <p:cNvSpPr txBox="1"/>
+          <p:nvPr/>
+        </p:nvSpPr>
+        <p:spPr>
+          <a:xfrm>
+            <a:off x="8967303" y="5455584"/>
+            <a:ext cx="301840" cy="523220"/>
+          </a:xfrm>
+          <a:prstGeom prst="rect">
+            <a:avLst/>
+          </a:prstGeom>
+          <a:noFill/>
+        </p:spPr>
+        <p:txBody>
+          <a:bodyPr wrap="square" rtlCol="0">
+            <a:spAutoFit/>
+          </a:bodyPr>
+          <a:lstStyle/>
+          <a:p>
+            <a:r>
+              <a:rPr lang="pt-PT" sz="2800" b="1" dirty="0"/>
+              <a:t>)</a:t>
+            </a:r>
+          </a:p>
+        </p:txBody>
+      </p:sp>
+      <p:sp>
+        <p:nvSpPr>
+          <p:cNvPr id="71" name="CaixaDeTexto 70">
+            <a:extLst>
+              <a:ext uri="{FF2B5EF4-FFF2-40B4-BE49-F238E27FC236}">
+                <a16:creationId xmlns:a16="http://schemas.microsoft.com/office/drawing/2014/main" id="{4BEB11CD-41C3-448C-9F1C-3EA698D025A7}"/>
+              </a:ext>
+            </a:extLst>
+          </p:cNvPr>
+          <p:cNvSpPr txBox="1"/>
+          <p:nvPr/>
+        </p:nvSpPr>
+        <p:spPr>
+          <a:xfrm>
+            <a:off x="10074165" y="5469057"/>
+            <a:ext cx="301840" cy="523220"/>
+          </a:xfrm>
+          <a:prstGeom prst="rect">
+            <a:avLst/>
+          </a:prstGeom>
+          <a:noFill/>
+        </p:spPr>
+        <p:txBody>
+          <a:bodyPr wrap="square" rtlCol="0">
+            <a:spAutoFit/>
+          </a:bodyPr>
+          <a:lstStyle/>
+          <a:p>
+            <a:r>
+              <a:rPr lang="pt-PT" sz="2800" b="1" dirty="0"/>
+              <a:t>)</a:t>
+            </a:r>
+          </a:p>
+        </p:txBody>
+      </p:sp>
+      <p:sp>
+        <p:nvSpPr>
+          <p:cNvPr id="72" name="CaixaDeTexto 71">
+            <a:extLst>
+              <a:ext uri="{FF2B5EF4-FFF2-40B4-BE49-F238E27FC236}">
+                <a16:creationId xmlns:a16="http://schemas.microsoft.com/office/drawing/2014/main" id="{C9C43D7C-7BC3-41E7-B8D6-813F50879580}"/>
+              </a:ext>
+            </a:extLst>
+          </p:cNvPr>
+          <p:cNvSpPr txBox="1"/>
+          <p:nvPr/>
+        </p:nvSpPr>
+        <p:spPr>
+          <a:xfrm>
+            <a:off x="5889485" y="6124946"/>
+            <a:ext cx="301840" cy="523220"/>
+          </a:xfrm>
+          <a:prstGeom prst="rect">
+            <a:avLst/>
+          </a:prstGeom>
+          <a:noFill/>
+        </p:spPr>
+        <p:txBody>
+          <a:bodyPr wrap="square" rtlCol="0">
+            <a:spAutoFit/>
+          </a:bodyPr>
+          <a:lstStyle/>
+          <a:p>
+            <a:r>
+              <a:rPr lang="pt-PT" sz="2800" b="1" dirty="0"/>
+              <a:t>)</a:t>
+            </a:r>
+          </a:p>
+        </p:txBody>
+      </p:sp>
+      <p:sp>
+        <p:nvSpPr>
+          <p:cNvPr id="73" name="CaixaDeTexto 72">
+            <a:extLst>
+              <a:ext uri="{FF2B5EF4-FFF2-40B4-BE49-F238E27FC236}">
+                <a16:creationId xmlns:a16="http://schemas.microsoft.com/office/drawing/2014/main" id="{CC4D5054-E42C-412D-B2EC-59BE3A7D6AF1}"/>
+              </a:ext>
+            </a:extLst>
+          </p:cNvPr>
+          <p:cNvSpPr txBox="1"/>
+          <p:nvPr/>
+        </p:nvSpPr>
+        <p:spPr>
+          <a:xfrm>
+            <a:off x="6261678" y="5493142"/>
+            <a:ext cx="301840" cy="523220"/>
+          </a:xfrm>
+          <a:prstGeom prst="rect">
+            <a:avLst/>
+          </a:prstGeom>
+          <a:noFill/>
+        </p:spPr>
+        <p:txBody>
+          <a:bodyPr wrap="square" rtlCol="0">
+            <a:spAutoFit/>
+          </a:bodyPr>
+          <a:lstStyle/>
+          <a:p>
+            <a:r>
+              <a:rPr lang="pt-PT" sz="2800" b="1" dirty="0"/>
+              <a:t>-</a:t>
+            </a:r>
+          </a:p>
+        </p:txBody>
+      </p:sp>
+    </p:spTree>
+    <p:extLst>
+      <p:ext uri="{BB962C8B-B14F-4D97-AF65-F5344CB8AC3E}">
+        <p14:creationId xmlns:p14="http://schemas.microsoft.com/office/powerpoint/2010/main" val="3419934527"/>
+      </p:ext>
+    </p:extLst>
+  </p:cSld>
+  <p:clrMapOvr>
+    <a:masterClrMapping/>
+  </p:clrMapOvr>
+</p:sld>
+</file>
+
+<file path=ppt/slides/slide4.xml><?xml version="1.0" encoding="utf-8"?>
+<p:sld xmlns:a="http://schemas.openxmlformats.org/drawingml/2006/main" xmlns:r="http://schemas.openxmlformats.org/officeDocument/2006/relationships" xmlns:p="http://schemas.openxmlformats.org/presentationml/2006/main">
+  <p:cSld>
+    <p:spTree>
+      <p:nvGrpSpPr>
+        <p:cNvPr id="1" name=""/>
+        <p:cNvGrpSpPr/>
+        <p:nvPr/>
+      </p:nvGrpSpPr>
+      <p:grpSpPr>
+        <a:xfrm>
+          <a:off x="0" y="0"/>
+          <a:ext cx="0" cy="0"/>
+          <a:chOff x="0" y="0"/>
+          <a:chExt cx="0" cy="0"/>
+        </a:xfrm>
+      </p:grpSpPr>
+      <p:sp>
+        <p:nvSpPr>
+          <p:cNvPr id="3" name="Subtítulo 2">
+            <a:extLst>
+              <a:ext uri="{FF2B5EF4-FFF2-40B4-BE49-F238E27FC236}">
+                <a16:creationId xmlns:a16="http://schemas.microsoft.com/office/drawing/2014/main" id="{204348A3-19CC-4C5C-8645-C2F9F25F8CD5}"/>
+              </a:ext>
+            </a:extLst>
+          </p:cNvPr>
+          <p:cNvSpPr>
+            <a:spLocks noGrp="1"/>
+          </p:cNvSpPr>
+          <p:nvPr>
+            <p:ph type="subTitle" idx="1"/>
+          </p:nvPr>
+        </p:nvSpPr>
+        <p:spPr/>
+        <p:txBody>
+          <a:bodyPr/>
+          <a:lstStyle/>
+          <a:p>
+            <a:endParaRPr lang="pt-PT"/>
+          </a:p>
+        </p:txBody>
+      </p:sp>
+      <p:pic>
+        <p:nvPicPr>
+          <p:cNvPr id="7" name="Imagem 6">
+            <a:extLst>
+              <a:ext uri="{FF2B5EF4-FFF2-40B4-BE49-F238E27FC236}">
+                <a16:creationId xmlns:a16="http://schemas.microsoft.com/office/drawing/2014/main" id="{76C4170D-002F-418E-9062-DE2E371A20C6}"/>
+              </a:ext>
+            </a:extLst>
+          </p:cNvPr>
+          <p:cNvPicPr>
+            <a:picLocks noChangeAspect="1"/>
+          </p:cNvPicPr>
+          <p:nvPr/>
+        </p:nvPicPr>
+        <p:blipFill rotWithShape="1">
+          <a:blip r:embed="rId2">
+            <a:extLst>
+              <a:ext uri="{28A0092B-C50C-407E-A947-70E740481C1C}">
+                <a14:useLocalDpi xmlns:a14="http://schemas.microsoft.com/office/drawing/2010/main" val="0"/>
+              </a:ext>
+            </a:extLst>
+          </a:blip>
+          <a:srcRect t="65227" b="-64"/>
+          <a:stretch/>
+        </p:blipFill>
+        <p:spPr>
+          <a:xfrm>
+            <a:off x="-1" y="0"/>
+            <a:ext cx="12192001" cy="2387600"/>
+          </a:xfrm>
+          <a:prstGeom prst="rect">
+            <a:avLst/>
+          </a:prstGeom>
+        </p:spPr>
+      </p:pic>
+      <mc:AlternateContent xmlns:mc="http://schemas.openxmlformats.org/markup-compatibility/2006" xmlns:a14="http://schemas.microsoft.com/office/drawing/2010/main">
+        <mc:Choice Requires="a14">
+          <p:sp>
+            <p:nvSpPr>
+              <p:cNvPr id="8" name="Retângulo 7">
+                <a:extLst>
+                  <a:ext uri="{FF2B5EF4-FFF2-40B4-BE49-F238E27FC236}">
+                    <a16:creationId xmlns:a16="http://schemas.microsoft.com/office/drawing/2014/main" id="{CDC96F03-396E-41AB-9D90-137278306F7A}"/>
+                  </a:ext>
+                </a:extLst>
+              </p:cNvPr>
+              <p:cNvSpPr/>
+              <p:nvPr/>
+            </p:nvSpPr>
+            <p:spPr>
+              <a:xfrm>
+                <a:off x="0" y="2387600"/>
+                <a:ext cx="12192000" cy="4470400"/>
+              </a:xfrm>
+              <a:prstGeom prst="rect">
+                <a:avLst/>
+              </a:prstGeom>
+              <a:solidFill>
+                <a:srgbClr val="FFFFFF"/>
+              </a:solidFill>
+              <a:ln>
+                <a:noFill/>
+              </a:ln>
+            </p:spPr>
+            <p:style>
+              <a:lnRef idx="2">
+                <a:schemeClr val="accent1">
+                  <a:shade val="50000"/>
+                </a:schemeClr>
+              </a:lnRef>
+              <a:fillRef idx="1">
+                <a:schemeClr val="accent1"/>
+              </a:fillRef>
+              <a:effectRef idx="0">
+                <a:schemeClr val="accent1"/>
+              </a:effectRef>
+              <a:fontRef idx="minor">
+                <a:schemeClr val="lt1"/>
+              </a:fontRef>
+            </p:style>
+            <p:txBody>
+              <a:bodyPr rtlCol="0" anchor="t"/>
+              <a:lstStyle/>
+              <a:p>
+                <a:pPr marL="571500" indent="-571500">
+                  <a:buFont typeface="Arial" panose="020B0604020202020204" pitchFamily="34" charset="0"/>
+                  <a:buChar char="•"/>
+                </a:pPr>
+                <a:r>
+                  <a:rPr lang="pt-PT" sz="4000" dirty="0">
+                    <a:solidFill>
+                      <a:srgbClr val="00B050"/>
+                    </a:solidFill>
+                    <a:latin typeface="Retro Gaming" panose="00000400000000000000" pitchFamily="2" charset="0"/>
+                  </a:rPr>
+                  <a:t>ATAQUE ESPECIAL DO HERÓI</a:t>
+                </a:r>
+              </a:p>
+              <a:p>
+                <a:pPr/>
+                <a14:m>
+                  <m:oMathPara xmlns:m="http://schemas.openxmlformats.org/officeDocument/2006/math">
+                    <m:oMathParaPr>
+                      <m:jc m:val="centerGroup"/>
+                    </m:oMathParaPr>
+                    <m:oMath xmlns:m="http://schemas.openxmlformats.org/officeDocument/2006/math">
+                      <m:r>
+                        <a:rPr lang="pt-PT" i="1">
+                          <a:latin typeface="Cambria Math" panose="02040503050406030204" pitchFamily="18" charset="0"/>
+                        </a:rPr>
+                        <m:t>𝑓</m:t>
+                      </m:r>
+                      <m:d>
+                        <m:dPr>
+                          <m:ctrlPr>
+                            <a:rPr lang="pt-PT" i="1">
+                              <a:latin typeface="Cambria Math" panose="02040503050406030204" pitchFamily="18" charset="0"/>
+                            </a:rPr>
+                          </m:ctrlPr>
+                        </m:dPr>
+                        <m:e>
+                          <m:r>
+                            <a:rPr lang="pt-PT" i="1">
+                              <a:latin typeface="Cambria Math" panose="02040503050406030204" pitchFamily="18" charset="0"/>
+                            </a:rPr>
+                            <m:t>𝑥</m:t>
+                          </m:r>
+                        </m:e>
+                      </m:d>
+                      <m:r>
+                        <a:rPr lang="pt-PT" i="1">
+                          <a:latin typeface="Cambria Math" panose="02040503050406030204" pitchFamily="18" charset="0"/>
+                        </a:rPr>
+                        <m:t>= </m:t>
+                      </m:r>
+                      <m:d>
+                        <m:dPr>
+                          <m:begChr m:val="{"/>
+                          <m:endChr m:val=""/>
+                          <m:ctrlPr>
+                            <a:rPr lang="pt-PT" i="1">
+                              <a:latin typeface="Cambria Math" panose="02040503050406030204" pitchFamily="18" charset="0"/>
+                            </a:rPr>
+                          </m:ctrlPr>
+                        </m:dPr>
+                        <m:e>
+                          <m:eqArr>
+                            <m:eqArrPr>
+                              <m:ctrlPr>
+                                <a:rPr lang="pt-PT" i="1">
+                                  <a:latin typeface="Cambria Math" panose="02040503050406030204" pitchFamily="18" charset="0"/>
+                                </a:rPr>
+                              </m:ctrlPr>
+                            </m:eqArrPr>
+                            <m:e>
+                              <m:sSup>
+                                <m:sSupPr>
+                                  <m:ctrlPr>
+                                    <a:rPr lang="pt-PT" i="1">
+                                      <a:latin typeface="Cambria Math" panose="02040503050406030204" pitchFamily="18" charset="0"/>
+                                    </a:rPr>
+                                  </m:ctrlPr>
+                                </m:sSupPr>
+                                <m:e>
+                                  <m:r>
+                                    <a:rPr lang="pt-PT" i="1">
+                                      <a:latin typeface="Cambria Math" panose="02040503050406030204" pitchFamily="18" charset="0"/>
+                                    </a:rPr>
+                                    <m:t>1</m:t>
+                                  </m:r>
+                                </m:e>
+                                <m:sup>
+                                  <m:r>
+                                    <a:rPr lang="pt-PT" i="1">
+                                      <a:latin typeface="Cambria Math" panose="02040503050406030204" pitchFamily="18" charset="0"/>
+                                    </a:rPr>
+                                    <m:t>−2</m:t>
+                                  </m:r>
+                                </m:sup>
+                              </m:sSup>
+                              <m:r>
+                                <a:rPr lang="pt-PT" i="1">
+                                  <a:latin typeface="Cambria Math" panose="02040503050406030204" pitchFamily="18" charset="0"/>
+                                </a:rPr>
+                                <m:t>𝑥</m:t>
+                              </m:r>
+                              <m:sSup>
+                                <m:sSupPr>
+                                  <m:ctrlPr>
+                                    <a:rPr lang="pt-PT" i="1">
+                                      <a:latin typeface="Cambria Math" panose="02040503050406030204" pitchFamily="18" charset="0"/>
+                                    </a:rPr>
+                                  </m:ctrlPr>
+                                </m:sSupPr>
+                                <m:e>
+                                  <m:r>
+                                    <a:rPr lang="pt-PT" i="1">
+                                      <a:latin typeface="Cambria Math" panose="02040503050406030204" pitchFamily="18" charset="0"/>
+                                    </a:rPr>
+                                    <m:t>𝑒</m:t>
+                                  </m:r>
+                                </m:e>
+                                <m:sup>
+                                  <m:r>
+                                    <a:rPr lang="pt-PT" i="1">
+                                      <a:latin typeface="Cambria Math" panose="02040503050406030204" pitchFamily="18" charset="0"/>
+                                    </a:rPr>
+                                    <m:t>−</m:t>
+                                  </m:r>
+                                  <m:r>
+                                    <a:rPr lang="pt-PT" i="1">
+                                      <a:latin typeface="Cambria Math" panose="02040503050406030204" pitchFamily="18" charset="0"/>
+                                    </a:rPr>
+                                    <m:t>𝑥</m:t>
+                                  </m:r>
+                                </m:sup>
+                              </m:sSup>
+                              <m:r>
+                                <a:rPr lang="pt-PT" i="1">
+                                  <a:latin typeface="Cambria Math" panose="02040503050406030204" pitchFamily="18" charset="0"/>
+                                </a:rPr>
+                                <m:t> ,   </m:t>
+                              </m:r>
+                              <m:r>
+                                <a:rPr lang="pt-PT" i="1">
+                                  <a:latin typeface="Cambria Math" panose="02040503050406030204" pitchFamily="18" charset="0"/>
+                                </a:rPr>
+                                <m:t>𝑥</m:t>
+                              </m:r>
+                              <m:r>
+                                <a:rPr lang="pt-PT" i="1">
+                                  <a:latin typeface="Cambria Math" panose="02040503050406030204" pitchFamily="18" charset="0"/>
+                                </a:rPr>
+                                <m:t>&gt;2</m:t>
+                              </m:r>
+                            </m:e>
+                            <m:e>
+                              <m:r>
+                                <a:rPr lang="pt-PT" i="1">
+                                  <a:latin typeface="Cambria Math" panose="02040503050406030204" pitchFamily="18" charset="0"/>
+                                </a:rPr>
+                                <m:t>0,         </m:t>
+                              </m:r>
+                              <m:r>
+                                <a:rPr lang="pt-PT" i="1">
+                                  <a:latin typeface="Cambria Math" panose="02040503050406030204" pitchFamily="18" charset="0"/>
+                                </a:rPr>
+                                <m:t>𝑥</m:t>
+                              </m:r>
+                              <m:r>
+                                <a:rPr lang="pt-PT" i="1">
+                                  <a:latin typeface="Cambria Math" panose="02040503050406030204" pitchFamily="18" charset="0"/>
+                                </a:rPr>
+                                <m:t>≤2          </m:t>
+                              </m:r>
+                            </m:e>
+                          </m:eqArr>
+                        </m:e>
+                      </m:d>
+                    </m:oMath>
+                  </m:oMathPara>
+                </a14:m>
+                <a:endParaRPr lang="pt-PT" dirty="0"/>
+              </a:p>
+              <a:p>
+                <a:endParaRPr lang="pt-PT" sz="4000" dirty="0">
+                  <a:solidFill>
+                    <a:srgbClr val="00B050"/>
+                  </a:solidFill>
+                  <a:latin typeface="Retro Gaming" panose="00000400000000000000" pitchFamily="2" charset="0"/>
+                </a:endParaRPr>
+              </a:p>
+            </p:txBody>
+          </p:sp>
+        </mc:Choice>
+        <mc:Fallback xmlns="">
+          <p:sp>
+            <p:nvSpPr>
+              <p:cNvPr id="8" name="Retângulo 7">
+                <a:extLst>
+                  <a:ext uri="{FF2B5EF4-FFF2-40B4-BE49-F238E27FC236}">
+                    <a16:creationId xmlns:a16="http://schemas.microsoft.com/office/drawing/2014/main" id="{CDC96F03-396E-41AB-9D90-137278306F7A}"/>
+                  </a:ext>
+                </a:extLst>
+              </p:cNvPr>
+              <p:cNvSpPr>
+                <a:spLocks noRot="1" noChangeAspect="1" noMove="1" noResize="1" noEditPoints="1" noAdjustHandles="1" noChangeArrowheads="1" noChangeShapeType="1" noTextEdit="1"/>
+              </p:cNvSpPr>
+              <p:nvPr/>
+            </p:nvSpPr>
+            <p:spPr>
+              <a:xfrm>
+                <a:off x="0" y="2387600"/>
+                <a:ext cx="12192000" cy="4470400"/>
+              </a:xfrm>
+              <a:prstGeom prst="rect">
+                <a:avLst/>
+              </a:prstGeom>
+              <a:blipFill>
+                <a:blip r:embed="rId3"/>
+                <a:stretch>
+                  <a:fillRect l="-1600" t="-2319"/>
+                </a:stretch>
+              </a:blipFill>
+              <a:ln>
+                <a:noFill/>
+              </a:ln>
+            </p:spPr>
+            <p:txBody>
+              <a:bodyPr/>
+              <a:lstStyle/>
+              <a:p>
+                <a:r>
+                  <a:rPr lang="pt-PT">
+                    <a:noFill/>
+                  </a:rPr>
+                  <a:t> </a:t>
+                </a:r>
+              </a:p>
+            </p:txBody>
+          </p:sp>
+        </mc:Fallback>
+      </mc:AlternateContent>
+      <mc:AlternateContent xmlns:mc="http://schemas.openxmlformats.org/markup-compatibility/2006" xmlns:a14="http://schemas.microsoft.com/office/drawing/2010/main">
+        <mc:Choice Requires="a14">
+          <p:sp>
+            <p:nvSpPr>
+              <p:cNvPr id="4" name="Retângulo 3">
+                <a:extLst>
+                  <a:ext uri="{FF2B5EF4-FFF2-40B4-BE49-F238E27FC236}">
+                    <a16:creationId xmlns:a16="http://schemas.microsoft.com/office/drawing/2014/main" id="{826CD139-7F1F-48E9-B653-327FB9D1A14F}"/>
+                  </a:ext>
+                </a:extLst>
+              </p:cNvPr>
+              <p:cNvSpPr/>
+              <p:nvPr/>
+            </p:nvSpPr>
+            <p:spPr>
+              <a:xfrm>
+                <a:off x="1726269" y="4622800"/>
+                <a:ext cx="2866041" cy="686342"/>
+              </a:xfrm>
+              <a:prstGeom prst="rect">
+                <a:avLst/>
+              </a:prstGeom>
+            </p:spPr>
+            <p:txBody>
+              <a:bodyPr wrap="none">
+                <a:spAutoFit/>
+              </a:bodyPr>
+              <a:lstStyle/>
+              <a:p>
+                <a:pPr/>
+                <a14:m>
+                  <m:oMathPara xmlns:m="http://schemas.openxmlformats.org/officeDocument/2006/math">
+                    <m:oMathParaPr>
+                      <m:jc m:val="centerGroup"/>
+                    </m:oMathParaPr>
+                    <m:oMath xmlns:m="http://schemas.openxmlformats.org/officeDocument/2006/math">
+                      <m:r>
+                        <a:rPr lang="pt-PT" i="1">
+                          <a:latin typeface="Cambria Math" panose="02040503050406030204" pitchFamily="18" charset="0"/>
+                        </a:rPr>
+                        <m:t>𝑓</m:t>
+                      </m:r>
+                      <m:d>
+                        <m:dPr>
+                          <m:ctrlPr>
+                            <a:rPr lang="pt-PT" i="1">
+                              <a:latin typeface="Cambria Math" panose="02040503050406030204" pitchFamily="18" charset="0"/>
+                            </a:rPr>
+                          </m:ctrlPr>
+                        </m:dPr>
+                        <m:e>
+                          <m:r>
+                            <a:rPr lang="pt-PT" i="1">
+                              <a:latin typeface="Cambria Math" panose="02040503050406030204" pitchFamily="18" charset="0"/>
+                            </a:rPr>
+                            <m:t>𝑥</m:t>
+                          </m:r>
+                        </m:e>
+                      </m:d>
+                      <m:r>
+                        <a:rPr lang="pt-PT" i="1">
+                          <a:latin typeface="Cambria Math" panose="02040503050406030204" pitchFamily="18" charset="0"/>
+                        </a:rPr>
+                        <m:t>=</m:t>
+                      </m:r>
+                      <m:sSup>
+                        <m:sSupPr>
+                          <m:ctrlPr>
+                            <a:rPr lang="pt-PT" i="1">
+                              <a:latin typeface="Cambria Math" panose="02040503050406030204" pitchFamily="18" charset="0"/>
+                            </a:rPr>
+                          </m:ctrlPr>
+                        </m:sSupPr>
+                        <m:e>
+                          <m:d>
+                            <m:dPr>
+                              <m:ctrlPr>
+                                <a:rPr lang="pt-PT" i="1">
+                                  <a:latin typeface="Cambria Math" panose="02040503050406030204" pitchFamily="18" charset="0"/>
+                                </a:rPr>
+                              </m:ctrlPr>
+                            </m:dPr>
+                            <m:e>
+                              <m:r>
+                                <a:rPr lang="pt-PT" i="1">
+                                  <a:latin typeface="Cambria Math" panose="02040503050406030204" pitchFamily="18" charset="0"/>
+                                </a:rPr>
+                                <m:t>1−</m:t>
+                              </m:r>
+                              <m:r>
+                                <a:rPr lang="pt-PT">
+                                  <a:latin typeface="Cambria Math" panose="02040503050406030204" pitchFamily="18" charset="0"/>
+                                </a:rPr>
+                                <m:t>0,65</m:t>
+                              </m:r>
+                            </m:e>
+                          </m:d>
+                        </m:e>
+                        <m:sup>
+                          <m:r>
+                            <a:rPr lang="pt-PT" i="1">
+                              <a:latin typeface="Cambria Math" panose="02040503050406030204" pitchFamily="18" charset="0"/>
+                            </a:rPr>
+                            <m:t>1−</m:t>
+                          </m:r>
+                          <m:r>
+                            <a:rPr lang="pt-PT" i="1">
+                              <a:latin typeface="Cambria Math" panose="02040503050406030204" pitchFamily="18" charset="0"/>
+                            </a:rPr>
+                            <m:t>𝑥</m:t>
+                          </m:r>
+                        </m:sup>
+                      </m:sSup>
+                      <m:r>
+                        <a:rPr lang="pt-PT" i="1">
+                          <a:latin typeface="Cambria Math" panose="02040503050406030204" pitchFamily="18" charset="0"/>
+                        </a:rPr>
+                        <m:t>.</m:t>
+                      </m:r>
+                      <m:r>
+                        <a:rPr lang="pt-PT">
+                          <a:latin typeface="Cambria Math" panose="02040503050406030204" pitchFamily="18" charset="0"/>
+                        </a:rPr>
+                        <m:t>0,65</m:t>
+                      </m:r>
+                    </m:oMath>
+                  </m:oMathPara>
+                </a14:m>
+                <a:endParaRPr lang="pt-PT" dirty="0"/>
+              </a:p>
+              <a:p>
+                <a:pPr/>
+                <a14:m>
+                  <m:oMathPara xmlns:m="http://schemas.openxmlformats.org/officeDocument/2006/math">
+                    <m:oMathParaPr>
+                      <m:jc m:val="centerGroup"/>
+                    </m:oMathParaPr>
+                    <m:oMath xmlns:m="http://schemas.openxmlformats.org/officeDocument/2006/math">
+                      <m:r>
+                        <m:rPr>
+                          <m:nor/>
+                        </m:rPr>
+                        <a:rPr lang="pt-PT"/>
+                        <m:t> </m:t>
+                      </m:r>
+                    </m:oMath>
+                  </m:oMathPara>
+                </a14:m>
+                <a:endParaRPr lang="pt-PT" dirty="0"/>
+              </a:p>
+            </p:txBody>
+          </p:sp>
+        </mc:Choice>
+        <mc:Fallback xmlns="">
+          <p:sp>
+            <p:nvSpPr>
+              <p:cNvPr id="4" name="Retângulo 3">
+                <a:extLst>
+                  <a:ext uri="{FF2B5EF4-FFF2-40B4-BE49-F238E27FC236}">
+                    <a16:creationId xmlns:a16="http://schemas.microsoft.com/office/drawing/2014/main" id="{826CD139-7F1F-48E9-B653-327FB9D1A14F}"/>
+                  </a:ext>
+                </a:extLst>
+              </p:cNvPr>
+              <p:cNvSpPr>
+                <a:spLocks noRot="1" noChangeAspect="1" noMove="1" noResize="1" noEditPoints="1" noAdjustHandles="1" noChangeArrowheads="1" noChangeShapeType="1" noTextEdit="1"/>
+              </p:cNvSpPr>
+              <p:nvPr/>
+            </p:nvSpPr>
+            <p:spPr>
+              <a:xfrm>
+                <a:off x="1726269" y="4622800"/>
+                <a:ext cx="2866041" cy="686342"/>
+              </a:xfrm>
+              <a:prstGeom prst="rect">
+                <a:avLst/>
+              </a:prstGeom>
+              <a:blipFill>
+                <a:blip r:embed="rId4"/>
+                <a:stretch>
+                  <a:fillRect/>
+                </a:stretch>
+              </a:blipFill>
+            </p:spPr>
+            <p:txBody>
+              <a:bodyPr/>
+              <a:lstStyle/>
+              <a:p>
+                <a:r>
+                  <a:rPr lang="pt-PT">
+                    <a:noFill/>
+                  </a:rPr>
+                  <a:t> </a:t>
+                </a:r>
+              </a:p>
+            </p:txBody>
+          </p:sp>
+        </mc:Fallback>
+      </mc:AlternateContent>
+      <p:graphicFrame>
+        <p:nvGraphicFramePr>
+          <p:cNvPr id="10" name="Gráfico 9">
+            <a:extLst>
+              <a:ext uri="{FF2B5EF4-FFF2-40B4-BE49-F238E27FC236}">
+                <a16:creationId xmlns:a16="http://schemas.microsoft.com/office/drawing/2014/main" id="{AA215547-E4B8-4389-9EDE-DD0F6B4990F7}"/>
+              </a:ext>
+            </a:extLst>
+          </p:cNvPr>
+          <p:cNvGraphicFramePr/>
+          <p:nvPr>
+            <p:extLst>
+              <p:ext uri="{D42A27DB-BD31-4B8C-83A1-F6EECF244321}">
+                <p14:modId xmlns:p14="http://schemas.microsoft.com/office/powerpoint/2010/main" val="1969275266"/>
+              </p:ext>
+            </p:extLst>
+          </p:nvPr>
+        </p:nvGraphicFramePr>
+        <p:xfrm>
+          <a:off x="6318579" y="3255962"/>
+          <a:ext cx="5478186" cy="3275467"/>
+        </p:xfrm>
+        <a:graphic>
+          <a:graphicData uri="http://schemas.openxmlformats.org/drawingml/2006/chart">
+            <c:chart xmlns:c="http://schemas.openxmlformats.org/drawingml/2006/chart" xmlns:r="http://schemas.openxmlformats.org/officeDocument/2006/relationships" r:id="rId5"/>
+          </a:graphicData>
+        </a:graphic>
+      </p:graphicFrame>
+    </p:spTree>
+    <p:extLst>
+      <p:ext uri="{BB962C8B-B14F-4D97-AF65-F5344CB8AC3E}">
+        <p14:creationId xmlns:p14="http://schemas.microsoft.com/office/powerpoint/2010/main" val="2661554164"/>
+      </p:ext>
+    </p:extLst>
+  </p:cSld>
+  <p:clrMapOvr>
+    <a:masterClrMapping/>
+  </p:clrMapOvr>
+</p:sld>
+</file>
+
+<file path=ppt/slides/slide5.xml><?xml version="1.0" encoding="utf-8"?>
+<p:sld xmlns:a="http://schemas.openxmlformats.org/drawingml/2006/main" xmlns:r="http://schemas.openxmlformats.org/officeDocument/2006/relationships" xmlns:p="http://schemas.openxmlformats.org/presentationml/2006/main">
+  <p:cSld>
+    <p:spTree>
+      <p:nvGrpSpPr>
+        <p:cNvPr id="1" name=""/>
+        <p:cNvGrpSpPr/>
+        <p:nvPr/>
+      </p:nvGrpSpPr>
+      <p:grpSpPr>
+        <a:xfrm>
+          <a:off x="0" y="0"/>
+          <a:ext cx="0" cy="0"/>
+          <a:chOff x="0" y="0"/>
+          <a:chExt cx="0" cy="0"/>
+        </a:xfrm>
+      </p:grpSpPr>
+      <p:sp>
+        <p:nvSpPr>
+          <p:cNvPr id="3" name="Subtítulo 2">
+            <a:extLst>
+              <a:ext uri="{FF2B5EF4-FFF2-40B4-BE49-F238E27FC236}">
+                <a16:creationId xmlns:a16="http://schemas.microsoft.com/office/drawing/2014/main" id="{204348A3-19CC-4C5C-8645-C2F9F25F8CD5}"/>
+              </a:ext>
+            </a:extLst>
+          </p:cNvPr>
+          <p:cNvSpPr>
+            <a:spLocks noGrp="1"/>
+          </p:cNvSpPr>
+          <p:nvPr>
+            <p:ph type="subTitle" idx="1"/>
+          </p:nvPr>
+        </p:nvSpPr>
+        <p:spPr/>
+        <p:txBody>
+          <a:bodyPr/>
+          <a:lstStyle/>
+          <a:p>
+            <a:endParaRPr lang="pt-PT"/>
+          </a:p>
+        </p:txBody>
+      </p:sp>
+      <p:pic>
+        <p:nvPicPr>
+          <p:cNvPr id="7" name="Imagem 6">
+            <a:extLst>
+              <a:ext uri="{FF2B5EF4-FFF2-40B4-BE49-F238E27FC236}">
+                <a16:creationId xmlns:a16="http://schemas.microsoft.com/office/drawing/2014/main" id="{76C4170D-002F-418E-9062-DE2E371A20C6}"/>
+              </a:ext>
+            </a:extLst>
+          </p:cNvPr>
+          <p:cNvPicPr>
+            <a:picLocks noChangeAspect="1"/>
+          </p:cNvPicPr>
+          <p:nvPr/>
+        </p:nvPicPr>
+        <p:blipFill rotWithShape="1">
+          <a:blip r:embed="rId2">
+            <a:extLst>
+              <a:ext uri="{28A0092B-C50C-407E-A947-70E740481C1C}">
+                <a14:useLocalDpi xmlns:a14="http://schemas.microsoft.com/office/drawing/2010/main" val="0"/>
+              </a:ext>
+            </a:extLst>
+          </a:blip>
+          <a:srcRect t="65227" b="-64"/>
+          <a:stretch/>
+        </p:blipFill>
+        <p:spPr>
+          <a:xfrm>
+            <a:off x="-1" y="0"/>
+            <a:ext cx="12192001" cy="2387600"/>
+          </a:xfrm>
+          <a:prstGeom prst="rect">
+            <a:avLst/>
+          </a:prstGeom>
+        </p:spPr>
+      </p:pic>
+      <mc:AlternateContent xmlns:mc="http://schemas.openxmlformats.org/markup-compatibility/2006" xmlns:a14="http://schemas.microsoft.com/office/drawing/2010/main">
+        <mc:Choice Requires="a14">
           <p:sp>
             <p:nvSpPr>
               <p:cNvPr id="8" name="Retângulo 7">
@@ -7089,6 +10549,7 @@
                 </a:r>
               </a:p>
               <a:p>
+                <a:pPr/>
                 <a14:m>
                   <m:oMathPara xmlns:m="http://schemas.openxmlformats.org/officeDocument/2006/math">
                     <m:oMathParaPr>
@@ -7096,24 +10557,32 @@
                     </m:oMathParaPr>
                     <m:oMath xmlns:m="http://schemas.openxmlformats.org/officeDocument/2006/math">
                       <m:r>
-                        <a:rPr lang="pt-PT" i="1"/>
+                        <a:rPr lang="pt-PT" i="1">
+                          <a:latin typeface="Cambria Math" panose="02040503050406030204" pitchFamily="18" charset="0"/>
+                        </a:rPr>
                         <m:t>𝑓</m:t>
                       </m:r>
                       <m:d>
                         <m:dPr>
                           <m:ctrlPr>
-                            <a:rPr lang="pt-PT" i="1"/>
+                            <a:rPr lang="pt-PT" i="1">
+                              <a:latin typeface="Cambria Math" panose="02040503050406030204" pitchFamily="18" charset="0"/>
+                            </a:rPr>
                           </m:ctrlPr>
                         </m:dPr>
                         <m:e>
                           <m:r>
-                            <a:rPr lang="pt-PT" i="1"/>
+                            <a:rPr lang="pt-PT" i="1">
+                              <a:latin typeface="Cambria Math" panose="02040503050406030204" pitchFamily="18" charset="0"/>
+                            </a:rPr>
                             <m:t>𝑥</m:t>
                           </m:r>
                         </m:e>
                       </m:d>
                       <m:r>
-                        <a:rPr lang="pt-PT" i="1"/>
+                        <a:rPr lang="pt-PT" i="1">
+                          <a:latin typeface="Cambria Math" panose="02040503050406030204" pitchFamily="18" charset="0"/>
+                        </a:rPr>
                         <m:t>= </m:t>
                       </m:r>
                       <m:d>
@@ -7121,87 +10590,119 @@
                           <m:begChr m:val="{"/>
                           <m:endChr m:val=""/>
                           <m:ctrlPr>
-                            <a:rPr lang="pt-PT" i="1"/>
+                            <a:rPr lang="pt-PT" i="1">
+                              <a:latin typeface="Cambria Math" panose="02040503050406030204" pitchFamily="18" charset="0"/>
+                            </a:rPr>
                           </m:ctrlPr>
                         </m:dPr>
                         <m:e>
                           <m:eqArr>
                             <m:eqArrPr>
                               <m:ctrlPr>
-                                <a:rPr lang="pt-PT" i="1"/>
+                                <a:rPr lang="pt-PT" i="1">
+                                  <a:latin typeface="Cambria Math" panose="02040503050406030204" pitchFamily="18" charset="0"/>
+                                </a:rPr>
                               </m:ctrlPr>
                             </m:eqArrPr>
                             <m:e>
                               <m:sSup>
                                 <m:sSupPr>
                                   <m:ctrlPr>
-                                    <a:rPr lang="pt-PT" i="1"/>
+                                    <a:rPr lang="pt-PT" i="1">
+                                      <a:latin typeface="Cambria Math" panose="02040503050406030204" pitchFamily="18" charset="0"/>
+                                    </a:rPr>
                                   </m:ctrlPr>
                                 </m:sSupPr>
                                 <m:e>
                                   <m:r>
-                                    <a:rPr lang="pt-PT" i="1"/>
+                                    <a:rPr lang="pt-PT" i="1">
+                                      <a:latin typeface="Cambria Math" panose="02040503050406030204" pitchFamily="18" charset="0"/>
+                                    </a:rPr>
                                     <m:t>1</m:t>
                                   </m:r>
                                 </m:e>
                                 <m:sup>
                                   <m:r>
-                                    <a:rPr lang="pt-PT" i="1"/>
+                                    <a:rPr lang="pt-PT" i="1">
+                                      <a:latin typeface="Cambria Math" panose="02040503050406030204" pitchFamily="18" charset="0"/>
+                                    </a:rPr>
                                     <m:t>−2</m:t>
                                   </m:r>
                                 </m:sup>
                               </m:sSup>
                               <m:r>
-                                <a:rPr lang="pt-PT" i="1"/>
+                                <a:rPr lang="pt-PT" i="1">
+                                  <a:latin typeface="Cambria Math" panose="02040503050406030204" pitchFamily="18" charset="0"/>
+                                </a:rPr>
                                 <m:t>𝑥</m:t>
                               </m:r>
                               <m:sSup>
                                 <m:sSupPr>
                                   <m:ctrlPr>
-                                    <a:rPr lang="pt-PT" i="1"/>
+                                    <a:rPr lang="pt-PT" i="1">
+                                      <a:latin typeface="Cambria Math" panose="02040503050406030204" pitchFamily="18" charset="0"/>
+                                    </a:rPr>
                                   </m:ctrlPr>
                                 </m:sSupPr>
                                 <m:e>
                                   <m:r>
-                                    <a:rPr lang="pt-PT" i="1"/>
+                                    <a:rPr lang="pt-PT" i="1">
+                                      <a:latin typeface="Cambria Math" panose="02040503050406030204" pitchFamily="18" charset="0"/>
+                                    </a:rPr>
                                     <m:t>𝑒</m:t>
                                   </m:r>
                                 </m:e>
                                 <m:sup>
                                   <m:r>
-                                    <a:rPr lang="pt-PT" i="1"/>
+                                    <a:rPr lang="pt-PT" i="1">
+                                      <a:latin typeface="Cambria Math" panose="02040503050406030204" pitchFamily="18" charset="0"/>
+                                    </a:rPr>
                                     <m:t>−</m:t>
                                   </m:r>
                                   <m:r>
-                                    <a:rPr lang="pt-PT" i="1"/>
+                                    <a:rPr lang="pt-PT" i="1">
+                                      <a:latin typeface="Cambria Math" panose="02040503050406030204" pitchFamily="18" charset="0"/>
+                                    </a:rPr>
                                     <m:t>𝑥</m:t>
                                   </m:r>
                                 </m:sup>
                               </m:sSup>
                               <m:r>
-                                <a:rPr lang="pt-PT" i="1"/>
+                                <a:rPr lang="pt-PT" i="1">
+                                  <a:latin typeface="Cambria Math" panose="02040503050406030204" pitchFamily="18" charset="0"/>
+                                </a:rPr>
                                 <m:t> ,   </m:t>
                               </m:r>
                               <m:r>
-                                <a:rPr lang="pt-PT" i="1"/>
+                                <a:rPr lang="pt-PT" i="1">
+                                  <a:latin typeface="Cambria Math" panose="02040503050406030204" pitchFamily="18" charset="0"/>
+                                </a:rPr>
                                 <m:t>𝑥</m:t>
                               </m:r>
                               <m:r>
-                                <a:rPr lang="pt-PT" i="1"/>
+                                <a:rPr lang="pt-PT" i="1">
+                                  <a:latin typeface="Cambria Math" panose="02040503050406030204" pitchFamily="18" charset="0"/>
+                                </a:rPr>
                                 <m:t>&gt;2</m:t>
                               </m:r>
                             </m:e>
                             <m:e>
                               <m:r>
-                                <a:rPr lang="pt-PT" i="1"/>
+                                <a:rPr lang="pt-PT" i="1">
+                                  <a:latin typeface="Cambria Math" panose="02040503050406030204" pitchFamily="18" charset="0"/>
+                                </a:rPr>
                                 <m:t>0,         </m:t>
                               </m:r>
                               <m:r>
-                                <a:rPr lang="pt-PT" i="1"/>
+                                <a:rPr lang="pt-PT" i="1">
+                                  <a:latin typeface="Cambria Math" panose="02040503050406030204" pitchFamily="18" charset="0"/>
+                                </a:rPr>
                                 <m:t>𝑥</m:t>
                               </m:r>
                               <m:r>
-                                <a:rPr lang="pt-PT" i="1"/>
+                                <a:rPr lang="pt-PT" i="1">
+                                  <a:latin typeface="Cambria Math" panose="02040503050406030204" pitchFamily="18" charset="0"/>
+                                </a:rPr>
                                 <m:t>≤2          </m:t>
                               </m:r>
                             </m:e>
@@ -7224,7 +10725,7 @@
             </p:txBody>
           </p:sp>
         </mc:Choice>
-        <mc:Fallback>
+        <mc:Fallback xmlns="">
           <p:sp>
             <p:nvSpPr>
               <p:cNvPr id="8" name="Retângulo 7">
@@ -7300,8 +10801,8 @@
           </a:graphicData>
         </a:graphic>
       </p:graphicFrame>
-      <mc:AlternateContent xmlns:mc="http://schemas.openxmlformats.org/markup-compatibility/2006">
-        <mc:Choice xmlns:a14="http://schemas.microsoft.com/office/drawing/2010/main" Requires="a14">
+      <mc:AlternateContent xmlns:mc="http://schemas.openxmlformats.org/markup-compatibility/2006" xmlns:a14="http://schemas.microsoft.com/office/drawing/2010/main">
+        <mc:Choice Requires="a14">
           <p:sp>
             <p:nvSpPr>
               <p:cNvPr id="4" name="Retângulo 3">
@@ -7329,6 +10830,7 @@
               </a:bodyPr>
               <a:lstStyle/>
               <a:p>
+                <a:pPr/>
                 <a14:m>
                   <m:oMathPara xmlns:m="http://schemas.openxmlformats.org/officeDocument/2006/math">
                     <m:oMathParaPr>
@@ -7397,7 +10899,7 @@
             </p:txBody>
           </p:sp>
         </mc:Choice>
-        <mc:Fallback>
+        <mc:Fallback xmlns="">
           <p:sp>
             <p:nvSpPr>
               <p:cNvPr id="4" name="Retângulo 3">
@@ -7455,7 +10957,7 @@
 </p:sld>
 </file>
 
-<file path=ppt/slides/slide11.xml><?xml version="1.0" encoding="utf-8"?>
+<file path=ppt/slides/slide6.xml><?xml version="1.0" encoding="utf-8"?>
 <p:sld xmlns:a="http://schemas.openxmlformats.org/drawingml/2006/main" xmlns:r="http://schemas.openxmlformats.org/officeDocument/2006/relationships" xmlns:p="http://schemas.openxmlformats.org/presentationml/2006/main">
   <p:cSld>
     <p:spTree>
@@ -7532,8 +11034,8 @@
           </a:prstGeom>
         </p:spPr>
       </p:pic>
-      <mc:AlternateContent xmlns:mc="http://schemas.openxmlformats.org/markup-compatibility/2006">
-        <mc:Choice xmlns:a14="http://schemas.microsoft.com/office/drawing/2010/main" Requires="a14">
+      <mc:AlternateContent xmlns:mc="http://schemas.openxmlformats.org/markup-compatibility/2006" xmlns:a14="http://schemas.microsoft.com/office/drawing/2010/main">
+        <mc:Choice Requires="a14">
           <p:sp>
             <p:nvSpPr>
               <p:cNvPr id="8" name="Retângulo 7">
@@ -7596,6 +11098,7 @@
                 </a:r>
               </a:p>
               <a:p>
+                <a:pPr/>
                 <a14:m>
                   <m:oMathPara xmlns:m="http://schemas.openxmlformats.org/officeDocument/2006/math">
                     <m:oMathParaPr>
@@ -7603,24 +11106,32 @@
                     </m:oMathParaPr>
                     <m:oMath xmlns:m="http://schemas.openxmlformats.org/officeDocument/2006/math">
                       <m:r>
-                        <a:rPr lang="pt-PT" i="1"/>
+                        <a:rPr lang="pt-PT" i="1">
+                          <a:latin typeface="Cambria Math" panose="02040503050406030204" pitchFamily="18" charset="0"/>
+                        </a:rPr>
                         <m:t>𝑓</m:t>
                       </m:r>
                       <m:d>
                         <m:dPr>
                           <m:ctrlPr>
-                            <a:rPr lang="pt-PT" i="1"/>
+                            <a:rPr lang="pt-PT" i="1">
+                              <a:latin typeface="Cambria Math" panose="02040503050406030204" pitchFamily="18" charset="0"/>
+                            </a:rPr>
                           </m:ctrlPr>
                         </m:dPr>
                         <m:e>
                           <m:r>
-                            <a:rPr lang="pt-PT" i="1"/>
+                            <a:rPr lang="pt-PT" i="1">
+                              <a:latin typeface="Cambria Math" panose="02040503050406030204" pitchFamily="18" charset="0"/>
+                            </a:rPr>
                             <m:t>𝑥</m:t>
                           </m:r>
                         </m:e>
                       </m:d>
                       <m:r>
-                        <a:rPr lang="pt-PT" i="1"/>
+                        <a:rPr lang="pt-PT" i="1">
+                          <a:latin typeface="Cambria Math" panose="02040503050406030204" pitchFamily="18" charset="0"/>
+                        </a:rPr>
                         <m:t>= </m:t>
                       </m:r>
                       <m:d>
@@ -7628,87 +11139,119 @@
                           <m:begChr m:val="{"/>
                           <m:endChr m:val=""/>
                           <m:ctrlPr>
-                            <a:rPr lang="pt-PT" i="1"/>
+                            <a:rPr lang="pt-PT" i="1">
+                              <a:latin typeface="Cambria Math" panose="02040503050406030204" pitchFamily="18" charset="0"/>
+                            </a:rPr>
                           </m:ctrlPr>
                         </m:dPr>
                         <m:e>
                           <m:eqArr>
                             <m:eqArrPr>
                               <m:ctrlPr>
-                                <a:rPr lang="pt-PT" i="1"/>
+                                <a:rPr lang="pt-PT" i="1">
+                                  <a:latin typeface="Cambria Math" panose="02040503050406030204" pitchFamily="18" charset="0"/>
+                                </a:rPr>
                               </m:ctrlPr>
                             </m:eqArrPr>
                             <m:e>
                               <m:sSup>
                                 <m:sSupPr>
                                   <m:ctrlPr>
-                                    <a:rPr lang="pt-PT" i="1"/>
+                                    <a:rPr lang="pt-PT" i="1">
+                                      <a:latin typeface="Cambria Math" panose="02040503050406030204" pitchFamily="18" charset="0"/>
+                                    </a:rPr>
                                   </m:ctrlPr>
                                 </m:sSupPr>
                                 <m:e>
                                   <m:r>
-                                    <a:rPr lang="pt-PT" i="1"/>
+                                    <a:rPr lang="pt-PT" i="1">
+                                      <a:latin typeface="Cambria Math" panose="02040503050406030204" pitchFamily="18" charset="0"/>
+                                    </a:rPr>
                                     <m:t>1</m:t>
                                   </m:r>
                                 </m:e>
                                 <m:sup>
                                   <m:r>
-                                    <a:rPr lang="pt-PT" i="1"/>
+                                    <a:rPr lang="pt-PT" i="1">
+                                      <a:latin typeface="Cambria Math" panose="02040503050406030204" pitchFamily="18" charset="0"/>
+                                    </a:rPr>
                                     <m:t>−2</m:t>
                                   </m:r>
                                 </m:sup>
                               </m:sSup>
                               <m:r>
-                                <a:rPr lang="pt-PT" i="1"/>
+                                <a:rPr lang="pt-PT" i="1">
+                                  <a:latin typeface="Cambria Math" panose="02040503050406030204" pitchFamily="18" charset="0"/>
+                                </a:rPr>
                                 <m:t>𝑥</m:t>
                               </m:r>
                               <m:sSup>
                                 <m:sSupPr>
                                   <m:ctrlPr>
-                                    <a:rPr lang="pt-PT" i="1"/>
+                                    <a:rPr lang="pt-PT" i="1">
+                                      <a:latin typeface="Cambria Math" panose="02040503050406030204" pitchFamily="18" charset="0"/>
+                                    </a:rPr>
                                   </m:ctrlPr>
                                 </m:sSupPr>
                                 <m:e>
                                   <m:r>
-                                    <a:rPr lang="pt-PT" i="1"/>
+                                    <a:rPr lang="pt-PT" i="1">
+                                      <a:latin typeface="Cambria Math" panose="02040503050406030204" pitchFamily="18" charset="0"/>
+                                    </a:rPr>
                                     <m:t>𝑒</m:t>
                                   </m:r>
                                 </m:e>
                                 <m:sup>
                                   <m:r>
-                                    <a:rPr lang="pt-PT" i="1"/>
+                                    <a:rPr lang="pt-PT" i="1">
+                                      <a:latin typeface="Cambria Math" panose="02040503050406030204" pitchFamily="18" charset="0"/>
+                                    </a:rPr>
                                     <m:t>−</m:t>
                                   </m:r>
                                   <m:r>
-                                    <a:rPr lang="pt-PT" i="1"/>
+                                    <a:rPr lang="pt-PT" i="1">
+                                      <a:latin typeface="Cambria Math" panose="02040503050406030204" pitchFamily="18" charset="0"/>
+                                    </a:rPr>
                                     <m:t>𝑥</m:t>
                                   </m:r>
                                 </m:sup>
                               </m:sSup>
                               <m:r>
-                                <a:rPr lang="pt-PT" i="1"/>
+                                <a:rPr lang="pt-PT" i="1">
+                                  <a:latin typeface="Cambria Math" panose="02040503050406030204" pitchFamily="18" charset="0"/>
+                                </a:rPr>
                                 <m:t> ,   </m:t>
                               </m:r>
                               <m:r>
-                                <a:rPr lang="pt-PT" i="1"/>
+                                <a:rPr lang="pt-PT" i="1">
+                                  <a:latin typeface="Cambria Math" panose="02040503050406030204" pitchFamily="18" charset="0"/>
+                                </a:rPr>
                                 <m:t>𝑥</m:t>
                               </m:r>
                               <m:r>
-                                <a:rPr lang="pt-PT" i="1"/>
+                                <a:rPr lang="pt-PT" i="1">
+                                  <a:latin typeface="Cambria Math" panose="02040503050406030204" pitchFamily="18" charset="0"/>
+                                </a:rPr>
                                 <m:t>&gt;2</m:t>
                               </m:r>
                             </m:e>
                             <m:e>
                               <m:r>
-                                <a:rPr lang="pt-PT" i="1"/>
+                                <a:rPr lang="pt-PT" i="1">
+                                  <a:latin typeface="Cambria Math" panose="02040503050406030204" pitchFamily="18" charset="0"/>
+                                </a:rPr>
                                 <m:t>0,         </m:t>
                               </m:r>
                               <m:r>
-                                <a:rPr lang="pt-PT" i="1"/>
+                                <a:rPr lang="pt-PT" i="1">
+                                  <a:latin typeface="Cambria Math" panose="02040503050406030204" pitchFamily="18" charset="0"/>
+                                </a:rPr>
                                 <m:t>𝑥</m:t>
                               </m:r>
                               <m:r>
-                                <a:rPr lang="pt-PT" i="1"/>
+                                <a:rPr lang="pt-PT" i="1">
+                                  <a:latin typeface="Cambria Math" panose="02040503050406030204" pitchFamily="18" charset="0"/>
+                                </a:rPr>
                                 <m:t>≤2          </m:t>
                               </m:r>
                             </m:e>
@@ -7731,7 +11274,7 @@
             </p:txBody>
           </p:sp>
         </mc:Choice>
-        <mc:Fallback>
+        <mc:Fallback xmlns="">
           <p:sp>
             <p:nvSpPr>
               <p:cNvPr id="8" name="Retângulo 7">
@@ -7779,8 +11322,8 @@
           </p:sp>
         </mc:Fallback>
       </mc:AlternateContent>
-      <mc:AlternateContent xmlns:mc="http://schemas.openxmlformats.org/markup-compatibility/2006">
-        <mc:Choice xmlns:a14="http://schemas.microsoft.com/office/drawing/2010/main" Requires="a14">
+      <mc:AlternateContent xmlns:mc="http://schemas.openxmlformats.org/markup-compatibility/2006" xmlns:a14="http://schemas.microsoft.com/office/drawing/2010/main">
+        <mc:Choice Requires="a14">
           <p:sp>
             <p:nvSpPr>
               <p:cNvPr id="4" name="Retângulo 3">
@@ -7808,6 +11351,7 @@
               </a:bodyPr>
               <a:lstStyle/>
               <a:p>
+                <a:pPr/>
                 <a14:m>
                   <m:oMathPara xmlns:m="http://schemas.openxmlformats.org/officeDocument/2006/math">
                     <m:oMathParaPr>
@@ -7985,7 +11529,7 @@
             </p:txBody>
           </p:sp>
         </mc:Choice>
-        <mc:Fallback>
+        <mc:Fallback xmlns="">
           <p:sp>
             <p:nvSpPr>
               <p:cNvPr id="4" name="Retângulo 3">
@@ -8071,7 +11615,7 @@
 </p:sld>
 </file>
 
-<file path=ppt/slides/slide12.xml><?xml version="1.0" encoding="utf-8"?>
+<file path=ppt/slides/slide7.xml><?xml version="1.0" encoding="utf-8"?>
 <p:sld xmlns:a="http://schemas.openxmlformats.org/drawingml/2006/main" xmlns:r="http://schemas.openxmlformats.org/officeDocument/2006/relationships" xmlns:p="http://schemas.openxmlformats.org/presentationml/2006/main">
   <p:cSld>
     <p:spTree>
@@ -8148,8 +11692,8 @@
           </a:prstGeom>
         </p:spPr>
       </p:pic>
-      <mc:AlternateContent xmlns:mc="http://schemas.openxmlformats.org/markup-compatibility/2006">
-        <mc:Choice xmlns:a14="http://schemas.microsoft.com/office/drawing/2010/main" Requires="a14">
+      <mc:AlternateContent xmlns:mc="http://schemas.openxmlformats.org/markup-compatibility/2006" xmlns:a14="http://schemas.microsoft.com/office/drawing/2010/main">
+        <mc:Choice Requires="a14">
           <p:sp>
             <p:nvSpPr>
               <p:cNvPr id="8" name="Retângulo 7">
@@ -8212,6 +11756,7 @@
                 </a:r>
               </a:p>
               <a:p>
+                <a:pPr/>
                 <a14:m>
                   <m:oMathPara xmlns:m="http://schemas.openxmlformats.org/officeDocument/2006/math">
                     <m:oMathParaPr>
@@ -8219,24 +11764,32 @@
                     </m:oMathParaPr>
                     <m:oMath xmlns:m="http://schemas.openxmlformats.org/officeDocument/2006/math">
                       <m:r>
-                        <a:rPr lang="pt-PT" i="1"/>
+                        <a:rPr lang="pt-PT" i="1">
+                          <a:latin typeface="Cambria Math" panose="02040503050406030204" pitchFamily="18" charset="0"/>
+                        </a:rPr>
                         <m:t>𝑓</m:t>
                       </m:r>
                       <m:d>
                         <m:dPr>
                           <m:ctrlPr>
-                            <a:rPr lang="pt-PT" i="1"/>
+                            <a:rPr lang="pt-PT" i="1">
+                              <a:latin typeface="Cambria Math" panose="02040503050406030204" pitchFamily="18" charset="0"/>
+                            </a:rPr>
                           </m:ctrlPr>
                         </m:dPr>
                         <m:e>
                           <m:r>
-                            <a:rPr lang="pt-PT" i="1"/>
+                            <a:rPr lang="pt-PT" i="1">
+                              <a:latin typeface="Cambria Math" panose="02040503050406030204" pitchFamily="18" charset="0"/>
+                            </a:rPr>
                             <m:t>𝑥</m:t>
                           </m:r>
                         </m:e>
                       </m:d>
                       <m:r>
-                        <a:rPr lang="pt-PT" i="1"/>
+                        <a:rPr lang="pt-PT" i="1">
+                          <a:latin typeface="Cambria Math" panose="02040503050406030204" pitchFamily="18" charset="0"/>
+                        </a:rPr>
                         <m:t>= </m:t>
                       </m:r>
                       <m:d>
@@ -8244,87 +11797,119 @@
                           <m:begChr m:val="{"/>
                           <m:endChr m:val=""/>
                           <m:ctrlPr>
-                            <a:rPr lang="pt-PT" i="1"/>
+                            <a:rPr lang="pt-PT" i="1">
+                              <a:latin typeface="Cambria Math" panose="02040503050406030204" pitchFamily="18" charset="0"/>
+                            </a:rPr>
                           </m:ctrlPr>
                         </m:dPr>
                         <m:e>
                           <m:eqArr>
                             <m:eqArrPr>
                               <m:ctrlPr>
-                                <a:rPr lang="pt-PT" i="1"/>
+                                <a:rPr lang="pt-PT" i="1">
+                                  <a:latin typeface="Cambria Math" panose="02040503050406030204" pitchFamily="18" charset="0"/>
+                                </a:rPr>
                               </m:ctrlPr>
                             </m:eqArrPr>
                             <m:e>
                               <m:sSup>
                                 <m:sSupPr>
                                   <m:ctrlPr>
-                                    <a:rPr lang="pt-PT" i="1"/>
+                                    <a:rPr lang="pt-PT" i="1">
+                                      <a:latin typeface="Cambria Math" panose="02040503050406030204" pitchFamily="18" charset="0"/>
+                                    </a:rPr>
                                   </m:ctrlPr>
                                 </m:sSupPr>
                                 <m:e>
                                   <m:r>
-                                    <a:rPr lang="pt-PT" i="1"/>
+                                    <a:rPr lang="pt-PT" i="1">
+                                      <a:latin typeface="Cambria Math" panose="02040503050406030204" pitchFamily="18" charset="0"/>
+                                    </a:rPr>
                                     <m:t>1</m:t>
                                   </m:r>
                                 </m:e>
                                 <m:sup>
                                   <m:r>
-                                    <a:rPr lang="pt-PT" i="1"/>
+                                    <a:rPr lang="pt-PT" i="1">
+                                      <a:latin typeface="Cambria Math" panose="02040503050406030204" pitchFamily="18" charset="0"/>
+                                    </a:rPr>
                                     <m:t>−2</m:t>
                                   </m:r>
                                 </m:sup>
                               </m:sSup>
                               <m:r>
-                                <a:rPr lang="pt-PT" i="1"/>
+                                <a:rPr lang="pt-PT" i="1">
+                                  <a:latin typeface="Cambria Math" panose="02040503050406030204" pitchFamily="18" charset="0"/>
+                                </a:rPr>
                                 <m:t>𝑥</m:t>
                               </m:r>
                               <m:sSup>
                                 <m:sSupPr>
                                   <m:ctrlPr>
-                                    <a:rPr lang="pt-PT" i="1"/>
+                                    <a:rPr lang="pt-PT" i="1">
+                                      <a:latin typeface="Cambria Math" panose="02040503050406030204" pitchFamily="18" charset="0"/>
+                                    </a:rPr>
                                   </m:ctrlPr>
                                 </m:sSupPr>
                                 <m:e>
                                   <m:r>
-                                    <a:rPr lang="pt-PT" i="1"/>
+                                    <a:rPr lang="pt-PT" i="1">
+                                      <a:latin typeface="Cambria Math" panose="02040503050406030204" pitchFamily="18" charset="0"/>
+                                    </a:rPr>
                                     <m:t>𝑒</m:t>
                                   </m:r>
                                 </m:e>
                                 <m:sup>
                                   <m:r>
-                                    <a:rPr lang="pt-PT" i="1"/>
+                                    <a:rPr lang="pt-PT" i="1">
+                                      <a:latin typeface="Cambria Math" panose="02040503050406030204" pitchFamily="18" charset="0"/>
+                                    </a:rPr>
                                     <m:t>−</m:t>
                                   </m:r>
                                   <m:r>
-                                    <a:rPr lang="pt-PT" i="1"/>
+                                    <a:rPr lang="pt-PT" i="1">
+                                      <a:latin typeface="Cambria Math" panose="02040503050406030204" pitchFamily="18" charset="0"/>
+                                    </a:rPr>
                                     <m:t>𝑥</m:t>
                                   </m:r>
                                 </m:sup>
                               </m:sSup>
                               <m:r>
-                                <a:rPr lang="pt-PT" i="1"/>
+                                <a:rPr lang="pt-PT" i="1">
+                                  <a:latin typeface="Cambria Math" panose="02040503050406030204" pitchFamily="18" charset="0"/>
+                                </a:rPr>
                                 <m:t> ,   </m:t>
                               </m:r>
                               <m:r>
-                                <a:rPr lang="pt-PT" i="1"/>
+                                <a:rPr lang="pt-PT" i="1">
+                                  <a:latin typeface="Cambria Math" panose="02040503050406030204" pitchFamily="18" charset="0"/>
+                                </a:rPr>
                                 <m:t>𝑥</m:t>
                               </m:r>
                               <m:r>
-                                <a:rPr lang="pt-PT" i="1"/>
+                                <a:rPr lang="pt-PT" i="1">
+                                  <a:latin typeface="Cambria Math" panose="02040503050406030204" pitchFamily="18" charset="0"/>
+                                </a:rPr>
                                 <m:t>&gt;2</m:t>
                               </m:r>
                             </m:e>
                             <m:e>
                               <m:r>
-                                <a:rPr lang="pt-PT" i="1"/>
+                                <a:rPr lang="pt-PT" i="1">
+                                  <a:latin typeface="Cambria Math" panose="02040503050406030204" pitchFamily="18" charset="0"/>
+                                </a:rPr>
                                 <m:t>0,         </m:t>
                               </m:r>
                               <m:r>
-                                <a:rPr lang="pt-PT" i="1"/>
+                                <a:rPr lang="pt-PT" i="1">
+                                  <a:latin typeface="Cambria Math" panose="02040503050406030204" pitchFamily="18" charset="0"/>
+                                </a:rPr>
                                 <m:t>𝑥</m:t>
                               </m:r>
                               <m:r>
-                                <a:rPr lang="pt-PT" i="1"/>
+                                <a:rPr lang="pt-PT" i="1">
+                                  <a:latin typeface="Cambria Math" panose="02040503050406030204" pitchFamily="18" charset="0"/>
+                                </a:rPr>
                                 <m:t>≤2          </m:t>
                               </m:r>
                             </m:e>
@@ -8347,7 +11932,7 @@
             </p:txBody>
           </p:sp>
         </mc:Choice>
-        <mc:Fallback>
+        <mc:Fallback xmlns="">
           <p:sp>
             <p:nvSpPr>
               <p:cNvPr id="8" name="Retângulo 7">
@@ -8424,6 +12009,7 @@
               </a:bodyPr>
               <a:lstStyle/>
               <a:p>
+                <a:pPr/>
                 <a14:m>
                   <m:oMathPara xmlns:m="http://schemas.openxmlformats.org/officeDocument/2006/math">
                     <m:oMathParaPr>
@@ -8431,7 +12017,7 @@
                     </m:oMathParaPr>
                     <m:oMath xmlns:m="http://schemas.openxmlformats.org/officeDocument/2006/math">
                       <m:r>
-                        <a:rPr lang="pt-PT" i="1">
+                        <a:rPr lang="pt-PT" i="1" smtClean="0">
                           <a:latin typeface="Cambria Math" panose="02040503050406030204" pitchFamily="18" charset="0"/>
                         </a:rPr>
                         <m:t>𝑓</m:t>
@@ -8563,7 +12149,13 @@
                                 <a:rPr lang="pt-PT" i="0">
                                   <a:latin typeface="Cambria Math" panose="02040503050406030204" pitchFamily="18" charset="0"/>
                                 </a:rPr>
-                                <m:t>&gt;2</m:t>
+                                <m:t>&gt;</m:t>
+                              </m:r>
+                              <m:r>
+                                <a:rPr lang="pt-PT" b="0" i="1" smtClean="0">
+                                  <a:latin typeface="Cambria Math" panose="02040503050406030204" pitchFamily="18" charset="0"/>
+                                </a:rPr>
+                                <m:t>0</m:t>
                               </m:r>
                             </m:e>
                             <m:e>
@@ -8583,7 +12175,19 @@
                                 <a:rPr lang="pt-PT" i="0">
                                   <a:latin typeface="Cambria Math" panose="02040503050406030204" pitchFamily="18" charset="0"/>
                                 </a:rPr>
-                                <m:t>≤2          </m:t>
+                                <m:t>≤</m:t>
+                              </m:r>
+                              <m:r>
+                                <a:rPr lang="pt-PT" b="0" i="0" smtClean="0">
+                                  <a:latin typeface="Cambria Math" panose="02040503050406030204" pitchFamily="18" charset="0"/>
+                                </a:rPr>
+                                <m:t>0</m:t>
+                              </m:r>
+                              <m:r>
+                                <a:rPr lang="pt-PT" i="0">
+                                  <a:latin typeface="Cambria Math" panose="02040503050406030204" pitchFamily="18" charset="0"/>
+                                </a:rPr>
+                                <m:t>          </m:t>
                               </m:r>
                             </m:e>
                           </m:eqArr>
@@ -8683,292 +12287,7 @@
 </p:sld>
 </file>
 
-<file path=ppt/slides/slide2.xml><?xml version="1.0" encoding="utf-8"?>
-<p:sld xmlns:a="http://schemas.openxmlformats.org/drawingml/2006/main" xmlns:r="http://schemas.openxmlformats.org/officeDocument/2006/relationships" xmlns:p="http://schemas.openxmlformats.org/presentationml/2006/main">
-  <p:cSld>
-    <p:spTree>
-      <p:nvGrpSpPr>
-        <p:cNvPr id="1" name=""/>
-        <p:cNvGrpSpPr/>
-        <p:nvPr/>
-      </p:nvGrpSpPr>
-      <p:grpSpPr>
-        <a:xfrm>
-          <a:off x="0" y="0"/>
-          <a:ext cx="0" cy="0"/>
-          <a:chOff x="0" y="0"/>
-          <a:chExt cx="0" cy="0"/>
-        </a:xfrm>
-      </p:grpSpPr>
-      <p:sp>
-        <p:nvSpPr>
-          <p:cNvPr id="3" name="Subtítulo 2">
-            <a:extLst>
-              <a:ext uri="{FF2B5EF4-FFF2-40B4-BE49-F238E27FC236}">
-                <a16:creationId xmlns:a16="http://schemas.microsoft.com/office/drawing/2014/main" id="{204348A3-19CC-4C5C-8645-C2F9F25F8CD5}"/>
-              </a:ext>
-            </a:extLst>
-          </p:cNvPr>
-          <p:cNvSpPr>
-            <a:spLocks noGrp="1"/>
-          </p:cNvSpPr>
-          <p:nvPr>
-            <p:ph type="subTitle" idx="1"/>
-          </p:nvPr>
-        </p:nvSpPr>
-        <p:spPr/>
-        <p:txBody>
-          <a:bodyPr/>
-          <a:lstStyle/>
-          <a:p>
-            <a:endParaRPr lang="pt-PT"/>
-          </a:p>
-        </p:txBody>
-      </p:sp>
-      <p:pic>
-        <p:nvPicPr>
-          <p:cNvPr id="7" name="Imagem 6">
-            <a:extLst>
-              <a:ext uri="{FF2B5EF4-FFF2-40B4-BE49-F238E27FC236}">
-                <a16:creationId xmlns:a16="http://schemas.microsoft.com/office/drawing/2014/main" id="{76C4170D-002F-418E-9062-DE2E371A20C6}"/>
-              </a:ext>
-            </a:extLst>
-          </p:cNvPr>
-          <p:cNvPicPr>
-            <a:picLocks noChangeAspect="1"/>
-          </p:cNvPicPr>
-          <p:nvPr/>
-        </p:nvPicPr>
-        <p:blipFill rotWithShape="1">
-          <a:blip r:embed="rId2">
-            <a:extLst>
-              <a:ext uri="{28A0092B-C50C-407E-A947-70E740481C1C}">
-                <a14:useLocalDpi xmlns:a14="http://schemas.microsoft.com/office/drawing/2010/main" val="0"/>
-              </a:ext>
-            </a:extLst>
-          </a:blip>
-          <a:srcRect t="65227" b="-64"/>
-          <a:stretch/>
-        </p:blipFill>
-        <p:spPr>
-          <a:xfrm>
-            <a:off x="-1" y="0"/>
-            <a:ext cx="12192001" cy="2387600"/>
-          </a:xfrm>
-          <a:prstGeom prst="rect">
-            <a:avLst/>
-          </a:prstGeom>
-        </p:spPr>
-      </p:pic>
-      <p:sp>
-        <p:nvSpPr>
-          <p:cNvPr id="8" name="Retângulo 7">
-            <a:extLst>
-              <a:ext uri="{FF2B5EF4-FFF2-40B4-BE49-F238E27FC236}">
-                <a16:creationId xmlns:a16="http://schemas.microsoft.com/office/drawing/2014/main" id="{CDC96F03-396E-41AB-9D90-137278306F7A}"/>
-              </a:ext>
-            </a:extLst>
-          </p:cNvPr>
-          <p:cNvSpPr/>
-          <p:nvPr/>
-        </p:nvSpPr>
-        <p:spPr>
-          <a:xfrm>
-            <a:off x="0" y="2387600"/>
-            <a:ext cx="12192000" cy="4470400"/>
-          </a:xfrm>
-          <a:prstGeom prst="rect">
-            <a:avLst/>
-          </a:prstGeom>
-          <a:solidFill>
-            <a:srgbClr val="FFFFFF"/>
-          </a:solidFill>
-          <a:ln>
-            <a:noFill/>
-          </a:ln>
-        </p:spPr>
-        <p:style>
-          <a:lnRef idx="2">
-            <a:schemeClr val="accent1">
-              <a:shade val="50000"/>
-            </a:schemeClr>
-          </a:lnRef>
-          <a:fillRef idx="1">
-            <a:schemeClr val="accent1"/>
-          </a:fillRef>
-          <a:effectRef idx="0">
-            <a:schemeClr val="accent1"/>
-          </a:effectRef>
-          <a:fontRef idx="minor">
-            <a:schemeClr val="lt1"/>
-          </a:fontRef>
-        </p:style>
-        <p:txBody>
-          <a:bodyPr rtlCol="0" anchor="t"/>
-          <a:lstStyle/>
-          <a:p>
-            <a:pPr marL="571500" indent="-571500">
-              <a:buFont typeface="Arial" panose="020B0604020202020204" pitchFamily="34" charset="0"/>
-              <a:buChar char="•"/>
-            </a:pPr>
-            <a:r>
-              <a:rPr lang="pt-PT" sz="4000" dirty="0">
-                <a:solidFill>
-                  <a:srgbClr val="00B050"/>
-                </a:solidFill>
-                <a:latin typeface="Retro Gaming" panose="00000400000000000000" pitchFamily="2" charset="0"/>
-              </a:rPr>
-              <a:t>OBJETIVOS</a:t>
-            </a:r>
-          </a:p>
-          <a:p>
-            <a:pPr marL="571500" indent="-571500">
-              <a:buFont typeface="Arial" panose="020B0604020202020204" pitchFamily="34" charset="0"/>
-              <a:buChar char="•"/>
-            </a:pPr>
-            <a:endParaRPr lang="pt-PT" sz="4000" dirty="0">
-              <a:solidFill>
-                <a:srgbClr val="00B050"/>
-              </a:solidFill>
-              <a:latin typeface="Retro Gaming" panose="00000400000000000000" pitchFamily="2" charset="0"/>
-            </a:endParaRPr>
-          </a:p>
-          <a:p>
-            <a:pPr marL="1485900" lvl="2" indent="-571500">
-              <a:buFont typeface="Wingdings" panose="05000000000000000000" pitchFamily="2" charset="2"/>
-              <a:buChar char="Ø"/>
-            </a:pPr>
-            <a:r>
-              <a:rPr lang="pt-PT" sz="2800" dirty="0">
-                <a:solidFill>
-                  <a:schemeClr val="tx1"/>
-                </a:solidFill>
-                <a:latin typeface="Retro Gaming" panose="00000400000000000000" pitchFamily="2" charset="0"/>
-              </a:rPr>
-              <a:t>Implementar 4 variáveis aleatórias com distribuições: Normal, Uniforme, Geométrica e </a:t>
-            </a:r>
-            <a:r>
-              <a:rPr lang="pt-PT" sz="2800" dirty="0" err="1">
-                <a:solidFill>
-                  <a:schemeClr val="tx1"/>
-                </a:solidFill>
-                <a:latin typeface="Retro Gaming" panose="00000400000000000000" pitchFamily="2" charset="0"/>
-              </a:rPr>
-              <a:t>Gamma</a:t>
-            </a:r>
-            <a:r>
-              <a:rPr lang="pt-PT" sz="2800" dirty="0">
-                <a:solidFill>
-                  <a:schemeClr val="tx1"/>
-                </a:solidFill>
-                <a:latin typeface="Retro Gaming" panose="00000400000000000000" pitchFamily="2" charset="0"/>
-              </a:rPr>
-              <a:t>;</a:t>
-            </a:r>
-          </a:p>
-          <a:p>
-            <a:pPr marL="1485900" lvl="2" indent="-571500">
-              <a:buFont typeface="Wingdings" panose="05000000000000000000" pitchFamily="2" charset="2"/>
-              <a:buChar char="Ø"/>
-            </a:pPr>
-            <a:r>
-              <a:rPr lang="pt-PT" sz="2800" dirty="0">
-                <a:solidFill>
-                  <a:schemeClr val="tx1"/>
-                </a:solidFill>
-                <a:latin typeface="Retro Gaming" panose="00000400000000000000" pitchFamily="2" charset="0"/>
-              </a:rPr>
-              <a:t>Adaptar estas variáveis aleatórias como parte integrante de um jogo RPG estilo “</a:t>
-            </a:r>
-            <a:r>
-              <a:rPr lang="pt-PT" sz="2800" dirty="0" err="1">
-                <a:solidFill>
-                  <a:schemeClr val="tx1"/>
-                </a:solidFill>
-                <a:latin typeface="Retro Gaming" panose="00000400000000000000" pitchFamily="2" charset="0"/>
-              </a:rPr>
-              <a:t>The</a:t>
-            </a:r>
-            <a:r>
-              <a:rPr lang="pt-PT" sz="2800" dirty="0">
-                <a:solidFill>
-                  <a:schemeClr val="tx1"/>
-                </a:solidFill>
-                <a:latin typeface="Retro Gaming" panose="00000400000000000000" pitchFamily="2" charset="0"/>
-              </a:rPr>
-              <a:t> </a:t>
-            </a:r>
-            <a:r>
-              <a:rPr lang="pt-PT" sz="2800" dirty="0" err="1">
-                <a:solidFill>
-                  <a:schemeClr val="tx1"/>
-                </a:solidFill>
-                <a:latin typeface="Retro Gaming" panose="00000400000000000000" pitchFamily="2" charset="0"/>
-              </a:rPr>
-              <a:t>Legend</a:t>
-            </a:r>
-            <a:r>
-              <a:rPr lang="pt-PT" sz="2800" dirty="0">
-                <a:solidFill>
-                  <a:schemeClr val="tx1"/>
-                </a:solidFill>
-                <a:latin typeface="Retro Gaming" panose="00000400000000000000" pitchFamily="2" charset="0"/>
-              </a:rPr>
-              <a:t> </a:t>
-            </a:r>
-            <a:r>
-              <a:rPr lang="pt-PT" sz="2800" dirty="0" err="1">
-                <a:solidFill>
-                  <a:schemeClr val="tx1"/>
-                </a:solidFill>
-                <a:latin typeface="Retro Gaming" panose="00000400000000000000" pitchFamily="2" charset="0"/>
-              </a:rPr>
-              <a:t>of</a:t>
-            </a:r>
-            <a:r>
-              <a:rPr lang="pt-PT" sz="2800" dirty="0">
-                <a:solidFill>
-                  <a:schemeClr val="tx1"/>
-                </a:solidFill>
-                <a:latin typeface="Retro Gaming" panose="00000400000000000000" pitchFamily="2" charset="0"/>
-              </a:rPr>
-              <a:t> </a:t>
-            </a:r>
-            <a:r>
-              <a:rPr lang="pt-PT" sz="2800" dirty="0" err="1">
-                <a:solidFill>
-                  <a:schemeClr val="tx1"/>
-                </a:solidFill>
-                <a:latin typeface="Retro Gaming" panose="00000400000000000000" pitchFamily="2" charset="0"/>
-              </a:rPr>
-              <a:t>Zelda</a:t>
-            </a:r>
-            <a:r>
-              <a:rPr lang="pt-PT" sz="2800" dirty="0">
-                <a:solidFill>
-                  <a:schemeClr val="tx1"/>
-                </a:solidFill>
-                <a:latin typeface="Retro Gaming" panose="00000400000000000000" pitchFamily="2" charset="0"/>
-              </a:rPr>
-              <a:t>”;</a:t>
-            </a:r>
-          </a:p>
-        </p:txBody>
-      </p:sp>
-    </p:spTree>
-    <p:extLst>
-      <p:ext uri="{BB962C8B-B14F-4D97-AF65-F5344CB8AC3E}">
-        <p14:creationId xmlns:p14="http://schemas.microsoft.com/office/powerpoint/2010/main" val="2381215026"/>
-      </p:ext>
-    </p:extLst>
-  </p:cSld>
-  <p:clrMapOvr>
-    <a:masterClrMapping/>
-  </p:clrMapOvr>
-</p:sld>
-</file>
-
-<file path=ppt/slides/slide3.xml><?xml version="1.0" encoding="utf-8"?>
+<file path=ppt/slides/slide8.xml><?xml version="1.0" encoding="utf-8"?>
 <p:sld xmlns:a="http://schemas.openxmlformats.org/drawingml/2006/main" xmlns:r="http://schemas.openxmlformats.org/officeDocument/2006/relationships" xmlns:p="http://schemas.openxmlformats.org/presentationml/2006/main">
   <p:cSld>
     <p:spTree>
@@ -9035,3345 +12354,274 @@
           </a:p>
         </p:txBody>
       </p:sp>
+      <p:pic>
+        <p:nvPicPr>
+          <p:cNvPr id="4" name="Imagem 3">
+            <a:extLst>
+              <a:ext uri="{FF2B5EF4-FFF2-40B4-BE49-F238E27FC236}">
+                <a16:creationId xmlns:a16="http://schemas.microsoft.com/office/drawing/2014/main" id="{7EEAF215-D96C-409D-881B-FC03408EA186}"/>
+              </a:ext>
+            </a:extLst>
+          </p:cNvPr>
+          <p:cNvPicPr/>
+          <p:nvPr/>
+        </p:nvPicPr>
+        <p:blipFill>
+          <a:blip r:embed="rId2"/>
+          <a:stretch>
+            <a:fillRect/>
+          </a:stretch>
+        </p:blipFill>
+        <p:spPr>
+          <a:xfrm>
+            <a:off x="-3" y="5135881"/>
+            <a:ext cx="4116071" cy="1722120"/>
+          </a:xfrm>
+          <a:prstGeom prst="rect">
+            <a:avLst/>
+          </a:prstGeom>
+          <a:ln>
+            <a:solidFill>
+              <a:schemeClr val="bg1"/>
+            </a:solidFill>
+          </a:ln>
+        </p:spPr>
+      </p:pic>
+      <p:pic>
+        <p:nvPicPr>
+          <p:cNvPr id="6" name="Imagem 5">
+            <a:extLst>
+              <a:ext uri="{FF2B5EF4-FFF2-40B4-BE49-F238E27FC236}">
+                <a16:creationId xmlns:a16="http://schemas.microsoft.com/office/drawing/2014/main" id="{C22EE8F1-C9F5-453E-AA99-351E358C61D9}"/>
+              </a:ext>
+            </a:extLst>
+          </p:cNvPr>
+          <p:cNvPicPr/>
+          <p:nvPr/>
+        </p:nvPicPr>
+        <p:blipFill>
+          <a:blip r:embed="rId3"/>
+          <a:stretch>
+            <a:fillRect/>
+          </a:stretch>
+        </p:blipFill>
+        <p:spPr>
+          <a:xfrm>
+            <a:off x="0" y="0"/>
+            <a:ext cx="3406140" cy="2240280"/>
+          </a:xfrm>
+          <a:prstGeom prst="rect">
+            <a:avLst/>
+          </a:prstGeom>
+          <a:ln>
+            <a:solidFill>
+              <a:schemeClr val="bg1"/>
+            </a:solidFill>
+          </a:ln>
+        </p:spPr>
+      </p:pic>
+      <p:pic>
+        <p:nvPicPr>
+          <p:cNvPr id="8" name="Imagem 7">
+            <a:extLst>
+              <a:ext uri="{FF2B5EF4-FFF2-40B4-BE49-F238E27FC236}">
+                <a16:creationId xmlns:a16="http://schemas.microsoft.com/office/drawing/2014/main" id="{E93EC1CE-66C7-457B-B855-67B30850FE90}"/>
+              </a:ext>
+            </a:extLst>
+          </p:cNvPr>
+          <p:cNvPicPr/>
+          <p:nvPr/>
+        </p:nvPicPr>
+        <p:blipFill>
+          <a:blip r:embed="rId4"/>
+          <a:stretch>
+            <a:fillRect/>
+          </a:stretch>
+        </p:blipFill>
+        <p:spPr>
+          <a:xfrm>
+            <a:off x="4116069" y="2105343"/>
+            <a:ext cx="6377938" cy="4752657"/>
+          </a:xfrm>
+          <a:prstGeom prst="rect">
+            <a:avLst/>
+          </a:prstGeom>
+          <a:ln>
+            <a:solidFill>
+              <a:schemeClr val="bg1"/>
+            </a:solidFill>
+          </a:ln>
+        </p:spPr>
+      </p:pic>
+      <p:pic>
+        <p:nvPicPr>
+          <p:cNvPr id="7" name="Imagem 6">
+            <a:extLst>
+              <a:ext uri="{FF2B5EF4-FFF2-40B4-BE49-F238E27FC236}">
+                <a16:creationId xmlns:a16="http://schemas.microsoft.com/office/drawing/2014/main" id="{F25C3844-4F80-4A64-ADB9-076D1F918980}"/>
+              </a:ext>
+            </a:extLst>
+          </p:cNvPr>
+          <p:cNvPicPr/>
+          <p:nvPr/>
+        </p:nvPicPr>
+        <p:blipFill>
+          <a:blip r:embed="rId5"/>
+          <a:stretch>
+            <a:fillRect/>
+          </a:stretch>
+        </p:blipFill>
+        <p:spPr>
+          <a:xfrm>
+            <a:off x="8001000" y="4863465"/>
+            <a:ext cx="4191002" cy="1994536"/>
+          </a:xfrm>
+          <a:prstGeom prst="rect">
+            <a:avLst/>
+          </a:prstGeom>
+          <a:ln>
+            <a:solidFill>
+              <a:schemeClr val="bg1"/>
+            </a:solidFill>
+          </a:ln>
+        </p:spPr>
+      </p:pic>
+      <p:pic>
+        <p:nvPicPr>
+          <p:cNvPr id="9" name="Imagem 8">
+            <a:extLst>
+              <a:ext uri="{FF2B5EF4-FFF2-40B4-BE49-F238E27FC236}">
+                <a16:creationId xmlns:a16="http://schemas.microsoft.com/office/drawing/2014/main" id="{22DBDB09-08C5-4EBF-AF02-9C9A32AD4B56}"/>
+              </a:ext>
+            </a:extLst>
+          </p:cNvPr>
+          <p:cNvPicPr/>
+          <p:nvPr/>
+        </p:nvPicPr>
+        <p:blipFill>
+          <a:blip r:embed="rId6"/>
+          <a:stretch>
+            <a:fillRect/>
+          </a:stretch>
+        </p:blipFill>
+        <p:spPr>
+          <a:xfrm>
+            <a:off x="6791962" y="0"/>
+            <a:ext cx="5400040" cy="3037840"/>
+          </a:xfrm>
+          <a:prstGeom prst="rect">
+            <a:avLst/>
+          </a:prstGeom>
+          <a:ln>
+            <a:solidFill>
+              <a:schemeClr val="bg1"/>
+            </a:solidFill>
+          </a:ln>
+        </p:spPr>
+      </p:pic>
+      <p:pic>
+        <p:nvPicPr>
+          <p:cNvPr id="10" name="Imagem 9">
+            <a:extLst>
+              <a:ext uri="{FF2B5EF4-FFF2-40B4-BE49-F238E27FC236}">
+                <a16:creationId xmlns:a16="http://schemas.microsoft.com/office/drawing/2014/main" id="{FECFDA58-9A90-456F-947A-CB21C77A5872}"/>
+              </a:ext>
+            </a:extLst>
+          </p:cNvPr>
+          <p:cNvPicPr/>
+          <p:nvPr/>
+        </p:nvPicPr>
+        <p:blipFill>
+          <a:blip r:embed="rId7"/>
+          <a:stretch>
+            <a:fillRect/>
+          </a:stretch>
+        </p:blipFill>
+        <p:spPr>
+          <a:xfrm>
+            <a:off x="8001000" y="3036252"/>
+            <a:ext cx="4191002" cy="1837373"/>
+          </a:xfrm>
+          <a:prstGeom prst="rect">
+            <a:avLst/>
+          </a:prstGeom>
+          <a:ln>
+            <a:solidFill>
+              <a:schemeClr val="bg1"/>
+            </a:solidFill>
+          </a:ln>
+        </p:spPr>
+      </p:pic>
+      <p:pic>
+        <p:nvPicPr>
+          <p:cNvPr id="5" name="Imagem 4">
+            <a:extLst>
+              <a:ext uri="{FF2B5EF4-FFF2-40B4-BE49-F238E27FC236}">
+                <a16:creationId xmlns:a16="http://schemas.microsoft.com/office/drawing/2014/main" id="{8C5BD7A9-C40F-458A-8A5A-03A375C5FAF1}"/>
+              </a:ext>
+            </a:extLst>
+          </p:cNvPr>
+          <p:cNvPicPr/>
+          <p:nvPr/>
+        </p:nvPicPr>
+        <p:blipFill>
+          <a:blip r:embed="rId8"/>
+          <a:stretch>
+            <a:fillRect/>
+          </a:stretch>
+        </p:blipFill>
+        <p:spPr>
+          <a:xfrm>
+            <a:off x="3406140" y="-7620"/>
+            <a:ext cx="3385822" cy="2247900"/>
+          </a:xfrm>
+          <a:prstGeom prst="rect">
+            <a:avLst/>
+          </a:prstGeom>
+          <a:ln>
+            <a:solidFill>
+              <a:schemeClr val="bg1"/>
+            </a:solidFill>
+          </a:ln>
+        </p:spPr>
+      </p:pic>
+      <p:pic>
+        <p:nvPicPr>
+          <p:cNvPr id="11" name="Imagem 10">
+            <a:extLst>
+              <a:ext uri="{FF2B5EF4-FFF2-40B4-BE49-F238E27FC236}">
+                <a16:creationId xmlns:a16="http://schemas.microsoft.com/office/drawing/2014/main" id="{E8015B72-CABF-4EB9-BEAA-C07FF192D399}"/>
+              </a:ext>
+            </a:extLst>
+          </p:cNvPr>
+          <p:cNvPicPr/>
+          <p:nvPr/>
+        </p:nvPicPr>
+        <p:blipFill>
+          <a:blip r:embed="rId9"/>
+          <a:stretch>
+            <a:fillRect/>
+          </a:stretch>
+        </p:blipFill>
+        <p:spPr>
+          <a:xfrm>
+            <a:off x="-2" y="2240280"/>
+            <a:ext cx="5400040" cy="3037840"/>
+          </a:xfrm>
+          <a:prstGeom prst="rect">
+            <a:avLst/>
+          </a:prstGeom>
+          <a:ln>
+            <a:solidFill>
+              <a:schemeClr val="bg1"/>
+            </a:solidFill>
+          </a:ln>
+        </p:spPr>
+      </p:pic>
     </p:spTree>
     <p:extLst>
       <p:ext uri="{BB962C8B-B14F-4D97-AF65-F5344CB8AC3E}">
         <p14:creationId xmlns:p14="http://schemas.microsoft.com/office/powerpoint/2010/main" val="3436602160"/>
-      </p:ext>
-    </p:extLst>
-  </p:cSld>
-  <p:clrMapOvr>
-    <a:masterClrMapping/>
-  </p:clrMapOvr>
-</p:sld>
-</file>
-
-<file path=ppt/slides/slide4.xml><?xml version="1.0" encoding="utf-8"?>
-<p:sld xmlns:a="http://schemas.openxmlformats.org/drawingml/2006/main" xmlns:r="http://schemas.openxmlformats.org/officeDocument/2006/relationships" xmlns:p="http://schemas.openxmlformats.org/presentationml/2006/main">
-  <p:cSld>
-    <p:spTree>
-      <p:nvGrpSpPr>
-        <p:cNvPr id="1" name=""/>
-        <p:cNvGrpSpPr/>
-        <p:nvPr/>
-      </p:nvGrpSpPr>
-      <p:grpSpPr>
-        <a:xfrm>
-          <a:off x="0" y="0"/>
-          <a:ext cx="0" cy="0"/>
-          <a:chOff x="0" y="0"/>
-          <a:chExt cx="0" cy="0"/>
-        </a:xfrm>
-      </p:grpSpPr>
-      <p:sp>
-        <p:nvSpPr>
-          <p:cNvPr id="2" name="Título 1">
-            <a:extLst>
-              <a:ext uri="{FF2B5EF4-FFF2-40B4-BE49-F238E27FC236}">
-                <a16:creationId xmlns:a16="http://schemas.microsoft.com/office/drawing/2014/main" id="{5CAC5AB9-7E89-49F3-AD0D-E19D38AE3A2A}"/>
-              </a:ext>
-            </a:extLst>
-          </p:cNvPr>
-          <p:cNvSpPr>
-            <a:spLocks noGrp="1"/>
-          </p:cNvSpPr>
-          <p:nvPr>
-            <p:ph type="title"/>
-          </p:nvPr>
-        </p:nvSpPr>
-        <p:spPr/>
-        <p:txBody>
-          <a:bodyPr/>
-          <a:lstStyle/>
-          <a:p>
-            <a:endParaRPr lang="pt-PT"/>
-          </a:p>
-        </p:txBody>
-      </p:sp>
-      <p:sp>
-        <p:nvSpPr>
-          <p:cNvPr id="3" name="Marcador de Posição de Conteúdo 2">
-            <a:extLst>
-              <a:ext uri="{FF2B5EF4-FFF2-40B4-BE49-F238E27FC236}">
-                <a16:creationId xmlns:a16="http://schemas.microsoft.com/office/drawing/2014/main" id="{5574E73C-9AEB-4A7C-8124-93A41462AD33}"/>
-              </a:ext>
-            </a:extLst>
-          </p:cNvPr>
-          <p:cNvSpPr>
-            <a:spLocks noGrp="1"/>
-          </p:cNvSpPr>
-          <p:nvPr>
-            <p:ph idx="1"/>
-          </p:nvPr>
-        </p:nvSpPr>
-        <p:spPr/>
-        <p:txBody>
-          <a:bodyPr/>
-          <a:lstStyle/>
-          <a:p>
-            <a:endParaRPr lang="pt-PT"/>
-          </a:p>
-        </p:txBody>
-      </p:sp>
-    </p:spTree>
-    <p:extLst>
-      <p:ext uri="{BB962C8B-B14F-4D97-AF65-F5344CB8AC3E}">
-        <p14:creationId xmlns:p14="http://schemas.microsoft.com/office/powerpoint/2010/main" val="3598400891"/>
-      </p:ext>
-    </p:extLst>
-  </p:cSld>
-  <p:clrMapOvr>
-    <a:masterClrMapping/>
-  </p:clrMapOvr>
-</p:sld>
-</file>
-
-<file path=ppt/slides/slide5.xml><?xml version="1.0" encoding="utf-8"?>
-<p:sld xmlns:a="http://schemas.openxmlformats.org/drawingml/2006/main" xmlns:r="http://schemas.openxmlformats.org/officeDocument/2006/relationships" xmlns:p="http://schemas.openxmlformats.org/presentationml/2006/main">
-  <p:cSld>
-    <p:spTree>
-      <p:nvGrpSpPr>
-        <p:cNvPr id="1" name=""/>
-        <p:cNvGrpSpPr/>
-        <p:nvPr/>
-      </p:nvGrpSpPr>
-      <p:grpSpPr>
-        <a:xfrm>
-          <a:off x="0" y="0"/>
-          <a:ext cx="0" cy="0"/>
-          <a:chOff x="0" y="0"/>
-          <a:chExt cx="0" cy="0"/>
-        </a:xfrm>
-      </p:grpSpPr>
-      <p:sp>
-        <p:nvSpPr>
-          <p:cNvPr id="2" name="Título 1">
-            <a:extLst>
-              <a:ext uri="{FF2B5EF4-FFF2-40B4-BE49-F238E27FC236}">
-                <a16:creationId xmlns:a16="http://schemas.microsoft.com/office/drawing/2014/main" id="{52E5B180-220A-4335-AE42-B73515BF9892}"/>
-              </a:ext>
-            </a:extLst>
-          </p:cNvPr>
-          <p:cNvSpPr>
-            <a:spLocks noGrp="1"/>
-          </p:cNvSpPr>
-          <p:nvPr>
-            <p:ph type="title"/>
-          </p:nvPr>
-        </p:nvSpPr>
-        <p:spPr/>
-        <p:txBody>
-          <a:bodyPr/>
-          <a:lstStyle/>
-          <a:p>
-            <a:endParaRPr lang="pt-PT"/>
-          </a:p>
-        </p:txBody>
-      </p:sp>
-      <p:sp>
-        <p:nvSpPr>
-          <p:cNvPr id="3" name="Marcador de Posição de Conteúdo 2">
-            <a:extLst>
-              <a:ext uri="{FF2B5EF4-FFF2-40B4-BE49-F238E27FC236}">
-                <a16:creationId xmlns:a16="http://schemas.microsoft.com/office/drawing/2014/main" id="{7D3A5A3C-C40B-46A2-854B-F9BD6E52BD09}"/>
-              </a:ext>
-            </a:extLst>
-          </p:cNvPr>
-          <p:cNvSpPr>
-            <a:spLocks noGrp="1"/>
-          </p:cNvSpPr>
-          <p:nvPr>
-            <p:ph idx="1"/>
-          </p:nvPr>
-        </p:nvSpPr>
-        <p:spPr/>
-        <p:txBody>
-          <a:bodyPr/>
-          <a:lstStyle/>
-          <a:p>
-            <a:endParaRPr lang="pt-PT"/>
-          </a:p>
-        </p:txBody>
-      </p:sp>
-    </p:spTree>
-    <p:extLst>
-      <p:ext uri="{BB962C8B-B14F-4D97-AF65-F5344CB8AC3E}">
-        <p14:creationId xmlns:p14="http://schemas.microsoft.com/office/powerpoint/2010/main" val="1871475558"/>
-      </p:ext>
-    </p:extLst>
-  </p:cSld>
-  <p:clrMapOvr>
-    <a:masterClrMapping/>
-  </p:clrMapOvr>
-</p:sld>
-</file>
-
-<file path=ppt/slides/slide6.xml><?xml version="1.0" encoding="utf-8"?>
-<p:sld xmlns:a="http://schemas.openxmlformats.org/drawingml/2006/main" xmlns:r="http://schemas.openxmlformats.org/officeDocument/2006/relationships" xmlns:p="http://schemas.openxmlformats.org/presentationml/2006/main">
-  <p:cSld>
-    <p:spTree>
-      <p:nvGrpSpPr>
-        <p:cNvPr id="1" name=""/>
-        <p:cNvGrpSpPr/>
-        <p:nvPr/>
-      </p:nvGrpSpPr>
-      <p:grpSpPr>
-        <a:xfrm>
-          <a:off x="0" y="0"/>
-          <a:ext cx="0" cy="0"/>
-          <a:chOff x="0" y="0"/>
-          <a:chExt cx="0" cy="0"/>
-        </a:xfrm>
-      </p:grpSpPr>
-      <p:sp>
-        <p:nvSpPr>
-          <p:cNvPr id="2" name="Título 1">
-            <a:extLst>
-              <a:ext uri="{FF2B5EF4-FFF2-40B4-BE49-F238E27FC236}">
-                <a16:creationId xmlns:a16="http://schemas.microsoft.com/office/drawing/2014/main" id="{394A7B77-6827-42F6-BC55-311ADC948986}"/>
-              </a:ext>
-            </a:extLst>
-          </p:cNvPr>
-          <p:cNvSpPr>
-            <a:spLocks noGrp="1"/>
-          </p:cNvSpPr>
-          <p:nvPr>
-            <p:ph type="title"/>
-          </p:nvPr>
-        </p:nvSpPr>
-        <p:spPr/>
-        <p:txBody>
-          <a:bodyPr/>
-          <a:lstStyle/>
-          <a:p>
-            <a:endParaRPr lang="pt-PT"/>
-          </a:p>
-        </p:txBody>
-      </p:sp>
-      <p:sp>
-        <p:nvSpPr>
-          <p:cNvPr id="3" name="Marcador de Posição de Conteúdo 2">
-            <a:extLst>
-              <a:ext uri="{FF2B5EF4-FFF2-40B4-BE49-F238E27FC236}">
-                <a16:creationId xmlns:a16="http://schemas.microsoft.com/office/drawing/2014/main" id="{1914A364-C797-4ECD-B42C-6D70235C88A7}"/>
-              </a:ext>
-            </a:extLst>
-          </p:cNvPr>
-          <p:cNvSpPr>
-            <a:spLocks noGrp="1"/>
-          </p:cNvSpPr>
-          <p:nvPr>
-            <p:ph idx="1"/>
-          </p:nvPr>
-        </p:nvSpPr>
-        <p:spPr/>
-        <p:txBody>
-          <a:bodyPr/>
-          <a:lstStyle/>
-          <a:p>
-            <a:endParaRPr lang="pt-PT"/>
-          </a:p>
-        </p:txBody>
-      </p:sp>
-    </p:spTree>
-    <p:extLst>
-      <p:ext uri="{BB962C8B-B14F-4D97-AF65-F5344CB8AC3E}">
-        <p14:creationId xmlns:p14="http://schemas.microsoft.com/office/powerpoint/2010/main" val="1791486231"/>
-      </p:ext>
-    </p:extLst>
-  </p:cSld>
-  <p:clrMapOvr>
-    <a:masterClrMapping/>
-  </p:clrMapOvr>
-</p:sld>
-</file>
-
-<file path=ppt/slides/slide7.xml><?xml version="1.0" encoding="utf-8"?>
-<p:sld xmlns:a="http://schemas.openxmlformats.org/drawingml/2006/main" xmlns:r="http://schemas.openxmlformats.org/officeDocument/2006/relationships" xmlns:p="http://schemas.openxmlformats.org/presentationml/2006/main">
-  <p:cSld>
-    <p:spTree>
-      <p:nvGrpSpPr>
-        <p:cNvPr id="1" name=""/>
-        <p:cNvGrpSpPr/>
-        <p:nvPr/>
-      </p:nvGrpSpPr>
-      <p:grpSpPr>
-        <a:xfrm>
-          <a:off x="0" y="0"/>
-          <a:ext cx="0" cy="0"/>
-          <a:chOff x="0" y="0"/>
-          <a:chExt cx="0" cy="0"/>
-        </a:xfrm>
-      </p:grpSpPr>
-      <p:sp>
-        <p:nvSpPr>
-          <p:cNvPr id="2" name="Título 1">
-            <a:extLst>
-              <a:ext uri="{FF2B5EF4-FFF2-40B4-BE49-F238E27FC236}">
-                <a16:creationId xmlns:a16="http://schemas.microsoft.com/office/drawing/2014/main" id="{36066617-CA02-4356-96BA-4E49924B2AF2}"/>
-              </a:ext>
-            </a:extLst>
-          </p:cNvPr>
-          <p:cNvSpPr>
-            <a:spLocks noGrp="1"/>
-          </p:cNvSpPr>
-          <p:nvPr>
-            <p:ph type="title"/>
-          </p:nvPr>
-        </p:nvSpPr>
-        <p:spPr/>
-        <p:txBody>
-          <a:bodyPr/>
-          <a:lstStyle/>
-          <a:p>
-            <a:endParaRPr lang="pt-PT"/>
-          </a:p>
-        </p:txBody>
-      </p:sp>
-      <p:sp>
-        <p:nvSpPr>
-          <p:cNvPr id="3" name="Marcador de Posição de Conteúdo 2">
-            <a:extLst>
-              <a:ext uri="{FF2B5EF4-FFF2-40B4-BE49-F238E27FC236}">
-                <a16:creationId xmlns:a16="http://schemas.microsoft.com/office/drawing/2014/main" id="{01BBB99C-3214-4AB8-B058-00A384BE9BE8}"/>
-              </a:ext>
-            </a:extLst>
-          </p:cNvPr>
-          <p:cNvSpPr>
-            <a:spLocks noGrp="1"/>
-          </p:cNvSpPr>
-          <p:nvPr>
-            <p:ph idx="1"/>
-          </p:nvPr>
-        </p:nvSpPr>
-        <p:spPr/>
-        <p:txBody>
-          <a:bodyPr/>
-          <a:lstStyle/>
-          <a:p>
-            <a:endParaRPr lang="pt-PT"/>
-          </a:p>
-        </p:txBody>
-      </p:sp>
-    </p:spTree>
-    <p:extLst>
-      <p:ext uri="{BB962C8B-B14F-4D97-AF65-F5344CB8AC3E}">
-        <p14:creationId xmlns:p14="http://schemas.microsoft.com/office/powerpoint/2010/main" val="2430330435"/>
-      </p:ext>
-    </p:extLst>
-  </p:cSld>
-  <p:clrMapOvr>
-    <a:masterClrMapping/>
-  </p:clrMapOvr>
-</p:sld>
-</file>
-
-<file path=ppt/slides/slide8.xml><?xml version="1.0" encoding="utf-8"?>
-<p:sld xmlns:a="http://schemas.openxmlformats.org/drawingml/2006/main" xmlns:r="http://schemas.openxmlformats.org/officeDocument/2006/relationships" xmlns:p="http://schemas.openxmlformats.org/presentationml/2006/main">
-  <p:cSld>
-    <p:spTree>
-      <p:nvGrpSpPr>
-        <p:cNvPr id="1" name=""/>
-        <p:cNvGrpSpPr/>
-        <p:nvPr/>
-      </p:nvGrpSpPr>
-      <p:grpSpPr>
-        <a:xfrm>
-          <a:off x="0" y="0"/>
-          <a:ext cx="0" cy="0"/>
-          <a:chOff x="0" y="0"/>
-          <a:chExt cx="0" cy="0"/>
-        </a:xfrm>
-      </p:grpSpPr>
-      <p:sp>
-        <p:nvSpPr>
-          <p:cNvPr id="3" name="Subtítulo 2">
-            <a:extLst>
-              <a:ext uri="{FF2B5EF4-FFF2-40B4-BE49-F238E27FC236}">
-                <a16:creationId xmlns:a16="http://schemas.microsoft.com/office/drawing/2014/main" id="{204348A3-19CC-4C5C-8645-C2F9F25F8CD5}"/>
-              </a:ext>
-            </a:extLst>
-          </p:cNvPr>
-          <p:cNvSpPr>
-            <a:spLocks noGrp="1"/>
-          </p:cNvSpPr>
-          <p:nvPr>
-            <p:ph type="subTitle" idx="1"/>
-          </p:nvPr>
-        </p:nvSpPr>
-        <p:spPr/>
-        <p:txBody>
-          <a:bodyPr/>
-          <a:lstStyle/>
-          <a:p>
-            <a:endParaRPr lang="pt-PT"/>
-          </a:p>
-        </p:txBody>
-      </p:sp>
-      <p:pic>
-        <p:nvPicPr>
-          <p:cNvPr id="7" name="Imagem 6">
-            <a:extLst>
-              <a:ext uri="{FF2B5EF4-FFF2-40B4-BE49-F238E27FC236}">
-                <a16:creationId xmlns:a16="http://schemas.microsoft.com/office/drawing/2014/main" id="{76C4170D-002F-418E-9062-DE2E371A20C6}"/>
-              </a:ext>
-            </a:extLst>
-          </p:cNvPr>
-          <p:cNvPicPr>
-            <a:picLocks noChangeAspect="1"/>
-          </p:cNvPicPr>
-          <p:nvPr/>
-        </p:nvPicPr>
-        <p:blipFill rotWithShape="1">
-          <a:blip r:embed="rId2">
-            <a:extLst>
-              <a:ext uri="{28A0092B-C50C-407E-A947-70E740481C1C}">
-                <a14:useLocalDpi xmlns:a14="http://schemas.microsoft.com/office/drawing/2010/main" val="0"/>
-              </a:ext>
-            </a:extLst>
-          </a:blip>
-          <a:srcRect t="65227" b="-64"/>
-          <a:stretch/>
-        </p:blipFill>
-        <p:spPr>
-          <a:xfrm>
-            <a:off x="-1" y="0"/>
-            <a:ext cx="12192001" cy="2387600"/>
-          </a:xfrm>
-          <a:prstGeom prst="rect">
-            <a:avLst/>
-          </a:prstGeom>
-        </p:spPr>
-      </p:pic>
-      <p:sp>
-        <p:nvSpPr>
-          <p:cNvPr id="8" name="Retângulo 7">
-            <a:extLst>
-              <a:ext uri="{FF2B5EF4-FFF2-40B4-BE49-F238E27FC236}">
-                <a16:creationId xmlns:a16="http://schemas.microsoft.com/office/drawing/2014/main" id="{CDC96F03-396E-41AB-9D90-137278306F7A}"/>
-              </a:ext>
-            </a:extLst>
-          </p:cNvPr>
-          <p:cNvSpPr/>
-          <p:nvPr/>
-        </p:nvSpPr>
-        <p:spPr>
-          <a:xfrm>
-            <a:off x="-1" y="2405677"/>
-            <a:ext cx="12192000" cy="4470400"/>
-          </a:xfrm>
-          <a:prstGeom prst="rect">
-            <a:avLst/>
-          </a:prstGeom>
-          <a:solidFill>
-            <a:srgbClr val="FFFFFF"/>
-          </a:solidFill>
-          <a:ln>
-            <a:noFill/>
-          </a:ln>
-        </p:spPr>
-        <p:style>
-          <a:lnRef idx="2">
-            <a:schemeClr val="accent1">
-              <a:shade val="50000"/>
-            </a:schemeClr>
-          </a:lnRef>
-          <a:fillRef idx="1">
-            <a:schemeClr val="accent1"/>
-          </a:fillRef>
-          <a:effectRef idx="0">
-            <a:schemeClr val="accent1"/>
-          </a:effectRef>
-          <a:fontRef idx="minor">
-            <a:schemeClr val="lt1"/>
-          </a:fontRef>
-        </p:style>
-        <p:txBody>
-          <a:bodyPr rtlCol="0" anchor="t"/>
-          <a:lstStyle/>
-          <a:p>
-            <a:pPr marL="571500" indent="-571500">
-              <a:buFont typeface="Arial" panose="020B0604020202020204" pitchFamily="34" charset="0"/>
-              <a:buChar char="•"/>
-            </a:pPr>
-            <a:r>
-              <a:rPr lang="pt-PT" sz="4000" dirty="0">
-                <a:solidFill>
-                  <a:srgbClr val="00B050"/>
-                </a:solidFill>
-                <a:latin typeface="Retro Gaming" panose="00000400000000000000" pitchFamily="2" charset="0"/>
-              </a:rPr>
-              <a:t>THE JOURNEY OF SACRIFICE</a:t>
-            </a:r>
-          </a:p>
-          <a:p>
-            <a:pPr marL="571500" indent="-571500">
-              <a:buFont typeface="Arial" panose="020B0604020202020204" pitchFamily="34" charset="0"/>
-              <a:buChar char="•"/>
-            </a:pPr>
-            <a:endParaRPr lang="pt-PT" sz="4000" dirty="0">
-              <a:solidFill>
-                <a:srgbClr val="00B050"/>
-              </a:solidFill>
-              <a:latin typeface="Retro Gaming" panose="00000400000000000000" pitchFamily="2" charset="0"/>
-            </a:endParaRPr>
-          </a:p>
-          <a:p>
-            <a:endParaRPr lang="pt-PT" sz="4000" dirty="0">
-              <a:solidFill>
-                <a:srgbClr val="00B050"/>
-              </a:solidFill>
-              <a:latin typeface="Retro Gaming" panose="00000400000000000000" pitchFamily="2" charset="0"/>
-            </a:endParaRPr>
-          </a:p>
-        </p:txBody>
-      </p:sp>
-      <p:pic>
-        <p:nvPicPr>
-          <p:cNvPr id="2050" name="Picture 2" descr="Family: Man, Woman, Boy, Boy on Apple iOS 13.2">
-            <a:extLst>
-              <a:ext uri="{FF2B5EF4-FFF2-40B4-BE49-F238E27FC236}">
-                <a16:creationId xmlns:a16="http://schemas.microsoft.com/office/drawing/2014/main" id="{73087CE6-E4CA-4402-8137-C4C588C0F130}"/>
-              </a:ext>
-            </a:extLst>
-          </p:cNvPr>
-          <p:cNvPicPr>
-            <a:picLocks noChangeAspect="1" noChangeArrowheads="1"/>
-          </p:cNvPicPr>
-          <p:nvPr/>
-        </p:nvPicPr>
-        <p:blipFill>
-          <a:blip r:embed="rId3">
-            <a:extLst>
-              <a:ext uri="{28A0092B-C50C-407E-A947-70E740481C1C}">
-                <a14:useLocalDpi xmlns:a14="http://schemas.microsoft.com/office/drawing/2010/main" val="0"/>
-              </a:ext>
-            </a:extLst>
-          </a:blip>
-          <a:srcRect/>
-          <a:stretch>
-            <a:fillRect/>
-          </a:stretch>
-        </p:blipFill>
-        <p:spPr bwMode="auto">
-          <a:xfrm>
-            <a:off x="1524000" y="3118281"/>
-            <a:ext cx="933544" cy="933544"/>
-          </a:xfrm>
-          <a:prstGeom prst="rect">
-            <a:avLst/>
-          </a:prstGeom>
-          <a:noFill/>
-          <a:extLst>
-            <a:ext uri="{909E8E84-426E-40DD-AFC4-6F175D3DCCD1}">
-              <a14:hiddenFill xmlns:a14="http://schemas.microsoft.com/office/drawing/2010/main">
-                <a:solidFill>
-                  <a:srgbClr val="FFFFFF"/>
-                </a:solidFill>
-              </a14:hiddenFill>
-            </a:ext>
-          </a:extLst>
-        </p:spPr>
-      </p:pic>
-      <p:pic>
-        <p:nvPicPr>
-          <p:cNvPr id="9" name="Picture 2" descr="Family: Man, Woman, Boy, Boy on Apple iOS 13.2">
-            <a:extLst>
-              <a:ext uri="{FF2B5EF4-FFF2-40B4-BE49-F238E27FC236}">
-                <a16:creationId xmlns:a16="http://schemas.microsoft.com/office/drawing/2014/main" id="{BA3F3E6B-9149-496D-8423-E10E8B99365F}"/>
-              </a:ext>
-            </a:extLst>
-          </p:cNvPr>
-          <p:cNvPicPr>
-            <a:picLocks noChangeAspect="1" noChangeArrowheads="1"/>
-          </p:cNvPicPr>
-          <p:nvPr/>
-        </p:nvPicPr>
-        <p:blipFill rotWithShape="1">
-          <a:blip r:embed="rId3">
-            <a:extLst>
-              <a:ext uri="{28A0092B-C50C-407E-A947-70E740481C1C}">
-                <a14:useLocalDpi xmlns:a14="http://schemas.microsoft.com/office/drawing/2010/main" val="0"/>
-              </a:ext>
-            </a:extLst>
-          </a:blip>
-          <a:srcRect b="48231"/>
-          <a:stretch/>
-        </p:blipFill>
-        <p:spPr bwMode="auto">
-          <a:xfrm>
-            <a:off x="7342424" y="3262977"/>
-            <a:ext cx="1319488" cy="683088"/>
-          </a:xfrm>
-          <a:prstGeom prst="rect">
-            <a:avLst/>
-          </a:prstGeom>
-          <a:noFill/>
-          <a:extLst>
-            <a:ext uri="{909E8E84-426E-40DD-AFC4-6F175D3DCCD1}">
-              <a14:hiddenFill xmlns:a14="http://schemas.microsoft.com/office/drawing/2010/main">
-                <a:solidFill>
-                  <a:srgbClr val="FFFFFF"/>
-                </a:solidFill>
-              </a14:hiddenFill>
-            </a:ext>
-          </a:extLst>
-        </p:spPr>
-      </p:pic>
-      <p:pic>
-        <p:nvPicPr>
-          <p:cNvPr id="2052" name="Picture 4" descr="Resultado de imagem para emoji - car crash">
-            <a:extLst>
-              <a:ext uri="{FF2B5EF4-FFF2-40B4-BE49-F238E27FC236}">
-                <a16:creationId xmlns:a16="http://schemas.microsoft.com/office/drawing/2014/main" id="{77D9B10B-D64C-403F-B7D5-795DB3499485}"/>
-              </a:ext>
-            </a:extLst>
-          </p:cNvPr>
-          <p:cNvPicPr>
-            <a:picLocks noChangeAspect="1" noChangeArrowheads="1"/>
-          </p:cNvPicPr>
-          <p:nvPr/>
-        </p:nvPicPr>
-        <p:blipFill rotWithShape="1">
-          <a:blip r:embed="rId4">
-            <a:extLst>
-              <a:ext uri="{28A0092B-C50C-407E-A947-70E740481C1C}">
-                <a14:useLocalDpi xmlns:a14="http://schemas.microsoft.com/office/drawing/2010/main" val="0"/>
-              </a:ext>
-            </a:extLst>
-          </a:blip>
-          <a:srcRect t="32169" b="28847"/>
-          <a:stretch/>
-        </p:blipFill>
-        <p:spPr bwMode="auto">
-          <a:xfrm>
-            <a:off x="4951106" y="3280232"/>
-            <a:ext cx="1444510" cy="668995"/>
-          </a:xfrm>
-          <a:prstGeom prst="rect">
-            <a:avLst/>
-          </a:prstGeom>
-          <a:noFill/>
-          <a:extLst>
-            <a:ext uri="{909E8E84-426E-40DD-AFC4-6F175D3DCCD1}">
-              <a14:hiddenFill xmlns:a14="http://schemas.microsoft.com/office/drawing/2010/main">
-                <a:solidFill>
-                  <a:srgbClr val="FFFFFF"/>
-                </a:solidFill>
-              </a14:hiddenFill>
-            </a:ext>
-          </a:extLst>
-        </p:spPr>
-      </p:pic>
-      <p:pic>
-        <p:nvPicPr>
-          <p:cNvPr id="2054" name="Picture 6" descr="Resultado de imagem para emoji - christmas">
-            <a:extLst>
-              <a:ext uri="{FF2B5EF4-FFF2-40B4-BE49-F238E27FC236}">
-                <a16:creationId xmlns:a16="http://schemas.microsoft.com/office/drawing/2014/main" id="{B4760EFA-BC21-45D1-B76E-FEC72CDA1406}"/>
-              </a:ext>
-            </a:extLst>
-          </p:cNvPr>
-          <p:cNvPicPr>
-            <a:picLocks noChangeAspect="1" noChangeArrowheads="1"/>
-          </p:cNvPicPr>
-          <p:nvPr/>
-        </p:nvPicPr>
-        <p:blipFill>
-          <a:blip r:embed="rId5">
-            <a:extLst>
-              <a:ext uri="{28A0092B-C50C-407E-A947-70E740481C1C}">
-                <a14:useLocalDpi xmlns:a14="http://schemas.microsoft.com/office/drawing/2010/main" val="0"/>
-              </a:ext>
-            </a:extLst>
-          </a:blip>
-          <a:srcRect/>
-          <a:stretch>
-            <a:fillRect/>
-          </a:stretch>
-        </p:blipFill>
-        <p:spPr bwMode="auto">
-          <a:xfrm>
-            <a:off x="3289709" y="3170437"/>
-            <a:ext cx="848347" cy="848347"/>
-          </a:xfrm>
-          <a:prstGeom prst="rect">
-            <a:avLst/>
-          </a:prstGeom>
-          <a:noFill/>
-          <a:extLst>
-            <a:ext uri="{909E8E84-426E-40DD-AFC4-6F175D3DCCD1}">
-              <a14:hiddenFill xmlns:a14="http://schemas.microsoft.com/office/drawing/2010/main">
-                <a:solidFill>
-                  <a:srgbClr val="FFFFFF"/>
-                </a:solidFill>
-              </a14:hiddenFill>
-            </a:ext>
-          </a:extLst>
-        </p:spPr>
-      </p:pic>
-      <p:pic>
-        <p:nvPicPr>
-          <p:cNvPr id="10" name="Picture 2" descr="Family: Man, Woman, Boy, Boy on Apple iOS 13.2">
-            <a:extLst>
-              <a:ext uri="{FF2B5EF4-FFF2-40B4-BE49-F238E27FC236}">
-                <a16:creationId xmlns:a16="http://schemas.microsoft.com/office/drawing/2014/main" id="{0CCEED2C-2A2E-4764-9D63-CD94A15A757C}"/>
-              </a:ext>
-            </a:extLst>
-          </p:cNvPr>
-          <p:cNvPicPr>
-            <a:picLocks noChangeAspect="1" noChangeArrowheads="1"/>
-          </p:cNvPicPr>
-          <p:nvPr/>
-        </p:nvPicPr>
-        <p:blipFill rotWithShape="1">
-          <a:blip r:embed="rId3">
-            <a:extLst>
-              <a:ext uri="{28A0092B-C50C-407E-A947-70E740481C1C}">
-                <a14:useLocalDpi xmlns:a14="http://schemas.microsoft.com/office/drawing/2010/main" val="0"/>
-              </a:ext>
-            </a:extLst>
-          </a:blip>
-          <a:srcRect t="48752"/>
-          <a:stretch/>
-        </p:blipFill>
-        <p:spPr bwMode="auto">
-          <a:xfrm>
-            <a:off x="9474033" y="3396894"/>
-            <a:ext cx="933544" cy="478428"/>
-          </a:xfrm>
-          <a:prstGeom prst="rect">
-            <a:avLst/>
-          </a:prstGeom>
-          <a:noFill/>
-          <a:extLst>
-            <a:ext uri="{909E8E84-426E-40DD-AFC4-6F175D3DCCD1}">
-              <a14:hiddenFill xmlns:a14="http://schemas.microsoft.com/office/drawing/2010/main">
-                <a:solidFill>
-                  <a:srgbClr val="FFFFFF"/>
-                </a:solidFill>
-              </a14:hiddenFill>
-            </a:ext>
-          </a:extLst>
-        </p:spPr>
-      </p:pic>
-      <p:pic>
-        <p:nvPicPr>
-          <p:cNvPr id="11" name="Picture 2" descr="Family: Man, Woman, Boy, Boy on Apple iOS 13.2">
-            <a:extLst>
-              <a:ext uri="{FF2B5EF4-FFF2-40B4-BE49-F238E27FC236}">
-                <a16:creationId xmlns:a16="http://schemas.microsoft.com/office/drawing/2014/main" id="{5B7AE5DD-5AB2-4EBE-AE07-5312816E4AE1}"/>
-              </a:ext>
-            </a:extLst>
-          </p:cNvPr>
-          <p:cNvPicPr>
-            <a:picLocks noChangeAspect="1" noChangeArrowheads="1"/>
-          </p:cNvPicPr>
-          <p:nvPr/>
-        </p:nvPicPr>
-        <p:blipFill rotWithShape="1">
-          <a:blip r:embed="rId3">
-            <a:extLst>
-              <a:ext uri="{28A0092B-C50C-407E-A947-70E740481C1C}">
-                <a14:useLocalDpi xmlns:a14="http://schemas.microsoft.com/office/drawing/2010/main" val="0"/>
-              </a:ext>
-            </a:extLst>
-          </a:blip>
-          <a:srcRect t="48752" r="49626"/>
-          <a:stretch/>
-        </p:blipFill>
-        <p:spPr bwMode="auto">
-          <a:xfrm>
-            <a:off x="1846414" y="4151672"/>
-            <a:ext cx="470265" cy="478428"/>
-          </a:xfrm>
-          <a:prstGeom prst="rect">
-            <a:avLst/>
-          </a:prstGeom>
-          <a:noFill/>
-          <a:extLst>
-            <a:ext uri="{909E8E84-426E-40DD-AFC4-6F175D3DCCD1}">
-              <a14:hiddenFill xmlns:a14="http://schemas.microsoft.com/office/drawing/2010/main">
-                <a:solidFill>
-                  <a:srgbClr val="FFFFFF"/>
-                </a:solidFill>
-              </a14:hiddenFill>
-            </a:ext>
-          </a:extLst>
-        </p:spPr>
-      </p:pic>
-      <p:pic>
-        <p:nvPicPr>
-          <p:cNvPr id="2056" name="Picture 8" descr="Resultado de imagem para emoji - virus">
-            <a:extLst>
-              <a:ext uri="{FF2B5EF4-FFF2-40B4-BE49-F238E27FC236}">
-                <a16:creationId xmlns:a16="http://schemas.microsoft.com/office/drawing/2014/main" id="{DFE29D46-4EA7-4980-A98D-46FF6EEB5AF2}"/>
-              </a:ext>
-            </a:extLst>
-          </p:cNvPr>
-          <p:cNvPicPr>
-            <a:picLocks noChangeAspect="1" noChangeArrowheads="1"/>
-          </p:cNvPicPr>
-          <p:nvPr/>
-        </p:nvPicPr>
-        <p:blipFill>
-          <a:blip r:embed="rId6">
-            <a:extLst>
-              <a:ext uri="{28A0092B-C50C-407E-A947-70E740481C1C}">
-                <a14:useLocalDpi xmlns:a14="http://schemas.microsoft.com/office/drawing/2010/main" val="0"/>
-              </a:ext>
-            </a:extLst>
-          </a:blip>
-          <a:srcRect/>
-          <a:stretch>
-            <a:fillRect/>
-          </a:stretch>
-        </p:blipFill>
-        <p:spPr bwMode="auto">
-          <a:xfrm>
-            <a:off x="3304816" y="4116950"/>
-            <a:ext cx="547872" cy="547872"/>
-          </a:xfrm>
-          <a:prstGeom prst="rect">
-            <a:avLst/>
-          </a:prstGeom>
-          <a:noFill/>
-          <a:extLst>
-            <a:ext uri="{909E8E84-426E-40DD-AFC4-6F175D3DCCD1}">
-              <a14:hiddenFill xmlns:a14="http://schemas.microsoft.com/office/drawing/2010/main">
-                <a:solidFill>
-                  <a:srgbClr val="FFFFFF"/>
-                </a:solidFill>
-              </a14:hiddenFill>
-            </a:ext>
-          </a:extLst>
-        </p:spPr>
-      </p:pic>
-      <p:pic>
-        <p:nvPicPr>
-          <p:cNvPr id="2058" name="Picture 10" descr="Resultado de imagem para emoji - sickness">
-            <a:extLst>
-              <a:ext uri="{FF2B5EF4-FFF2-40B4-BE49-F238E27FC236}">
-                <a16:creationId xmlns:a16="http://schemas.microsoft.com/office/drawing/2014/main" id="{1E61F92E-63EA-40E0-B0BB-FB2DEC65288E}"/>
-              </a:ext>
-            </a:extLst>
-          </p:cNvPr>
-          <p:cNvPicPr>
-            <a:picLocks noChangeAspect="1" noChangeArrowheads="1"/>
-          </p:cNvPicPr>
-          <p:nvPr/>
-        </p:nvPicPr>
-        <p:blipFill>
-          <a:blip r:embed="rId7">
-            <a:extLst>
-              <a:ext uri="{28A0092B-C50C-407E-A947-70E740481C1C}">
-                <a14:useLocalDpi xmlns:a14="http://schemas.microsoft.com/office/drawing/2010/main" val="0"/>
-              </a:ext>
-            </a:extLst>
-          </a:blip>
-          <a:srcRect/>
-          <a:stretch>
-            <a:fillRect/>
-          </a:stretch>
-        </p:blipFill>
-        <p:spPr bwMode="auto">
-          <a:xfrm>
-            <a:off x="4842093" y="4056388"/>
-            <a:ext cx="668995" cy="668995"/>
-          </a:xfrm>
-          <a:prstGeom prst="rect">
-            <a:avLst/>
-          </a:prstGeom>
-          <a:noFill/>
-          <a:extLst>
-            <a:ext uri="{909E8E84-426E-40DD-AFC4-6F175D3DCCD1}">
-              <a14:hiddenFill xmlns:a14="http://schemas.microsoft.com/office/drawing/2010/main">
-                <a:solidFill>
-                  <a:srgbClr val="FFFFFF"/>
-                </a:solidFill>
-              </a14:hiddenFill>
-            </a:ext>
-          </a:extLst>
-        </p:spPr>
-      </p:pic>
-      <p:pic>
-        <p:nvPicPr>
-          <p:cNvPr id="2060" name="Picture 12" descr="Resultado de imagem para emoji - old man">
-            <a:extLst>
-              <a:ext uri="{FF2B5EF4-FFF2-40B4-BE49-F238E27FC236}">
-                <a16:creationId xmlns:a16="http://schemas.microsoft.com/office/drawing/2014/main" id="{E3A85CB5-E392-4A57-927C-5C5D9B18D1D3}"/>
-              </a:ext>
-            </a:extLst>
-          </p:cNvPr>
-          <p:cNvPicPr>
-            <a:picLocks noChangeAspect="1" noChangeArrowheads="1"/>
-          </p:cNvPicPr>
-          <p:nvPr/>
-        </p:nvPicPr>
-        <p:blipFill>
-          <a:blip r:embed="rId8">
-            <a:extLst>
-              <a:ext uri="{28A0092B-C50C-407E-A947-70E740481C1C}">
-                <a14:useLocalDpi xmlns:a14="http://schemas.microsoft.com/office/drawing/2010/main" val="0"/>
-              </a:ext>
-            </a:extLst>
-          </a:blip>
-          <a:srcRect/>
-          <a:stretch>
-            <a:fillRect/>
-          </a:stretch>
-        </p:blipFill>
-        <p:spPr bwMode="auto">
-          <a:xfrm>
-            <a:off x="3292807" y="4789055"/>
-            <a:ext cx="547872" cy="547872"/>
-          </a:xfrm>
-          <a:prstGeom prst="rect">
-            <a:avLst/>
-          </a:prstGeom>
-          <a:noFill/>
-          <a:extLst>
-            <a:ext uri="{909E8E84-426E-40DD-AFC4-6F175D3DCCD1}">
-              <a14:hiddenFill xmlns:a14="http://schemas.microsoft.com/office/drawing/2010/main">
-                <a:solidFill>
-                  <a:srgbClr val="FFFFFF"/>
-                </a:solidFill>
-              </a14:hiddenFill>
-            </a:ext>
-          </a:extLst>
-        </p:spPr>
-      </p:pic>
-      <p:pic>
-        <p:nvPicPr>
-          <p:cNvPr id="15" name="Picture 2" descr="Family: Man, Woman, Boy, Boy on Apple iOS 13.2">
-            <a:extLst>
-              <a:ext uri="{FF2B5EF4-FFF2-40B4-BE49-F238E27FC236}">
-                <a16:creationId xmlns:a16="http://schemas.microsoft.com/office/drawing/2014/main" id="{783E797D-D9C4-4C52-A38D-F40FEB0FF336}"/>
-              </a:ext>
-            </a:extLst>
-          </p:cNvPr>
-          <p:cNvPicPr>
-            <a:picLocks noChangeAspect="1" noChangeArrowheads="1"/>
-          </p:cNvPicPr>
-          <p:nvPr/>
-        </p:nvPicPr>
-        <p:blipFill rotWithShape="1">
-          <a:blip r:embed="rId3">
-            <a:extLst>
-              <a:ext uri="{28A0092B-C50C-407E-A947-70E740481C1C}">
-                <a14:useLocalDpi xmlns:a14="http://schemas.microsoft.com/office/drawing/2010/main" val="0"/>
-              </a:ext>
-            </a:extLst>
-          </a:blip>
-          <a:srcRect l="49626" t="48752"/>
-          <a:stretch/>
-        </p:blipFill>
-        <p:spPr bwMode="auto">
-          <a:xfrm>
-            <a:off x="1846413" y="4804274"/>
-            <a:ext cx="470265" cy="478428"/>
-          </a:xfrm>
-          <a:prstGeom prst="rect">
-            <a:avLst/>
-          </a:prstGeom>
-          <a:noFill/>
-          <a:extLst>
-            <a:ext uri="{909E8E84-426E-40DD-AFC4-6F175D3DCCD1}">
-              <a14:hiddenFill xmlns:a14="http://schemas.microsoft.com/office/drawing/2010/main">
-                <a:solidFill>
-                  <a:srgbClr val="FFFFFF"/>
-                </a:solidFill>
-              </a14:hiddenFill>
-            </a:ext>
-          </a:extLst>
-        </p:spPr>
-      </p:pic>
-      <p:pic>
-        <p:nvPicPr>
-          <p:cNvPr id="2066" name="Picture 18" descr="Resultado de imagem para emoji - scissors">
-            <a:extLst>
-              <a:ext uri="{FF2B5EF4-FFF2-40B4-BE49-F238E27FC236}">
-                <a16:creationId xmlns:a16="http://schemas.microsoft.com/office/drawing/2014/main" id="{9147EB7F-A306-41A8-9EAC-89826E837217}"/>
-              </a:ext>
-            </a:extLst>
-          </p:cNvPr>
-          <p:cNvPicPr>
-            <a:picLocks noChangeAspect="1" noChangeArrowheads="1"/>
-          </p:cNvPicPr>
-          <p:nvPr/>
-        </p:nvPicPr>
-        <p:blipFill>
-          <a:blip r:embed="rId9">
-            <a:extLst>
-              <a:ext uri="{28A0092B-C50C-407E-A947-70E740481C1C}">
-                <a14:useLocalDpi xmlns:a14="http://schemas.microsoft.com/office/drawing/2010/main" val="0"/>
-              </a:ext>
-            </a:extLst>
-          </a:blip>
-          <a:srcRect/>
-          <a:stretch>
-            <a:fillRect/>
-          </a:stretch>
-        </p:blipFill>
-        <p:spPr bwMode="auto">
-          <a:xfrm>
-            <a:off x="8519686" y="5458686"/>
-            <a:ext cx="547872" cy="547872"/>
-          </a:xfrm>
-          <a:prstGeom prst="rect">
-            <a:avLst/>
-          </a:prstGeom>
-          <a:noFill/>
-          <a:extLst>
-            <a:ext uri="{909E8E84-426E-40DD-AFC4-6F175D3DCCD1}">
-              <a14:hiddenFill xmlns:a14="http://schemas.microsoft.com/office/drawing/2010/main">
-                <a:solidFill>
-                  <a:srgbClr val="FFFFFF"/>
-                </a:solidFill>
-              </a14:hiddenFill>
-            </a:ext>
-          </a:extLst>
-        </p:spPr>
-      </p:pic>
-      <p:pic>
-        <p:nvPicPr>
-          <p:cNvPr id="2076" name="Picture 28" descr="Imagem relacionada">
-            <a:extLst>
-              <a:ext uri="{FF2B5EF4-FFF2-40B4-BE49-F238E27FC236}">
-                <a16:creationId xmlns:a16="http://schemas.microsoft.com/office/drawing/2014/main" id="{73CAB68E-7E02-48C1-ABEE-5C59E87BB8AA}"/>
-              </a:ext>
-            </a:extLst>
-          </p:cNvPr>
-          <p:cNvPicPr>
-            <a:picLocks noChangeAspect="1" noChangeArrowheads="1"/>
-          </p:cNvPicPr>
-          <p:nvPr/>
-        </p:nvPicPr>
-        <p:blipFill>
-          <a:blip r:embed="rId10">
-            <a:extLst>
-              <a:ext uri="{28A0092B-C50C-407E-A947-70E740481C1C}">
-                <a14:useLocalDpi xmlns:a14="http://schemas.microsoft.com/office/drawing/2010/main" val="0"/>
-              </a:ext>
-            </a:extLst>
-          </a:blip>
-          <a:srcRect/>
-          <a:stretch>
-            <a:fillRect/>
-          </a:stretch>
-        </p:blipFill>
-        <p:spPr bwMode="auto">
-          <a:xfrm>
-            <a:off x="7665663" y="5499262"/>
-            <a:ext cx="487996" cy="487996"/>
-          </a:xfrm>
-          <a:prstGeom prst="rect">
-            <a:avLst/>
-          </a:prstGeom>
-          <a:noFill/>
-          <a:extLst>
-            <a:ext uri="{909E8E84-426E-40DD-AFC4-6F175D3DCCD1}">
-              <a14:hiddenFill xmlns:a14="http://schemas.microsoft.com/office/drawing/2010/main">
-                <a:solidFill>
-                  <a:srgbClr val="FFFFFF"/>
-                </a:solidFill>
-              </a14:hiddenFill>
-            </a:ext>
-          </a:extLst>
-        </p:spPr>
-      </p:pic>
-      <p:pic>
-        <p:nvPicPr>
-          <p:cNvPr id="2078" name="Picture 30" descr="Resultado de imagem para emoji - thread">
-            <a:extLst>
-              <a:ext uri="{FF2B5EF4-FFF2-40B4-BE49-F238E27FC236}">
-                <a16:creationId xmlns:a16="http://schemas.microsoft.com/office/drawing/2014/main" id="{9555E43E-48BF-48E3-9B60-DA4F4980BEEE}"/>
-              </a:ext>
-            </a:extLst>
-          </p:cNvPr>
-          <p:cNvPicPr>
-            <a:picLocks noChangeAspect="1" noChangeArrowheads="1"/>
-          </p:cNvPicPr>
-          <p:nvPr/>
-        </p:nvPicPr>
-        <p:blipFill>
-          <a:blip r:embed="rId11">
-            <a:extLst>
-              <a:ext uri="{28A0092B-C50C-407E-A947-70E740481C1C}">
-                <a14:useLocalDpi xmlns:a14="http://schemas.microsoft.com/office/drawing/2010/main" val="0"/>
-              </a:ext>
-            </a:extLst>
-          </a:blip>
-          <a:srcRect/>
-          <a:stretch>
-            <a:fillRect/>
-          </a:stretch>
-        </p:blipFill>
-        <p:spPr bwMode="auto">
-          <a:xfrm>
-            <a:off x="6846099" y="5493143"/>
-            <a:ext cx="547872" cy="547872"/>
-          </a:xfrm>
-          <a:prstGeom prst="rect">
-            <a:avLst/>
-          </a:prstGeom>
-          <a:noFill/>
-          <a:extLst>
-            <a:ext uri="{909E8E84-426E-40DD-AFC4-6F175D3DCCD1}">
-              <a14:hiddenFill xmlns:a14="http://schemas.microsoft.com/office/drawing/2010/main">
-                <a:solidFill>
-                  <a:srgbClr val="FFFFFF"/>
-                </a:solidFill>
-              </a14:hiddenFill>
-            </a:ext>
-          </a:extLst>
-        </p:spPr>
-      </p:pic>
-      <p:pic>
-        <p:nvPicPr>
-          <p:cNvPr id="2080" name="Picture 32" descr="Resultado de imagem para emoji - parchment">
-            <a:extLst>
-              <a:ext uri="{FF2B5EF4-FFF2-40B4-BE49-F238E27FC236}">
-                <a16:creationId xmlns:a16="http://schemas.microsoft.com/office/drawing/2014/main" id="{40D18AFA-5198-4B2F-8B4D-72AB5B3DE89F}"/>
-              </a:ext>
-            </a:extLst>
-          </p:cNvPr>
-          <p:cNvPicPr>
-            <a:picLocks noChangeAspect="1" noChangeArrowheads="1"/>
-          </p:cNvPicPr>
-          <p:nvPr/>
-        </p:nvPicPr>
-        <p:blipFill>
-          <a:blip r:embed="rId12">
-            <a:extLst>
-              <a:ext uri="{28A0092B-C50C-407E-A947-70E740481C1C}">
-                <a14:useLocalDpi xmlns:a14="http://schemas.microsoft.com/office/drawing/2010/main" val="0"/>
-              </a:ext>
-            </a:extLst>
-          </a:blip>
-          <a:srcRect/>
-          <a:stretch>
-            <a:fillRect/>
-          </a:stretch>
-        </p:blipFill>
-        <p:spPr bwMode="auto">
-          <a:xfrm>
-            <a:off x="3256308" y="5430409"/>
-            <a:ext cx="580454" cy="580454"/>
-          </a:xfrm>
-          <a:prstGeom prst="rect">
-            <a:avLst/>
-          </a:prstGeom>
-          <a:noFill/>
-          <a:extLst>
-            <a:ext uri="{909E8E84-426E-40DD-AFC4-6F175D3DCCD1}">
-              <a14:hiddenFill xmlns:a14="http://schemas.microsoft.com/office/drawing/2010/main">
-                <a:solidFill>
-                  <a:srgbClr val="FFFFFF"/>
-                </a:solidFill>
-              </a14:hiddenFill>
-            </a:ext>
-          </a:extLst>
-        </p:spPr>
-      </p:pic>
-      <p:pic>
-        <p:nvPicPr>
-          <p:cNvPr id="26" name="Picture 12" descr="Resultado de imagem para emoji - old man">
-            <a:extLst>
-              <a:ext uri="{FF2B5EF4-FFF2-40B4-BE49-F238E27FC236}">
-                <a16:creationId xmlns:a16="http://schemas.microsoft.com/office/drawing/2014/main" id="{907E8C80-54F3-45E8-8A57-49244EAF0913}"/>
-              </a:ext>
-            </a:extLst>
-          </p:cNvPr>
-          <p:cNvPicPr>
-            <a:picLocks noChangeAspect="1" noChangeArrowheads="1"/>
-          </p:cNvPicPr>
-          <p:nvPr/>
-        </p:nvPicPr>
-        <p:blipFill>
-          <a:blip r:embed="rId8">
-            <a:extLst>
-              <a:ext uri="{28A0092B-C50C-407E-A947-70E740481C1C}">
-                <a14:useLocalDpi xmlns:a14="http://schemas.microsoft.com/office/drawing/2010/main" val="0"/>
-              </a:ext>
-            </a:extLst>
-          </a:blip>
-          <a:srcRect/>
-          <a:stretch>
-            <a:fillRect/>
-          </a:stretch>
-        </p:blipFill>
-        <p:spPr bwMode="auto">
-          <a:xfrm>
-            <a:off x="1772284" y="5431974"/>
-            <a:ext cx="547872" cy="547872"/>
-          </a:xfrm>
-          <a:prstGeom prst="rect">
-            <a:avLst/>
-          </a:prstGeom>
-          <a:noFill/>
-          <a:extLst>
-            <a:ext uri="{909E8E84-426E-40DD-AFC4-6F175D3DCCD1}">
-              <a14:hiddenFill xmlns:a14="http://schemas.microsoft.com/office/drawing/2010/main">
-                <a:solidFill>
-                  <a:srgbClr val="FFFFFF"/>
-                </a:solidFill>
-              </a14:hiddenFill>
-            </a:ext>
-          </a:extLst>
-        </p:spPr>
-      </p:pic>
-      <p:pic>
-        <p:nvPicPr>
-          <p:cNvPr id="28" name="Picture 2" descr="Family: Man, Woman, Boy, Boy on Apple iOS 13.2">
-            <a:extLst>
-              <a:ext uri="{FF2B5EF4-FFF2-40B4-BE49-F238E27FC236}">
-                <a16:creationId xmlns:a16="http://schemas.microsoft.com/office/drawing/2014/main" id="{8651CA53-0658-4D8F-8BA0-25F7C3554477}"/>
-              </a:ext>
-            </a:extLst>
-          </p:cNvPr>
-          <p:cNvPicPr>
-            <a:picLocks noChangeAspect="1" noChangeArrowheads="1"/>
-          </p:cNvPicPr>
-          <p:nvPr/>
-        </p:nvPicPr>
-        <p:blipFill rotWithShape="1">
-          <a:blip r:embed="rId3">
-            <a:extLst>
-              <a:ext uri="{28A0092B-C50C-407E-A947-70E740481C1C}">
-                <a14:useLocalDpi xmlns:a14="http://schemas.microsoft.com/office/drawing/2010/main" val="0"/>
-              </a:ext>
-            </a:extLst>
-          </a:blip>
-          <a:srcRect t="48752" r="49626"/>
-          <a:stretch/>
-        </p:blipFill>
-        <p:spPr bwMode="auto">
-          <a:xfrm>
-            <a:off x="4929539" y="5502437"/>
-            <a:ext cx="470265" cy="478428"/>
-          </a:xfrm>
-          <a:prstGeom prst="rect">
-            <a:avLst/>
-          </a:prstGeom>
-          <a:noFill/>
-          <a:extLst>
-            <a:ext uri="{909E8E84-426E-40DD-AFC4-6F175D3DCCD1}">
-              <a14:hiddenFill xmlns:a14="http://schemas.microsoft.com/office/drawing/2010/main">
-                <a:solidFill>
-                  <a:srgbClr val="FFFFFF"/>
-                </a:solidFill>
-              </a14:hiddenFill>
-            </a:ext>
-          </a:extLst>
-        </p:spPr>
-      </p:pic>
-      <p:pic>
-        <p:nvPicPr>
-          <p:cNvPr id="2082" name="Picture 34" descr="Resultado de imagem para emoji - smile">
-            <a:extLst>
-              <a:ext uri="{FF2B5EF4-FFF2-40B4-BE49-F238E27FC236}">
-                <a16:creationId xmlns:a16="http://schemas.microsoft.com/office/drawing/2014/main" id="{2FA8BC0C-C089-4A3A-AA3D-21FEFE02A090}"/>
-              </a:ext>
-            </a:extLst>
-          </p:cNvPr>
-          <p:cNvPicPr>
-            <a:picLocks noChangeAspect="1" noChangeArrowheads="1"/>
-          </p:cNvPicPr>
-          <p:nvPr/>
-        </p:nvPicPr>
-        <p:blipFill>
-          <a:blip r:embed="rId13">
-            <a:extLst>
-              <a:ext uri="{28A0092B-C50C-407E-A947-70E740481C1C}">
-                <a14:useLocalDpi xmlns:a14="http://schemas.microsoft.com/office/drawing/2010/main" val="0"/>
-              </a:ext>
-            </a:extLst>
-          </a:blip>
-          <a:srcRect/>
-          <a:stretch>
-            <a:fillRect/>
-          </a:stretch>
-        </p:blipFill>
-        <p:spPr bwMode="auto">
-          <a:xfrm>
-            <a:off x="5714787" y="5473404"/>
-            <a:ext cx="547873" cy="547873"/>
-          </a:xfrm>
-          <a:prstGeom prst="rect">
-            <a:avLst/>
-          </a:prstGeom>
-          <a:noFill/>
-          <a:extLst>
-            <a:ext uri="{909E8E84-426E-40DD-AFC4-6F175D3DCCD1}">
-              <a14:hiddenFill xmlns:a14="http://schemas.microsoft.com/office/drawing/2010/main">
-                <a:solidFill>
-                  <a:srgbClr val="FFFFFF"/>
-                </a:solidFill>
-              </a14:hiddenFill>
-            </a:ext>
-          </a:extLst>
-        </p:spPr>
-      </p:pic>
-      <p:pic>
-        <p:nvPicPr>
-          <p:cNvPr id="30" name="Picture 2" descr="Family: Man, Woman, Boy, Boy on Apple iOS 13.2">
-            <a:extLst>
-              <a:ext uri="{FF2B5EF4-FFF2-40B4-BE49-F238E27FC236}">
-                <a16:creationId xmlns:a16="http://schemas.microsoft.com/office/drawing/2014/main" id="{E8975DD8-44DF-4A40-81C2-870DEC5FD013}"/>
-              </a:ext>
-            </a:extLst>
-          </p:cNvPr>
-          <p:cNvPicPr>
-            <a:picLocks noChangeAspect="1" noChangeArrowheads="1"/>
-          </p:cNvPicPr>
-          <p:nvPr/>
-        </p:nvPicPr>
-        <p:blipFill rotWithShape="1">
-          <a:blip r:embed="rId3">
-            <a:extLst>
-              <a:ext uri="{28A0092B-C50C-407E-A947-70E740481C1C}">
-                <a14:useLocalDpi xmlns:a14="http://schemas.microsoft.com/office/drawing/2010/main" val="0"/>
-              </a:ext>
-            </a:extLst>
-          </a:blip>
-          <a:srcRect l="49626" t="48752"/>
-          <a:stretch/>
-        </p:blipFill>
-        <p:spPr bwMode="auto">
-          <a:xfrm>
-            <a:off x="9603900" y="5483338"/>
-            <a:ext cx="470265" cy="478428"/>
-          </a:xfrm>
-          <a:prstGeom prst="rect">
-            <a:avLst/>
-          </a:prstGeom>
-          <a:noFill/>
-          <a:extLst>
-            <a:ext uri="{909E8E84-426E-40DD-AFC4-6F175D3DCCD1}">
-              <a14:hiddenFill xmlns:a14="http://schemas.microsoft.com/office/drawing/2010/main">
-                <a:solidFill>
-                  <a:srgbClr val="FFFFFF"/>
-                </a:solidFill>
-              </a14:hiddenFill>
-            </a:ext>
-          </a:extLst>
-        </p:spPr>
-      </p:pic>
-      <p:pic>
-        <p:nvPicPr>
-          <p:cNvPr id="31" name="Picture 18" descr="Resultado de imagem para emoji - scissors">
-            <a:extLst>
-              <a:ext uri="{FF2B5EF4-FFF2-40B4-BE49-F238E27FC236}">
-                <a16:creationId xmlns:a16="http://schemas.microsoft.com/office/drawing/2014/main" id="{A07C6797-8C37-408C-A598-3FCF547136B7}"/>
-              </a:ext>
-            </a:extLst>
-          </p:cNvPr>
-          <p:cNvPicPr>
-            <a:picLocks noChangeAspect="1" noChangeArrowheads="1"/>
-          </p:cNvPicPr>
-          <p:nvPr/>
-        </p:nvPicPr>
-        <p:blipFill>
-          <a:blip r:embed="rId9">
-            <a:extLst>
-              <a:ext uri="{28A0092B-C50C-407E-A947-70E740481C1C}">
-                <a14:useLocalDpi xmlns:a14="http://schemas.microsoft.com/office/drawing/2010/main" val="0"/>
-              </a:ext>
-            </a:extLst>
-          </a:blip>
-          <a:srcRect/>
-          <a:stretch>
-            <a:fillRect/>
-          </a:stretch>
-        </p:blipFill>
-        <p:spPr bwMode="auto">
-          <a:xfrm>
-            <a:off x="5372742" y="6157754"/>
-            <a:ext cx="547872" cy="547872"/>
-          </a:xfrm>
-          <a:prstGeom prst="rect">
-            <a:avLst/>
-          </a:prstGeom>
-          <a:noFill/>
-          <a:extLst>
-            <a:ext uri="{909E8E84-426E-40DD-AFC4-6F175D3DCCD1}">
-              <a14:hiddenFill xmlns:a14="http://schemas.microsoft.com/office/drawing/2010/main">
-                <a:solidFill>
-                  <a:srgbClr val="FFFFFF"/>
-                </a:solidFill>
-              </a14:hiddenFill>
-            </a:ext>
-          </a:extLst>
-        </p:spPr>
-      </p:pic>
-      <p:pic>
-        <p:nvPicPr>
-          <p:cNvPr id="32" name="Picture 28" descr="Imagem relacionada">
-            <a:extLst>
-              <a:ext uri="{FF2B5EF4-FFF2-40B4-BE49-F238E27FC236}">
-                <a16:creationId xmlns:a16="http://schemas.microsoft.com/office/drawing/2014/main" id="{C73640B8-04AE-4533-82E8-A8DACBCDB478}"/>
-              </a:ext>
-            </a:extLst>
-          </p:cNvPr>
-          <p:cNvPicPr>
-            <a:picLocks noChangeAspect="1" noChangeArrowheads="1"/>
-          </p:cNvPicPr>
-          <p:nvPr/>
-        </p:nvPicPr>
-        <p:blipFill>
-          <a:blip r:embed="rId10">
-            <a:extLst>
-              <a:ext uri="{28A0092B-C50C-407E-A947-70E740481C1C}">
-                <a14:useLocalDpi xmlns:a14="http://schemas.microsoft.com/office/drawing/2010/main" val="0"/>
-              </a:ext>
-            </a:extLst>
-          </a:blip>
-          <a:srcRect/>
-          <a:stretch>
-            <a:fillRect/>
-          </a:stretch>
-        </p:blipFill>
-        <p:spPr bwMode="auto">
-          <a:xfrm>
-            <a:off x="4372487" y="6192620"/>
-            <a:ext cx="487996" cy="487996"/>
-          </a:xfrm>
-          <a:prstGeom prst="rect">
-            <a:avLst/>
-          </a:prstGeom>
-          <a:noFill/>
-          <a:extLst>
-            <a:ext uri="{909E8E84-426E-40DD-AFC4-6F175D3DCCD1}">
-              <a14:hiddenFill xmlns:a14="http://schemas.microsoft.com/office/drawing/2010/main">
-                <a:solidFill>
-                  <a:srgbClr val="FFFFFF"/>
-                </a:solidFill>
-              </a14:hiddenFill>
-            </a:ext>
-          </a:extLst>
-        </p:spPr>
-      </p:pic>
-      <p:pic>
-        <p:nvPicPr>
-          <p:cNvPr id="33" name="Picture 30" descr="Resultado de imagem para emoji - thread">
-            <a:extLst>
-              <a:ext uri="{FF2B5EF4-FFF2-40B4-BE49-F238E27FC236}">
-                <a16:creationId xmlns:a16="http://schemas.microsoft.com/office/drawing/2014/main" id="{6201E1D8-CF57-430C-BDF4-07E934B884CA}"/>
-              </a:ext>
-            </a:extLst>
-          </p:cNvPr>
-          <p:cNvPicPr>
-            <a:picLocks noChangeAspect="1" noChangeArrowheads="1"/>
-          </p:cNvPicPr>
-          <p:nvPr/>
-        </p:nvPicPr>
-        <p:blipFill>
-          <a:blip r:embed="rId11">
-            <a:extLst>
-              <a:ext uri="{28A0092B-C50C-407E-A947-70E740481C1C}">
-                <a14:useLocalDpi xmlns:a14="http://schemas.microsoft.com/office/drawing/2010/main" val="0"/>
-              </a:ext>
-            </a:extLst>
-          </a:blip>
-          <a:srcRect/>
-          <a:stretch>
-            <a:fillRect/>
-          </a:stretch>
-        </p:blipFill>
-        <p:spPr bwMode="auto">
-          <a:xfrm>
-            <a:off x="3463125" y="6176588"/>
-            <a:ext cx="547872" cy="547872"/>
-          </a:xfrm>
-          <a:prstGeom prst="rect">
-            <a:avLst/>
-          </a:prstGeom>
-          <a:noFill/>
-          <a:extLst>
-            <a:ext uri="{909E8E84-426E-40DD-AFC4-6F175D3DCCD1}">
-              <a14:hiddenFill xmlns:a14="http://schemas.microsoft.com/office/drawing/2010/main">
-                <a:solidFill>
-                  <a:srgbClr val="FFFFFF"/>
-                </a:solidFill>
-              </a14:hiddenFill>
-            </a:ext>
-          </a:extLst>
-        </p:spPr>
-      </p:pic>
-      <p:pic>
-        <p:nvPicPr>
-          <p:cNvPr id="34" name="Picture 12" descr="Resultado de imagem para emoji - old man">
-            <a:extLst>
-              <a:ext uri="{FF2B5EF4-FFF2-40B4-BE49-F238E27FC236}">
-                <a16:creationId xmlns:a16="http://schemas.microsoft.com/office/drawing/2014/main" id="{773BB4AE-51EC-4E85-B274-5D47146B82F2}"/>
-              </a:ext>
-            </a:extLst>
-          </p:cNvPr>
-          <p:cNvPicPr>
-            <a:picLocks noChangeAspect="1" noChangeArrowheads="1"/>
-          </p:cNvPicPr>
-          <p:nvPr/>
-        </p:nvPicPr>
-        <p:blipFill>
-          <a:blip r:embed="rId8">
-            <a:extLst>
-              <a:ext uri="{28A0092B-C50C-407E-A947-70E740481C1C}">
-                <a14:useLocalDpi xmlns:a14="http://schemas.microsoft.com/office/drawing/2010/main" val="0"/>
-              </a:ext>
-            </a:extLst>
-          </a:blip>
-          <a:srcRect/>
-          <a:stretch>
-            <a:fillRect/>
-          </a:stretch>
-        </p:blipFill>
-        <p:spPr bwMode="auto">
-          <a:xfrm>
-            <a:off x="1772284" y="6127913"/>
-            <a:ext cx="547872" cy="547872"/>
-          </a:xfrm>
-          <a:prstGeom prst="rect">
-            <a:avLst/>
-          </a:prstGeom>
-          <a:noFill/>
-          <a:extLst>
-            <a:ext uri="{909E8E84-426E-40DD-AFC4-6F175D3DCCD1}">
-              <a14:hiddenFill xmlns:a14="http://schemas.microsoft.com/office/drawing/2010/main">
-                <a:solidFill>
-                  <a:srgbClr val="FFFFFF"/>
-                </a:solidFill>
-              </a14:hiddenFill>
-            </a:ext>
-          </a:extLst>
-        </p:spPr>
-      </p:pic>
-      <p:pic>
-        <p:nvPicPr>
-          <p:cNvPr id="35" name="Picture 2" descr="Family: Man, Woman, Boy, Boy on Apple iOS 13.2">
-            <a:extLst>
-              <a:ext uri="{FF2B5EF4-FFF2-40B4-BE49-F238E27FC236}">
-                <a16:creationId xmlns:a16="http://schemas.microsoft.com/office/drawing/2014/main" id="{0A038D7B-207B-4599-94C3-C14CCA45BD13}"/>
-              </a:ext>
-            </a:extLst>
-          </p:cNvPr>
-          <p:cNvPicPr>
-            <a:picLocks noChangeAspect="1" noChangeArrowheads="1"/>
-          </p:cNvPicPr>
-          <p:nvPr/>
-        </p:nvPicPr>
-        <p:blipFill>
-          <a:blip r:embed="rId3">
-            <a:extLst>
-              <a:ext uri="{28A0092B-C50C-407E-A947-70E740481C1C}">
-                <a14:useLocalDpi xmlns:a14="http://schemas.microsoft.com/office/drawing/2010/main" val="0"/>
-              </a:ext>
-            </a:extLst>
-          </a:blip>
-          <a:srcRect/>
-          <a:stretch>
-            <a:fillRect/>
-          </a:stretch>
-        </p:blipFill>
-        <p:spPr bwMode="auto">
-          <a:xfrm>
-            <a:off x="6914826" y="6082197"/>
-            <a:ext cx="698986" cy="698986"/>
-          </a:xfrm>
-          <a:prstGeom prst="rect">
-            <a:avLst/>
-          </a:prstGeom>
-          <a:noFill/>
-          <a:extLst>
-            <a:ext uri="{909E8E84-426E-40DD-AFC4-6F175D3DCCD1}">
-              <a14:hiddenFill xmlns:a14="http://schemas.microsoft.com/office/drawing/2010/main">
-                <a:solidFill>
-                  <a:srgbClr val="FFFFFF"/>
-                </a:solidFill>
-              </a14:hiddenFill>
-            </a:ext>
-          </a:extLst>
-        </p:spPr>
-      </p:pic>
-      <p:sp>
-        <p:nvSpPr>
-          <p:cNvPr id="4" name="CaixaDeTexto 3">
-            <a:extLst>
-              <a:ext uri="{FF2B5EF4-FFF2-40B4-BE49-F238E27FC236}">
-                <a16:creationId xmlns:a16="http://schemas.microsoft.com/office/drawing/2014/main" id="{9067B619-33BC-470B-BC8E-9B4AABC25391}"/>
-              </a:ext>
-            </a:extLst>
-          </p:cNvPr>
-          <p:cNvSpPr txBox="1"/>
-          <p:nvPr/>
-        </p:nvSpPr>
-        <p:spPr>
-          <a:xfrm>
-            <a:off x="2712955" y="3349373"/>
-            <a:ext cx="301840" cy="523220"/>
-          </a:xfrm>
-          <a:prstGeom prst="rect">
-            <a:avLst/>
-          </a:prstGeom>
-          <a:noFill/>
-        </p:spPr>
-        <p:txBody>
-          <a:bodyPr wrap="square" rtlCol="0">
-            <a:spAutoFit/>
-          </a:bodyPr>
-          <a:lstStyle/>
-          <a:p>
-            <a:r>
-              <a:rPr lang="pt-PT" sz="2800" b="1" dirty="0"/>
-              <a:t>+</a:t>
-            </a:r>
-          </a:p>
-        </p:txBody>
-      </p:sp>
-      <p:sp>
-        <p:nvSpPr>
-          <p:cNvPr id="37" name="CaixaDeTexto 36">
-            <a:extLst>
-              <a:ext uri="{FF2B5EF4-FFF2-40B4-BE49-F238E27FC236}">
-                <a16:creationId xmlns:a16="http://schemas.microsoft.com/office/drawing/2014/main" id="{8C348BB6-54CA-41C6-A9E6-7AB5F422C584}"/>
-              </a:ext>
-            </a:extLst>
-          </p:cNvPr>
-          <p:cNvSpPr txBox="1"/>
-          <p:nvPr/>
-        </p:nvSpPr>
-        <p:spPr>
-          <a:xfrm>
-            <a:off x="4229130" y="3350922"/>
-            <a:ext cx="301840" cy="523220"/>
-          </a:xfrm>
-          <a:prstGeom prst="rect">
-            <a:avLst/>
-          </a:prstGeom>
-          <a:noFill/>
-        </p:spPr>
-        <p:txBody>
-          <a:bodyPr wrap="square" rtlCol="0">
-            <a:spAutoFit/>
-          </a:bodyPr>
-          <a:lstStyle/>
-          <a:p>
-            <a:r>
-              <a:rPr lang="pt-PT" sz="2800" b="1" dirty="0"/>
-              <a:t>+</a:t>
-            </a:r>
-          </a:p>
-        </p:txBody>
-      </p:sp>
-      <p:sp>
-        <p:nvSpPr>
-          <p:cNvPr id="38" name="CaixaDeTexto 37">
-            <a:extLst>
-              <a:ext uri="{FF2B5EF4-FFF2-40B4-BE49-F238E27FC236}">
-                <a16:creationId xmlns:a16="http://schemas.microsoft.com/office/drawing/2014/main" id="{694B317D-E85A-4E98-B9CA-3A9C1983BF99}"/>
-              </a:ext>
-            </a:extLst>
-          </p:cNvPr>
-          <p:cNvSpPr txBox="1"/>
-          <p:nvPr/>
-        </p:nvSpPr>
-        <p:spPr>
-          <a:xfrm>
-            <a:off x="2712955" y="4125895"/>
-            <a:ext cx="301840" cy="523220"/>
-          </a:xfrm>
-          <a:prstGeom prst="rect">
-            <a:avLst/>
-          </a:prstGeom>
-          <a:noFill/>
-        </p:spPr>
-        <p:txBody>
-          <a:bodyPr wrap="square" rtlCol="0">
-            <a:spAutoFit/>
-          </a:bodyPr>
-          <a:lstStyle/>
-          <a:p>
-            <a:r>
-              <a:rPr lang="pt-PT" sz="2800" b="1" dirty="0"/>
-              <a:t>+</a:t>
-            </a:r>
-          </a:p>
-        </p:txBody>
-      </p:sp>
-      <p:sp>
-        <p:nvSpPr>
-          <p:cNvPr id="39" name="CaixaDeTexto 38">
-            <a:extLst>
-              <a:ext uri="{FF2B5EF4-FFF2-40B4-BE49-F238E27FC236}">
-                <a16:creationId xmlns:a16="http://schemas.microsoft.com/office/drawing/2014/main" id="{AB94460C-AA55-4FBD-86C2-6F09FD260FF0}"/>
-              </a:ext>
-            </a:extLst>
-          </p:cNvPr>
-          <p:cNvSpPr txBox="1"/>
-          <p:nvPr/>
-        </p:nvSpPr>
-        <p:spPr>
-          <a:xfrm>
-            <a:off x="4245088" y="4205659"/>
-            <a:ext cx="301840" cy="523220"/>
-          </a:xfrm>
-          <a:prstGeom prst="rect">
-            <a:avLst/>
-          </a:prstGeom>
-          <a:noFill/>
-        </p:spPr>
-        <p:txBody>
-          <a:bodyPr wrap="square" rtlCol="0">
-            <a:spAutoFit/>
-          </a:bodyPr>
-          <a:lstStyle/>
-          <a:p>
-            <a:r>
-              <a:rPr lang="pt-PT" sz="2800" b="1" dirty="0"/>
-              <a:t>+</a:t>
-            </a:r>
-          </a:p>
-        </p:txBody>
-      </p:sp>
-      <p:sp>
-        <p:nvSpPr>
-          <p:cNvPr id="40" name="CaixaDeTexto 39">
-            <a:extLst>
-              <a:ext uri="{FF2B5EF4-FFF2-40B4-BE49-F238E27FC236}">
-                <a16:creationId xmlns:a16="http://schemas.microsoft.com/office/drawing/2014/main" id="{A09E9499-2F5D-42A1-B6A6-850610BBFD42}"/>
-              </a:ext>
-            </a:extLst>
-          </p:cNvPr>
-          <p:cNvSpPr txBox="1"/>
-          <p:nvPr/>
-        </p:nvSpPr>
-        <p:spPr>
-          <a:xfrm>
-            <a:off x="2712955" y="4726566"/>
-            <a:ext cx="301840" cy="523220"/>
-          </a:xfrm>
-          <a:prstGeom prst="rect">
-            <a:avLst/>
-          </a:prstGeom>
-          <a:noFill/>
-        </p:spPr>
-        <p:txBody>
-          <a:bodyPr wrap="square" rtlCol="0">
-            <a:spAutoFit/>
-          </a:bodyPr>
-          <a:lstStyle/>
-          <a:p>
-            <a:r>
-              <a:rPr lang="pt-PT" sz="2800" b="1" dirty="0"/>
-              <a:t>+</a:t>
-            </a:r>
-          </a:p>
-        </p:txBody>
-      </p:sp>
-      <p:sp>
-        <p:nvSpPr>
-          <p:cNvPr id="41" name="CaixaDeTexto 40">
-            <a:extLst>
-              <a:ext uri="{FF2B5EF4-FFF2-40B4-BE49-F238E27FC236}">
-                <a16:creationId xmlns:a16="http://schemas.microsoft.com/office/drawing/2014/main" id="{870DE507-2E3C-4022-812B-99C54F041EDE}"/>
-              </a:ext>
-            </a:extLst>
-          </p:cNvPr>
-          <p:cNvSpPr txBox="1"/>
-          <p:nvPr/>
-        </p:nvSpPr>
-        <p:spPr>
-          <a:xfrm>
-            <a:off x="4269176" y="4885169"/>
-            <a:ext cx="660363" cy="523220"/>
-          </a:xfrm>
-          <a:prstGeom prst="rect">
-            <a:avLst/>
-          </a:prstGeom>
-          <a:noFill/>
-        </p:spPr>
-        <p:txBody>
-          <a:bodyPr wrap="square" rtlCol="0">
-            <a:spAutoFit/>
-          </a:bodyPr>
-          <a:lstStyle/>
-          <a:p>
-            <a:r>
-              <a:rPr lang="pt-PT" sz="2800" b="1" dirty="0"/>
-              <a:t>=&gt;</a:t>
-            </a:r>
-          </a:p>
-        </p:txBody>
-      </p:sp>
-      <p:sp>
-        <p:nvSpPr>
-          <p:cNvPr id="42" name="CaixaDeTexto 41">
-            <a:extLst>
-              <a:ext uri="{FF2B5EF4-FFF2-40B4-BE49-F238E27FC236}">
-                <a16:creationId xmlns:a16="http://schemas.microsoft.com/office/drawing/2014/main" id="{962744EA-6499-47A1-B900-39A5C9E8FBD3}"/>
-              </a:ext>
-            </a:extLst>
-          </p:cNvPr>
-          <p:cNvSpPr txBox="1"/>
-          <p:nvPr/>
-        </p:nvSpPr>
-        <p:spPr>
-          <a:xfrm>
-            <a:off x="2715697" y="5471889"/>
-            <a:ext cx="301840" cy="523220"/>
-          </a:xfrm>
-          <a:prstGeom prst="rect">
-            <a:avLst/>
-          </a:prstGeom>
-          <a:noFill/>
-        </p:spPr>
-        <p:txBody>
-          <a:bodyPr wrap="square" rtlCol="0">
-            <a:spAutoFit/>
-          </a:bodyPr>
-          <a:lstStyle/>
-          <a:p>
-            <a:r>
-              <a:rPr lang="pt-PT" sz="2800" b="1" dirty="0"/>
-              <a:t>+</a:t>
-            </a:r>
-          </a:p>
-        </p:txBody>
-      </p:sp>
-      <p:sp>
-        <p:nvSpPr>
-          <p:cNvPr id="43" name="CaixaDeTexto 42">
-            <a:extLst>
-              <a:ext uri="{FF2B5EF4-FFF2-40B4-BE49-F238E27FC236}">
-                <a16:creationId xmlns:a16="http://schemas.microsoft.com/office/drawing/2014/main" id="{09FF5696-2C07-433F-9538-242712994415}"/>
-              </a:ext>
-            </a:extLst>
-          </p:cNvPr>
-          <p:cNvSpPr txBox="1"/>
-          <p:nvPr/>
-        </p:nvSpPr>
-        <p:spPr>
-          <a:xfrm>
-            <a:off x="2718653" y="6157396"/>
-            <a:ext cx="301840" cy="523220"/>
-          </a:xfrm>
-          <a:prstGeom prst="rect">
-            <a:avLst/>
-          </a:prstGeom>
-          <a:noFill/>
-        </p:spPr>
-        <p:txBody>
-          <a:bodyPr wrap="square" rtlCol="0">
-            <a:spAutoFit/>
-          </a:bodyPr>
-          <a:lstStyle/>
-          <a:p>
-            <a:r>
-              <a:rPr lang="pt-PT" sz="2800" b="1" dirty="0"/>
-              <a:t>+</a:t>
-            </a:r>
-          </a:p>
-        </p:txBody>
-      </p:sp>
-      <p:sp>
-        <p:nvSpPr>
-          <p:cNvPr id="45" name="CaixaDeTexto 44">
-            <a:extLst>
-              <a:ext uri="{FF2B5EF4-FFF2-40B4-BE49-F238E27FC236}">
-                <a16:creationId xmlns:a16="http://schemas.microsoft.com/office/drawing/2014/main" id="{5511836A-7A28-47D8-881F-236C862881A1}"/>
-              </a:ext>
-            </a:extLst>
-          </p:cNvPr>
-          <p:cNvSpPr txBox="1"/>
-          <p:nvPr/>
-        </p:nvSpPr>
-        <p:spPr>
-          <a:xfrm>
-            <a:off x="3963979" y="6148834"/>
-            <a:ext cx="301840" cy="523220"/>
-          </a:xfrm>
-          <a:prstGeom prst="rect">
-            <a:avLst/>
-          </a:prstGeom>
-          <a:noFill/>
-        </p:spPr>
-        <p:txBody>
-          <a:bodyPr wrap="square" rtlCol="0">
-            <a:spAutoFit/>
-          </a:bodyPr>
-          <a:lstStyle/>
-          <a:p>
-            <a:r>
-              <a:rPr lang="pt-PT" sz="2800" b="1" dirty="0"/>
-              <a:t>+</a:t>
-            </a:r>
-          </a:p>
-        </p:txBody>
-      </p:sp>
-      <p:sp>
-        <p:nvSpPr>
-          <p:cNvPr id="46" name="CaixaDeTexto 45">
-            <a:extLst>
-              <a:ext uri="{FF2B5EF4-FFF2-40B4-BE49-F238E27FC236}">
-                <a16:creationId xmlns:a16="http://schemas.microsoft.com/office/drawing/2014/main" id="{809AE384-CAF5-49AF-8471-C801D5AF452D}"/>
-              </a:ext>
-            </a:extLst>
-          </p:cNvPr>
-          <p:cNvSpPr txBox="1"/>
-          <p:nvPr/>
-        </p:nvSpPr>
-        <p:spPr>
-          <a:xfrm>
-            <a:off x="5002192" y="6170080"/>
-            <a:ext cx="301840" cy="523220"/>
-          </a:xfrm>
-          <a:prstGeom prst="rect">
-            <a:avLst/>
-          </a:prstGeom>
-          <a:noFill/>
-        </p:spPr>
-        <p:txBody>
-          <a:bodyPr wrap="square" rtlCol="0">
-            <a:spAutoFit/>
-          </a:bodyPr>
-          <a:lstStyle/>
-          <a:p>
-            <a:r>
-              <a:rPr lang="pt-PT" sz="2800" b="1" dirty="0"/>
-              <a:t>+</a:t>
-            </a:r>
-          </a:p>
-        </p:txBody>
-      </p:sp>
-      <p:sp>
-        <p:nvSpPr>
-          <p:cNvPr id="47" name="CaixaDeTexto 46">
-            <a:extLst>
-              <a:ext uri="{FF2B5EF4-FFF2-40B4-BE49-F238E27FC236}">
-                <a16:creationId xmlns:a16="http://schemas.microsoft.com/office/drawing/2014/main" id="{48BFB2B1-4DCF-4B46-A29F-ED2B488B2CBD}"/>
-              </a:ext>
-            </a:extLst>
-          </p:cNvPr>
-          <p:cNvSpPr txBox="1"/>
-          <p:nvPr/>
-        </p:nvSpPr>
-        <p:spPr>
-          <a:xfrm>
-            <a:off x="5394041" y="5498057"/>
-            <a:ext cx="301840" cy="523220"/>
-          </a:xfrm>
-          <a:prstGeom prst="rect">
-            <a:avLst/>
-          </a:prstGeom>
-          <a:noFill/>
-        </p:spPr>
-        <p:txBody>
-          <a:bodyPr wrap="square" rtlCol="0">
-            <a:spAutoFit/>
-          </a:bodyPr>
-          <a:lstStyle/>
-          <a:p>
-            <a:r>
-              <a:rPr lang="pt-PT" sz="2800" b="1" dirty="0"/>
-              <a:t>+</a:t>
-            </a:r>
-          </a:p>
-        </p:txBody>
-      </p:sp>
-      <p:sp>
-        <p:nvSpPr>
-          <p:cNvPr id="48" name="CaixaDeTexto 47">
-            <a:extLst>
-              <a:ext uri="{FF2B5EF4-FFF2-40B4-BE49-F238E27FC236}">
-                <a16:creationId xmlns:a16="http://schemas.microsoft.com/office/drawing/2014/main" id="{7D4C3EFF-9465-4D2B-94F4-5A50DC177CEF}"/>
-              </a:ext>
-            </a:extLst>
-          </p:cNvPr>
-          <p:cNvSpPr txBox="1"/>
-          <p:nvPr/>
-        </p:nvSpPr>
-        <p:spPr>
-          <a:xfrm>
-            <a:off x="7277907" y="5493142"/>
-            <a:ext cx="301840" cy="523220"/>
-          </a:xfrm>
-          <a:prstGeom prst="rect">
-            <a:avLst/>
-          </a:prstGeom>
-          <a:noFill/>
-        </p:spPr>
-        <p:txBody>
-          <a:bodyPr wrap="square" rtlCol="0">
-            <a:spAutoFit/>
-          </a:bodyPr>
-          <a:lstStyle/>
-          <a:p>
-            <a:r>
-              <a:rPr lang="pt-PT" sz="2800" b="1" dirty="0"/>
-              <a:t>+</a:t>
-            </a:r>
-          </a:p>
-        </p:txBody>
-      </p:sp>
-      <p:sp>
-        <p:nvSpPr>
-          <p:cNvPr id="49" name="CaixaDeTexto 48">
-            <a:extLst>
-              <a:ext uri="{FF2B5EF4-FFF2-40B4-BE49-F238E27FC236}">
-                <a16:creationId xmlns:a16="http://schemas.microsoft.com/office/drawing/2014/main" id="{7F559EF4-B1B9-4216-A73D-2D8BCF157A22}"/>
-              </a:ext>
-            </a:extLst>
-          </p:cNvPr>
-          <p:cNvSpPr txBox="1"/>
-          <p:nvPr/>
-        </p:nvSpPr>
-        <p:spPr>
-          <a:xfrm>
-            <a:off x="8180637" y="5483338"/>
-            <a:ext cx="301840" cy="523220"/>
-          </a:xfrm>
-          <a:prstGeom prst="rect">
-            <a:avLst/>
-          </a:prstGeom>
-          <a:noFill/>
-        </p:spPr>
-        <p:txBody>
-          <a:bodyPr wrap="square" rtlCol="0">
-            <a:spAutoFit/>
-          </a:bodyPr>
-          <a:lstStyle/>
-          <a:p>
-            <a:r>
-              <a:rPr lang="pt-PT" sz="2800" b="1" dirty="0"/>
-              <a:t>+</a:t>
-            </a:r>
-          </a:p>
-        </p:txBody>
-      </p:sp>
-      <p:sp>
-        <p:nvSpPr>
-          <p:cNvPr id="50" name="CaixaDeTexto 49">
-            <a:extLst>
-              <a:ext uri="{FF2B5EF4-FFF2-40B4-BE49-F238E27FC236}">
-                <a16:creationId xmlns:a16="http://schemas.microsoft.com/office/drawing/2014/main" id="{F090887D-E634-4207-8789-3CAF91FAB134}"/>
-              </a:ext>
-            </a:extLst>
-          </p:cNvPr>
-          <p:cNvSpPr txBox="1"/>
-          <p:nvPr/>
-        </p:nvSpPr>
-        <p:spPr>
-          <a:xfrm>
-            <a:off x="9118223" y="5441515"/>
-            <a:ext cx="301840" cy="523220"/>
-          </a:xfrm>
-          <a:prstGeom prst="rect">
-            <a:avLst/>
-          </a:prstGeom>
-          <a:noFill/>
-        </p:spPr>
-        <p:txBody>
-          <a:bodyPr wrap="square" rtlCol="0">
-            <a:spAutoFit/>
-          </a:bodyPr>
-          <a:lstStyle/>
-          <a:p>
-            <a:r>
-              <a:rPr lang="pt-PT" sz="2800" b="1" dirty="0"/>
-              <a:t>+</a:t>
-            </a:r>
-          </a:p>
-        </p:txBody>
-      </p:sp>
-      <p:sp>
-        <p:nvSpPr>
-          <p:cNvPr id="51" name="CaixaDeTexto 50">
-            <a:extLst>
-              <a:ext uri="{FF2B5EF4-FFF2-40B4-BE49-F238E27FC236}">
-                <a16:creationId xmlns:a16="http://schemas.microsoft.com/office/drawing/2014/main" id="{FEA9E5F5-8D4D-4D02-BACD-668377088492}"/>
-              </a:ext>
-            </a:extLst>
-          </p:cNvPr>
-          <p:cNvSpPr txBox="1"/>
-          <p:nvPr/>
-        </p:nvSpPr>
-        <p:spPr>
-          <a:xfrm>
-            <a:off x="4229130" y="5459026"/>
-            <a:ext cx="301840" cy="523220"/>
-          </a:xfrm>
-          <a:prstGeom prst="rect">
-            <a:avLst/>
-          </a:prstGeom>
-          <a:noFill/>
-        </p:spPr>
-        <p:txBody>
-          <a:bodyPr wrap="square" rtlCol="0">
-            <a:spAutoFit/>
-          </a:bodyPr>
-          <a:lstStyle/>
-          <a:p>
-            <a:r>
-              <a:rPr lang="pt-PT" sz="2800" b="1" dirty="0"/>
-              <a:t>=</a:t>
-            </a:r>
-          </a:p>
-        </p:txBody>
-      </p:sp>
-      <p:sp>
-        <p:nvSpPr>
-          <p:cNvPr id="53" name="CaixaDeTexto 52">
-            <a:extLst>
-              <a:ext uri="{FF2B5EF4-FFF2-40B4-BE49-F238E27FC236}">
-                <a16:creationId xmlns:a16="http://schemas.microsoft.com/office/drawing/2014/main" id="{282D9029-EA46-4E5B-A756-7E1C9443F9BE}"/>
-              </a:ext>
-            </a:extLst>
-          </p:cNvPr>
-          <p:cNvSpPr txBox="1"/>
-          <p:nvPr/>
-        </p:nvSpPr>
-        <p:spPr>
-          <a:xfrm>
-            <a:off x="6695179" y="3338352"/>
-            <a:ext cx="301840" cy="523220"/>
-          </a:xfrm>
-          <a:prstGeom prst="rect">
-            <a:avLst/>
-          </a:prstGeom>
-          <a:noFill/>
-        </p:spPr>
-        <p:txBody>
-          <a:bodyPr wrap="square" rtlCol="0">
-            <a:spAutoFit/>
-          </a:bodyPr>
-          <a:lstStyle/>
-          <a:p>
-            <a:r>
-              <a:rPr lang="pt-PT" sz="2800" b="1" dirty="0"/>
-              <a:t>=</a:t>
-            </a:r>
-          </a:p>
-        </p:txBody>
-      </p:sp>
-      <p:sp>
-        <p:nvSpPr>
-          <p:cNvPr id="54" name="CaixaDeTexto 53">
-            <a:extLst>
-              <a:ext uri="{FF2B5EF4-FFF2-40B4-BE49-F238E27FC236}">
-                <a16:creationId xmlns:a16="http://schemas.microsoft.com/office/drawing/2014/main" id="{E32773B4-0648-4CAD-B048-2A5EFDF2A96D}"/>
-              </a:ext>
-            </a:extLst>
-          </p:cNvPr>
-          <p:cNvSpPr txBox="1"/>
-          <p:nvPr/>
-        </p:nvSpPr>
-        <p:spPr>
-          <a:xfrm>
-            <a:off x="6218693" y="6160078"/>
-            <a:ext cx="301840" cy="523220"/>
-          </a:xfrm>
-          <a:prstGeom prst="rect">
-            <a:avLst/>
-          </a:prstGeom>
-          <a:noFill/>
-        </p:spPr>
-        <p:txBody>
-          <a:bodyPr wrap="square" rtlCol="0">
-            <a:spAutoFit/>
-          </a:bodyPr>
-          <a:lstStyle/>
-          <a:p>
-            <a:r>
-              <a:rPr lang="pt-PT" sz="2800" b="1" dirty="0"/>
-              <a:t>=</a:t>
-            </a:r>
-          </a:p>
-        </p:txBody>
-      </p:sp>
-      <p:pic>
-        <p:nvPicPr>
-          <p:cNvPr id="55" name="Picture 18" descr="Resultado de imagem para emoji - scissors">
-            <a:extLst>
-              <a:ext uri="{FF2B5EF4-FFF2-40B4-BE49-F238E27FC236}">
-                <a16:creationId xmlns:a16="http://schemas.microsoft.com/office/drawing/2014/main" id="{D84A6E6B-EEC7-4BBF-BFA9-DE067EE3B01A}"/>
-              </a:ext>
-            </a:extLst>
-          </p:cNvPr>
-          <p:cNvPicPr>
-            <a:picLocks noChangeAspect="1" noChangeArrowheads="1"/>
-          </p:cNvPicPr>
-          <p:nvPr/>
-        </p:nvPicPr>
-        <p:blipFill>
-          <a:blip r:embed="rId9">
-            <a:extLst>
-              <a:ext uri="{28A0092B-C50C-407E-A947-70E740481C1C}">
-                <a14:useLocalDpi xmlns:a14="http://schemas.microsoft.com/office/drawing/2010/main" val="0"/>
-              </a:ext>
-            </a:extLst>
-          </a:blip>
-          <a:srcRect/>
-          <a:stretch>
-            <a:fillRect/>
-          </a:stretch>
-        </p:blipFill>
-        <p:spPr bwMode="auto">
-          <a:xfrm>
-            <a:off x="6774576" y="4774819"/>
-            <a:ext cx="501406" cy="547872"/>
-          </a:xfrm>
-          <a:prstGeom prst="rect">
-            <a:avLst/>
-          </a:prstGeom>
-          <a:noFill/>
-          <a:extLst>
-            <a:ext uri="{909E8E84-426E-40DD-AFC4-6F175D3DCCD1}">
-              <a14:hiddenFill xmlns:a14="http://schemas.microsoft.com/office/drawing/2010/main">
-                <a:solidFill>
-                  <a:srgbClr val="FFFFFF"/>
-                </a:solidFill>
-              </a14:hiddenFill>
-            </a:ext>
-          </a:extLst>
-        </p:spPr>
-      </p:pic>
-      <p:pic>
-        <p:nvPicPr>
-          <p:cNvPr id="56" name="Picture 28" descr="Imagem relacionada">
-            <a:extLst>
-              <a:ext uri="{FF2B5EF4-FFF2-40B4-BE49-F238E27FC236}">
-                <a16:creationId xmlns:a16="http://schemas.microsoft.com/office/drawing/2014/main" id="{2DE8BF0E-5E34-48EF-A347-34A524D1A60C}"/>
-              </a:ext>
-            </a:extLst>
-          </p:cNvPr>
-          <p:cNvPicPr>
-            <a:picLocks noChangeAspect="1" noChangeArrowheads="1"/>
-          </p:cNvPicPr>
-          <p:nvPr/>
-        </p:nvPicPr>
-        <p:blipFill>
-          <a:blip r:embed="rId10">
-            <a:extLst>
-              <a:ext uri="{28A0092B-C50C-407E-A947-70E740481C1C}">
-                <a14:useLocalDpi xmlns:a14="http://schemas.microsoft.com/office/drawing/2010/main" val="0"/>
-              </a:ext>
-            </a:extLst>
-          </a:blip>
-          <a:srcRect/>
-          <a:stretch>
-            <a:fillRect/>
-          </a:stretch>
-        </p:blipFill>
-        <p:spPr bwMode="auto">
-          <a:xfrm>
-            <a:off x="5774321" y="4809685"/>
-            <a:ext cx="446608" cy="487996"/>
-          </a:xfrm>
-          <a:prstGeom prst="rect">
-            <a:avLst/>
-          </a:prstGeom>
-          <a:noFill/>
-          <a:extLst>
-            <a:ext uri="{909E8E84-426E-40DD-AFC4-6F175D3DCCD1}">
-              <a14:hiddenFill xmlns:a14="http://schemas.microsoft.com/office/drawing/2010/main">
-                <a:solidFill>
-                  <a:srgbClr val="FFFFFF"/>
-                </a:solidFill>
-              </a14:hiddenFill>
-            </a:ext>
-          </a:extLst>
-        </p:spPr>
-      </p:pic>
-      <p:pic>
-        <p:nvPicPr>
-          <p:cNvPr id="57" name="Picture 30" descr="Resultado de imagem para emoji - thread">
-            <a:extLst>
-              <a:ext uri="{FF2B5EF4-FFF2-40B4-BE49-F238E27FC236}">
-                <a16:creationId xmlns:a16="http://schemas.microsoft.com/office/drawing/2014/main" id="{589601C5-7387-43FB-B47D-D456D3C7BC3B}"/>
-              </a:ext>
-            </a:extLst>
-          </p:cNvPr>
-          <p:cNvPicPr>
-            <a:picLocks noChangeAspect="1" noChangeArrowheads="1"/>
-          </p:cNvPicPr>
-          <p:nvPr/>
-        </p:nvPicPr>
-        <p:blipFill>
-          <a:blip r:embed="rId11">
-            <a:extLst>
-              <a:ext uri="{28A0092B-C50C-407E-A947-70E740481C1C}">
-                <a14:useLocalDpi xmlns:a14="http://schemas.microsoft.com/office/drawing/2010/main" val="0"/>
-              </a:ext>
-            </a:extLst>
-          </a:blip>
-          <a:srcRect/>
-          <a:stretch>
-            <a:fillRect/>
-          </a:stretch>
-        </p:blipFill>
-        <p:spPr bwMode="auto">
-          <a:xfrm>
-            <a:off x="4864959" y="4793653"/>
-            <a:ext cx="501406" cy="547872"/>
-          </a:xfrm>
-          <a:prstGeom prst="rect">
-            <a:avLst/>
-          </a:prstGeom>
-          <a:noFill/>
-          <a:extLst>
-            <a:ext uri="{909E8E84-426E-40DD-AFC4-6F175D3DCCD1}">
-              <a14:hiddenFill xmlns:a14="http://schemas.microsoft.com/office/drawing/2010/main">
-                <a:solidFill>
-                  <a:srgbClr val="FFFFFF"/>
-                </a:solidFill>
-              </a14:hiddenFill>
-            </a:ext>
-          </a:extLst>
-        </p:spPr>
-      </p:pic>
-      <p:sp>
-        <p:nvSpPr>
-          <p:cNvPr id="58" name="CaixaDeTexto 57">
-            <a:extLst>
-              <a:ext uri="{FF2B5EF4-FFF2-40B4-BE49-F238E27FC236}">
-                <a16:creationId xmlns:a16="http://schemas.microsoft.com/office/drawing/2014/main" id="{984B9631-2A0A-4B2E-813D-B3F8C1E133D1}"/>
-              </a:ext>
-            </a:extLst>
-          </p:cNvPr>
-          <p:cNvSpPr txBox="1"/>
-          <p:nvPr/>
-        </p:nvSpPr>
-        <p:spPr>
-          <a:xfrm>
-            <a:off x="5365813" y="4765899"/>
-            <a:ext cx="276240" cy="523220"/>
-          </a:xfrm>
-          <a:prstGeom prst="rect">
-            <a:avLst/>
-          </a:prstGeom>
-          <a:noFill/>
-        </p:spPr>
-        <p:txBody>
-          <a:bodyPr wrap="square" rtlCol="0">
-            <a:spAutoFit/>
-          </a:bodyPr>
-          <a:lstStyle/>
-          <a:p>
-            <a:r>
-              <a:rPr lang="pt-PT" sz="2800" b="1" dirty="0"/>
-              <a:t>+</a:t>
-            </a:r>
-          </a:p>
-        </p:txBody>
-      </p:sp>
-      <p:sp>
-        <p:nvSpPr>
-          <p:cNvPr id="59" name="CaixaDeTexto 58">
-            <a:extLst>
-              <a:ext uri="{FF2B5EF4-FFF2-40B4-BE49-F238E27FC236}">
-                <a16:creationId xmlns:a16="http://schemas.microsoft.com/office/drawing/2014/main" id="{01CA1461-B463-412C-ACFB-47629CFF824B}"/>
-              </a:ext>
-            </a:extLst>
-          </p:cNvPr>
-          <p:cNvSpPr txBox="1"/>
-          <p:nvPr/>
-        </p:nvSpPr>
-        <p:spPr>
-          <a:xfrm>
-            <a:off x="6404026" y="4787145"/>
-            <a:ext cx="276240" cy="523220"/>
-          </a:xfrm>
-          <a:prstGeom prst="rect">
-            <a:avLst/>
-          </a:prstGeom>
-          <a:noFill/>
-        </p:spPr>
-        <p:txBody>
-          <a:bodyPr wrap="square" rtlCol="0">
-            <a:spAutoFit/>
-          </a:bodyPr>
-          <a:lstStyle/>
-          <a:p>
-            <a:r>
-              <a:rPr lang="pt-PT" sz="2800" b="1" dirty="0"/>
-              <a:t>+</a:t>
-            </a:r>
-          </a:p>
-        </p:txBody>
-      </p:sp>
-      <p:pic>
-        <p:nvPicPr>
-          <p:cNvPr id="2084" name="Picture 36" descr="Resultado de imagem para emoji - netflix">
-            <a:extLst>
-              <a:ext uri="{FF2B5EF4-FFF2-40B4-BE49-F238E27FC236}">
-                <a16:creationId xmlns:a16="http://schemas.microsoft.com/office/drawing/2014/main" id="{1FDD7BAE-058B-4705-97B5-968AF01130C9}"/>
-              </a:ext>
-            </a:extLst>
-          </p:cNvPr>
-          <p:cNvPicPr>
-            <a:picLocks noChangeAspect="1" noChangeArrowheads="1"/>
-          </p:cNvPicPr>
-          <p:nvPr/>
-        </p:nvPicPr>
-        <p:blipFill>
-          <a:blip r:embed="rId14">
-            <a:extLst>
-              <a:ext uri="{28A0092B-C50C-407E-A947-70E740481C1C}">
-                <a14:useLocalDpi xmlns:a14="http://schemas.microsoft.com/office/drawing/2010/main" val="0"/>
-              </a:ext>
-            </a:extLst>
-          </a:blip>
-          <a:srcRect/>
-          <a:stretch>
-            <a:fillRect/>
-          </a:stretch>
-        </p:blipFill>
-        <p:spPr bwMode="auto">
-          <a:xfrm>
-            <a:off x="7993071" y="4774437"/>
-            <a:ext cx="489397" cy="489397"/>
-          </a:xfrm>
-          <a:prstGeom prst="rect">
-            <a:avLst/>
-          </a:prstGeom>
-          <a:noFill/>
-          <a:extLst>
-            <a:ext uri="{909E8E84-426E-40DD-AFC4-6F175D3DCCD1}">
-              <a14:hiddenFill xmlns:a14="http://schemas.microsoft.com/office/drawing/2010/main">
-                <a:solidFill>
-                  <a:srgbClr val="FFFFFF"/>
-                </a:solidFill>
-              </a14:hiddenFill>
-            </a:ext>
-          </a:extLst>
-        </p:spPr>
-      </p:pic>
-      <p:sp>
-        <p:nvSpPr>
-          <p:cNvPr id="61" name="CaixaDeTexto 60">
-            <a:extLst>
-              <a:ext uri="{FF2B5EF4-FFF2-40B4-BE49-F238E27FC236}">
-                <a16:creationId xmlns:a16="http://schemas.microsoft.com/office/drawing/2014/main" id="{2B28FBC2-04CD-4A96-BB01-A40FBC12ECCE}"/>
-              </a:ext>
-            </a:extLst>
-          </p:cNvPr>
-          <p:cNvSpPr txBox="1"/>
-          <p:nvPr/>
-        </p:nvSpPr>
-        <p:spPr>
-          <a:xfrm>
-            <a:off x="7445053" y="4752657"/>
-            <a:ext cx="301840" cy="523220"/>
-          </a:xfrm>
-          <a:prstGeom prst="rect">
-            <a:avLst/>
-          </a:prstGeom>
-          <a:noFill/>
-        </p:spPr>
-        <p:txBody>
-          <a:bodyPr wrap="square" rtlCol="0">
-            <a:spAutoFit/>
-          </a:bodyPr>
-          <a:lstStyle/>
-          <a:p>
-            <a:r>
-              <a:rPr lang="pt-PT" sz="2800" b="1" dirty="0"/>
-              <a:t>=</a:t>
-            </a:r>
-          </a:p>
-        </p:txBody>
-      </p:sp>
-      <p:sp>
-        <p:nvSpPr>
-          <p:cNvPr id="62" name="CaixaDeTexto 61">
-            <a:extLst>
-              <a:ext uri="{FF2B5EF4-FFF2-40B4-BE49-F238E27FC236}">
-                <a16:creationId xmlns:a16="http://schemas.microsoft.com/office/drawing/2014/main" id="{178B92E8-1353-42F1-8962-8679B6D971AA}"/>
-              </a:ext>
-            </a:extLst>
-          </p:cNvPr>
-          <p:cNvSpPr txBox="1"/>
-          <p:nvPr/>
-        </p:nvSpPr>
-        <p:spPr>
-          <a:xfrm>
-            <a:off x="8911770" y="3373939"/>
-            <a:ext cx="301840" cy="523220"/>
-          </a:xfrm>
-          <a:prstGeom prst="rect">
-            <a:avLst/>
-          </a:prstGeom>
-          <a:noFill/>
-        </p:spPr>
-        <p:txBody>
-          <a:bodyPr wrap="square" rtlCol="0">
-            <a:spAutoFit/>
-          </a:bodyPr>
-          <a:lstStyle/>
-          <a:p>
-            <a:r>
-              <a:rPr lang="pt-PT" sz="2800" b="1" dirty="0"/>
-              <a:t>+</a:t>
-            </a:r>
-          </a:p>
-        </p:txBody>
-      </p:sp>
-      <p:sp>
-        <p:nvSpPr>
-          <p:cNvPr id="63" name="CaixaDeTexto 62">
-            <a:extLst>
-              <a:ext uri="{FF2B5EF4-FFF2-40B4-BE49-F238E27FC236}">
-                <a16:creationId xmlns:a16="http://schemas.microsoft.com/office/drawing/2014/main" id="{5556B702-3BB8-4890-A8F8-7ADBBD4F6089}"/>
-              </a:ext>
-            </a:extLst>
-          </p:cNvPr>
-          <p:cNvSpPr txBox="1"/>
-          <p:nvPr/>
-        </p:nvSpPr>
-        <p:spPr>
-          <a:xfrm>
-            <a:off x="4691173" y="4836531"/>
-            <a:ext cx="301840" cy="523220"/>
-          </a:xfrm>
-          <a:prstGeom prst="rect">
-            <a:avLst/>
-          </a:prstGeom>
-          <a:noFill/>
-        </p:spPr>
-        <p:txBody>
-          <a:bodyPr wrap="square" rtlCol="0">
-            <a:spAutoFit/>
-          </a:bodyPr>
-          <a:lstStyle/>
-          <a:p>
-            <a:r>
-              <a:rPr lang="pt-PT" sz="2800" b="1" dirty="0"/>
-              <a:t>(</a:t>
-            </a:r>
-          </a:p>
-        </p:txBody>
-      </p:sp>
-      <p:sp>
-        <p:nvSpPr>
-          <p:cNvPr id="65" name="CaixaDeTexto 64">
-            <a:extLst>
-              <a:ext uri="{FF2B5EF4-FFF2-40B4-BE49-F238E27FC236}">
-                <a16:creationId xmlns:a16="http://schemas.microsoft.com/office/drawing/2014/main" id="{E28E0DE6-09DB-4614-8BB7-B8CE0629F468}"/>
-              </a:ext>
-            </a:extLst>
-          </p:cNvPr>
-          <p:cNvSpPr txBox="1"/>
-          <p:nvPr/>
-        </p:nvSpPr>
-        <p:spPr>
-          <a:xfrm>
-            <a:off x="6609243" y="5476279"/>
-            <a:ext cx="301840" cy="523220"/>
-          </a:xfrm>
-          <a:prstGeom prst="rect">
-            <a:avLst/>
-          </a:prstGeom>
-          <a:noFill/>
-        </p:spPr>
-        <p:txBody>
-          <a:bodyPr wrap="square" rtlCol="0">
-            <a:spAutoFit/>
-          </a:bodyPr>
-          <a:lstStyle/>
-          <a:p>
-            <a:r>
-              <a:rPr lang="pt-PT" sz="2800" b="1" dirty="0"/>
-              <a:t>(</a:t>
-            </a:r>
-          </a:p>
-        </p:txBody>
-      </p:sp>
-      <p:sp>
-        <p:nvSpPr>
-          <p:cNvPr id="66" name="CaixaDeTexto 65">
-            <a:extLst>
-              <a:ext uri="{FF2B5EF4-FFF2-40B4-BE49-F238E27FC236}">
-                <a16:creationId xmlns:a16="http://schemas.microsoft.com/office/drawing/2014/main" id="{87A66BC2-AA59-4A12-AE87-EDB08A061C53}"/>
-              </a:ext>
-            </a:extLst>
-          </p:cNvPr>
-          <p:cNvSpPr txBox="1"/>
-          <p:nvPr/>
-        </p:nvSpPr>
-        <p:spPr>
-          <a:xfrm>
-            <a:off x="6458323" y="5485226"/>
-            <a:ext cx="301840" cy="523220"/>
-          </a:xfrm>
-          <a:prstGeom prst="rect">
-            <a:avLst/>
-          </a:prstGeom>
-          <a:noFill/>
-        </p:spPr>
-        <p:txBody>
-          <a:bodyPr wrap="square" rtlCol="0">
-            <a:spAutoFit/>
-          </a:bodyPr>
-          <a:lstStyle/>
-          <a:p>
-            <a:r>
-              <a:rPr lang="pt-PT" sz="2800" b="1" dirty="0"/>
-              <a:t>(</a:t>
-            </a:r>
-          </a:p>
-        </p:txBody>
-      </p:sp>
-      <p:sp>
-        <p:nvSpPr>
-          <p:cNvPr id="67" name="CaixaDeTexto 66">
-            <a:extLst>
-              <a:ext uri="{FF2B5EF4-FFF2-40B4-BE49-F238E27FC236}">
-                <a16:creationId xmlns:a16="http://schemas.microsoft.com/office/drawing/2014/main" id="{79E715E7-B776-4B0F-8C54-5A0B2A065074}"/>
-              </a:ext>
-            </a:extLst>
-          </p:cNvPr>
-          <p:cNvSpPr txBox="1"/>
-          <p:nvPr/>
-        </p:nvSpPr>
-        <p:spPr>
-          <a:xfrm>
-            <a:off x="3263642" y="6169767"/>
-            <a:ext cx="301840" cy="523220"/>
-          </a:xfrm>
-          <a:prstGeom prst="rect">
-            <a:avLst/>
-          </a:prstGeom>
-          <a:noFill/>
-        </p:spPr>
-        <p:txBody>
-          <a:bodyPr wrap="square" rtlCol="0">
-            <a:spAutoFit/>
-          </a:bodyPr>
-          <a:lstStyle/>
-          <a:p>
-            <a:r>
-              <a:rPr lang="pt-PT" sz="2800" b="1" dirty="0"/>
-              <a:t>(</a:t>
-            </a:r>
-          </a:p>
-        </p:txBody>
-      </p:sp>
-      <p:sp>
-        <p:nvSpPr>
-          <p:cNvPr id="68" name="CaixaDeTexto 67">
-            <a:extLst>
-              <a:ext uri="{FF2B5EF4-FFF2-40B4-BE49-F238E27FC236}">
-                <a16:creationId xmlns:a16="http://schemas.microsoft.com/office/drawing/2014/main" id="{27C9FC8B-5C83-4087-AE7C-EB9ACD8E5234}"/>
-              </a:ext>
-            </a:extLst>
-          </p:cNvPr>
-          <p:cNvSpPr txBox="1"/>
-          <p:nvPr/>
-        </p:nvSpPr>
-        <p:spPr>
-          <a:xfrm>
-            <a:off x="7240849" y="4792073"/>
-            <a:ext cx="301840" cy="523220"/>
-          </a:xfrm>
-          <a:prstGeom prst="rect">
-            <a:avLst/>
-          </a:prstGeom>
-          <a:noFill/>
-        </p:spPr>
-        <p:txBody>
-          <a:bodyPr wrap="square" rtlCol="0">
-            <a:spAutoFit/>
-          </a:bodyPr>
-          <a:lstStyle/>
-          <a:p>
-            <a:r>
-              <a:rPr lang="pt-PT" sz="2800" b="1" dirty="0"/>
-              <a:t>)</a:t>
-            </a:r>
-          </a:p>
-        </p:txBody>
-      </p:sp>
-      <p:sp>
-        <p:nvSpPr>
-          <p:cNvPr id="70" name="CaixaDeTexto 69">
-            <a:extLst>
-              <a:ext uri="{FF2B5EF4-FFF2-40B4-BE49-F238E27FC236}">
-                <a16:creationId xmlns:a16="http://schemas.microsoft.com/office/drawing/2014/main" id="{BACD8123-68F2-4A3C-BDB4-89B7D6D3EF47}"/>
-              </a:ext>
-            </a:extLst>
-          </p:cNvPr>
-          <p:cNvSpPr txBox="1"/>
-          <p:nvPr/>
-        </p:nvSpPr>
-        <p:spPr>
-          <a:xfrm>
-            <a:off x="8967303" y="5455584"/>
-            <a:ext cx="301840" cy="523220"/>
-          </a:xfrm>
-          <a:prstGeom prst="rect">
-            <a:avLst/>
-          </a:prstGeom>
-          <a:noFill/>
-        </p:spPr>
-        <p:txBody>
-          <a:bodyPr wrap="square" rtlCol="0">
-            <a:spAutoFit/>
-          </a:bodyPr>
-          <a:lstStyle/>
-          <a:p>
-            <a:r>
-              <a:rPr lang="pt-PT" sz="2800" b="1" dirty="0"/>
-              <a:t>)</a:t>
-            </a:r>
-          </a:p>
-        </p:txBody>
-      </p:sp>
-      <p:sp>
-        <p:nvSpPr>
-          <p:cNvPr id="71" name="CaixaDeTexto 70">
-            <a:extLst>
-              <a:ext uri="{FF2B5EF4-FFF2-40B4-BE49-F238E27FC236}">
-                <a16:creationId xmlns:a16="http://schemas.microsoft.com/office/drawing/2014/main" id="{4BEB11CD-41C3-448C-9F1C-3EA698D025A7}"/>
-              </a:ext>
-            </a:extLst>
-          </p:cNvPr>
-          <p:cNvSpPr txBox="1"/>
-          <p:nvPr/>
-        </p:nvSpPr>
-        <p:spPr>
-          <a:xfrm>
-            <a:off x="10074165" y="5469057"/>
-            <a:ext cx="301840" cy="523220"/>
-          </a:xfrm>
-          <a:prstGeom prst="rect">
-            <a:avLst/>
-          </a:prstGeom>
-          <a:noFill/>
-        </p:spPr>
-        <p:txBody>
-          <a:bodyPr wrap="square" rtlCol="0">
-            <a:spAutoFit/>
-          </a:bodyPr>
-          <a:lstStyle/>
-          <a:p>
-            <a:r>
-              <a:rPr lang="pt-PT" sz="2800" b="1" dirty="0"/>
-              <a:t>)</a:t>
-            </a:r>
-          </a:p>
-        </p:txBody>
-      </p:sp>
-      <p:sp>
-        <p:nvSpPr>
-          <p:cNvPr id="72" name="CaixaDeTexto 71">
-            <a:extLst>
-              <a:ext uri="{FF2B5EF4-FFF2-40B4-BE49-F238E27FC236}">
-                <a16:creationId xmlns:a16="http://schemas.microsoft.com/office/drawing/2014/main" id="{C9C43D7C-7BC3-41E7-B8D6-813F50879580}"/>
-              </a:ext>
-            </a:extLst>
-          </p:cNvPr>
-          <p:cNvSpPr txBox="1"/>
-          <p:nvPr/>
-        </p:nvSpPr>
-        <p:spPr>
-          <a:xfrm>
-            <a:off x="5889485" y="6124946"/>
-            <a:ext cx="301840" cy="523220"/>
-          </a:xfrm>
-          <a:prstGeom prst="rect">
-            <a:avLst/>
-          </a:prstGeom>
-          <a:noFill/>
-        </p:spPr>
-        <p:txBody>
-          <a:bodyPr wrap="square" rtlCol="0">
-            <a:spAutoFit/>
-          </a:bodyPr>
-          <a:lstStyle/>
-          <a:p>
-            <a:r>
-              <a:rPr lang="pt-PT" sz="2800" b="1" dirty="0"/>
-              <a:t>)</a:t>
-            </a:r>
-          </a:p>
-        </p:txBody>
-      </p:sp>
-      <p:sp>
-        <p:nvSpPr>
-          <p:cNvPr id="73" name="CaixaDeTexto 72">
-            <a:extLst>
-              <a:ext uri="{FF2B5EF4-FFF2-40B4-BE49-F238E27FC236}">
-                <a16:creationId xmlns:a16="http://schemas.microsoft.com/office/drawing/2014/main" id="{CC4D5054-E42C-412D-B2EC-59BE3A7D6AF1}"/>
-              </a:ext>
-            </a:extLst>
-          </p:cNvPr>
-          <p:cNvSpPr txBox="1"/>
-          <p:nvPr/>
-        </p:nvSpPr>
-        <p:spPr>
-          <a:xfrm>
-            <a:off x="6261678" y="5493142"/>
-            <a:ext cx="301840" cy="523220"/>
-          </a:xfrm>
-          <a:prstGeom prst="rect">
-            <a:avLst/>
-          </a:prstGeom>
-          <a:noFill/>
-        </p:spPr>
-        <p:txBody>
-          <a:bodyPr wrap="square" rtlCol="0">
-            <a:spAutoFit/>
-          </a:bodyPr>
-          <a:lstStyle/>
-          <a:p>
-            <a:r>
-              <a:rPr lang="pt-PT" sz="2800" b="1" dirty="0"/>
-              <a:t>-</a:t>
-            </a:r>
-          </a:p>
-        </p:txBody>
-      </p:sp>
-    </p:spTree>
-    <p:extLst>
-      <p:ext uri="{BB962C8B-B14F-4D97-AF65-F5344CB8AC3E}">
-        <p14:creationId xmlns:p14="http://schemas.microsoft.com/office/powerpoint/2010/main" val="3419934527"/>
-      </p:ext>
-    </p:extLst>
-  </p:cSld>
-  <p:clrMapOvr>
-    <a:masterClrMapping/>
-  </p:clrMapOvr>
-</p:sld>
-</file>
-
-<file path=ppt/slides/slide9.xml><?xml version="1.0" encoding="utf-8"?>
-<p:sld xmlns:a="http://schemas.openxmlformats.org/drawingml/2006/main" xmlns:r="http://schemas.openxmlformats.org/officeDocument/2006/relationships" xmlns:p="http://schemas.openxmlformats.org/presentationml/2006/main">
-  <p:cSld>
-    <p:spTree>
-      <p:nvGrpSpPr>
-        <p:cNvPr id="1" name=""/>
-        <p:cNvGrpSpPr/>
-        <p:nvPr/>
-      </p:nvGrpSpPr>
-      <p:grpSpPr>
-        <a:xfrm>
-          <a:off x="0" y="0"/>
-          <a:ext cx="0" cy="0"/>
-          <a:chOff x="0" y="0"/>
-          <a:chExt cx="0" cy="0"/>
-        </a:xfrm>
-      </p:grpSpPr>
-      <p:sp>
-        <p:nvSpPr>
-          <p:cNvPr id="3" name="Subtítulo 2">
-            <a:extLst>
-              <a:ext uri="{FF2B5EF4-FFF2-40B4-BE49-F238E27FC236}">
-                <a16:creationId xmlns:a16="http://schemas.microsoft.com/office/drawing/2014/main" id="{204348A3-19CC-4C5C-8645-C2F9F25F8CD5}"/>
-              </a:ext>
-            </a:extLst>
-          </p:cNvPr>
-          <p:cNvSpPr>
-            <a:spLocks noGrp="1"/>
-          </p:cNvSpPr>
-          <p:nvPr>
-            <p:ph type="subTitle" idx="1"/>
-          </p:nvPr>
-        </p:nvSpPr>
-        <p:spPr/>
-        <p:txBody>
-          <a:bodyPr/>
-          <a:lstStyle/>
-          <a:p>
-            <a:endParaRPr lang="pt-PT"/>
-          </a:p>
-        </p:txBody>
-      </p:sp>
-      <p:pic>
-        <p:nvPicPr>
-          <p:cNvPr id="7" name="Imagem 6">
-            <a:extLst>
-              <a:ext uri="{FF2B5EF4-FFF2-40B4-BE49-F238E27FC236}">
-                <a16:creationId xmlns:a16="http://schemas.microsoft.com/office/drawing/2014/main" id="{76C4170D-002F-418E-9062-DE2E371A20C6}"/>
-              </a:ext>
-            </a:extLst>
-          </p:cNvPr>
-          <p:cNvPicPr>
-            <a:picLocks noChangeAspect="1"/>
-          </p:cNvPicPr>
-          <p:nvPr/>
-        </p:nvPicPr>
-        <p:blipFill rotWithShape="1">
-          <a:blip r:embed="rId2">
-            <a:extLst>
-              <a:ext uri="{28A0092B-C50C-407E-A947-70E740481C1C}">
-                <a14:useLocalDpi xmlns:a14="http://schemas.microsoft.com/office/drawing/2010/main" val="0"/>
-              </a:ext>
-            </a:extLst>
-          </a:blip>
-          <a:srcRect t="65227" b="-64"/>
-          <a:stretch/>
-        </p:blipFill>
-        <p:spPr>
-          <a:xfrm>
-            <a:off x="-1" y="0"/>
-            <a:ext cx="12192001" cy="2387600"/>
-          </a:xfrm>
-          <a:prstGeom prst="rect">
-            <a:avLst/>
-          </a:prstGeom>
-        </p:spPr>
-      </p:pic>
-      <mc:AlternateContent xmlns:mc="http://schemas.openxmlformats.org/markup-compatibility/2006">
-        <mc:Choice xmlns:a14="http://schemas.microsoft.com/office/drawing/2010/main" Requires="a14">
-          <p:sp>
-            <p:nvSpPr>
-              <p:cNvPr id="8" name="Retângulo 7">
-                <a:extLst>
-                  <a:ext uri="{FF2B5EF4-FFF2-40B4-BE49-F238E27FC236}">
-                    <a16:creationId xmlns:a16="http://schemas.microsoft.com/office/drawing/2014/main" id="{CDC96F03-396E-41AB-9D90-137278306F7A}"/>
-                  </a:ext>
-                </a:extLst>
-              </p:cNvPr>
-              <p:cNvSpPr/>
-              <p:nvPr/>
-            </p:nvSpPr>
-            <p:spPr>
-              <a:xfrm>
-                <a:off x="0" y="2387600"/>
-                <a:ext cx="12192000" cy="4470400"/>
-              </a:xfrm>
-              <a:prstGeom prst="rect">
-                <a:avLst/>
-              </a:prstGeom>
-              <a:solidFill>
-                <a:srgbClr val="FFFFFF"/>
-              </a:solidFill>
-              <a:ln>
-                <a:noFill/>
-              </a:ln>
-            </p:spPr>
-            <p:style>
-              <a:lnRef idx="2">
-                <a:schemeClr val="accent1">
-                  <a:shade val="50000"/>
-                </a:schemeClr>
-              </a:lnRef>
-              <a:fillRef idx="1">
-                <a:schemeClr val="accent1"/>
-              </a:fillRef>
-              <a:effectRef idx="0">
-                <a:schemeClr val="accent1"/>
-              </a:effectRef>
-              <a:fontRef idx="minor">
-                <a:schemeClr val="lt1"/>
-              </a:fontRef>
-            </p:style>
-            <p:txBody>
-              <a:bodyPr rtlCol="0" anchor="t"/>
-              <a:lstStyle/>
-              <a:p>
-                <a:pPr marL="571500" indent="-571500">
-                  <a:buFont typeface="Arial" panose="020B0604020202020204" pitchFamily="34" charset="0"/>
-                  <a:buChar char="•"/>
-                </a:pPr>
-                <a:r>
-                  <a:rPr lang="pt-PT" sz="4000" dirty="0">
-                    <a:solidFill>
-                      <a:srgbClr val="00B050"/>
-                    </a:solidFill>
-                    <a:latin typeface="Retro Gaming" panose="00000400000000000000" pitchFamily="2" charset="0"/>
-                  </a:rPr>
-                  <a:t>ATAQUE ESPECIAL DO HERÓI</a:t>
-                </a:r>
-              </a:p>
-              <a:p>
-                <a14:m>
-                  <m:oMathPara xmlns:m="http://schemas.openxmlformats.org/officeDocument/2006/math">
-                    <m:oMathParaPr>
-                      <m:jc m:val="centerGroup"/>
-                    </m:oMathParaPr>
-                    <m:oMath xmlns:m="http://schemas.openxmlformats.org/officeDocument/2006/math">
-                      <m:r>
-                        <a:rPr lang="pt-PT" i="1"/>
-                        <m:t>𝑓</m:t>
-                      </m:r>
-                      <m:d>
-                        <m:dPr>
-                          <m:ctrlPr>
-                            <a:rPr lang="pt-PT" i="1"/>
-                          </m:ctrlPr>
-                        </m:dPr>
-                        <m:e>
-                          <m:r>
-                            <a:rPr lang="pt-PT" i="1"/>
-                            <m:t>𝑥</m:t>
-                          </m:r>
-                        </m:e>
-                      </m:d>
-                      <m:r>
-                        <a:rPr lang="pt-PT" i="1"/>
-                        <m:t>= </m:t>
-                      </m:r>
-                      <m:d>
-                        <m:dPr>
-                          <m:begChr m:val="{"/>
-                          <m:endChr m:val=""/>
-                          <m:ctrlPr>
-                            <a:rPr lang="pt-PT" i="1"/>
-                          </m:ctrlPr>
-                        </m:dPr>
-                        <m:e>
-                          <m:eqArr>
-                            <m:eqArrPr>
-                              <m:ctrlPr>
-                                <a:rPr lang="pt-PT" i="1"/>
-                              </m:ctrlPr>
-                            </m:eqArrPr>
-                            <m:e>
-                              <m:sSup>
-                                <m:sSupPr>
-                                  <m:ctrlPr>
-                                    <a:rPr lang="pt-PT" i="1"/>
-                                  </m:ctrlPr>
-                                </m:sSupPr>
-                                <m:e>
-                                  <m:r>
-                                    <a:rPr lang="pt-PT" i="1"/>
-                                    <m:t>1</m:t>
-                                  </m:r>
-                                </m:e>
-                                <m:sup>
-                                  <m:r>
-                                    <a:rPr lang="pt-PT" i="1"/>
-                                    <m:t>−2</m:t>
-                                  </m:r>
-                                </m:sup>
-                              </m:sSup>
-                              <m:r>
-                                <a:rPr lang="pt-PT" i="1"/>
-                                <m:t>𝑥</m:t>
-                              </m:r>
-                              <m:sSup>
-                                <m:sSupPr>
-                                  <m:ctrlPr>
-                                    <a:rPr lang="pt-PT" i="1"/>
-                                  </m:ctrlPr>
-                                </m:sSupPr>
-                                <m:e>
-                                  <m:r>
-                                    <a:rPr lang="pt-PT" i="1"/>
-                                    <m:t>𝑒</m:t>
-                                  </m:r>
-                                </m:e>
-                                <m:sup>
-                                  <m:r>
-                                    <a:rPr lang="pt-PT" i="1"/>
-                                    <m:t>−</m:t>
-                                  </m:r>
-                                  <m:r>
-                                    <a:rPr lang="pt-PT" i="1"/>
-                                    <m:t>𝑥</m:t>
-                                  </m:r>
-                                </m:sup>
-                              </m:sSup>
-                              <m:r>
-                                <a:rPr lang="pt-PT" i="1"/>
-                                <m:t> ,   </m:t>
-                              </m:r>
-                              <m:r>
-                                <a:rPr lang="pt-PT" i="1"/>
-                                <m:t>𝑥</m:t>
-                              </m:r>
-                              <m:r>
-                                <a:rPr lang="pt-PT" i="1"/>
-                                <m:t>&gt;2</m:t>
-                              </m:r>
-                            </m:e>
-                            <m:e>
-                              <m:r>
-                                <a:rPr lang="pt-PT" i="1"/>
-                                <m:t>0,         </m:t>
-                              </m:r>
-                              <m:r>
-                                <a:rPr lang="pt-PT" i="1"/>
-                                <m:t>𝑥</m:t>
-                              </m:r>
-                              <m:r>
-                                <a:rPr lang="pt-PT" i="1"/>
-                                <m:t>≤2          </m:t>
-                              </m:r>
-                            </m:e>
-                          </m:eqArr>
-                        </m:e>
-                      </m:d>
-                    </m:oMath>
-                  </m:oMathPara>
-                </a14:m>
-                <a:endParaRPr lang="pt-PT" dirty="0"/>
-              </a:p>
-              <a:p>
-                <a:endParaRPr lang="pt-PT" sz="4000" dirty="0">
-                  <a:solidFill>
-                    <a:srgbClr val="00B050"/>
-                  </a:solidFill>
-                  <a:latin typeface="Retro Gaming" panose="00000400000000000000" pitchFamily="2" charset="0"/>
-                </a:endParaRPr>
-              </a:p>
-            </p:txBody>
-          </p:sp>
-        </mc:Choice>
-        <mc:Fallback>
-          <p:sp>
-            <p:nvSpPr>
-              <p:cNvPr id="8" name="Retângulo 7">
-                <a:extLst>
-                  <a:ext uri="{FF2B5EF4-FFF2-40B4-BE49-F238E27FC236}">
-                    <a16:creationId xmlns:a16="http://schemas.microsoft.com/office/drawing/2014/main" id="{CDC96F03-396E-41AB-9D90-137278306F7A}"/>
-                  </a:ext>
-                </a:extLst>
-              </p:cNvPr>
-              <p:cNvSpPr>
-                <a:spLocks noRot="1" noChangeAspect="1" noMove="1" noResize="1" noEditPoints="1" noAdjustHandles="1" noChangeArrowheads="1" noChangeShapeType="1" noTextEdit="1"/>
-              </p:cNvSpPr>
-              <p:nvPr/>
-            </p:nvSpPr>
-            <p:spPr>
-              <a:xfrm>
-                <a:off x="0" y="2387600"/>
-                <a:ext cx="12192000" cy="4470400"/>
-              </a:xfrm>
-              <a:prstGeom prst="rect">
-                <a:avLst/>
-              </a:prstGeom>
-              <a:blipFill>
-                <a:blip r:embed="rId3"/>
-                <a:stretch>
-                  <a:fillRect l="-1600" t="-2319"/>
-                </a:stretch>
-              </a:blipFill>
-              <a:ln>
-                <a:noFill/>
-              </a:ln>
-            </p:spPr>
-            <p:txBody>
-              <a:bodyPr/>
-              <a:lstStyle/>
-              <a:p>
-                <a:r>
-                  <a:rPr lang="pt-PT">
-                    <a:noFill/>
-                  </a:rPr>
-                  <a:t> </a:t>
-                </a:r>
-              </a:p>
-            </p:txBody>
-          </p:sp>
-        </mc:Fallback>
-      </mc:AlternateContent>
-      <mc:AlternateContent xmlns:mc="http://schemas.openxmlformats.org/markup-compatibility/2006">
-        <mc:Choice xmlns:a14="http://schemas.microsoft.com/office/drawing/2010/main" Requires="a14">
-          <p:sp>
-            <p:nvSpPr>
-              <p:cNvPr id="4" name="Retângulo 3">
-                <a:extLst>
-                  <a:ext uri="{FF2B5EF4-FFF2-40B4-BE49-F238E27FC236}">
-                    <a16:creationId xmlns:a16="http://schemas.microsoft.com/office/drawing/2014/main" id="{826CD139-7F1F-48E9-B653-327FB9D1A14F}"/>
-                  </a:ext>
-                </a:extLst>
-              </p:cNvPr>
-              <p:cNvSpPr/>
-              <p:nvPr/>
-            </p:nvSpPr>
-            <p:spPr>
-              <a:xfrm>
-                <a:off x="1726269" y="4622800"/>
-                <a:ext cx="2866041" cy="686342"/>
-              </a:xfrm>
-              <a:prstGeom prst="rect">
-                <a:avLst/>
-              </a:prstGeom>
-            </p:spPr>
-            <p:txBody>
-              <a:bodyPr wrap="none">
-                <a:spAutoFit/>
-              </a:bodyPr>
-              <a:lstStyle/>
-              <a:p>
-                <a14:m>
-                  <m:oMathPara xmlns:m="http://schemas.openxmlformats.org/officeDocument/2006/math">
-                    <m:oMathParaPr>
-                      <m:jc m:val="centerGroup"/>
-                    </m:oMathParaPr>
-                    <m:oMath xmlns:m="http://schemas.openxmlformats.org/officeDocument/2006/math">
-                      <m:r>
-                        <a:rPr lang="pt-PT" i="1"/>
-                        <m:t>𝑓</m:t>
-                      </m:r>
-                      <m:d>
-                        <m:dPr>
-                          <m:ctrlPr>
-                            <a:rPr lang="pt-PT" i="1"/>
-                          </m:ctrlPr>
-                        </m:dPr>
-                        <m:e>
-                          <m:r>
-                            <a:rPr lang="pt-PT" i="1"/>
-                            <m:t>𝑥</m:t>
-                          </m:r>
-                        </m:e>
-                      </m:d>
-                      <m:r>
-                        <a:rPr lang="pt-PT" i="1"/>
-                        <m:t>=</m:t>
-                      </m:r>
-                      <m:sSup>
-                        <m:sSupPr>
-                          <m:ctrlPr>
-                            <a:rPr lang="pt-PT" i="1"/>
-                          </m:ctrlPr>
-                        </m:sSupPr>
-                        <m:e>
-                          <m:d>
-                            <m:dPr>
-                              <m:ctrlPr>
-                                <a:rPr lang="pt-PT" i="1"/>
-                              </m:ctrlPr>
-                            </m:dPr>
-                            <m:e>
-                              <m:r>
-                                <a:rPr lang="pt-PT" i="1"/>
-                                <m:t>1−</m:t>
-                              </m:r>
-                              <m:r>
-                                <a:rPr lang="pt-PT"/>
-                                <m:t>0,65</m:t>
-                              </m:r>
-                            </m:e>
-                          </m:d>
-                        </m:e>
-                        <m:sup>
-                          <m:r>
-                            <a:rPr lang="pt-PT" i="1"/>
-                            <m:t>1−</m:t>
-                          </m:r>
-                          <m:r>
-                            <a:rPr lang="pt-PT" i="1"/>
-                            <m:t>𝑥</m:t>
-                          </m:r>
-                        </m:sup>
-                      </m:sSup>
-                      <m:r>
-                        <a:rPr lang="pt-PT" i="1"/>
-                        <m:t>.</m:t>
-                      </m:r>
-                      <m:r>
-                        <a:rPr lang="pt-PT"/>
-                        <m:t>0,65</m:t>
-                      </m:r>
-                    </m:oMath>
-                  </m:oMathPara>
-                </a14:m>
-                <a:endParaRPr lang="pt-PT" dirty="0"/>
-              </a:p>
-              <a:p>
-                <a14:m>
-                  <m:oMathPara xmlns:m="http://schemas.openxmlformats.org/officeDocument/2006/math">
-                    <m:oMathParaPr>
-                      <m:jc m:val="centerGroup"/>
-                    </m:oMathParaPr>
-                    <m:oMath xmlns:m="http://schemas.openxmlformats.org/officeDocument/2006/math">
-                      <m:r>
-                        <m:rPr>
-                          <m:nor/>
-                        </m:rPr>
-                        <a:rPr lang="pt-PT"/>
-                        <m:t> </m:t>
-                      </m:r>
-                    </m:oMath>
-                  </m:oMathPara>
-                </a14:m>
-                <a:endParaRPr lang="pt-PT" dirty="0"/>
-              </a:p>
-            </p:txBody>
-          </p:sp>
-        </mc:Choice>
-        <mc:Fallback>
-          <p:sp>
-            <p:nvSpPr>
-              <p:cNvPr id="4" name="Retângulo 3">
-                <a:extLst>
-                  <a:ext uri="{FF2B5EF4-FFF2-40B4-BE49-F238E27FC236}">
-                    <a16:creationId xmlns:a16="http://schemas.microsoft.com/office/drawing/2014/main" id="{826CD139-7F1F-48E9-B653-327FB9D1A14F}"/>
-                  </a:ext>
-                </a:extLst>
-              </p:cNvPr>
-              <p:cNvSpPr>
-                <a:spLocks noRot="1" noChangeAspect="1" noMove="1" noResize="1" noEditPoints="1" noAdjustHandles="1" noChangeArrowheads="1" noChangeShapeType="1" noTextEdit="1"/>
-              </p:cNvSpPr>
-              <p:nvPr/>
-            </p:nvSpPr>
-            <p:spPr>
-              <a:xfrm>
-                <a:off x="1726269" y="4622800"/>
-                <a:ext cx="2866041" cy="686342"/>
-              </a:xfrm>
-              <a:prstGeom prst="rect">
-                <a:avLst/>
-              </a:prstGeom>
-              <a:blipFill>
-                <a:blip r:embed="rId4"/>
-                <a:stretch>
-                  <a:fillRect/>
-                </a:stretch>
-              </a:blipFill>
-            </p:spPr>
-            <p:txBody>
-              <a:bodyPr/>
-              <a:lstStyle/>
-              <a:p>
-                <a:r>
-                  <a:rPr lang="pt-PT">
-                    <a:noFill/>
-                  </a:rPr>
-                  <a:t> </a:t>
-                </a:r>
-              </a:p>
-            </p:txBody>
-          </p:sp>
-        </mc:Fallback>
-      </mc:AlternateContent>
-      <p:graphicFrame>
-        <p:nvGraphicFramePr>
-          <p:cNvPr id="10" name="Gráfico 9">
-            <a:extLst>
-              <a:ext uri="{FF2B5EF4-FFF2-40B4-BE49-F238E27FC236}">
-                <a16:creationId xmlns:a16="http://schemas.microsoft.com/office/drawing/2014/main" id="{AA215547-E4B8-4389-9EDE-DD0F6B4990F7}"/>
-              </a:ext>
-            </a:extLst>
-          </p:cNvPr>
-          <p:cNvGraphicFramePr/>
-          <p:nvPr>
-            <p:extLst>
-              <p:ext uri="{D42A27DB-BD31-4B8C-83A1-F6EECF244321}">
-                <p14:modId xmlns:p14="http://schemas.microsoft.com/office/powerpoint/2010/main" val="1969275266"/>
-              </p:ext>
-            </p:extLst>
-          </p:nvPr>
-        </p:nvGraphicFramePr>
-        <p:xfrm>
-          <a:off x="6318579" y="3255962"/>
-          <a:ext cx="5478186" cy="3275467"/>
-        </p:xfrm>
-        <a:graphic>
-          <a:graphicData uri="http://schemas.openxmlformats.org/drawingml/2006/chart">
-            <c:chart xmlns:c="http://schemas.openxmlformats.org/drawingml/2006/chart" xmlns:r="http://schemas.openxmlformats.org/officeDocument/2006/relationships" r:id="rId5"/>
-          </a:graphicData>
-        </a:graphic>
-      </p:graphicFrame>
-    </p:spTree>
-    <p:extLst>
-      <p:ext uri="{BB962C8B-B14F-4D97-AF65-F5344CB8AC3E}">
-        <p14:creationId xmlns:p14="http://schemas.microsoft.com/office/powerpoint/2010/main" val="2661554164"/>
       </p:ext>
     </p:extLst>
   </p:cSld>
@@ -12685,15 +12933,6 @@
 </file>
 
 <file path=customXml/item2.xml><?xml version="1.0" encoding="utf-8"?>
-<?mso-contentType ?>
-<FormTemplates xmlns="http://schemas.microsoft.com/sharepoint/v3/contenttype/forms">
-  <Display>DocumentLibraryForm</Display>
-  <Edit>DocumentLibraryForm</Edit>
-  <New>DocumentLibraryForm</New>
-</FormTemplates>
-</file>
-
-<file path=customXml/item3.xml><?xml version="1.0" encoding="utf-8"?>
 <ct:contentTypeSchema xmlns:ct="http://schemas.microsoft.com/office/2006/metadata/contentType" xmlns:ma="http://schemas.microsoft.com/office/2006/metadata/properties/metaAttributes" ct:_="" ma:_="" ma:contentTypeName="Documento" ma:contentTypeID="0x010100B9AAACC13841E341809AF6A5FBE39D79" ma:contentTypeVersion="7" ma:contentTypeDescription="Criar um novo documento." ma:contentTypeScope="" ma:versionID="427dde8128e125fc06ecaf22fa85e5b3">
   <xsd:schema xmlns:xsd="http://www.w3.org/2001/XMLSchema" xmlns:xs="http://www.w3.org/2001/XMLSchema" xmlns:p="http://schemas.microsoft.com/office/2006/metadata/properties" xmlns:ns3="a0a5ad18-dbe8-42e3-825e-ce251ff9aa6f" targetNamespace="http://schemas.microsoft.com/office/2006/metadata/properties" ma:root="true" ma:fieldsID="12c1f815a11a1a921e5ebdd482b71ba5" ns3:_="">
     <xsd:import namespace="a0a5ad18-dbe8-42e3-825e-ce251ff9aa6f"/>
@@ -12857,6 +13096,15 @@
 </ct:contentTypeSchema>
 </file>
 
+<file path=customXml/item3.xml><?xml version="1.0" encoding="utf-8"?>
+<?mso-contentType ?>
+<FormTemplates xmlns="http://schemas.microsoft.com/sharepoint/v3/contenttype/forms">
+  <Display>DocumentLibraryForm</Display>
+  <Edit>DocumentLibraryForm</Edit>
+  <New>DocumentLibraryForm</New>
+</FormTemplates>
+</file>
+
 <file path=customXml/itemProps1.xml><?xml version="1.0" encoding="utf-8"?>
 <ds:datastoreItem xmlns:ds="http://schemas.openxmlformats.org/officeDocument/2006/customXml" ds:itemID="{BF8F676A-C4DA-4AA2-A674-9ED029534088}">
   <ds:schemaRefs>
@@ -12867,14 +13115,6 @@
 </file>
 
 <file path=customXml/itemProps2.xml><?xml version="1.0" encoding="utf-8"?>
-<ds:datastoreItem xmlns:ds="http://schemas.openxmlformats.org/officeDocument/2006/customXml" ds:itemID="{D3B4F939-F5AF-4D0A-9185-6269B57343D6}">
-  <ds:schemaRefs>
-    <ds:schemaRef ds:uri="http://schemas.microsoft.com/sharepoint/v3/contenttype/forms"/>
-  </ds:schemaRefs>
-</ds:datastoreItem>
-</file>
-
-<file path=customXml/itemProps3.xml><?xml version="1.0" encoding="utf-8"?>
 <ds:datastoreItem xmlns:ds="http://schemas.openxmlformats.org/officeDocument/2006/customXml" ds:itemID="{49AAFE79-5ABB-4F1E-8251-2E645DAAE849}">
   <ds:schemaRefs>
     <ds:schemaRef ds:uri="http://schemas.microsoft.com/office/2006/metadata/contentType"/>
@@ -12890,4 +13130,12 @@
     <ds:schemaRef ds:uri="http://schemas.microsoft.com/internal/obd"/>
   </ds:schemaRefs>
 </ds:datastoreItem>
+</file>
+
+<file path=customXml/itemProps3.xml><?xml version="1.0" encoding="utf-8"?>
+<ds:datastoreItem xmlns:ds="http://schemas.openxmlformats.org/officeDocument/2006/customXml" ds:itemID="{D3B4F939-F5AF-4D0A-9185-6269B57343D6}">
+  <ds:schemaRefs>
+    <ds:schemaRef ds:uri="http://schemas.microsoft.com/sharepoint/v3/contenttype/forms"/>
+  </ds:schemaRefs>
+</ds:datastoreItem>
 </file>
--- a/PowerPointFinal/Apresentação.pptx
+++ b/PowerPointFinal/Apresentação.pptx
@@ -8,8 +8,8 @@
     <p:sldId id="256" r:id="rId5"/>
     <p:sldId id="257" r:id="rId6"/>
     <p:sldId id="258" r:id="rId7"/>
-    <p:sldId id="262" r:id="rId8"/>
-    <p:sldId id="260" r:id="rId9"/>
+    <p:sldId id="260" r:id="rId8"/>
+    <p:sldId id="262" r:id="rId9"/>
     <p:sldId id="261" r:id="rId10"/>
     <p:sldId id="259" r:id="rId11"/>
     <p:sldId id="263" r:id="rId12"/>
@@ -123,17 +123,25 @@
 <pc:chgInfo xmlns:a="http://schemas.openxmlformats.org/drawingml/2006/main" xmlns:r="http://schemas.openxmlformats.org/officeDocument/2006/relationships" xmlns:ac="http://schemas.microsoft.com/office/drawing/2013/main/command" xmlns:pc="http://schemas.microsoft.com/office/powerpoint/2013/main/command">
   <pc:docChgLst>
     <pc:chgData name="Daniel Filipe Gonçalves" userId="74e986df-189c-436d-a9a0-87d3a9e2574d" providerId="ADAL" clId="{4BBBAAD5-3280-42AC-A90B-E2611A1238AC}"/>
-    <pc:docChg chg="undo delSld modSld sldOrd">
-      <pc:chgData name="Daniel Filipe Gonçalves" userId="74e986df-189c-436d-a9a0-87d3a9e2574d" providerId="ADAL" clId="{4BBBAAD5-3280-42AC-A90B-E2611A1238AC}" dt="2019-12-08T23:23:28.096" v="80"/>
+    <pc:docChg chg="undo custSel delSld modSld sldOrd">
+      <pc:chgData name="Daniel Filipe Gonçalves" userId="74e986df-189c-436d-a9a0-87d3a9e2574d" providerId="ADAL" clId="{4BBBAAD5-3280-42AC-A90B-E2611A1238AC}" dt="2019-12-14T19:38:21.122" v="1011" actId="20577"/>
       <pc:docMkLst>
         <pc:docMk/>
       </pc:docMkLst>
-      <pc:sldChg chg="addSp modSp">
-        <pc:chgData name="Daniel Filipe Gonçalves" userId="74e986df-189c-436d-a9a0-87d3a9e2574d" providerId="ADAL" clId="{4BBBAAD5-3280-42AC-A90B-E2611A1238AC}" dt="2019-12-08T23:08:30.512" v="7" actId="1076"/>
+      <pc:sldChg chg="addSp delSp modSp">
+        <pc:chgData name="Daniel Filipe Gonçalves" userId="74e986df-189c-436d-a9a0-87d3a9e2574d" providerId="ADAL" clId="{4BBBAAD5-3280-42AC-A90B-E2611A1238AC}" dt="2019-12-14T19:38:06.897" v="1009" actId="478"/>
         <pc:sldMkLst>
           <pc:docMk/>
           <pc:sldMk cId="3326355777" sldId="256"/>
         </pc:sldMkLst>
+        <pc:spChg chg="add del mod">
+          <ac:chgData name="Daniel Filipe Gonçalves" userId="74e986df-189c-436d-a9a0-87d3a9e2574d" providerId="ADAL" clId="{4BBBAAD5-3280-42AC-A90B-E2611A1238AC}" dt="2019-12-14T19:35:31.203" v="1005"/>
+          <ac:spMkLst>
+            <pc:docMk/>
+            <pc:sldMk cId="3326355777" sldId="256"/>
+            <ac:spMk id="4" creationId="{3477E326-76EF-4A25-9E6F-DA08A6963163}"/>
+          </ac:spMkLst>
+        </pc:spChg>
         <pc:picChg chg="add mod">
           <ac:chgData name="Daniel Filipe Gonçalves" userId="74e986df-189c-436d-a9a0-87d3a9e2574d" providerId="ADAL" clId="{4BBBAAD5-3280-42AC-A90B-E2611A1238AC}" dt="2019-12-08T23:08:30.512" v="7" actId="1076"/>
           <ac:picMkLst>
@@ -150,13 +158,60 @@
             <ac:picMk id="10" creationId="{82B00F5F-BAE2-4D88-9C1D-F5029F850FE1}"/>
           </ac:picMkLst>
         </pc:picChg>
+        <pc:picChg chg="add del">
+          <ac:chgData name="Daniel Filipe Gonçalves" userId="74e986df-189c-436d-a9a0-87d3a9e2574d" providerId="ADAL" clId="{4BBBAAD5-3280-42AC-A90B-E2611A1238AC}" dt="2019-12-14T19:38:06.897" v="1009" actId="478"/>
+          <ac:picMkLst>
+            <pc:docMk/>
+            <pc:sldMk cId="3326355777" sldId="256"/>
+            <ac:picMk id="1028" creationId="{E66EB650-4EFE-49F4-8EF0-110CB0D5F865}"/>
+          </ac:picMkLst>
+        </pc:picChg>
+        <pc:picChg chg="add del mod">
+          <ac:chgData name="Daniel Filipe Gonçalves" userId="74e986df-189c-436d-a9a0-87d3a9e2574d" providerId="ADAL" clId="{4BBBAAD5-3280-42AC-A90B-E2611A1238AC}" dt="2019-12-14T19:38:06.216" v="1008"/>
+          <ac:picMkLst>
+            <pc:docMk/>
+            <pc:sldMk cId="3326355777" sldId="256"/>
+            <ac:picMk id="2050" creationId="{3F1FD83F-B852-4D70-A6B0-2BC57040295A}"/>
+          </ac:picMkLst>
+        </pc:picChg>
       </pc:sldChg>
-      <pc:sldChg chg="delSp modSp">
-        <pc:chgData name="Daniel Filipe Gonçalves" userId="74e986df-189c-436d-a9a0-87d3a9e2574d" providerId="ADAL" clId="{4BBBAAD5-3280-42AC-A90B-E2611A1238AC}" dt="2019-12-08T23:14:17.725" v="75" actId="1076"/>
+      <pc:sldChg chg="modSp">
+        <pc:chgData name="Daniel Filipe Gonçalves" userId="74e986df-189c-436d-a9a0-87d3a9e2574d" providerId="ADAL" clId="{4BBBAAD5-3280-42AC-A90B-E2611A1238AC}" dt="2019-12-14T19:38:21.122" v="1011" actId="20577"/>
+        <pc:sldMkLst>
+          <pc:docMk/>
+          <pc:sldMk cId="2381215026" sldId="257"/>
+        </pc:sldMkLst>
+        <pc:spChg chg="mod">
+          <ac:chgData name="Daniel Filipe Gonçalves" userId="74e986df-189c-436d-a9a0-87d3a9e2574d" providerId="ADAL" clId="{4BBBAAD5-3280-42AC-A90B-E2611A1238AC}" dt="2019-12-14T19:38:21.122" v="1011" actId="20577"/>
+          <ac:spMkLst>
+            <pc:docMk/>
+            <pc:sldMk cId="2381215026" sldId="257"/>
+            <ac:spMk id="8" creationId="{CDC96F03-396E-41AB-9D90-137278306F7A}"/>
+          </ac:spMkLst>
+        </pc:spChg>
+      </pc:sldChg>
+      <pc:sldChg chg="addSp delSp modSp">
+        <pc:chgData name="Daniel Filipe Gonçalves" userId="74e986df-189c-436d-a9a0-87d3a9e2574d" providerId="ADAL" clId="{4BBBAAD5-3280-42AC-A90B-E2611A1238AC}" dt="2019-12-14T19:30:44.273" v="988" actId="1076"/>
         <pc:sldMkLst>
           <pc:docMk/>
           <pc:sldMk cId="3419934527" sldId="258"/>
         </pc:sldMkLst>
+        <pc:spChg chg="del">
+          <ac:chgData name="Daniel Filipe Gonçalves" userId="74e986df-189c-436d-a9a0-87d3a9e2574d" providerId="ADAL" clId="{4BBBAAD5-3280-42AC-A90B-E2611A1238AC}" dt="2019-12-14T16:51:24.128" v="81" actId="478"/>
+          <ac:spMkLst>
+            <pc:docMk/>
+            <pc:sldMk cId="3419934527" sldId="258"/>
+            <ac:spMk id="39" creationId="{AB94460C-AA55-4FBD-86C2-6F09FD260FF0}"/>
+          </ac:spMkLst>
+        </pc:spChg>
+        <pc:spChg chg="add mod">
+          <ac:chgData name="Daniel Filipe Gonçalves" userId="74e986df-189c-436d-a9a0-87d3a9e2574d" providerId="ADAL" clId="{4BBBAAD5-3280-42AC-A90B-E2611A1238AC}" dt="2019-12-14T16:51:33.558" v="83" actId="1076"/>
+          <ac:spMkLst>
+            <pc:docMk/>
+            <pc:sldMk cId="3419934527" sldId="258"/>
+            <ac:spMk id="60" creationId="{D46B487C-FBBB-46D2-9231-D0CA638DC7BE}"/>
+          </ac:spMkLst>
+        </pc:spChg>
         <pc:spChg chg="del">
           <ac:chgData name="Daniel Filipe Gonçalves" userId="74e986df-189c-436d-a9a0-87d3a9e2574d" providerId="ADAL" clId="{4BBBAAD5-3280-42AC-A90B-E2611A1238AC}" dt="2019-12-08T23:14:15.238" v="74" actId="478"/>
           <ac:spMkLst>
@@ -165,6 +220,14 @@
             <ac:spMk id="62" creationId="{178B92E8-1353-42F1-8962-8679B6D971AA}"/>
           </ac:spMkLst>
         </pc:spChg>
+        <pc:picChg chg="mod">
+          <ac:chgData name="Daniel Filipe Gonçalves" userId="74e986df-189c-436d-a9a0-87d3a9e2574d" providerId="ADAL" clId="{4BBBAAD5-3280-42AC-A90B-E2611A1238AC}" dt="2019-12-14T19:30:44.273" v="988" actId="1076"/>
+          <ac:picMkLst>
+            <pc:docMk/>
+            <pc:sldMk cId="3419934527" sldId="258"/>
+            <ac:picMk id="7" creationId="{76C4170D-002F-418E-9062-DE2E371A20C6}"/>
+          </ac:picMkLst>
+        </pc:picChg>
         <pc:picChg chg="del">
           <ac:chgData name="Daniel Filipe Gonçalves" userId="74e986df-189c-436d-a9a0-87d3a9e2574d" providerId="ADAL" clId="{4BBBAAD5-3280-42AC-A90B-E2611A1238AC}" dt="2019-12-08T23:14:15.238" v="74" actId="478"/>
           <ac:picMkLst>
@@ -182,20 +245,249 @@
           </ac:picMkLst>
         </pc:picChg>
       </pc:sldChg>
-      <pc:sldChg chg="modSp">
-        <pc:chgData name="Daniel Filipe Gonçalves" userId="74e986df-189c-436d-a9a0-87d3a9e2574d" providerId="ADAL" clId="{4BBBAAD5-3280-42AC-A90B-E2611A1238AC}" dt="2019-12-08T23:23:08.028" v="79" actId="20577"/>
+      <pc:sldChg chg="addSp delSp modSp mod">
+        <pc:chgData name="Daniel Filipe Gonçalves" userId="74e986df-189c-436d-a9a0-87d3a9e2574d" providerId="ADAL" clId="{4BBBAAD5-3280-42AC-A90B-E2611A1238AC}" dt="2019-12-14T19:30:09.027" v="964" actId="20577"/>
         <pc:sldMkLst>
           <pc:docMk/>
           <pc:sldMk cId="1500318613" sldId="259"/>
         </pc:sldMkLst>
-        <pc:spChg chg="mod">
-          <ac:chgData name="Daniel Filipe Gonçalves" userId="74e986df-189c-436d-a9a0-87d3a9e2574d" providerId="ADAL" clId="{4BBBAAD5-3280-42AC-A90B-E2611A1238AC}" dt="2019-12-08T23:23:08.028" v="79" actId="20577"/>
+        <pc:spChg chg="del mod">
+          <ac:chgData name="Daniel Filipe Gonçalves" userId="74e986df-189c-436d-a9a0-87d3a9e2574d" providerId="ADAL" clId="{4BBBAAD5-3280-42AC-A90B-E2611A1238AC}" dt="2019-12-14T17:30:12.321" v="284"/>
           <ac:spMkLst>
             <pc:docMk/>
             <pc:sldMk cId="1500318613" sldId="259"/>
             <ac:spMk id="2" creationId="{13E55CF4-DC66-4096-AFF8-4E317B2E0FC0}"/>
           </ac:spMkLst>
         </pc:spChg>
+        <pc:spChg chg="add mod">
+          <ac:chgData name="Daniel Filipe Gonçalves" userId="74e986df-189c-436d-a9a0-87d3a9e2574d" providerId="ADAL" clId="{4BBBAAD5-3280-42AC-A90B-E2611A1238AC}" dt="2019-12-14T17:30:10.422" v="282" actId="20577"/>
+          <ac:spMkLst>
+            <pc:docMk/>
+            <pc:sldMk cId="1500318613" sldId="259"/>
+            <ac:spMk id="10" creationId="{99438D73-034B-43AB-9E62-2FD907893912}"/>
+          </ac:spMkLst>
+        </pc:spChg>
+        <pc:spChg chg="add mod">
+          <ac:chgData name="Daniel Filipe Gonçalves" userId="74e986df-189c-436d-a9a0-87d3a9e2574d" providerId="ADAL" clId="{4BBBAAD5-3280-42AC-A90B-E2611A1238AC}" dt="2019-12-14T19:30:09.027" v="964" actId="20577"/>
+          <ac:spMkLst>
+            <pc:docMk/>
+            <pc:sldMk cId="1500318613" sldId="259"/>
+            <ac:spMk id="11" creationId="{DDA1760B-215D-4A42-9700-3B69A9FEBB6F}"/>
+          </ac:spMkLst>
+        </pc:spChg>
+        <pc:graphicFrameChg chg="del">
+          <ac:chgData name="Daniel Filipe Gonçalves" userId="74e986df-189c-436d-a9a0-87d3a9e2574d" providerId="ADAL" clId="{4BBBAAD5-3280-42AC-A90B-E2611A1238AC}" dt="2019-12-14T17:16:20.240" v="95" actId="478"/>
+          <ac:graphicFrameMkLst>
+            <pc:docMk/>
+            <pc:sldMk cId="1500318613" sldId="259"/>
+            <ac:graphicFrameMk id="6" creationId="{5F0422D8-CD7E-475C-B0FE-8B4E46F8A30E}"/>
+          </ac:graphicFrameMkLst>
+        </pc:graphicFrameChg>
+        <pc:graphicFrameChg chg="add mod">
+          <ac:chgData name="Daniel Filipe Gonçalves" userId="74e986df-189c-436d-a9a0-87d3a9e2574d" providerId="ADAL" clId="{4BBBAAD5-3280-42AC-A90B-E2611A1238AC}" dt="2019-12-14T19:29:56.362" v="949" actId="14100"/>
+          <ac:graphicFrameMkLst>
+            <pc:docMk/>
+            <pc:sldMk cId="1500318613" sldId="259"/>
+            <ac:graphicFrameMk id="9" creationId="{6B3BE1DE-8EAE-459B-AF89-19F7CE8EB1F5}"/>
+          </ac:graphicFrameMkLst>
+        </pc:graphicFrameChg>
+      </pc:sldChg>
+      <pc:sldChg chg="addSp delSp modSp mod ord">
+        <pc:chgData name="Daniel Filipe Gonçalves" userId="74e986df-189c-436d-a9a0-87d3a9e2574d" providerId="ADAL" clId="{4BBBAAD5-3280-42AC-A90B-E2611A1238AC}" dt="2019-12-14T19:27:16.557" v="908" actId="113"/>
+        <pc:sldMkLst>
+          <pc:docMk/>
+          <pc:sldMk cId="467076290" sldId="260"/>
+        </pc:sldMkLst>
+        <pc:spChg chg="add mod">
+          <ac:chgData name="Daniel Filipe Gonçalves" userId="74e986df-189c-436d-a9a0-87d3a9e2574d" providerId="ADAL" clId="{4BBBAAD5-3280-42AC-A90B-E2611A1238AC}" dt="2019-12-14T19:27:16.557" v="908" actId="113"/>
+          <ac:spMkLst>
+            <pc:docMk/>
+            <pc:sldMk cId="467076290" sldId="260"/>
+            <ac:spMk id="2" creationId="{19E14ADD-7556-4555-B382-08BBEACAC201}"/>
+          </ac:spMkLst>
+        </pc:spChg>
+        <pc:spChg chg="del mod">
+          <ac:chgData name="Daniel Filipe Gonçalves" userId="74e986df-189c-436d-a9a0-87d3a9e2574d" providerId="ADAL" clId="{4BBBAAD5-3280-42AC-A90B-E2611A1238AC}" dt="2019-12-14T19:22:40.158" v="806" actId="478"/>
+          <ac:spMkLst>
+            <pc:docMk/>
+            <pc:sldMk cId="467076290" sldId="260"/>
+            <ac:spMk id="4" creationId="{826CD139-7F1F-48E9-B653-327FB9D1A14F}"/>
+          </ac:spMkLst>
+        </pc:spChg>
+        <pc:spChg chg="mod">
+          <ac:chgData name="Daniel Filipe Gonçalves" userId="74e986df-189c-436d-a9a0-87d3a9e2574d" providerId="ADAL" clId="{4BBBAAD5-3280-42AC-A90B-E2611A1238AC}" dt="2019-12-14T19:26:47.007" v="868" actId="20577"/>
+          <ac:spMkLst>
+            <pc:docMk/>
+            <pc:sldMk cId="467076290" sldId="260"/>
+            <ac:spMk id="8" creationId="{CDC96F03-396E-41AB-9D90-137278306F7A}"/>
+          </ac:spMkLst>
+        </pc:spChg>
+        <pc:spChg chg="add mod">
+          <ac:chgData name="Daniel Filipe Gonçalves" userId="74e986df-189c-436d-a9a0-87d3a9e2574d" providerId="ADAL" clId="{4BBBAAD5-3280-42AC-A90B-E2611A1238AC}" dt="2019-12-14T19:22:36.620" v="805" actId="1076"/>
+          <ac:spMkLst>
+            <pc:docMk/>
+            <pc:sldMk cId="467076290" sldId="260"/>
+            <ac:spMk id="11" creationId="{DED055F7-A0CE-40EF-ACCC-7F07870FDA12}"/>
+          </ac:spMkLst>
+        </pc:spChg>
+        <pc:graphicFrameChg chg="del">
+          <ac:chgData name="Daniel Filipe Gonçalves" userId="74e986df-189c-436d-a9a0-87d3a9e2574d" providerId="ADAL" clId="{4BBBAAD5-3280-42AC-A90B-E2611A1238AC}" dt="2019-12-14T17:58:18.251" v="514" actId="478"/>
+          <ac:graphicFrameMkLst>
+            <pc:docMk/>
+            <pc:sldMk cId="467076290" sldId="260"/>
+            <ac:graphicFrameMk id="9" creationId="{BF376FBB-F02B-4B58-9EC0-33C16F22E4A6}"/>
+          </ac:graphicFrameMkLst>
+        </pc:graphicFrameChg>
+        <pc:graphicFrameChg chg="add mod">
+          <ac:chgData name="Daniel Filipe Gonçalves" userId="74e986df-189c-436d-a9a0-87d3a9e2574d" providerId="ADAL" clId="{4BBBAAD5-3280-42AC-A90B-E2611A1238AC}" dt="2019-12-14T17:58:39.662" v="521" actId="692"/>
+          <ac:graphicFrameMkLst>
+            <pc:docMk/>
+            <pc:sldMk cId="467076290" sldId="260"/>
+            <ac:graphicFrameMk id="10" creationId="{8085FE84-EF1F-4845-9D75-DE1C3648D06F}"/>
+          </ac:graphicFrameMkLst>
+        </pc:graphicFrameChg>
+      </pc:sldChg>
+      <pc:sldChg chg="addSp delSp modSp mod">
+        <pc:chgData name="Daniel Filipe Gonçalves" userId="74e986df-189c-436d-a9a0-87d3a9e2574d" providerId="ADAL" clId="{4BBBAAD5-3280-42AC-A90B-E2611A1238AC}" dt="2019-12-14T19:30:31.265" v="986" actId="1076"/>
+        <pc:sldMkLst>
+          <pc:docMk/>
+          <pc:sldMk cId="256691265" sldId="261"/>
+        </pc:sldMkLst>
+        <pc:spChg chg="del mod">
+          <ac:chgData name="Daniel Filipe Gonçalves" userId="74e986df-189c-436d-a9a0-87d3a9e2574d" providerId="ADAL" clId="{4BBBAAD5-3280-42AC-A90B-E2611A1238AC}" dt="2019-12-14T17:32:37.802" v="315"/>
+          <ac:spMkLst>
+            <pc:docMk/>
+            <pc:sldMk cId="256691265" sldId="261"/>
+            <ac:spMk id="4" creationId="{A827C336-501F-4A24-9BD2-373387017740}"/>
+          </ac:spMkLst>
+        </pc:spChg>
+        <pc:spChg chg="mod">
+          <ac:chgData name="Daniel Filipe Gonçalves" userId="74e986df-189c-436d-a9a0-87d3a9e2574d" providerId="ADAL" clId="{4BBBAAD5-3280-42AC-A90B-E2611A1238AC}" dt="2019-12-14T17:30:27.638" v="288" actId="1076"/>
+          <ac:spMkLst>
+            <pc:docMk/>
+            <pc:sldMk cId="256691265" sldId="261"/>
+            <ac:spMk id="8" creationId="{CDC96F03-396E-41AB-9D90-137278306F7A}"/>
+          </ac:spMkLst>
+        </pc:spChg>
+        <pc:spChg chg="add mod">
+          <ac:chgData name="Daniel Filipe Gonçalves" userId="74e986df-189c-436d-a9a0-87d3a9e2574d" providerId="ADAL" clId="{4BBBAAD5-3280-42AC-A90B-E2611A1238AC}" dt="2019-12-14T17:37:41.148" v="353" actId="20577"/>
+          <ac:spMkLst>
+            <pc:docMk/>
+            <pc:sldMk cId="256691265" sldId="261"/>
+            <ac:spMk id="11" creationId="{DDCC6236-EBCB-4FC6-85F0-3D652DFCDC31}"/>
+          </ac:spMkLst>
+        </pc:spChg>
+        <pc:spChg chg="add mod">
+          <ac:chgData name="Daniel Filipe Gonçalves" userId="74e986df-189c-436d-a9a0-87d3a9e2574d" providerId="ADAL" clId="{4BBBAAD5-3280-42AC-A90B-E2611A1238AC}" dt="2019-12-14T19:30:31.265" v="986" actId="1076"/>
+          <ac:spMkLst>
+            <pc:docMk/>
+            <pc:sldMk cId="256691265" sldId="261"/>
+            <ac:spMk id="13" creationId="{3A7B21B3-347B-4AE4-951A-2E7461ACC347}"/>
+          </ac:spMkLst>
+        </pc:spChg>
+        <pc:graphicFrameChg chg="del">
+          <ac:chgData name="Daniel Filipe Gonçalves" userId="74e986df-189c-436d-a9a0-87d3a9e2574d" providerId="ADAL" clId="{4BBBAAD5-3280-42AC-A90B-E2611A1238AC}" dt="2019-12-14T17:28:26.493" v="250" actId="478"/>
+          <ac:graphicFrameMkLst>
+            <pc:docMk/>
+            <pc:sldMk cId="256691265" sldId="261"/>
+            <ac:graphicFrameMk id="9" creationId="{3D4DF4BA-810D-48C7-96FA-E4EAEF65A75E}"/>
+          </ac:graphicFrameMkLst>
+        </pc:graphicFrameChg>
+        <pc:graphicFrameChg chg="add mod">
+          <ac:chgData name="Daniel Filipe Gonçalves" userId="74e986df-189c-436d-a9a0-87d3a9e2574d" providerId="ADAL" clId="{4BBBAAD5-3280-42AC-A90B-E2611A1238AC}" dt="2019-12-14T19:29:43.715" v="947" actId="14100"/>
+          <ac:graphicFrameMkLst>
+            <pc:docMk/>
+            <pc:sldMk cId="256691265" sldId="261"/>
+            <ac:graphicFrameMk id="10" creationId="{6143CC7D-5EFF-4520-852C-7B70B6B865CE}"/>
+          </ac:graphicFrameMkLst>
+        </pc:graphicFrameChg>
+        <pc:graphicFrameChg chg="add del">
+          <ac:chgData name="Daniel Filipe Gonçalves" userId="74e986df-189c-436d-a9a0-87d3a9e2574d" providerId="ADAL" clId="{4BBBAAD5-3280-42AC-A90B-E2611A1238AC}" dt="2019-12-14T19:29:33.892" v="945" actId="478"/>
+          <ac:graphicFrameMkLst>
+            <pc:docMk/>
+            <pc:sldMk cId="256691265" sldId="261"/>
+            <ac:graphicFrameMk id="12" creationId="{1863A901-F95A-42E7-96A0-AD15B7BE4502}"/>
+          </ac:graphicFrameMkLst>
+        </pc:graphicFrameChg>
+      </pc:sldChg>
+      <pc:sldChg chg="addSp delSp modSp mod">
+        <pc:chgData name="Daniel Filipe Gonçalves" userId="74e986df-189c-436d-a9a0-87d3a9e2574d" providerId="ADAL" clId="{4BBBAAD5-3280-42AC-A90B-E2611A1238AC}" dt="2019-12-14T19:29:25.082" v="942" actId="1076"/>
+        <pc:sldMkLst>
+          <pc:docMk/>
+          <pc:sldMk cId="2661554164" sldId="262"/>
+        </pc:sldMkLst>
+        <pc:spChg chg="del mod">
+          <ac:chgData name="Daniel Filipe Gonçalves" userId="74e986df-189c-436d-a9a0-87d3a9e2574d" providerId="ADAL" clId="{4BBBAAD5-3280-42AC-A90B-E2611A1238AC}" dt="2019-12-14T17:49:20.533" v="498" actId="478"/>
+          <ac:spMkLst>
+            <pc:docMk/>
+            <pc:sldMk cId="2661554164" sldId="262"/>
+            <ac:spMk id="4" creationId="{826CD139-7F1F-48E9-B653-327FB9D1A14F}"/>
+          </ac:spMkLst>
+        </pc:spChg>
+        <pc:spChg chg="mod">
+          <ac:chgData name="Daniel Filipe Gonçalves" userId="74e986df-189c-436d-a9a0-87d3a9e2574d" providerId="ADAL" clId="{4BBBAAD5-3280-42AC-A90B-E2611A1238AC}" dt="2019-12-14T17:41:07.543" v="399" actId="20577"/>
+          <ac:spMkLst>
+            <pc:docMk/>
+            <pc:sldMk cId="2661554164" sldId="262"/>
+            <ac:spMk id="8" creationId="{CDC96F03-396E-41AB-9D90-137278306F7A}"/>
+          </ac:spMkLst>
+        </pc:spChg>
+        <pc:spChg chg="add mod">
+          <ac:chgData name="Daniel Filipe Gonçalves" userId="74e986df-189c-436d-a9a0-87d3a9e2574d" providerId="ADAL" clId="{4BBBAAD5-3280-42AC-A90B-E2611A1238AC}" dt="2019-12-14T17:49:31.958" v="501" actId="1076"/>
+          <ac:spMkLst>
+            <pc:docMk/>
+            <pc:sldMk cId="2661554164" sldId="262"/>
+            <ac:spMk id="9" creationId="{AEB06CEF-B5D5-4116-9CF7-FDAA2DF9A610}"/>
+          </ac:spMkLst>
+        </pc:spChg>
+        <pc:spChg chg="add mod">
+          <ac:chgData name="Daniel Filipe Gonçalves" userId="74e986df-189c-436d-a9a0-87d3a9e2574d" providerId="ADAL" clId="{4BBBAAD5-3280-42AC-A90B-E2611A1238AC}" dt="2019-12-14T19:29:25.082" v="942" actId="1076"/>
+          <ac:spMkLst>
+            <pc:docMk/>
+            <pc:sldMk cId="2661554164" sldId="262"/>
+            <ac:spMk id="12" creationId="{B24DAEFE-8411-4BD9-92C1-49361009EF86}"/>
+          </ac:spMkLst>
+        </pc:spChg>
+        <pc:graphicFrameChg chg="del mod">
+          <ac:chgData name="Daniel Filipe Gonçalves" userId="74e986df-189c-436d-a9a0-87d3a9e2574d" providerId="ADAL" clId="{4BBBAAD5-3280-42AC-A90B-E2611A1238AC}" dt="2019-12-14T17:49:58.457" v="503" actId="478"/>
+          <ac:graphicFrameMkLst>
+            <pc:docMk/>
+            <pc:sldMk cId="2661554164" sldId="262"/>
+            <ac:graphicFrameMk id="10" creationId="{AA215547-E4B8-4389-9EDE-DD0F6B4990F7}"/>
+          </ac:graphicFrameMkLst>
+        </pc:graphicFrameChg>
+        <pc:graphicFrameChg chg="add del mod">
+          <ac:chgData name="Daniel Filipe Gonçalves" userId="74e986df-189c-436d-a9a0-87d3a9e2574d" providerId="ADAL" clId="{4BBBAAD5-3280-42AC-A90B-E2611A1238AC}" dt="2019-12-14T19:28:48.590" v="930" actId="478"/>
+          <ac:graphicFrameMkLst>
+            <pc:docMk/>
+            <pc:sldMk cId="2661554164" sldId="262"/>
+            <ac:graphicFrameMk id="11" creationId="{1863A901-F95A-42E7-96A0-AD15B7BE4502}"/>
+          </ac:graphicFrameMkLst>
+        </pc:graphicFrameChg>
+        <pc:graphicFrameChg chg="add mod">
+          <ac:chgData name="Daniel Filipe Gonçalves" userId="74e986df-189c-436d-a9a0-87d3a9e2574d" providerId="ADAL" clId="{4BBBAAD5-3280-42AC-A90B-E2611A1238AC}" dt="2019-12-14T19:29:22.176" v="941" actId="1076"/>
+          <ac:graphicFrameMkLst>
+            <pc:docMk/>
+            <pc:sldMk cId="2661554164" sldId="262"/>
+            <ac:graphicFrameMk id="13" creationId="{1863A901-F95A-42E7-96A0-AD15B7BE4502}"/>
+          </ac:graphicFrameMkLst>
+        </pc:graphicFrameChg>
+        <pc:picChg chg="mod">
+          <ac:chgData name="Daniel Filipe Gonçalves" userId="74e986df-189c-436d-a9a0-87d3a9e2574d" providerId="ADAL" clId="{4BBBAAD5-3280-42AC-A90B-E2611A1238AC}" dt="2019-12-14T16:54:03.996" v="88" actId="14100"/>
+          <ac:picMkLst>
+            <pc:docMk/>
+            <pc:sldMk cId="2661554164" sldId="262"/>
+            <ac:picMk id="7" creationId="{76C4170D-002F-418E-9062-DE2E371A20C6}"/>
+          </ac:picMkLst>
+        </pc:picChg>
+        <pc:picChg chg="add del mod">
+          <ac:chgData name="Daniel Filipe Gonçalves" userId="74e986df-189c-436d-a9a0-87d3a9e2574d" providerId="ADAL" clId="{4BBBAAD5-3280-42AC-A90B-E2611A1238AC}" dt="2019-12-14T16:54:15.738" v="91" actId="478"/>
+          <ac:picMkLst>
+            <pc:docMk/>
+            <pc:sldMk cId="2661554164" sldId="262"/>
+            <ac:picMk id="1026" creationId="{1D28EDCE-7450-433D-8270-767BAC984414}"/>
+          </ac:picMkLst>
+        </pc:picChg>
       </pc:sldChg>
       <pc:sldChg chg="addSp modSp ord">
         <pc:chgData name="Daniel Filipe Gonçalves" userId="74e986df-189c-436d-a9a0-87d3a9e2574d" providerId="ADAL" clId="{4BBBAAD5-3280-42AC-A90B-E2611A1238AC}" dt="2019-12-08T23:23:28.096" v="80"/>
@@ -515,73 +807,17 @@
     </mc:Fallback>
   </mc:AlternateContent>
   <c:chart>
-    <c:title>
-      <c:tx>
-        <c:rich>
-          <a:bodyPr lIns="0" tIns="0" rIns="0" bIns="0"/>
-          <a:lstStyle/>
-          <a:p>
-            <a:pPr marL="0" marR="0" indent="0" algn="ctr" defTabSz="914400" fontAlgn="auto" hangingPunct="1">
-              <a:lnSpc>
-                <a:spcPct val="100000"/>
-              </a:lnSpc>
-              <a:spcBef>
-                <a:spcPts val="0"/>
-              </a:spcBef>
-              <a:spcAft>
-                <a:spcPts val="0"/>
-              </a:spcAft>
-              <a:tabLst/>
-              <a:defRPr sz="850" b="1" i="0" u="none" strike="noStrike" kern="1200" baseline="0">
-                <a:solidFill>
-                  <a:srgbClr val="000000"/>
-                </a:solidFill>
-                <a:latin typeface="Arial"/>
-                <a:ea typeface="Arial"/>
-                <a:cs typeface="Arial"/>
-              </a:defRPr>
-            </a:pPr>
-            <a:r>
-              <a:rPr lang="pt-PT" sz="850" b="1" i="0" u="none" strike="noStrike" kern="1200" cap="none" spc="0" baseline="0">
-                <a:solidFill>
-                  <a:srgbClr val="000000"/>
-                </a:solidFill>
-                <a:uFillTx/>
-                <a:latin typeface="Arial"/>
-                <a:ea typeface="Arial"/>
-                <a:cs typeface="Arial"/>
-              </a:rPr>
-              <a:t>Análise da VA N para 1000 amostras com intervalos de 1</a:t>
-            </a:r>
-          </a:p>
-        </c:rich>
-      </c:tx>
-      <c:layout>
-        <c:manualLayout>
-          <c:xMode val="edge"/>
-          <c:yMode val="edge"/>
-          <c:x val="0.3038866746594947"/>
-          <c:y val="3.1846872799436654E-2"/>
-        </c:manualLayout>
-      </c:layout>
-      <c:overlay val="0"/>
-      <c:spPr>
-        <a:noFill/>
-        <a:ln>
-          <a:noFill/>
-        </a:ln>
-      </c:spPr>
-    </c:title>
-    <c:autoTitleDeleted val="0"/>
+    <c:autoTitleDeleted val="1"/>
     <c:plotArea>
       <c:layout>
         <c:manualLayout>
+          <c:layoutTarget val="inner"/>
           <c:xMode val="edge"/>
           <c:yMode val="edge"/>
-          <c:x val="0"/>
-          <c:y val="0.10196914410088984"/>
-          <c:w val="1"/>
-          <c:h val="0.84570087275675909"/>
+          <c:x val="6.1837455830388695E-2"/>
+          <c:y val="0.13375796178343949"/>
+          <c:w val="0.90989399293286222"/>
+          <c:h val="0.71019108280254772"/>
         </c:manualLayout>
       </c:layout>
       <c:barChart>
@@ -595,77 +831,56 @@
             <c:v>Histograma</c:v>
           </c:tx>
           <c:spPr>
-            <a:solidFill>
-              <a:srgbClr val="4472C4"/>
-            </a:solidFill>
-            <a:ln>
+            <a:ln w="28575">
               <a:noFill/>
             </a:ln>
           </c:spPr>
           <c:invertIfNegative val="0"/>
           <c:cat>
-            <c:numLit>
-              <c:formatCode>General</c:formatCode>
-              <c:ptCount val="8"/>
-              <c:pt idx="0">
-                <c:v>0</c:v>
-              </c:pt>
-              <c:pt idx="1">
-                <c:v>1</c:v>
-              </c:pt>
-              <c:pt idx="2">
-                <c:v>2</c:v>
-              </c:pt>
-              <c:pt idx="3">
-                <c:v>3</c:v>
-              </c:pt>
-              <c:pt idx="4">
-                <c:v>4</c:v>
-              </c:pt>
-              <c:pt idx="5">
-                <c:v>5</c:v>
-              </c:pt>
-              <c:pt idx="6">
-                <c:v>6</c:v>
-              </c:pt>
-              <c:pt idx="7">
-                <c:v>7</c:v>
-              </c:pt>
-            </c:numLit>
+            <c:numRef>
+              <c:f>Uniform!$C$1:$C$4</c:f>
+              <c:numCache>
+                <c:formatCode>General</c:formatCode>
+                <c:ptCount val="4"/>
+                <c:pt idx="0">
+                  <c:v>0</c:v>
+                </c:pt>
+                <c:pt idx="1">
+                  <c:v>1</c:v>
+                </c:pt>
+                <c:pt idx="2">
+                  <c:v>2</c:v>
+                </c:pt>
+                <c:pt idx="3">
+                  <c:v>3</c:v>
+                </c:pt>
+              </c:numCache>
+            </c:numRef>
           </c:cat>
           <c:val>
-            <c:numLit>
-              <c:formatCode>General</c:formatCode>
-              <c:ptCount val="8"/>
-              <c:pt idx="0">
-                <c:v>0.64800000000000002</c:v>
-              </c:pt>
-              <c:pt idx="1">
-                <c:v>0.21199999999999999</c:v>
-              </c:pt>
-              <c:pt idx="2">
-                <c:v>7.8E-2</c:v>
-              </c:pt>
-              <c:pt idx="3">
-                <c:v>3.2000000000000001E-2</c:v>
-              </c:pt>
-              <c:pt idx="4">
-                <c:v>1.9E-2</c:v>
-              </c:pt>
-              <c:pt idx="5">
-                <c:v>8.0000000000000002E-3</c:v>
-              </c:pt>
-              <c:pt idx="6">
-                <c:v>1E-3</c:v>
-              </c:pt>
-              <c:pt idx="7">
-                <c:v>2E-3</c:v>
-              </c:pt>
-            </c:numLit>
+            <c:numRef>
+              <c:f>Uniform!$F$1:$F$4</c:f>
+              <c:numCache>
+                <c:formatCode>General</c:formatCode>
+                <c:ptCount val="4"/>
+                <c:pt idx="0">
+                  <c:v>0.23200000000000001</c:v>
+                </c:pt>
+                <c:pt idx="1">
+                  <c:v>0.255</c:v>
+                </c:pt>
+                <c:pt idx="2">
+                  <c:v>0.246</c:v>
+                </c:pt>
+                <c:pt idx="3">
+                  <c:v>0.26700000000000002</c:v>
+                </c:pt>
+              </c:numCache>
+            </c:numRef>
           </c:val>
           <c:extLst>
             <c:ext xmlns:c16="http://schemas.microsoft.com/office/drawing/2014/chart" uri="{C3380CC4-5D6E-409C-BE32-E72D297353CC}">
-              <c16:uniqueId val="{00000000-631C-4E26-9F90-718C5328A3A2}"/>
+              <c16:uniqueId val="{00000000-247B-45E2-9BD7-6CBFC1B80D4B}"/>
             </c:ext>
           </c:extLst>
         </c:ser>
@@ -678,8 +893,8 @@
           <c:showBubbleSize val="0"/>
         </c:dLbls>
         <c:gapWidth val="150"/>
-        <c:axId val="1747850640"/>
-        <c:axId val="1746973504"/>
+        <c:axId val="1401211503"/>
+        <c:axId val="1"/>
       </c:barChart>
       <c:lineChart>
         <c:grouping val="standard"/>
@@ -688,84 +903,87 @@
           <c:idx val="1"/>
           <c:order val="1"/>
           <c:tx>
-            <c:v>Função Densidade de Probabilidade</c:v>
+            <c:v>Distribuição</c:v>
           </c:tx>
           <c:spPr>
-            <a:ln w="19046" cap="rnd">
+            <a:ln>
               <a:solidFill>
-                <a:srgbClr val="A5A5A5"/>
+                <a:srgbClr val="00B050"/>
               </a:solidFill>
-              <a:prstDash val="solid"/>
-              <a:round/>
             </a:ln>
           </c:spPr>
           <c:marker>
             <c:symbol val="none"/>
           </c:marker>
-          <c:cat>
-            <c:numLit>
-              <c:formatCode>General</c:formatCode>
-              <c:ptCount val="8"/>
-              <c:pt idx="0">
-                <c:v>0</c:v>
-              </c:pt>
-              <c:pt idx="1">
-                <c:v>1</c:v>
-              </c:pt>
-              <c:pt idx="2">
-                <c:v>2</c:v>
-              </c:pt>
-              <c:pt idx="3">
-                <c:v>3</c:v>
-              </c:pt>
-              <c:pt idx="4">
-                <c:v>4</c:v>
-              </c:pt>
-              <c:pt idx="5">
-                <c:v>5</c:v>
-              </c:pt>
-              <c:pt idx="6">
-                <c:v>6</c:v>
-              </c:pt>
-              <c:pt idx="7">
-                <c:v>7</c:v>
-              </c:pt>
-            </c:numLit>
-          </c:cat>
           <c:val>
-            <c:numLit>
-              <c:formatCode>General</c:formatCode>
-              <c:ptCount val="8"/>
-              <c:pt idx="0">
-                <c:v>0.65</c:v>
-              </c:pt>
-              <c:pt idx="1">
-                <c:v>0.22749999999999998</c:v>
-              </c:pt>
-              <c:pt idx="2">
-                <c:v>7.9624999999999987E-2</c:v>
-              </c:pt>
-              <c:pt idx="3">
-                <c:v>2.7868749999999994E-2</c:v>
-              </c:pt>
-              <c:pt idx="4">
-                <c:v>9.7540624999999971E-3</c:v>
-              </c:pt>
-              <c:pt idx="5">
-                <c:v>3.413921874999999E-3</c:v>
-              </c:pt>
-              <c:pt idx="6">
-                <c:v>1.1948726562499995E-3</c:v>
-              </c:pt>
-              <c:pt idx="7">
-                <c:v>4.1820542968749977E-4</c:v>
-              </c:pt>
-            </c:numLit>
+            <c:numRef>
+              <c:f>Uniform!$G$1:$G$4</c:f>
+              <c:numCache>
+                <c:formatCode>General</c:formatCode>
+                <c:ptCount val="4"/>
+                <c:pt idx="0">
+                  <c:v>0.25</c:v>
+                </c:pt>
+                <c:pt idx="1">
+                  <c:v>0.25</c:v>
+                </c:pt>
+                <c:pt idx="2">
+                  <c:v>0.25</c:v>
+                </c:pt>
+                <c:pt idx="3">
+                  <c:v>0.25</c:v>
+                </c:pt>
+              </c:numCache>
+            </c:numRef>
           </c:val>
           <c:smooth val="0"/>
           <c:extLst>
             <c:ext xmlns:c16="http://schemas.microsoft.com/office/drawing/2014/chart" uri="{C3380CC4-5D6E-409C-BE32-E72D297353CC}">
-              <c16:uniqueId val="{00000001-631C-4E26-9F90-718C5328A3A2}"/>
+              <c16:uniqueId val="{00000001-247B-45E2-9BD7-6CBFC1B80D4B}"/>
+            </c:ext>
+          </c:extLst>
+        </c:ser>
+        <c:ser>
+          <c:idx val="2"/>
+          <c:order val="2"/>
+          <c:tx>
+            <c:v>Densidade</c:v>
+          </c:tx>
+          <c:spPr>
+            <a:ln>
+              <a:solidFill>
+                <a:srgbClr val="FF0000"/>
+              </a:solidFill>
+            </a:ln>
+          </c:spPr>
+          <c:marker>
+            <c:symbol val="none"/>
+          </c:marker>
+          <c:val>
+            <c:numRef>
+              <c:f>Uniform!$H$1:$H$4</c:f>
+              <c:numCache>
+                <c:formatCode>0.00</c:formatCode>
+                <c:ptCount val="4"/>
+                <c:pt idx="0">
+                  <c:v>0.25</c:v>
+                </c:pt>
+                <c:pt idx="1">
+                  <c:v>0.5</c:v>
+                </c:pt>
+                <c:pt idx="2">
+                  <c:v>0.75</c:v>
+                </c:pt>
+                <c:pt idx="3">
+                  <c:v>1</c:v>
+                </c:pt>
+              </c:numCache>
+            </c:numRef>
+          </c:val>
+          <c:smooth val="0"/>
+          <c:extLst>
+            <c:ext xmlns:c16="http://schemas.microsoft.com/office/drawing/2014/chart" uri="{C3380CC4-5D6E-409C-BE32-E72D297353CC}">
+              <c16:uniqueId val="{00000002-247B-45E2-9BD7-6CBFC1B80D4B}"/>
             </c:ext>
           </c:extLst>
         </c:ser>
@@ -779,46 +997,73 @@
         </c:dLbls>
         <c:marker val="1"/>
         <c:smooth val="0"/>
-        <c:axId val="1747850640"/>
-        <c:axId val="1746973504"/>
+        <c:axId val="1401211503"/>
+        <c:axId val="1"/>
       </c:lineChart>
-      <c:valAx>
-        <c:axId val="1746973504"/>
+      <c:catAx>
+        <c:axId val="1401211503"/>
         <c:scaling>
           <c:orientation val="minMax"/>
         </c:scaling>
         <c:delete val="0"/>
-        <c:axPos val="l"/>
-        <c:numFmt formatCode="General" sourceLinked="0"/>
+        <c:axPos val="b"/>
+        <c:title>
+          <c:tx>
+            <c:rich>
+              <a:bodyPr/>
+              <a:lstStyle/>
+              <a:p>
+                <a:pPr>
+                  <a:defRPr sz="925" b="1" i="0" u="none" strike="noStrike" baseline="0">
+                    <a:solidFill>
+                      <a:srgbClr val="000000"/>
+                    </a:solidFill>
+                    <a:latin typeface="Arial"/>
+                    <a:ea typeface="Arial"/>
+                    <a:cs typeface="Arial"/>
+                  </a:defRPr>
+                </a:pPr>
+                <a:r>
+                  <a:rPr lang="pt-PT"/>
+                  <a:t>n</a:t>
+                </a:r>
+              </a:p>
+            </c:rich>
+          </c:tx>
+          <c:layout>
+            <c:manualLayout>
+              <c:xMode val="edge"/>
+              <c:yMode val="edge"/>
+              <c:x val="0.50706712641311991"/>
+              <c:y val="0.91401282496300484"/>
+            </c:manualLayout>
+          </c:layout>
+          <c:overlay val="0"/>
+          <c:spPr>
+            <a:noFill/>
+            <a:ln w="25400">
+              <a:noFill/>
+            </a:ln>
+          </c:spPr>
+        </c:title>
+        <c:numFmt formatCode="General" sourceLinked="1"/>
         <c:majorTickMark val="out"/>
         <c:minorTickMark val="none"/>
         <c:tickLblPos val="nextTo"/>
         <c:spPr>
-          <a:noFill/>
-          <a:ln w="3172" cap="flat">
+          <a:ln w="3175">
             <a:solidFill>
               <a:srgbClr val="000000"/>
             </a:solidFill>
             <a:prstDash val="solid"/>
-            <a:round/>
           </a:ln>
         </c:spPr>
         <c:txPr>
-          <a:bodyPr lIns="0" tIns="0" rIns="0" bIns="0"/>
+          <a:bodyPr rot="0" vert="horz"/>
           <a:lstStyle/>
           <a:p>
-            <a:pPr marL="0" marR="0" indent="0" defTabSz="914400" fontAlgn="auto" hangingPunct="1">
-              <a:lnSpc>
-                <a:spcPct val="100000"/>
-              </a:lnSpc>
-              <a:spcBef>
-                <a:spcPts val="0"/>
-              </a:spcBef>
-              <a:spcAft>
-                <a:spcPts val="0"/>
-              </a:spcAft>
-              <a:tabLst/>
-              <a:defRPr sz="1025" b="0" i="0" u="none" strike="noStrike" kern="1200" baseline="0">
+            <a:pPr>
+              <a:defRPr sz="1025" b="0" i="0" u="none" strike="noStrike" baseline="0">
                 <a:solidFill>
                   <a:srgbClr val="000000"/>
                 </a:solidFill>
@@ -830,104 +1075,38 @@
             <a:endParaRPr lang="pt-PT"/>
           </a:p>
         </c:txPr>
-        <c:crossAx val="1747850640"/>
+        <c:crossAx val="1"/>
         <c:crosses val="autoZero"/>
-        <c:crossBetween val="between"/>
-      </c:valAx>
-      <c:catAx>
-        <c:axId val="1747850640"/>
+        <c:auto val="1"/>
+        <c:lblAlgn val="ctr"/>
+        <c:lblOffset val="100"/>
+        <c:noMultiLvlLbl val="0"/>
+      </c:catAx>
+      <c:valAx>
+        <c:axId val="1"/>
         <c:scaling>
           <c:orientation val="minMax"/>
         </c:scaling>
         <c:delete val="0"/>
-        <c:axPos val="b"/>
-        <c:title>
-          <c:tx>
-            <c:rich>
-              <a:bodyPr lIns="0" tIns="0" rIns="0" bIns="0"/>
-              <a:lstStyle/>
-              <a:p>
-                <a:pPr marL="0" marR="0" indent="0" algn="ctr" defTabSz="914400" fontAlgn="auto" hangingPunct="1">
-                  <a:lnSpc>
-                    <a:spcPct val="100000"/>
-                  </a:lnSpc>
-                  <a:spcBef>
-                    <a:spcPts val="0"/>
-                  </a:spcBef>
-                  <a:spcAft>
-                    <a:spcPts val="0"/>
-                  </a:spcAft>
-                  <a:tabLst/>
-                  <a:defRPr sz="925" b="1" i="0" u="none" strike="noStrike" kern="1200" baseline="0">
-                    <a:solidFill>
-                      <a:srgbClr val="000000"/>
-                    </a:solidFill>
-                    <a:latin typeface="Arial"/>
-                    <a:ea typeface="Arial"/>
-                    <a:cs typeface="Arial"/>
-                  </a:defRPr>
-                </a:pPr>
-                <a:r>
-                  <a:rPr lang="pt-PT" sz="925" b="1" i="0" u="none" strike="noStrike" kern="1200" cap="none" spc="0" baseline="0">
-                    <a:solidFill>
-                      <a:srgbClr val="000000"/>
-                    </a:solidFill>
-                    <a:uFillTx/>
-                    <a:latin typeface="Arial"/>
-                    <a:ea typeface="Arial"/>
-                    <a:cs typeface="Arial"/>
-                  </a:rPr>
-                  <a:t>n</a:t>
-                </a:r>
-              </a:p>
-            </c:rich>
-          </c:tx>
-          <c:layout>
-            <c:manualLayout>
-              <c:xMode val="edge"/>
-              <c:yMode val="edge"/>
-              <c:x val="0.50706717215903563"/>
-              <c:y val="0.91401276060004688"/>
-            </c:manualLayout>
-          </c:layout>
-          <c:overlay val="0"/>
-          <c:spPr>
-            <a:noFill/>
-            <a:ln>
-              <a:noFill/>
-            </a:ln>
-          </c:spPr>
-        </c:title>
-        <c:numFmt formatCode="General" sourceLinked="0"/>
+        <c:axPos val="l"/>
+        <c:numFmt formatCode="General" sourceLinked="1"/>
         <c:majorTickMark val="out"/>
         <c:minorTickMark val="none"/>
         <c:tickLblPos val="nextTo"/>
         <c:spPr>
-          <a:noFill/>
-          <a:ln w="3172" cap="flat">
+          <a:ln w="3175">
             <a:solidFill>
               <a:srgbClr val="000000"/>
             </a:solidFill>
             <a:prstDash val="solid"/>
-            <a:round/>
           </a:ln>
         </c:spPr>
         <c:txPr>
-          <a:bodyPr lIns="0" tIns="0" rIns="0" bIns="0"/>
+          <a:bodyPr rot="0" vert="horz"/>
           <a:lstStyle/>
           <a:p>
-            <a:pPr marL="0" marR="0" indent="0" defTabSz="914400" fontAlgn="auto" hangingPunct="1">
-              <a:lnSpc>
-                <a:spcPct val="100000"/>
-              </a:lnSpc>
-              <a:spcBef>
-                <a:spcPts val="0"/>
-              </a:spcBef>
-              <a:spcAft>
-                <a:spcPts val="0"/>
-              </a:spcAft>
-              <a:tabLst/>
-              <a:defRPr sz="1025" b="0" i="0" u="none" strike="noStrike" kern="1200" baseline="0">
+            <a:pPr>
+              <a:defRPr sz="1025" b="0" i="0" u="none" strike="noStrike" baseline="0">
                 <a:solidFill>
                   <a:srgbClr val="000000"/>
                 </a:solidFill>
@@ -939,16 +1118,13 @@
             <a:endParaRPr lang="pt-PT"/>
           </a:p>
         </c:txPr>
-        <c:crossAx val="1746973504"/>
+        <c:crossAx val="1401211503"/>
         <c:crosses val="autoZero"/>
-        <c:auto val="1"/>
-        <c:lblAlgn val="ctr"/>
-        <c:lblOffset val="100"/>
-        <c:noMultiLvlLbl val="0"/>
-      </c:catAx>
+        <c:crossBetween val="between"/>
+      </c:valAx>
       <c:spPr>
         <a:noFill/>
-        <a:ln>
+        <a:ln w="25400">
           <a:noFill/>
         </a:ln>
       </c:spPr>
@@ -961,30 +1137,19 @@
     <a:solidFill>
       <a:srgbClr val="FFFFFF"/>
     </a:solidFill>
-    <a:ln w="3172" cap="flat">
+    <a:ln w="3175">
       <a:solidFill>
         <a:srgbClr val="000000"/>
       </a:solidFill>
       <a:prstDash val="solid"/>
-      <a:round/>
     </a:ln>
   </c:spPr>
   <c:txPr>
-    <a:bodyPr lIns="0" tIns="0" rIns="0" bIns="0"/>
+    <a:bodyPr/>
     <a:lstStyle/>
     <a:p>
-      <a:pPr marL="0" marR="0" indent="0" defTabSz="914400" fontAlgn="auto" hangingPunct="1">
-        <a:lnSpc>
-          <a:spcPct val="100000"/>
-        </a:lnSpc>
-        <a:spcBef>
-          <a:spcPts val="0"/>
-        </a:spcBef>
-        <a:spcAft>
-          <a:spcPts val="0"/>
-        </a:spcAft>
-        <a:tabLst/>
-        <a:defRPr lang="pt-PT" sz="1050" b="0" i="0" u="none" strike="noStrike" kern="1200" baseline="0">
+      <a:pPr>
+        <a:defRPr sz="1050" b="0" i="0" u="none" strike="noStrike" baseline="0">
           <a:solidFill>
             <a:srgbClr val="000000"/>
           </a:solidFill>
@@ -1016,73 +1181,17 @@
     </mc:Fallback>
   </mc:AlternateContent>
   <c:chart>
-    <c:title>
-      <c:tx>
-        <c:rich>
-          <a:bodyPr lIns="0" tIns="0" rIns="0" bIns="0"/>
-          <a:lstStyle/>
-          <a:p>
-            <a:pPr marL="0" marR="0" indent="0" algn="ctr" defTabSz="914400" fontAlgn="auto" hangingPunct="1">
-              <a:lnSpc>
-                <a:spcPct val="100000"/>
-              </a:lnSpc>
-              <a:spcBef>
-                <a:spcPts val="0"/>
-              </a:spcBef>
-              <a:spcAft>
-                <a:spcPts val="0"/>
-              </a:spcAft>
-              <a:tabLst/>
-              <a:defRPr sz="850" b="1" i="0" u="none" strike="noStrike" kern="1200" baseline="0">
-                <a:solidFill>
-                  <a:srgbClr val="000000"/>
-                </a:solidFill>
-                <a:latin typeface="Arial"/>
-                <a:ea typeface="Arial"/>
-                <a:cs typeface="Arial"/>
-              </a:defRPr>
-            </a:pPr>
-            <a:r>
-              <a:rPr lang="pt-PT" sz="850" b="1" i="0" u="none" strike="noStrike" kern="1200" cap="none" spc="0" baseline="0">
-                <a:solidFill>
-                  <a:srgbClr val="000000"/>
-                </a:solidFill>
-                <a:uFillTx/>
-                <a:latin typeface="Arial"/>
-                <a:ea typeface="Arial"/>
-                <a:cs typeface="Arial"/>
-              </a:rPr>
-              <a:t>Análise da VA N para 1000 amostras com intervalos de 1</a:t>
-            </a:r>
-          </a:p>
-        </c:rich>
-      </c:tx>
-      <c:layout>
-        <c:manualLayout>
-          <c:xMode val="edge"/>
-          <c:yMode val="edge"/>
-          <c:x val="0.30388682306056997"/>
-          <c:y val="3.184685943484622E-2"/>
-        </c:manualLayout>
-      </c:layout>
-      <c:overlay val="0"/>
-      <c:spPr>
-        <a:noFill/>
-        <a:ln>
-          <a:noFill/>
-        </a:ln>
-      </c:spPr>
-    </c:title>
-    <c:autoTitleDeleted val="0"/>
+    <c:autoTitleDeleted val="1"/>
     <c:plotArea>
       <c:layout>
         <c:manualLayout>
+          <c:layoutTarget val="inner"/>
           <c:xMode val="edge"/>
           <c:yMode val="edge"/>
-          <c:x val="4.0570069851334437E-3"/>
-          <c:y val="0.10985419098186838"/>
-          <c:w val="0.96767431352360356"/>
-          <c:h val="0.8139973369717094"/>
+          <c:x val="6.1837455830388695E-2"/>
+          <c:y val="0.13375796178343949"/>
+          <c:w val="0.90989399293286222"/>
+          <c:h val="0.71019108280254772"/>
         </c:manualLayout>
       </c:layout>
       <c:barChart>
@@ -1096,53 +1205,80 @@
             <c:v>Histograma</c:v>
           </c:tx>
           <c:spPr>
-            <a:solidFill>
-              <a:srgbClr val="4472C4"/>
-            </a:solidFill>
-            <a:ln>
+            <a:ln w="28575">
               <a:noFill/>
             </a:ln>
           </c:spPr>
           <c:invertIfNegative val="0"/>
           <c:cat>
-            <c:numLit>
-              <c:formatCode>General</c:formatCode>
-              <c:ptCount val="4"/>
-              <c:pt idx="0">
-                <c:v>1</c:v>
-              </c:pt>
-              <c:pt idx="1">
-                <c:v>2</c:v>
-              </c:pt>
-              <c:pt idx="2">
-                <c:v>3</c:v>
-              </c:pt>
-              <c:pt idx="3">
-                <c:v>4</c:v>
-              </c:pt>
-            </c:numLit>
+            <c:numRef>
+              <c:f>Geométrica!$B$1:$B$101</c:f>
+              <c:numCache>
+                <c:formatCode>General</c:formatCode>
+                <c:ptCount val="101"/>
+                <c:pt idx="0">
+                  <c:v>0</c:v>
+                </c:pt>
+                <c:pt idx="1">
+                  <c:v>1</c:v>
+                </c:pt>
+                <c:pt idx="2">
+                  <c:v>2</c:v>
+                </c:pt>
+                <c:pt idx="3">
+                  <c:v>3</c:v>
+                </c:pt>
+                <c:pt idx="4">
+                  <c:v>4</c:v>
+                </c:pt>
+                <c:pt idx="5">
+                  <c:v>5</c:v>
+                </c:pt>
+                <c:pt idx="6">
+                  <c:v>6</c:v>
+                </c:pt>
+                <c:pt idx="7">
+                  <c:v>7</c:v>
+                </c:pt>
+              </c:numCache>
+            </c:numRef>
           </c:cat>
           <c:val>
-            <c:numLit>
-              <c:formatCode>General</c:formatCode>
-              <c:ptCount val="4"/>
-              <c:pt idx="0">
-                <c:v>0.23200000000000001</c:v>
-              </c:pt>
-              <c:pt idx="1">
-                <c:v>0.255</c:v>
-              </c:pt>
-              <c:pt idx="2">
-                <c:v>0.246</c:v>
-              </c:pt>
-              <c:pt idx="3">
-                <c:v>0.26700000000000002</c:v>
-              </c:pt>
-            </c:numLit>
+            <c:numRef>
+              <c:f>Geométrica!$E$1:$E$8</c:f>
+              <c:numCache>
+                <c:formatCode>General</c:formatCode>
+                <c:ptCount val="8"/>
+                <c:pt idx="0">
+                  <c:v>0.64800000000000002</c:v>
+                </c:pt>
+                <c:pt idx="1">
+                  <c:v>0.21199999999999999</c:v>
+                </c:pt>
+                <c:pt idx="2">
+                  <c:v>7.8E-2</c:v>
+                </c:pt>
+                <c:pt idx="3">
+                  <c:v>3.2000000000000001E-2</c:v>
+                </c:pt>
+                <c:pt idx="4">
+                  <c:v>1.9E-2</c:v>
+                </c:pt>
+                <c:pt idx="5">
+                  <c:v>8.0000000000000002E-3</c:v>
+                </c:pt>
+                <c:pt idx="6">
+                  <c:v>1E-3</c:v>
+                </c:pt>
+                <c:pt idx="7">
+                  <c:v>2E-3</c:v>
+                </c:pt>
+              </c:numCache>
+            </c:numRef>
           </c:val>
           <c:extLst>
             <c:ext xmlns:c16="http://schemas.microsoft.com/office/drawing/2014/chart" uri="{C3380CC4-5D6E-409C-BE32-E72D297353CC}">
-              <c16:uniqueId val="{00000000-91D7-46E5-B207-5CB6306CDCDF}"/>
+              <c16:uniqueId val="{00000000-F4E8-4523-A228-7261256E8BB0}"/>
             </c:ext>
           </c:extLst>
         </c:ser>
@@ -1155,70 +1291,98 @@
           <c:showBubbleSize val="0"/>
         </c:dLbls>
         <c:gapWidth val="150"/>
-        <c:axId val="1747862640"/>
-        <c:axId val="1746968512"/>
+        <c:axId val="1401211503"/>
+        <c:axId val="1"/>
       </c:barChart>
       <c:lineChart>
         <c:grouping val="standard"/>
         <c:varyColors val="0"/>
         <c:ser>
-          <c:idx val="1"/>
-          <c:order val="1"/>
+          <c:idx val="2"/>
+          <c:order val="2"/>
           <c:tx>
-            <c:v>Distribuição</c:v>
+            <c:v>Função Densidade de Probabilidade</c:v>
           </c:tx>
           <c:spPr>
-            <a:ln w="19046" cap="rnd">
+            <a:ln>
               <a:solidFill>
-                <a:srgbClr val="ED7D31"/>
+                <a:srgbClr val="00B050"/>
               </a:solidFill>
-              <a:prstDash val="solid"/>
-              <a:round/>
             </a:ln>
           </c:spPr>
           <c:marker>
             <c:symbol val="none"/>
           </c:marker>
           <c:cat>
-            <c:numLit>
-              <c:formatCode>General</c:formatCode>
-              <c:ptCount val="4"/>
-              <c:pt idx="0">
-                <c:v>1</c:v>
-              </c:pt>
-              <c:pt idx="1">
-                <c:v>2</c:v>
-              </c:pt>
-              <c:pt idx="2">
-                <c:v>3</c:v>
-              </c:pt>
-              <c:pt idx="3">
-                <c:v>4</c:v>
-              </c:pt>
-            </c:numLit>
+            <c:numRef>
+              <c:f>Geométrica!$B$1:$B$13</c:f>
+              <c:numCache>
+                <c:formatCode>General</c:formatCode>
+                <c:ptCount val="13"/>
+                <c:pt idx="0">
+                  <c:v>0</c:v>
+                </c:pt>
+                <c:pt idx="1">
+                  <c:v>1</c:v>
+                </c:pt>
+                <c:pt idx="2">
+                  <c:v>2</c:v>
+                </c:pt>
+                <c:pt idx="3">
+                  <c:v>3</c:v>
+                </c:pt>
+                <c:pt idx="4">
+                  <c:v>4</c:v>
+                </c:pt>
+                <c:pt idx="5">
+                  <c:v>5</c:v>
+                </c:pt>
+                <c:pt idx="6">
+                  <c:v>6</c:v>
+                </c:pt>
+                <c:pt idx="7">
+                  <c:v>7</c:v>
+                </c:pt>
+              </c:numCache>
+            </c:numRef>
           </c:cat>
           <c:val>
-            <c:numLit>
-              <c:formatCode>General</c:formatCode>
-              <c:ptCount val="4"/>
-              <c:pt idx="0">
-                <c:v>0.25</c:v>
-              </c:pt>
-              <c:pt idx="1">
-                <c:v>0.25</c:v>
-              </c:pt>
-              <c:pt idx="2">
-                <c:v>0.25</c:v>
-              </c:pt>
-              <c:pt idx="3">
-                <c:v>0.25</c:v>
-              </c:pt>
-            </c:numLit>
+            <c:numRef>
+              <c:f>Geométrica!$G$1:$G$8</c:f>
+              <c:numCache>
+                <c:formatCode>General</c:formatCode>
+                <c:ptCount val="8"/>
+                <c:pt idx="0">
+                  <c:v>0.5</c:v>
+                </c:pt>
+                <c:pt idx="1">
+                  <c:v>0.25</c:v>
+                </c:pt>
+                <c:pt idx="2">
+                  <c:v>0.125</c:v>
+                </c:pt>
+                <c:pt idx="3">
+                  <c:v>6.25E-2</c:v>
+                </c:pt>
+                <c:pt idx="4">
+                  <c:v>3.125E-2</c:v>
+                </c:pt>
+                <c:pt idx="5">
+                  <c:v>1.5625E-2</c:v>
+                </c:pt>
+                <c:pt idx="6">
+                  <c:v>7.8125E-3</c:v>
+                </c:pt>
+                <c:pt idx="7">
+                  <c:v>3.90625E-3</c:v>
+                </c:pt>
+              </c:numCache>
+            </c:numRef>
           </c:val>
           <c:smooth val="0"/>
           <c:extLst>
             <c:ext xmlns:c16="http://schemas.microsoft.com/office/drawing/2014/chart" uri="{C3380CC4-5D6E-409C-BE32-E72D297353CC}">
-              <c16:uniqueId val="{00000001-91D7-46E5-B207-5CB6306CDCDF}"/>
+              <c16:uniqueId val="{00000001-F4E8-4523-A228-7261256E8BB0}"/>
             </c:ext>
           </c:extLst>
         </c:ser>
@@ -1232,46 +1396,179 @@
         </c:dLbls>
         <c:marker val="1"/>
         <c:smooth val="0"/>
-        <c:axId val="1747862640"/>
-        <c:axId val="1746968512"/>
+        <c:axId val="1401211503"/>
+        <c:axId val="1"/>
       </c:lineChart>
-      <c:valAx>
-        <c:axId val="1746968512"/>
+      <c:lineChart>
+        <c:grouping val="standard"/>
+        <c:varyColors val="0"/>
+        <c:ser>
+          <c:idx val="1"/>
+          <c:order val="1"/>
+          <c:tx>
+            <c:v>Função Distribuição Probabilidade</c:v>
+          </c:tx>
+          <c:spPr>
+            <a:ln w="12700">
+              <a:solidFill>
+                <a:srgbClr val="FF0000"/>
+              </a:solidFill>
+              <a:prstDash val="solid"/>
+            </a:ln>
+          </c:spPr>
+          <c:marker>
+            <c:symbol val="none"/>
+          </c:marker>
+          <c:cat>
+            <c:numRef>
+              <c:f>Geométrica!$B$1:$B$13</c:f>
+              <c:numCache>
+                <c:formatCode>General</c:formatCode>
+                <c:ptCount val="13"/>
+                <c:pt idx="0">
+                  <c:v>0</c:v>
+                </c:pt>
+                <c:pt idx="1">
+                  <c:v>1</c:v>
+                </c:pt>
+                <c:pt idx="2">
+                  <c:v>2</c:v>
+                </c:pt>
+                <c:pt idx="3">
+                  <c:v>3</c:v>
+                </c:pt>
+                <c:pt idx="4">
+                  <c:v>4</c:v>
+                </c:pt>
+                <c:pt idx="5">
+                  <c:v>5</c:v>
+                </c:pt>
+                <c:pt idx="6">
+                  <c:v>6</c:v>
+                </c:pt>
+                <c:pt idx="7">
+                  <c:v>7</c:v>
+                </c:pt>
+              </c:numCache>
+            </c:numRef>
+          </c:cat>
+          <c:val>
+            <c:numRef>
+              <c:f>Geométrica!$F$1:$F$8</c:f>
+              <c:numCache>
+                <c:formatCode>General</c:formatCode>
+                <c:ptCount val="8"/>
+                <c:pt idx="0">
+                  <c:v>0.5</c:v>
+                </c:pt>
+                <c:pt idx="1">
+                  <c:v>0.75</c:v>
+                </c:pt>
+                <c:pt idx="2">
+                  <c:v>0.875</c:v>
+                </c:pt>
+                <c:pt idx="3">
+                  <c:v>0.9375</c:v>
+                </c:pt>
+                <c:pt idx="4">
+                  <c:v>0.96875</c:v>
+                </c:pt>
+                <c:pt idx="5">
+                  <c:v>0.984375</c:v>
+                </c:pt>
+                <c:pt idx="6">
+                  <c:v>0.9921875</c:v>
+                </c:pt>
+                <c:pt idx="7">
+                  <c:v>0.99609375</c:v>
+                </c:pt>
+              </c:numCache>
+            </c:numRef>
+          </c:val>
+          <c:smooth val="0"/>
+          <c:extLst>
+            <c:ext xmlns:c16="http://schemas.microsoft.com/office/drawing/2014/chart" uri="{C3380CC4-5D6E-409C-BE32-E72D297353CC}">
+              <c16:uniqueId val="{00000002-F4E8-4523-A228-7261256E8BB0}"/>
+            </c:ext>
+          </c:extLst>
+        </c:ser>
+        <c:dLbls>
+          <c:showLegendKey val="0"/>
+          <c:showVal val="0"/>
+          <c:showCatName val="0"/>
+          <c:showSerName val="0"/>
+          <c:showPercent val="0"/>
+          <c:showBubbleSize val="0"/>
+        </c:dLbls>
+        <c:marker val="1"/>
+        <c:smooth val="0"/>
+        <c:axId val="3"/>
+        <c:axId val="4"/>
+      </c:lineChart>
+      <c:catAx>
+        <c:axId val="1401211503"/>
         <c:scaling>
           <c:orientation val="minMax"/>
         </c:scaling>
         <c:delete val="0"/>
-        <c:axPos val="l"/>
-        <c:numFmt formatCode="General" sourceLinked="0"/>
+        <c:axPos val="b"/>
+        <c:title>
+          <c:tx>
+            <c:rich>
+              <a:bodyPr/>
+              <a:lstStyle/>
+              <a:p>
+                <a:pPr>
+                  <a:defRPr sz="925" b="1" i="0" u="none" strike="noStrike" baseline="0">
+                    <a:solidFill>
+                      <a:srgbClr val="000000"/>
+                    </a:solidFill>
+                    <a:latin typeface="Arial"/>
+                    <a:ea typeface="Arial"/>
+                    <a:cs typeface="Arial"/>
+                  </a:defRPr>
+                </a:pPr>
+                <a:r>
+                  <a:rPr lang="pt-PT"/>
+                  <a:t>n</a:t>
+                </a:r>
+              </a:p>
+            </c:rich>
+          </c:tx>
+          <c:layout>
+            <c:manualLayout>
+              <c:xMode val="edge"/>
+              <c:yMode val="edge"/>
+              <c:x val="0.50706712641311991"/>
+              <c:y val="0.91401282496300484"/>
+            </c:manualLayout>
+          </c:layout>
+          <c:overlay val="0"/>
+          <c:spPr>
+            <a:noFill/>
+            <a:ln w="25400">
+              <a:noFill/>
+            </a:ln>
+          </c:spPr>
+        </c:title>
+        <c:numFmt formatCode="General" sourceLinked="1"/>
         <c:majorTickMark val="out"/>
         <c:minorTickMark val="none"/>
         <c:tickLblPos val="nextTo"/>
         <c:spPr>
-          <a:noFill/>
-          <a:ln w="3172" cap="flat">
+          <a:ln w="3175">
             <a:solidFill>
               <a:srgbClr val="000000"/>
             </a:solidFill>
             <a:prstDash val="solid"/>
-            <a:round/>
           </a:ln>
         </c:spPr>
         <c:txPr>
-          <a:bodyPr lIns="0" tIns="0" rIns="0" bIns="0"/>
+          <a:bodyPr rot="0" vert="horz"/>
           <a:lstStyle/>
           <a:p>
-            <a:pPr marL="0" marR="0" indent="0" defTabSz="914400" fontAlgn="auto" hangingPunct="1">
-              <a:lnSpc>
-                <a:spcPct val="100000"/>
-              </a:lnSpc>
-              <a:spcBef>
-                <a:spcPts val="0"/>
-              </a:spcBef>
-              <a:spcAft>
-                <a:spcPts val="0"/>
-              </a:spcAft>
-              <a:tabLst/>
-              <a:defRPr sz="1025" b="0" i="0" u="none" strike="noStrike" kern="1200" baseline="0">
+            <a:pPr>
+              <a:defRPr sz="1025" b="0" i="0" u="none" strike="noStrike" baseline="0">
                 <a:solidFill>
                   <a:srgbClr val="000000"/>
                 </a:solidFill>
@@ -1283,104 +1580,39 @@
             <a:endParaRPr lang="pt-PT"/>
           </a:p>
         </c:txPr>
-        <c:crossAx val="1747862640"/>
+        <c:crossAx val="1"/>
         <c:crosses val="autoZero"/>
-        <c:crossBetween val="between"/>
-      </c:valAx>
-      <c:catAx>
-        <c:axId val="1747862640"/>
+        <c:auto val="1"/>
+        <c:lblAlgn val="ctr"/>
+        <c:lblOffset val="100"/>
+        <c:tickMarkSkip val="1"/>
+        <c:noMultiLvlLbl val="0"/>
+      </c:catAx>
+      <c:valAx>
+        <c:axId val="1"/>
         <c:scaling>
           <c:orientation val="minMax"/>
         </c:scaling>
         <c:delete val="0"/>
-        <c:axPos val="b"/>
-        <c:title>
-          <c:tx>
-            <c:rich>
-              <a:bodyPr lIns="0" tIns="0" rIns="0" bIns="0"/>
-              <a:lstStyle/>
-              <a:p>
-                <a:pPr marL="0" marR="0" indent="0" algn="ctr" defTabSz="914400" fontAlgn="auto" hangingPunct="1">
-                  <a:lnSpc>
-                    <a:spcPct val="100000"/>
-                  </a:lnSpc>
-                  <a:spcBef>
-                    <a:spcPts val="0"/>
-                  </a:spcBef>
-                  <a:spcAft>
-                    <a:spcPts val="0"/>
-                  </a:spcAft>
-                  <a:tabLst/>
-                  <a:defRPr sz="925" b="1" i="0" u="none" strike="noStrike" kern="1200" baseline="0">
-                    <a:solidFill>
-                      <a:srgbClr val="000000"/>
-                    </a:solidFill>
-                    <a:latin typeface="Arial"/>
-                    <a:ea typeface="Arial"/>
-                    <a:cs typeface="Arial"/>
-                  </a:defRPr>
-                </a:pPr>
-                <a:r>
-                  <a:rPr lang="pt-PT" sz="925" b="1" i="0" u="none" strike="noStrike" kern="1200" cap="none" spc="0" baseline="0">
-                    <a:solidFill>
-                      <a:srgbClr val="000000"/>
-                    </a:solidFill>
-                    <a:uFillTx/>
-                    <a:latin typeface="Arial"/>
-                    <a:ea typeface="Arial"/>
-                    <a:cs typeface="Arial"/>
-                  </a:rPr>
-                  <a:t>n</a:t>
-                </a:r>
-              </a:p>
-            </c:rich>
-          </c:tx>
-          <c:layout>
-            <c:manualLayout>
-              <c:xMode val="edge"/>
-              <c:yMode val="edge"/>
-              <c:x val="0.50706716987281575"/>
-              <c:y val="0.91401278911117323"/>
-            </c:manualLayout>
-          </c:layout>
-          <c:overlay val="0"/>
-          <c:spPr>
-            <a:noFill/>
-            <a:ln>
-              <a:noFill/>
-            </a:ln>
-          </c:spPr>
-        </c:title>
-        <c:numFmt formatCode="General" sourceLinked="0"/>
+        <c:axPos val="l"/>
+        <c:numFmt formatCode="General" sourceLinked="1"/>
         <c:majorTickMark val="out"/>
         <c:minorTickMark val="none"/>
         <c:tickLblPos val="nextTo"/>
         <c:spPr>
-          <a:noFill/>
-          <a:ln w="3172" cap="flat">
+          <a:ln w="3175">
             <a:solidFill>
               <a:srgbClr val="000000"/>
             </a:solidFill>
             <a:prstDash val="solid"/>
-            <a:round/>
           </a:ln>
         </c:spPr>
         <c:txPr>
-          <a:bodyPr lIns="0" tIns="0" rIns="0" bIns="0"/>
+          <a:bodyPr rot="0" vert="horz"/>
           <a:lstStyle/>
           <a:p>
-            <a:pPr marL="0" marR="0" indent="0" defTabSz="914400" fontAlgn="auto" hangingPunct="1">
-              <a:lnSpc>
-                <a:spcPct val="100000"/>
-              </a:lnSpc>
-              <a:spcBef>
-                <a:spcPts val="0"/>
-              </a:spcBef>
-              <a:spcAft>
-                <a:spcPts val="0"/>
-              </a:spcAft>
-              <a:tabLst/>
-              <a:defRPr sz="1025" b="0" i="0" u="none" strike="noStrike" kern="1200" baseline="0">
+            <a:pPr>
+              <a:defRPr sz="1025" b="0" i="0" u="none" strike="noStrike" baseline="0">
                 <a:solidFill>
                   <a:srgbClr val="000000"/>
                 </a:solidFill>
@@ -1392,16 +1624,63 @@
             <a:endParaRPr lang="pt-PT"/>
           </a:p>
         </c:txPr>
-        <c:crossAx val="1746968512"/>
+        <c:crossAx val="1401211503"/>
+        <c:crosses val="autoZero"/>
+        <c:crossBetween val="between"/>
+      </c:valAx>
+      <c:catAx>
+        <c:axId val="3"/>
+        <c:scaling>
+          <c:orientation val="minMax"/>
+        </c:scaling>
+        <c:delete val="1"/>
+        <c:axPos val="b"/>
+        <c:numFmt formatCode="General" sourceLinked="1"/>
+        <c:majorTickMark val="out"/>
+        <c:minorTickMark val="none"/>
+        <c:tickLblPos val="nextTo"/>
+        <c:crossAx val="4"/>
         <c:crosses val="autoZero"/>
         <c:auto val="1"/>
         <c:lblAlgn val="ctr"/>
         <c:lblOffset val="100"/>
         <c:noMultiLvlLbl val="0"/>
       </c:catAx>
+      <c:valAx>
+        <c:axId val="4"/>
+        <c:scaling>
+          <c:orientation val="minMax"/>
+        </c:scaling>
+        <c:delete val="0"/>
+        <c:axPos val="r"/>
+        <c:numFmt formatCode="General" sourceLinked="1"/>
+        <c:majorTickMark val="out"/>
+        <c:minorTickMark val="none"/>
+        <c:tickLblPos val="nextTo"/>
+        <c:txPr>
+          <a:bodyPr rot="0" vert="horz"/>
+          <a:lstStyle/>
+          <a:p>
+            <a:pPr>
+              <a:defRPr sz="1050" b="0" i="0" u="none" strike="noStrike" baseline="0">
+                <a:solidFill>
+                  <a:srgbClr val="000000"/>
+                </a:solidFill>
+                <a:latin typeface="Arial"/>
+                <a:ea typeface="Arial"/>
+                <a:cs typeface="Arial"/>
+              </a:defRPr>
+            </a:pPr>
+            <a:endParaRPr lang="pt-PT"/>
+          </a:p>
+        </c:txPr>
+        <c:crossAx val="3"/>
+        <c:crosses val="max"/>
+        <c:crossBetween val="between"/>
+      </c:valAx>
       <c:spPr>
         <a:noFill/>
-        <a:ln>
+        <a:ln w="25400">
           <a:noFill/>
         </a:ln>
       </c:spPr>
@@ -1414,30 +1693,19 @@
     <a:solidFill>
       <a:srgbClr val="FFFFFF"/>
     </a:solidFill>
-    <a:ln w="3172" cap="flat">
+    <a:ln w="3175">
       <a:solidFill>
         <a:srgbClr val="000000"/>
       </a:solidFill>
       <a:prstDash val="solid"/>
-      <a:round/>
     </a:ln>
   </c:spPr>
   <c:txPr>
-    <a:bodyPr lIns="0" tIns="0" rIns="0" bIns="0"/>
+    <a:bodyPr/>
     <a:lstStyle/>
     <a:p>
-      <a:pPr marL="0" marR="0" indent="0" defTabSz="914400" fontAlgn="auto" hangingPunct="1">
-        <a:lnSpc>
-          <a:spcPct val="100000"/>
-        </a:lnSpc>
-        <a:spcBef>
-          <a:spcPts val="0"/>
-        </a:spcBef>
-        <a:spcAft>
-          <a:spcPts val="0"/>
-        </a:spcAft>
-        <a:tabLst/>
-        <a:defRPr lang="pt-PT" sz="1050" b="0" i="0" u="none" strike="noStrike" kern="1200" baseline="0">
+      <a:pPr>
+        <a:defRPr sz="1050" b="0" i="0" u="none" strike="noStrike" baseline="0">
           <a:solidFill>
             <a:srgbClr val="000000"/>
           </a:solidFill>
@@ -1469,73 +1737,17 @@
     </mc:Fallback>
   </mc:AlternateContent>
   <c:chart>
-    <c:title>
-      <c:tx>
-        <c:rich>
-          <a:bodyPr lIns="0" tIns="0" rIns="0" bIns="0"/>
-          <a:lstStyle/>
-          <a:p>
-            <a:pPr marL="0" marR="0" indent="0" algn="ctr" defTabSz="914400" fontAlgn="auto" hangingPunct="1">
-              <a:lnSpc>
-                <a:spcPct val="100000"/>
-              </a:lnSpc>
-              <a:spcBef>
-                <a:spcPts val="0"/>
-              </a:spcBef>
-              <a:spcAft>
-                <a:spcPts val="0"/>
-              </a:spcAft>
-              <a:tabLst/>
-              <a:defRPr sz="850" b="1" i="0" u="none" strike="noStrike" kern="1200" baseline="0">
-                <a:solidFill>
-                  <a:srgbClr val="000000"/>
-                </a:solidFill>
-                <a:latin typeface="Arial"/>
-                <a:ea typeface="Arial"/>
-                <a:cs typeface="Arial"/>
-              </a:defRPr>
-            </a:pPr>
-            <a:r>
-              <a:rPr lang="pt-PT" sz="850" b="1" i="0" u="none" strike="noStrike" kern="1200" cap="none" spc="0" baseline="0">
-                <a:solidFill>
-                  <a:srgbClr val="000000"/>
-                </a:solidFill>
-                <a:uFillTx/>
-                <a:latin typeface="Arial"/>
-                <a:ea typeface="Arial"/>
-                <a:cs typeface="Arial"/>
-              </a:rPr>
-              <a:t>Análise da VA N para 1000 amostras com intervalos de 1</a:t>
-            </a:r>
-          </a:p>
-        </c:rich>
-      </c:tx>
-      <c:layout>
-        <c:manualLayout>
-          <c:xMode val="edge"/>
-          <c:yMode val="edge"/>
-          <c:x val="0.30388682306056997"/>
-          <c:y val="3.184701912260967E-2"/>
-        </c:manualLayout>
-      </c:layout>
-      <c:overlay val="0"/>
-      <c:spPr>
-        <a:noFill/>
-        <a:ln>
-          <a:noFill/>
-        </a:ln>
-      </c:spPr>
-    </c:title>
-    <c:autoTitleDeleted val="0"/>
+    <c:autoTitleDeleted val="1"/>
     <c:plotArea>
       <c:layout>
         <c:manualLayout>
+          <c:layoutTarget val="inner"/>
           <c:xMode val="edge"/>
           <c:yMode val="edge"/>
-          <c:x val="0"/>
-          <c:y val="0.11141507311586052"/>
-          <c:w val="1"/>
-          <c:h val="0.80543562054743156"/>
+          <c:x val="6.1837455830388695E-2"/>
+          <c:y val="0.13375796178343949"/>
+          <c:w val="0.90989399293286222"/>
+          <c:h val="0.71019108280254772"/>
         </c:manualLayout>
       </c:layout>
       <c:barChart>
@@ -1549,635 +1761,638 @@
             <c:v>Histograma</c:v>
           </c:tx>
           <c:spPr>
-            <a:solidFill>
-              <a:srgbClr val="4472C4"/>
-            </a:solidFill>
-            <a:ln>
+            <a:ln w="28575">
               <a:noFill/>
             </a:ln>
           </c:spPr>
           <c:invertIfNegative val="0"/>
           <c:cat>
-            <c:numLit>
-              <c:formatCode>General</c:formatCode>
-              <c:ptCount val="101"/>
-              <c:pt idx="0">
-                <c:v>0</c:v>
-              </c:pt>
-              <c:pt idx="1">
-                <c:v>1</c:v>
-              </c:pt>
-              <c:pt idx="2">
-                <c:v>2</c:v>
-              </c:pt>
-              <c:pt idx="3">
-                <c:v>3</c:v>
-              </c:pt>
-              <c:pt idx="4">
-                <c:v>4</c:v>
-              </c:pt>
-              <c:pt idx="5">
-                <c:v>5</c:v>
-              </c:pt>
-              <c:pt idx="6">
-                <c:v>6</c:v>
-              </c:pt>
-              <c:pt idx="7">
-                <c:v>7</c:v>
-              </c:pt>
-              <c:pt idx="8">
-                <c:v>8</c:v>
-              </c:pt>
-              <c:pt idx="9">
-                <c:v>9</c:v>
-              </c:pt>
-              <c:pt idx="10">
-                <c:v>10</c:v>
-              </c:pt>
-              <c:pt idx="11">
-                <c:v>11</c:v>
-              </c:pt>
-              <c:pt idx="12">
-                <c:v>12</c:v>
-              </c:pt>
-              <c:pt idx="13">
-                <c:v>13</c:v>
-              </c:pt>
-              <c:pt idx="14">
-                <c:v>14</c:v>
-              </c:pt>
-              <c:pt idx="15">
-                <c:v>15</c:v>
-              </c:pt>
-              <c:pt idx="16">
-                <c:v>16</c:v>
-              </c:pt>
-              <c:pt idx="17">
-                <c:v>17</c:v>
-              </c:pt>
-              <c:pt idx="18">
-                <c:v>18</c:v>
-              </c:pt>
-              <c:pt idx="19">
-                <c:v>19</c:v>
-              </c:pt>
-              <c:pt idx="20">
-                <c:v>20</c:v>
-              </c:pt>
-              <c:pt idx="21">
-                <c:v>21</c:v>
-              </c:pt>
-              <c:pt idx="22">
-                <c:v>22</c:v>
-              </c:pt>
-              <c:pt idx="23">
-                <c:v>23</c:v>
-              </c:pt>
-              <c:pt idx="24">
-                <c:v>24</c:v>
-              </c:pt>
-              <c:pt idx="25">
-                <c:v>25</c:v>
-              </c:pt>
-              <c:pt idx="26">
-                <c:v>26</c:v>
-              </c:pt>
-              <c:pt idx="27">
-                <c:v>27</c:v>
-              </c:pt>
-              <c:pt idx="28">
-                <c:v>28</c:v>
-              </c:pt>
-              <c:pt idx="29">
-                <c:v>29</c:v>
-              </c:pt>
-              <c:pt idx="30">
-                <c:v>30</c:v>
-              </c:pt>
-              <c:pt idx="31">
-                <c:v>31</c:v>
-              </c:pt>
-              <c:pt idx="32">
-                <c:v>32</c:v>
-              </c:pt>
-              <c:pt idx="33">
-                <c:v>33</c:v>
-              </c:pt>
-              <c:pt idx="34">
-                <c:v>34</c:v>
-              </c:pt>
-              <c:pt idx="35">
-                <c:v>35</c:v>
-              </c:pt>
-              <c:pt idx="36">
-                <c:v>36</c:v>
-              </c:pt>
-              <c:pt idx="37">
-                <c:v>37</c:v>
-              </c:pt>
-              <c:pt idx="38">
-                <c:v>38</c:v>
-              </c:pt>
-              <c:pt idx="39">
-                <c:v>39</c:v>
-              </c:pt>
-              <c:pt idx="40">
-                <c:v>40</c:v>
-              </c:pt>
-              <c:pt idx="41">
-                <c:v>41</c:v>
-              </c:pt>
-              <c:pt idx="42">
-                <c:v>42</c:v>
-              </c:pt>
-              <c:pt idx="43">
-                <c:v>43</c:v>
-              </c:pt>
-              <c:pt idx="44">
-                <c:v>44</c:v>
-              </c:pt>
-              <c:pt idx="45">
-                <c:v>45</c:v>
-              </c:pt>
-              <c:pt idx="46">
-                <c:v>46</c:v>
-              </c:pt>
-              <c:pt idx="47">
-                <c:v>47</c:v>
-              </c:pt>
-              <c:pt idx="48">
-                <c:v>48</c:v>
-              </c:pt>
-              <c:pt idx="49">
-                <c:v>49</c:v>
-              </c:pt>
-              <c:pt idx="50">
-                <c:v>50</c:v>
-              </c:pt>
-              <c:pt idx="51">
-                <c:v>51</c:v>
-              </c:pt>
-              <c:pt idx="52">
-                <c:v>52</c:v>
-              </c:pt>
-              <c:pt idx="53">
-                <c:v>53</c:v>
-              </c:pt>
-              <c:pt idx="54">
-                <c:v>54</c:v>
-              </c:pt>
-              <c:pt idx="55">
-                <c:v>55</c:v>
-              </c:pt>
-              <c:pt idx="56">
-                <c:v>56</c:v>
-              </c:pt>
-              <c:pt idx="57">
-                <c:v>57</c:v>
-              </c:pt>
-              <c:pt idx="58">
-                <c:v>58</c:v>
-              </c:pt>
-              <c:pt idx="59">
-                <c:v>59</c:v>
-              </c:pt>
-              <c:pt idx="60">
-                <c:v>60</c:v>
-              </c:pt>
-              <c:pt idx="61">
-                <c:v>61</c:v>
-              </c:pt>
-              <c:pt idx="62">
-                <c:v>62</c:v>
-              </c:pt>
-              <c:pt idx="63">
-                <c:v>63</c:v>
-              </c:pt>
-              <c:pt idx="64">
-                <c:v>64</c:v>
-              </c:pt>
-              <c:pt idx="65">
-                <c:v>65</c:v>
-              </c:pt>
-              <c:pt idx="66">
-                <c:v>66</c:v>
-              </c:pt>
-              <c:pt idx="67">
-                <c:v>67</c:v>
-              </c:pt>
-              <c:pt idx="68">
-                <c:v>68</c:v>
-              </c:pt>
-              <c:pt idx="69">
-                <c:v>69</c:v>
-              </c:pt>
-              <c:pt idx="70">
-                <c:v>70</c:v>
-              </c:pt>
-              <c:pt idx="71">
-                <c:v>71</c:v>
-              </c:pt>
-              <c:pt idx="72">
-                <c:v>72</c:v>
-              </c:pt>
-              <c:pt idx="73">
-                <c:v>73</c:v>
-              </c:pt>
-              <c:pt idx="74">
-                <c:v>74</c:v>
-              </c:pt>
-              <c:pt idx="75">
-                <c:v>75</c:v>
-              </c:pt>
-              <c:pt idx="76">
-                <c:v>76</c:v>
-              </c:pt>
-              <c:pt idx="77">
-                <c:v>77</c:v>
-              </c:pt>
-              <c:pt idx="78">
-                <c:v>78</c:v>
-              </c:pt>
-              <c:pt idx="79">
-                <c:v>79</c:v>
-              </c:pt>
-              <c:pt idx="80">
-                <c:v>80</c:v>
-              </c:pt>
-              <c:pt idx="81">
-                <c:v>81</c:v>
-              </c:pt>
-              <c:pt idx="82">
-                <c:v>82</c:v>
-              </c:pt>
-              <c:pt idx="83">
-                <c:v>83</c:v>
-              </c:pt>
-              <c:pt idx="84">
-                <c:v>84</c:v>
-              </c:pt>
-              <c:pt idx="85">
-                <c:v>85</c:v>
-              </c:pt>
-              <c:pt idx="86">
-                <c:v>86</c:v>
-              </c:pt>
-              <c:pt idx="87">
-                <c:v>87</c:v>
-              </c:pt>
-              <c:pt idx="88">
-                <c:v>88</c:v>
-              </c:pt>
-              <c:pt idx="89">
-                <c:v>89</c:v>
-              </c:pt>
-              <c:pt idx="90">
-                <c:v>90</c:v>
-              </c:pt>
-              <c:pt idx="91">
-                <c:v>91</c:v>
-              </c:pt>
-              <c:pt idx="92">
-                <c:v>92</c:v>
-              </c:pt>
-              <c:pt idx="93">
-                <c:v>93</c:v>
-              </c:pt>
-              <c:pt idx="94">
-                <c:v>94</c:v>
-              </c:pt>
-              <c:pt idx="95">
-                <c:v>95</c:v>
-              </c:pt>
-              <c:pt idx="96">
-                <c:v>96</c:v>
-              </c:pt>
-              <c:pt idx="97">
-                <c:v>97</c:v>
-              </c:pt>
-              <c:pt idx="98">
-                <c:v>98</c:v>
-              </c:pt>
-              <c:pt idx="99">
-                <c:v>99</c:v>
-              </c:pt>
-              <c:pt idx="100">
-                <c:v>100</c:v>
-              </c:pt>
-            </c:numLit>
+            <c:numRef>
+              <c:f>Normal!$B$1:$B$101</c:f>
+              <c:numCache>
+                <c:formatCode>General</c:formatCode>
+                <c:ptCount val="101"/>
+                <c:pt idx="0">
+                  <c:v>0</c:v>
+                </c:pt>
+                <c:pt idx="1">
+                  <c:v>1</c:v>
+                </c:pt>
+                <c:pt idx="2">
+                  <c:v>2</c:v>
+                </c:pt>
+                <c:pt idx="3">
+                  <c:v>3</c:v>
+                </c:pt>
+                <c:pt idx="4">
+                  <c:v>4</c:v>
+                </c:pt>
+                <c:pt idx="5">
+                  <c:v>5</c:v>
+                </c:pt>
+                <c:pt idx="6">
+                  <c:v>6</c:v>
+                </c:pt>
+                <c:pt idx="7">
+                  <c:v>7</c:v>
+                </c:pt>
+                <c:pt idx="8">
+                  <c:v>8</c:v>
+                </c:pt>
+                <c:pt idx="9">
+                  <c:v>9</c:v>
+                </c:pt>
+                <c:pt idx="10">
+                  <c:v>10</c:v>
+                </c:pt>
+                <c:pt idx="11">
+                  <c:v>11</c:v>
+                </c:pt>
+                <c:pt idx="12">
+                  <c:v>12</c:v>
+                </c:pt>
+                <c:pt idx="13">
+                  <c:v>13</c:v>
+                </c:pt>
+                <c:pt idx="14">
+                  <c:v>14</c:v>
+                </c:pt>
+                <c:pt idx="15">
+                  <c:v>15</c:v>
+                </c:pt>
+                <c:pt idx="16">
+                  <c:v>16</c:v>
+                </c:pt>
+                <c:pt idx="17">
+                  <c:v>17</c:v>
+                </c:pt>
+                <c:pt idx="18">
+                  <c:v>18</c:v>
+                </c:pt>
+                <c:pt idx="19">
+                  <c:v>19</c:v>
+                </c:pt>
+                <c:pt idx="20">
+                  <c:v>20</c:v>
+                </c:pt>
+                <c:pt idx="21">
+                  <c:v>21</c:v>
+                </c:pt>
+                <c:pt idx="22">
+                  <c:v>22</c:v>
+                </c:pt>
+                <c:pt idx="23">
+                  <c:v>23</c:v>
+                </c:pt>
+                <c:pt idx="24">
+                  <c:v>24</c:v>
+                </c:pt>
+                <c:pt idx="25">
+                  <c:v>25</c:v>
+                </c:pt>
+                <c:pt idx="26">
+                  <c:v>26</c:v>
+                </c:pt>
+                <c:pt idx="27">
+                  <c:v>27</c:v>
+                </c:pt>
+                <c:pt idx="28">
+                  <c:v>28</c:v>
+                </c:pt>
+                <c:pt idx="29">
+                  <c:v>29</c:v>
+                </c:pt>
+                <c:pt idx="30">
+                  <c:v>30</c:v>
+                </c:pt>
+                <c:pt idx="31">
+                  <c:v>31</c:v>
+                </c:pt>
+                <c:pt idx="32">
+                  <c:v>32</c:v>
+                </c:pt>
+                <c:pt idx="33">
+                  <c:v>33</c:v>
+                </c:pt>
+                <c:pt idx="34">
+                  <c:v>34</c:v>
+                </c:pt>
+                <c:pt idx="35">
+                  <c:v>35</c:v>
+                </c:pt>
+                <c:pt idx="36">
+                  <c:v>36</c:v>
+                </c:pt>
+                <c:pt idx="37">
+                  <c:v>37</c:v>
+                </c:pt>
+                <c:pt idx="38">
+                  <c:v>38</c:v>
+                </c:pt>
+                <c:pt idx="39">
+                  <c:v>39</c:v>
+                </c:pt>
+                <c:pt idx="40">
+                  <c:v>40</c:v>
+                </c:pt>
+                <c:pt idx="41">
+                  <c:v>41</c:v>
+                </c:pt>
+                <c:pt idx="42">
+                  <c:v>42</c:v>
+                </c:pt>
+                <c:pt idx="43">
+                  <c:v>43</c:v>
+                </c:pt>
+                <c:pt idx="44">
+                  <c:v>44</c:v>
+                </c:pt>
+                <c:pt idx="45">
+                  <c:v>45</c:v>
+                </c:pt>
+                <c:pt idx="46">
+                  <c:v>46</c:v>
+                </c:pt>
+                <c:pt idx="47">
+                  <c:v>47</c:v>
+                </c:pt>
+                <c:pt idx="48">
+                  <c:v>48</c:v>
+                </c:pt>
+                <c:pt idx="49">
+                  <c:v>49</c:v>
+                </c:pt>
+                <c:pt idx="50">
+                  <c:v>50</c:v>
+                </c:pt>
+                <c:pt idx="51">
+                  <c:v>51</c:v>
+                </c:pt>
+                <c:pt idx="52">
+                  <c:v>52</c:v>
+                </c:pt>
+                <c:pt idx="53">
+                  <c:v>53</c:v>
+                </c:pt>
+                <c:pt idx="54">
+                  <c:v>54</c:v>
+                </c:pt>
+                <c:pt idx="55">
+                  <c:v>55</c:v>
+                </c:pt>
+                <c:pt idx="56">
+                  <c:v>56</c:v>
+                </c:pt>
+                <c:pt idx="57">
+                  <c:v>57</c:v>
+                </c:pt>
+                <c:pt idx="58">
+                  <c:v>58</c:v>
+                </c:pt>
+                <c:pt idx="59">
+                  <c:v>59</c:v>
+                </c:pt>
+                <c:pt idx="60">
+                  <c:v>60</c:v>
+                </c:pt>
+                <c:pt idx="61">
+                  <c:v>61</c:v>
+                </c:pt>
+                <c:pt idx="62">
+                  <c:v>62</c:v>
+                </c:pt>
+                <c:pt idx="63">
+                  <c:v>63</c:v>
+                </c:pt>
+                <c:pt idx="64">
+                  <c:v>64</c:v>
+                </c:pt>
+                <c:pt idx="65">
+                  <c:v>65</c:v>
+                </c:pt>
+                <c:pt idx="66">
+                  <c:v>66</c:v>
+                </c:pt>
+                <c:pt idx="67">
+                  <c:v>67</c:v>
+                </c:pt>
+                <c:pt idx="68">
+                  <c:v>68</c:v>
+                </c:pt>
+                <c:pt idx="69">
+                  <c:v>69</c:v>
+                </c:pt>
+                <c:pt idx="70">
+                  <c:v>70</c:v>
+                </c:pt>
+                <c:pt idx="71">
+                  <c:v>71</c:v>
+                </c:pt>
+                <c:pt idx="72">
+                  <c:v>72</c:v>
+                </c:pt>
+                <c:pt idx="73">
+                  <c:v>73</c:v>
+                </c:pt>
+                <c:pt idx="74">
+                  <c:v>74</c:v>
+                </c:pt>
+                <c:pt idx="75">
+                  <c:v>75</c:v>
+                </c:pt>
+                <c:pt idx="76">
+                  <c:v>76</c:v>
+                </c:pt>
+                <c:pt idx="77">
+                  <c:v>77</c:v>
+                </c:pt>
+                <c:pt idx="78">
+                  <c:v>78</c:v>
+                </c:pt>
+                <c:pt idx="79">
+                  <c:v>79</c:v>
+                </c:pt>
+                <c:pt idx="80">
+                  <c:v>80</c:v>
+                </c:pt>
+                <c:pt idx="81">
+                  <c:v>81</c:v>
+                </c:pt>
+                <c:pt idx="82">
+                  <c:v>82</c:v>
+                </c:pt>
+                <c:pt idx="83">
+                  <c:v>83</c:v>
+                </c:pt>
+                <c:pt idx="84">
+                  <c:v>84</c:v>
+                </c:pt>
+                <c:pt idx="85">
+                  <c:v>85</c:v>
+                </c:pt>
+                <c:pt idx="86">
+                  <c:v>86</c:v>
+                </c:pt>
+                <c:pt idx="87">
+                  <c:v>87</c:v>
+                </c:pt>
+                <c:pt idx="88">
+                  <c:v>88</c:v>
+                </c:pt>
+                <c:pt idx="89">
+                  <c:v>89</c:v>
+                </c:pt>
+                <c:pt idx="90">
+                  <c:v>90</c:v>
+                </c:pt>
+                <c:pt idx="91">
+                  <c:v>91</c:v>
+                </c:pt>
+                <c:pt idx="92">
+                  <c:v>92</c:v>
+                </c:pt>
+                <c:pt idx="93">
+                  <c:v>93</c:v>
+                </c:pt>
+                <c:pt idx="94">
+                  <c:v>94</c:v>
+                </c:pt>
+                <c:pt idx="95">
+                  <c:v>95</c:v>
+                </c:pt>
+                <c:pt idx="96">
+                  <c:v>96</c:v>
+                </c:pt>
+                <c:pt idx="97">
+                  <c:v>97</c:v>
+                </c:pt>
+                <c:pt idx="98">
+                  <c:v>98</c:v>
+                </c:pt>
+                <c:pt idx="99">
+                  <c:v>99</c:v>
+                </c:pt>
+                <c:pt idx="100">
+                  <c:v>100</c:v>
+                </c:pt>
+              </c:numCache>
+            </c:numRef>
           </c:cat>
           <c:val>
-            <c:numLit>
-              <c:formatCode>General</c:formatCode>
-              <c:ptCount val="101"/>
-              <c:pt idx="0">
-                <c:v>0</c:v>
-              </c:pt>
-              <c:pt idx="1">
-                <c:v>0</c:v>
-              </c:pt>
-              <c:pt idx="2">
-                <c:v>0</c:v>
-              </c:pt>
-              <c:pt idx="3">
-                <c:v>0</c:v>
-              </c:pt>
-              <c:pt idx="4">
-                <c:v>0</c:v>
-              </c:pt>
-              <c:pt idx="5">
-                <c:v>0</c:v>
-              </c:pt>
-              <c:pt idx="6">
-                <c:v>0</c:v>
-              </c:pt>
-              <c:pt idx="7">
-                <c:v>0</c:v>
-              </c:pt>
-              <c:pt idx="8">
-                <c:v>0</c:v>
-              </c:pt>
-              <c:pt idx="9">
-                <c:v>0</c:v>
-              </c:pt>
-              <c:pt idx="10">
-                <c:v>0</c:v>
-              </c:pt>
-              <c:pt idx="11">
-                <c:v>0</c:v>
-              </c:pt>
-              <c:pt idx="12">
-                <c:v>0</c:v>
-              </c:pt>
-              <c:pt idx="13">
-                <c:v>0</c:v>
-              </c:pt>
-              <c:pt idx="14">
-                <c:v>0</c:v>
-              </c:pt>
-              <c:pt idx="15">
-                <c:v>0</c:v>
-              </c:pt>
-              <c:pt idx="16">
-                <c:v>0</c:v>
-              </c:pt>
-              <c:pt idx="17">
-                <c:v>0</c:v>
-              </c:pt>
-              <c:pt idx="18">
-                <c:v>0</c:v>
-              </c:pt>
-              <c:pt idx="19">
-                <c:v>0</c:v>
-              </c:pt>
-              <c:pt idx="20">
-                <c:v>0</c:v>
-              </c:pt>
-              <c:pt idx="21">
-                <c:v>0</c:v>
-              </c:pt>
-              <c:pt idx="22">
-                <c:v>0</c:v>
-              </c:pt>
-              <c:pt idx="23">
-                <c:v>0</c:v>
-              </c:pt>
-              <c:pt idx="24">
-                <c:v>0</c:v>
-              </c:pt>
-              <c:pt idx="25">
-                <c:v>2E-3</c:v>
-              </c:pt>
-              <c:pt idx="26">
-                <c:v>0</c:v>
-              </c:pt>
-              <c:pt idx="27">
-                <c:v>1E-3</c:v>
-              </c:pt>
-              <c:pt idx="28">
-                <c:v>3.0000000000000001E-3</c:v>
-              </c:pt>
-              <c:pt idx="29">
-                <c:v>2E-3</c:v>
-              </c:pt>
-              <c:pt idx="30">
-                <c:v>4.0000000000000001E-3</c:v>
-              </c:pt>
-              <c:pt idx="31">
-                <c:v>3.0000000000000001E-3</c:v>
-              </c:pt>
-              <c:pt idx="32">
-                <c:v>3.0000000000000001E-3</c:v>
-              </c:pt>
-              <c:pt idx="33">
-                <c:v>8.0000000000000002E-3</c:v>
-              </c:pt>
-              <c:pt idx="34">
-                <c:v>8.0000000000000002E-3</c:v>
-              </c:pt>
-              <c:pt idx="35">
-                <c:v>1.0999999999999999E-2</c:v>
-              </c:pt>
-              <c:pt idx="36">
-                <c:v>1.2999999999999999E-2</c:v>
-              </c:pt>
-              <c:pt idx="37">
-                <c:v>7.0000000000000001E-3</c:v>
-              </c:pt>
-              <c:pt idx="38">
-                <c:v>1.6E-2</c:v>
-              </c:pt>
-              <c:pt idx="39">
-                <c:v>1.0999999999999999E-2</c:v>
-              </c:pt>
-              <c:pt idx="40">
-                <c:v>1.7000000000000001E-2</c:v>
-              </c:pt>
-              <c:pt idx="41">
-                <c:v>3.2000000000000001E-2</c:v>
-              </c:pt>
-              <c:pt idx="42">
-                <c:v>3.6999999999999998E-2</c:v>
-              </c:pt>
-              <c:pt idx="43">
-                <c:v>3.2000000000000001E-2</c:v>
-              </c:pt>
-              <c:pt idx="44">
-                <c:v>3.9E-2</c:v>
-              </c:pt>
-              <c:pt idx="45">
-                <c:v>3.6999999999999998E-2</c:v>
-              </c:pt>
-              <c:pt idx="46">
-                <c:v>3.7999999999999999E-2</c:v>
-              </c:pt>
-              <c:pt idx="47">
-                <c:v>4.2999999999999997E-2</c:v>
-              </c:pt>
-              <c:pt idx="48">
-                <c:v>5.7000000000000002E-2</c:v>
-              </c:pt>
-              <c:pt idx="49">
-                <c:v>0.05</c:v>
-              </c:pt>
-              <c:pt idx="50">
-                <c:v>4.2000000000000003E-2</c:v>
-              </c:pt>
-              <c:pt idx="51">
-                <c:v>4.8000000000000001E-2</c:v>
-              </c:pt>
-              <c:pt idx="52">
-                <c:v>4.1000000000000002E-2</c:v>
-              </c:pt>
-              <c:pt idx="53">
-                <c:v>4.9000000000000002E-2</c:v>
-              </c:pt>
-              <c:pt idx="54">
-                <c:v>5.1999999999999998E-2</c:v>
-              </c:pt>
-              <c:pt idx="55">
-                <c:v>4.2000000000000003E-2</c:v>
-              </c:pt>
-              <c:pt idx="56">
-                <c:v>3.6999999999999998E-2</c:v>
-              </c:pt>
-              <c:pt idx="57">
-                <c:v>4.8000000000000001E-2</c:v>
-              </c:pt>
-              <c:pt idx="58">
-                <c:v>2.9000000000000001E-2</c:v>
-              </c:pt>
-              <c:pt idx="59">
-                <c:v>2.4E-2</c:v>
-              </c:pt>
-              <c:pt idx="60">
-                <c:v>2.8000000000000001E-2</c:v>
-              </c:pt>
-              <c:pt idx="61">
-                <c:v>1.6E-2</c:v>
-              </c:pt>
-              <c:pt idx="62">
-                <c:v>1.7000000000000001E-2</c:v>
-              </c:pt>
-              <c:pt idx="63">
-                <c:v>1.2999999999999999E-2</c:v>
-              </c:pt>
-              <c:pt idx="64">
-                <c:v>8.9999999999999993E-3</c:v>
-              </c:pt>
-              <c:pt idx="65">
-                <c:v>7.0000000000000001E-3</c:v>
-              </c:pt>
-              <c:pt idx="66">
-                <c:v>4.0000000000000001E-3</c:v>
-              </c:pt>
-              <c:pt idx="67">
-                <c:v>3.0000000000000001E-3</c:v>
-              </c:pt>
-              <c:pt idx="68">
-                <c:v>5.0000000000000001E-3</c:v>
-              </c:pt>
-              <c:pt idx="69">
-                <c:v>1E-3</c:v>
-              </c:pt>
-              <c:pt idx="70">
-                <c:v>2E-3</c:v>
-              </c:pt>
-              <c:pt idx="71">
-                <c:v>5.0000000000000001E-3</c:v>
-              </c:pt>
-              <c:pt idx="72">
-                <c:v>2E-3</c:v>
-              </c:pt>
-              <c:pt idx="73">
-                <c:v>1E-3</c:v>
-              </c:pt>
-              <c:pt idx="74">
-                <c:v>0</c:v>
-              </c:pt>
-              <c:pt idx="75">
-                <c:v>0</c:v>
-              </c:pt>
-              <c:pt idx="76">
-                <c:v>1E-3</c:v>
-              </c:pt>
-              <c:pt idx="77">
-                <c:v>0</c:v>
-              </c:pt>
-              <c:pt idx="78">
-                <c:v>0</c:v>
-              </c:pt>
-              <c:pt idx="79">
-                <c:v>0</c:v>
-              </c:pt>
-              <c:pt idx="80">
-                <c:v>0</c:v>
-              </c:pt>
-              <c:pt idx="81">
-                <c:v>0</c:v>
-              </c:pt>
-              <c:pt idx="82">
-                <c:v>0</c:v>
-              </c:pt>
-              <c:pt idx="83">
-                <c:v>0</c:v>
-              </c:pt>
-              <c:pt idx="84">
-                <c:v>0</c:v>
-              </c:pt>
-              <c:pt idx="85">
-                <c:v>0</c:v>
-              </c:pt>
-              <c:pt idx="86">
-                <c:v>0</c:v>
-              </c:pt>
-              <c:pt idx="87">
-                <c:v>0</c:v>
-              </c:pt>
-              <c:pt idx="88">
-                <c:v>0</c:v>
-              </c:pt>
-              <c:pt idx="89">
-                <c:v>0</c:v>
-              </c:pt>
-              <c:pt idx="90">
-                <c:v>0</c:v>
-              </c:pt>
-              <c:pt idx="91">
-                <c:v>0</c:v>
-              </c:pt>
-              <c:pt idx="92">
-                <c:v>0</c:v>
-              </c:pt>
-              <c:pt idx="93">
-                <c:v>0</c:v>
-              </c:pt>
-              <c:pt idx="94">
-                <c:v>0</c:v>
-              </c:pt>
-              <c:pt idx="95">
-                <c:v>0</c:v>
-              </c:pt>
-              <c:pt idx="96">
-                <c:v>0</c:v>
-              </c:pt>
-              <c:pt idx="97">
-                <c:v>0</c:v>
-              </c:pt>
-              <c:pt idx="98">
-                <c:v>0</c:v>
-              </c:pt>
-              <c:pt idx="99">
-                <c:v>0</c:v>
-              </c:pt>
-              <c:pt idx="100">
-                <c:v>0</c:v>
-              </c:pt>
-            </c:numLit>
+            <c:numRef>
+              <c:f>Normal!$E$1:$E$101</c:f>
+              <c:numCache>
+                <c:formatCode>General</c:formatCode>
+                <c:ptCount val="101"/>
+                <c:pt idx="0">
+                  <c:v>0</c:v>
+                </c:pt>
+                <c:pt idx="1">
+                  <c:v>0</c:v>
+                </c:pt>
+                <c:pt idx="2">
+                  <c:v>0</c:v>
+                </c:pt>
+                <c:pt idx="3">
+                  <c:v>0</c:v>
+                </c:pt>
+                <c:pt idx="4">
+                  <c:v>0</c:v>
+                </c:pt>
+                <c:pt idx="5">
+                  <c:v>0</c:v>
+                </c:pt>
+                <c:pt idx="6">
+                  <c:v>0</c:v>
+                </c:pt>
+                <c:pt idx="7">
+                  <c:v>0</c:v>
+                </c:pt>
+                <c:pt idx="8">
+                  <c:v>0</c:v>
+                </c:pt>
+                <c:pt idx="9">
+                  <c:v>0</c:v>
+                </c:pt>
+                <c:pt idx="10">
+                  <c:v>0</c:v>
+                </c:pt>
+                <c:pt idx="11">
+                  <c:v>0</c:v>
+                </c:pt>
+                <c:pt idx="12">
+                  <c:v>0</c:v>
+                </c:pt>
+                <c:pt idx="13">
+                  <c:v>0</c:v>
+                </c:pt>
+                <c:pt idx="14">
+                  <c:v>0</c:v>
+                </c:pt>
+                <c:pt idx="15">
+                  <c:v>0</c:v>
+                </c:pt>
+                <c:pt idx="16">
+                  <c:v>0</c:v>
+                </c:pt>
+                <c:pt idx="17">
+                  <c:v>0</c:v>
+                </c:pt>
+                <c:pt idx="18">
+                  <c:v>0</c:v>
+                </c:pt>
+                <c:pt idx="19">
+                  <c:v>0</c:v>
+                </c:pt>
+                <c:pt idx="20">
+                  <c:v>0</c:v>
+                </c:pt>
+                <c:pt idx="21">
+                  <c:v>0</c:v>
+                </c:pt>
+                <c:pt idx="22">
+                  <c:v>0</c:v>
+                </c:pt>
+                <c:pt idx="23">
+                  <c:v>0</c:v>
+                </c:pt>
+                <c:pt idx="24">
+                  <c:v>0</c:v>
+                </c:pt>
+                <c:pt idx="25">
+                  <c:v>2E-3</c:v>
+                </c:pt>
+                <c:pt idx="26">
+                  <c:v>0</c:v>
+                </c:pt>
+                <c:pt idx="27">
+                  <c:v>1E-3</c:v>
+                </c:pt>
+                <c:pt idx="28">
+                  <c:v>3.0000000000000001E-3</c:v>
+                </c:pt>
+                <c:pt idx="29">
+                  <c:v>2E-3</c:v>
+                </c:pt>
+                <c:pt idx="30">
+                  <c:v>4.0000000000000001E-3</c:v>
+                </c:pt>
+                <c:pt idx="31">
+                  <c:v>3.0000000000000001E-3</c:v>
+                </c:pt>
+                <c:pt idx="32">
+                  <c:v>3.0000000000000001E-3</c:v>
+                </c:pt>
+                <c:pt idx="33">
+                  <c:v>8.0000000000000002E-3</c:v>
+                </c:pt>
+                <c:pt idx="34">
+                  <c:v>8.0000000000000002E-3</c:v>
+                </c:pt>
+                <c:pt idx="35">
+                  <c:v>1.0999999999999999E-2</c:v>
+                </c:pt>
+                <c:pt idx="36">
+                  <c:v>1.2999999999999999E-2</c:v>
+                </c:pt>
+                <c:pt idx="37">
+                  <c:v>7.0000000000000001E-3</c:v>
+                </c:pt>
+                <c:pt idx="38">
+                  <c:v>1.6E-2</c:v>
+                </c:pt>
+                <c:pt idx="39">
+                  <c:v>1.0999999999999999E-2</c:v>
+                </c:pt>
+                <c:pt idx="40">
+                  <c:v>1.7000000000000001E-2</c:v>
+                </c:pt>
+                <c:pt idx="41">
+                  <c:v>3.2000000000000001E-2</c:v>
+                </c:pt>
+                <c:pt idx="42">
+                  <c:v>3.6999999999999998E-2</c:v>
+                </c:pt>
+                <c:pt idx="43">
+                  <c:v>3.2000000000000001E-2</c:v>
+                </c:pt>
+                <c:pt idx="44">
+                  <c:v>3.9E-2</c:v>
+                </c:pt>
+                <c:pt idx="45">
+                  <c:v>3.6999999999999998E-2</c:v>
+                </c:pt>
+                <c:pt idx="46">
+                  <c:v>3.7999999999999999E-2</c:v>
+                </c:pt>
+                <c:pt idx="47">
+                  <c:v>4.2999999999999997E-2</c:v>
+                </c:pt>
+                <c:pt idx="48">
+                  <c:v>5.7000000000000002E-2</c:v>
+                </c:pt>
+                <c:pt idx="49">
+                  <c:v>0.05</c:v>
+                </c:pt>
+                <c:pt idx="50">
+                  <c:v>4.2000000000000003E-2</c:v>
+                </c:pt>
+                <c:pt idx="51">
+                  <c:v>4.8000000000000001E-2</c:v>
+                </c:pt>
+                <c:pt idx="52">
+                  <c:v>4.1000000000000002E-2</c:v>
+                </c:pt>
+                <c:pt idx="53">
+                  <c:v>4.9000000000000002E-2</c:v>
+                </c:pt>
+                <c:pt idx="54">
+                  <c:v>5.1999999999999998E-2</c:v>
+                </c:pt>
+                <c:pt idx="55">
+                  <c:v>4.2000000000000003E-2</c:v>
+                </c:pt>
+                <c:pt idx="56">
+                  <c:v>3.6999999999999998E-2</c:v>
+                </c:pt>
+                <c:pt idx="57">
+                  <c:v>4.8000000000000001E-2</c:v>
+                </c:pt>
+                <c:pt idx="58">
+                  <c:v>2.9000000000000001E-2</c:v>
+                </c:pt>
+                <c:pt idx="59">
+                  <c:v>2.4E-2</c:v>
+                </c:pt>
+                <c:pt idx="60">
+                  <c:v>2.8000000000000001E-2</c:v>
+                </c:pt>
+                <c:pt idx="61">
+                  <c:v>1.6E-2</c:v>
+                </c:pt>
+                <c:pt idx="62">
+                  <c:v>1.7000000000000001E-2</c:v>
+                </c:pt>
+                <c:pt idx="63">
+                  <c:v>1.2999999999999999E-2</c:v>
+                </c:pt>
+                <c:pt idx="64">
+                  <c:v>8.9999999999999993E-3</c:v>
+                </c:pt>
+                <c:pt idx="65">
+                  <c:v>7.0000000000000001E-3</c:v>
+                </c:pt>
+                <c:pt idx="66">
+                  <c:v>4.0000000000000001E-3</c:v>
+                </c:pt>
+                <c:pt idx="67">
+                  <c:v>3.0000000000000001E-3</c:v>
+                </c:pt>
+                <c:pt idx="68">
+                  <c:v>5.0000000000000001E-3</c:v>
+                </c:pt>
+                <c:pt idx="69">
+                  <c:v>1E-3</c:v>
+                </c:pt>
+                <c:pt idx="70">
+                  <c:v>2E-3</c:v>
+                </c:pt>
+                <c:pt idx="71">
+                  <c:v>5.0000000000000001E-3</c:v>
+                </c:pt>
+                <c:pt idx="72">
+                  <c:v>2E-3</c:v>
+                </c:pt>
+                <c:pt idx="73">
+                  <c:v>1E-3</c:v>
+                </c:pt>
+                <c:pt idx="74">
+                  <c:v>0</c:v>
+                </c:pt>
+                <c:pt idx="75">
+                  <c:v>0</c:v>
+                </c:pt>
+                <c:pt idx="76">
+                  <c:v>1E-3</c:v>
+                </c:pt>
+                <c:pt idx="77">
+                  <c:v>0</c:v>
+                </c:pt>
+                <c:pt idx="78">
+                  <c:v>0</c:v>
+                </c:pt>
+                <c:pt idx="79">
+                  <c:v>0</c:v>
+                </c:pt>
+                <c:pt idx="80">
+                  <c:v>0</c:v>
+                </c:pt>
+                <c:pt idx="81">
+                  <c:v>0</c:v>
+                </c:pt>
+                <c:pt idx="82">
+                  <c:v>0</c:v>
+                </c:pt>
+                <c:pt idx="83">
+                  <c:v>0</c:v>
+                </c:pt>
+                <c:pt idx="84">
+                  <c:v>0</c:v>
+                </c:pt>
+                <c:pt idx="85">
+                  <c:v>0</c:v>
+                </c:pt>
+                <c:pt idx="86">
+                  <c:v>0</c:v>
+                </c:pt>
+                <c:pt idx="87">
+                  <c:v>0</c:v>
+                </c:pt>
+                <c:pt idx="88">
+                  <c:v>0</c:v>
+                </c:pt>
+                <c:pt idx="89">
+                  <c:v>0</c:v>
+                </c:pt>
+                <c:pt idx="90">
+                  <c:v>0</c:v>
+                </c:pt>
+                <c:pt idx="91">
+                  <c:v>0</c:v>
+                </c:pt>
+                <c:pt idx="92">
+                  <c:v>0</c:v>
+                </c:pt>
+                <c:pt idx="93">
+                  <c:v>0</c:v>
+                </c:pt>
+                <c:pt idx="94">
+                  <c:v>0</c:v>
+                </c:pt>
+                <c:pt idx="95">
+                  <c:v>0</c:v>
+                </c:pt>
+                <c:pt idx="96">
+                  <c:v>0</c:v>
+                </c:pt>
+                <c:pt idx="97">
+                  <c:v>0</c:v>
+                </c:pt>
+                <c:pt idx="98">
+                  <c:v>0</c:v>
+                </c:pt>
+                <c:pt idx="99">
+                  <c:v>0</c:v>
+                </c:pt>
+                <c:pt idx="100">
+                  <c:v>0</c:v>
+                </c:pt>
+              </c:numCache>
+            </c:numRef>
           </c:val>
           <c:extLst>
             <c:ext xmlns:c16="http://schemas.microsoft.com/office/drawing/2014/chart" uri="{C3380CC4-5D6E-409C-BE32-E72D297353CC}">
-              <c16:uniqueId val="{00000000-7179-4654-9D88-23E6BDD49D08}"/>
+              <c16:uniqueId val="{00000000-F012-4F9A-B67E-F7967A772DFA}"/>
             </c:ext>
           </c:extLst>
         </c:ser>
@@ -2190,652 +2405,392 @@
           <c:showBubbleSize val="0"/>
         </c:dLbls>
         <c:gapWidth val="150"/>
-        <c:axId val="1743720080"/>
-        <c:axId val="1742353392"/>
+        <c:axId val="1401211503"/>
+        <c:axId val="1"/>
       </c:barChart>
       <c:lineChart>
         <c:grouping val="standard"/>
         <c:varyColors val="0"/>
         <c:ser>
-          <c:idx val="1"/>
-          <c:order val="1"/>
+          <c:idx val="2"/>
+          <c:order val="2"/>
           <c:tx>
             <c:v>Função Densidade de Probabilidade</c:v>
           </c:tx>
           <c:spPr>
-            <a:ln w="19046" cap="rnd">
+            <a:ln>
               <a:solidFill>
-                <a:srgbClr val="A5A5A5"/>
+                <a:srgbClr val="00B050"/>
               </a:solidFill>
-              <a:prstDash val="solid"/>
-              <a:round/>
             </a:ln>
           </c:spPr>
           <c:marker>
             <c:symbol val="none"/>
           </c:marker>
           <c:cat>
-            <c:numLit>
-              <c:formatCode>General</c:formatCode>
-              <c:ptCount val="101"/>
-              <c:pt idx="0">
-                <c:v>0</c:v>
-              </c:pt>
-              <c:pt idx="1">
-                <c:v>1</c:v>
-              </c:pt>
-              <c:pt idx="2">
-                <c:v>2</c:v>
-              </c:pt>
-              <c:pt idx="3">
-                <c:v>3</c:v>
-              </c:pt>
-              <c:pt idx="4">
-                <c:v>4</c:v>
-              </c:pt>
-              <c:pt idx="5">
-                <c:v>5</c:v>
-              </c:pt>
-              <c:pt idx="6">
-                <c:v>6</c:v>
-              </c:pt>
-              <c:pt idx="7">
-                <c:v>7</c:v>
-              </c:pt>
-              <c:pt idx="8">
-                <c:v>8</c:v>
-              </c:pt>
-              <c:pt idx="9">
-                <c:v>9</c:v>
-              </c:pt>
-              <c:pt idx="10">
-                <c:v>10</c:v>
-              </c:pt>
-              <c:pt idx="11">
-                <c:v>11</c:v>
-              </c:pt>
-              <c:pt idx="12">
-                <c:v>12</c:v>
-              </c:pt>
-              <c:pt idx="13">
-                <c:v>13</c:v>
-              </c:pt>
-              <c:pt idx="14">
-                <c:v>14</c:v>
-              </c:pt>
-              <c:pt idx="15">
-                <c:v>15</c:v>
-              </c:pt>
-              <c:pt idx="16">
-                <c:v>16</c:v>
-              </c:pt>
-              <c:pt idx="17">
-                <c:v>17</c:v>
-              </c:pt>
-              <c:pt idx="18">
-                <c:v>18</c:v>
-              </c:pt>
-              <c:pt idx="19">
-                <c:v>19</c:v>
-              </c:pt>
-              <c:pt idx="20">
-                <c:v>20</c:v>
-              </c:pt>
-              <c:pt idx="21">
-                <c:v>21</c:v>
-              </c:pt>
-              <c:pt idx="22">
-                <c:v>22</c:v>
-              </c:pt>
-              <c:pt idx="23">
-                <c:v>23</c:v>
-              </c:pt>
-              <c:pt idx="24">
-                <c:v>24</c:v>
-              </c:pt>
-              <c:pt idx="25">
-                <c:v>25</c:v>
-              </c:pt>
-              <c:pt idx="26">
-                <c:v>26</c:v>
-              </c:pt>
-              <c:pt idx="27">
-                <c:v>27</c:v>
-              </c:pt>
-              <c:pt idx="28">
-                <c:v>28</c:v>
-              </c:pt>
-              <c:pt idx="29">
-                <c:v>29</c:v>
-              </c:pt>
-              <c:pt idx="30">
-                <c:v>30</c:v>
-              </c:pt>
-              <c:pt idx="31">
-                <c:v>31</c:v>
-              </c:pt>
-              <c:pt idx="32">
-                <c:v>32</c:v>
-              </c:pt>
-              <c:pt idx="33">
-                <c:v>33</c:v>
-              </c:pt>
-              <c:pt idx="34">
-                <c:v>34</c:v>
-              </c:pt>
-              <c:pt idx="35">
-                <c:v>35</c:v>
-              </c:pt>
-              <c:pt idx="36">
-                <c:v>36</c:v>
-              </c:pt>
-              <c:pt idx="37">
-                <c:v>37</c:v>
-              </c:pt>
-              <c:pt idx="38">
-                <c:v>38</c:v>
-              </c:pt>
-              <c:pt idx="39">
-                <c:v>39</c:v>
-              </c:pt>
-              <c:pt idx="40">
-                <c:v>40</c:v>
-              </c:pt>
-              <c:pt idx="41">
-                <c:v>41</c:v>
-              </c:pt>
-              <c:pt idx="42">
-                <c:v>42</c:v>
-              </c:pt>
-              <c:pt idx="43">
-                <c:v>43</c:v>
-              </c:pt>
-              <c:pt idx="44">
-                <c:v>44</c:v>
-              </c:pt>
-              <c:pt idx="45">
-                <c:v>45</c:v>
-              </c:pt>
-              <c:pt idx="46">
-                <c:v>46</c:v>
-              </c:pt>
-              <c:pt idx="47">
-                <c:v>47</c:v>
-              </c:pt>
-              <c:pt idx="48">
-                <c:v>48</c:v>
-              </c:pt>
-              <c:pt idx="49">
-                <c:v>49</c:v>
-              </c:pt>
-              <c:pt idx="50">
-                <c:v>50</c:v>
-              </c:pt>
-              <c:pt idx="51">
-                <c:v>51</c:v>
-              </c:pt>
-              <c:pt idx="52">
-                <c:v>52</c:v>
-              </c:pt>
-              <c:pt idx="53">
-                <c:v>53</c:v>
-              </c:pt>
-              <c:pt idx="54">
-                <c:v>54</c:v>
-              </c:pt>
-              <c:pt idx="55">
-                <c:v>55</c:v>
-              </c:pt>
-              <c:pt idx="56">
-                <c:v>56</c:v>
-              </c:pt>
-              <c:pt idx="57">
-                <c:v>57</c:v>
-              </c:pt>
-              <c:pt idx="58">
-                <c:v>58</c:v>
-              </c:pt>
-              <c:pt idx="59">
-                <c:v>59</c:v>
-              </c:pt>
-              <c:pt idx="60">
-                <c:v>60</c:v>
-              </c:pt>
-              <c:pt idx="61">
-                <c:v>61</c:v>
-              </c:pt>
-              <c:pt idx="62">
-                <c:v>62</c:v>
-              </c:pt>
-              <c:pt idx="63">
-                <c:v>63</c:v>
-              </c:pt>
-              <c:pt idx="64">
-                <c:v>64</c:v>
-              </c:pt>
-              <c:pt idx="65">
-                <c:v>65</c:v>
-              </c:pt>
-              <c:pt idx="66">
-                <c:v>66</c:v>
-              </c:pt>
-              <c:pt idx="67">
-                <c:v>67</c:v>
-              </c:pt>
-              <c:pt idx="68">
-                <c:v>68</c:v>
-              </c:pt>
-              <c:pt idx="69">
-                <c:v>69</c:v>
-              </c:pt>
-              <c:pt idx="70">
-                <c:v>70</c:v>
-              </c:pt>
-              <c:pt idx="71">
-                <c:v>71</c:v>
-              </c:pt>
-              <c:pt idx="72">
-                <c:v>72</c:v>
-              </c:pt>
-              <c:pt idx="73">
-                <c:v>73</c:v>
-              </c:pt>
-              <c:pt idx="74">
-                <c:v>74</c:v>
-              </c:pt>
-              <c:pt idx="75">
-                <c:v>75</c:v>
-              </c:pt>
-              <c:pt idx="76">
-                <c:v>76</c:v>
-              </c:pt>
-              <c:pt idx="77">
-                <c:v>77</c:v>
-              </c:pt>
-              <c:pt idx="78">
-                <c:v>78</c:v>
-              </c:pt>
-              <c:pt idx="79">
-                <c:v>79</c:v>
-              </c:pt>
-              <c:pt idx="80">
-                <c:v>80</c:v>
-              </c:pt>
-              <c:pt idx="81">
-                <c:v>81</c:v>
-              </c:pt>
-              <c:pt idx="82">
-                <c:v>82</c:v>
-              </c:pt>
-              <c:pt idx="83">
-                <c:v>83</c:v>
-              </c:pt>
-              <c:pt idx="84">
-                <c:v>84</c:v>
-              </c:pt>
-              <c:pt idx="85">
-                <c:v>85</c:v>
-              </c:pt>
-              <c:pt idx="86">
-                <c:v>86</c:v>
-              </c:pt>
-              <c:pt idx="87">
-                <c:v>87</c:v>
-              </c:pt>
-              <c:pt idx="88">
-                <c:v>88</c:v>
-              </c:pt>
-              <c:pt idx="89">
-                <c:v>89</c:v>
-              </c:pt>
-              <c:pt idx="90">
-                <c:v>90</c:v>
-              </c:pt>
-              <c:pt idx="91">
-                <c:v>91</c:v>
-              </c:pt>
-              <c:pt idx="92">
-                <c:v>92</c:v>
-              </c:pt>
-              <c:pt idx="93">
-                <c:v>93</c:v>
-              </c:pt>
-              <c:pt idx="94">
-                <c:v>94</c:v>
-              </c:pt>
-              <c:pt idx="95">
-                <c:v>95</c:v>
-              </c:pt>
-              <c:pt idx="96">
-                <c:v>96</c:v>
-              </c:pt>
-              <c:pt idx="97">
-                <c:v>97</c:v>
-              </c:pt>
-              <c:pt idx="98">
-                <c:v>98</c:v>
-              </c:pt>
-              <c:pt idx="99">
-                <c:v>99</c:v>
-              </c:pt>
-              <c:pt idx="100">
-                <c:v>100</c:v>
-              </c:pt>
-            </c:numLit>
+            <c:numRef>
+              <c:f>Normal!$B$1:$B$13</c:f>
+              <c:numCache>
+                <c:formatCode>General</c:formatCode>
+                <c:ptCount val="13"/>
+                <c:pt idx="0">
+                  <c:v>0</c:v>
+                </c:pt>
+                <c:pt idx="1">
+                  <c:v>1</c:v>
+                </c:pt>
+                <c:pt idx="2">
+                  <c:v>2</c:v>
+                </c:pt>
+                <c:pt idx="3">
+                  <c:v>3</c:v>
+                </c:pt>
+                <c:pt idx="4">
+                  <c:v>4</c:v>
+                </c:pt>
+                <c:pt idx="5">
+                  <c:v>5</c:v>
+                </c:pt>
+                <c:pt idx="6">
+                  <c:v>6</c:v>
+                </c:pt>
+                <c:pt idx="7">
+                  <c:v>7</c:v>
+                </c:pt>
+                <c:pt idx="8">
+                  <c:v>8</c:v>
+                </c:pt>
+                <c:pt idx="9">
+                  <c:v>9</c:v>
+                </c:pt>
+                <c:pt idx="10">
+                  <c:v>10</c:v>
+                </c:pt>
+                <c:pt idx="11">
+                  <c:v>11</c:v>
+                </c:pt>
+                <c:pt idx="12">
+                  <c:v>12</c:v>
+                </c:pt>
+              </c:numCache>
+            </c:numRef>
           </c:cat>
           <c:val>
-            <c:numLit>
-              <c:formatCode>General</c:formatCode>
-              <c:ptCount val="101"/>
-              <c:pt idx="0">
-                <c:v>1.642502272694855E-10</c:v>
-              </c:pt>
-              <c:pt idx="1">
-                <c:v>3.5596362228710267E-10</c:v>
-              </c:pt>
-              <c:pt idx="2">
-                <c:v>7.5948535622791076E-10</c:v>
-              </c:pt>
-              <c:pt idx="3">
-                <c:v>1.5953182754420551E-9</c:v>
-              </c:pt>
-              <c:pt idx="4">
-                <c:v>3.2990540044632169E-9</c:v>
-              </c:pt>
-              <c:pt idx="5">
-                <c:v>6.7165408132114375E-9</c:v>
-              </c:pt>
-              <c:pt idx="6">
-                <c:v>1.3462200053179095E-8</c:v>
-              </c:pt>
-              <c:pt idx="7">
-                <c:v>2.6564434228878601E-8</c:v>
-              </c:pt>
-              <c:pt idx="8">
-                <c:v>5.160588735787498E-8</c:v>
-              </c:pt>
-              <c:pt idx="9">
-                <c:v>9.869884675867493E-8</c:v>
-              </c:pt>
-              <c:pt idx="10">
-                <c:v>1.8583993934178721E-7</c:v>
-              </c:pt>
-              <c:pt idx="11">
-                <c:v>3.4449282469374652E-7</c:v>
-              </c:pt>
-              <c:pt idx="12">
-                <c:v>6.2868841107405567E-7</c:v>
-              </c:pt>
-              <c:pt idx="13">
-                <c:v>1.1295484861314217E-6</c:v>
-              </c:pt>
-              <c:pt idx="14">
-                <c:v>1.9979676383631843E-6</c:v>
-              </c:pt>
-              <c:pt idx="15">
-                <c:v>3.4792542786518599E-6</c:v>
-              </c:pt>
-              <c:pt idx="16">
-                <c:v>5.964829567650619E-6</c:v>
-              </c:pt>
-              <c:pt idx="17">
-                <c:v>1.0067556069449268E-5</c:v>
-              </c:pt>
-              <c:pt idx="18">
-                <c:v>1.6728778220610671E-5</c:v>
-              </c:pt>
-              <c:pt idx="19">
-                <c:v>2.7366454720576512E-5</c:v>
-              </c:pt>
-              <c:pt idx="20">
-                <c:v>4.4074460295930676E-5</c:v>
-              </c:pt>
-              <c:pt idx="21">
-                <c:v>6.9882690279020608E-5</c:v>
-              </c:pt>
-              <c:pt idx="22">
-                <c:v>1.0908533688072002E-4</c:v>
-              </c:pt>
-              <c:pt idx="23">
-                <c:v>1.6763985918629722E-4</c:v>
-              </c:pt>
-              <c:pt idx="24">
-                <c:v>2.5363100716247101E-4</c:v>
-              </c:pt>
-              <c:pt idx="25">
-                <c:v>3.7778225439984452E-4</c:v>
-              </c:pt>
-              <c:pt idx="26">
-                <c:v>5.5398105149225094E-4</c:v>
-              </c:pt>
-              <c:pt idx="27">
-                <c:v>7.9976503884044456E-4</c:v>
-              </c:pt>
-              <c:pt idx="28">
-                <c:v>1.1366953126988816E-3</c:v>
-              </c:pt>
-              <c:pt idx="29">
-                <c:v>1.5905226996039291E-3</c:v>
-              </c:pt>
-              <c:pt idx="30">
-                <c:v>2.1910375616960675E-3</c:v>
-              </c:pt>
-              <c:pt idx="31">
-                <c:v>2.9714876037392258E-3</c:v>
-              </c:pt>
-              <c:pt idx="32">
-                <c:v>3.9674564794584272E-3</c:v>
-              </c:pt>
-              <c:pt idx="33">
-                <c:v>5.2151231570423265E-3</c:v>
-              </c:pt>
-              <c:pt idx="34">
-                <c:v>6.7488708141485079E-3</c:v>
-              </c:pt>
-              <c:pt idx="35">
-                <c:v>8.5982844783364879E-3</c:v>
-              </c:pt>
-              <c:pt idx="36">
-                <c:v>1.0784664853313941E-2</c:v>
-              </c:pt>
-              <c:pt idx="37">
-                <c:v>1.3317283516323134E-2</c:v>
-              </c:pt>
-              <c:pt idx="38">
-                <c:v>1.6189699458236468E-2</c:v>
-              </c:pt>
-              <c:pt idx="39">
-                <c:v>1.9376533182286652E-2</c:v>
-              </c:pt>
-              <c:pt idx="40">
-                <c:v>2.2831135673627739E-2</c:v>
-              </c:pt>
-              <c:pt idx="41">
-                <c:v>2.6484580721962435E-2</c:v>
-              </c:pt>
-              <c:pt idx="42">
-                <c:v>3.0246340564892921E-2</c:v>
-              </c:pt>
-              <c:pt idx="43">
-                <c:v>3.400687479731794E-2</c:v>
-              </c:pt>
-              <c:pt idx="44">
-                <c:v>3.7642179019350554E-2</c:v>
-              </c:pt>
-              <c:pt idx="45">
-                <c:v>4.1020121068796885E-2</c:v>
-              </c:pt>
-              <c:pt idx="46">
-                <c:v>4.4008165845537441E-2</c:v>
-              </c:pt>
-              <c:pt idx="47">
-                <c:v>4.6481886733721119E-2</c:v>
-              </c:pt>
-              <c:pt idx="48">
-                <c:v>4.8333514600356155E-2</c:v>
-              </c:pt>
-              <c:pt idx="49">
-                <c:v>4.947971086809369E-2</c:v>
-              </c:pt>
-              <c:pt idx="50">
-                <c:v>4.9867785050179088E-2</c:v>
-              </c:pt>
-              <c:pt idx="51">
-                <c:v>4.947971086809369E-2</c:v>
-              </c:pt>
-              <c:pt idx="52">
-                <c:v>4.8333514600356155E-2</c:v>
-              </c:pt>
-              <c:pt idx="53">
-                <c:v>4.6481886733721119E-2</c:v>
-              </c:pt>
-              <c:pt idx="54">
-                <c:v>4.4008165845537441E-2</c:v>
-              </c:pt>
-              <c:pt idx="55">
-                <c:v>4.1020121068796885E-2</c:v>
-              </c:pt>
-              <c:pt idx="56">
-                <c:v>3.7642179019350554E-2</c:v>
-              </c:pt>
-              <c:pt idx="57">
-                <c:v>3.400687479731794E-2</c:v>
-              </c:pt>
-              <c:pt idx="58">
-                <c:v>3.0246340564892921E-2</c:v>
-              </c:pt>
-              <c:pt idx="59">
-                <c:v>2.6484580721962435E-2</c:v>
-              </c:pt>
-              <c:pt idx="60">
-                <c:v>2.2831135673627739E-2</c:v>
-              </c:pt>
-              <c:pt idx="61">
-                <c:v>1.9376533182286652E-2</c:v>
-              </c:pt>
-              <c:pt idx="62">
-                <c:v>1.6189699458236468E-2</c:v>
-              </c:pt>
-              <c:pt idx="63">
-                <c:v>1.3317283516323134E-2</c:v>
-              </c:pt>
-              <c:pt idx="64">
-                <c:v>1.0784664853313941E-2</c:v>
-              </c:pt>
-              <c:pt idx="65">
-                <c:v>8.5982844783364879E-3</c:v>
-              </c:pt>
-              <c:pt idx="66">
-                <c:v>6.7488708141485079E-3</c:v>
-              </c:pt>
-              <c:pt idx="67">
-                <c:v>5.2151231570423265E-3</c:v>
-              </c:pt>
-              <c:pt idx="68">
-                <c:v>3.9674564794584272E-3</c:v>
-              </c:pt>
-              <c:pt idx="69">
-                <c:v>2.9714876037392258E-3</c:v>
-              </c:pt>
-              <c:pt idx="70">
-                <c:v>2.1910375616960675E-3</c:v>
-              </c:pt>
-              <c:pt idx="71">
-                <c:v>1.5905226996039291E-3</c:v>
-              </c:pt>
-              <c:pt idx="72">
-                <c:v>1.1366953126988816E-3</c:v>
-              </c:pt>
-              <c:pt idx="73">
-                <c:v>7.9976503884044456E-4</c:v>
-              </c:pt>
-              <c:pt idx="74">
-                <c:v>5.5398105149225094E-4</c:v>
-              </c:pt>
-              <c:pt idx="75">
-                <c:v>3.7778225439984452E-4</c:v>
-              </c:pt>
-              <c:pt idx="76">
-                <c:v>2.5363100716247101E-4</c:v>
-              </c:pt>
-              <c:pt idx="77">
-                <c:v>1.6763985918629722E-4</c:v>
-              </c:pt>
-              <c:pt idx="78">
-                <c:v>1.0908533688072002E-4</c:v>
-              </c:pt>
-              <c:pt idx="79">
-                <c:v>6.9882690279020608E-5</c:v>
-              </c:pt>
-              <c:pt idx="80">
-                <c:v>4.4074460295930676E-5</c:v>
-              </c:pt>
-              <c:pt idx="81">
-                <c:v>2.7366454720576512E-5</c:v>
-              </c:pt>
-              <c:pt idx="82">
-                <c:v>1.6728778220610671E-5</c:v>
-              </c:pt>
-              <c:pt idx="83">
-                <c:v>1.0067556069449268E-5</c:v>
-              </c:pt>
-              <c:pt idx="84">
-                <c:v>5.964829567650619E-6</c:v>
-              </c:pt>
-              <c:pt idx="85">
-                <c:v>3.4792542786518599E-6</c:v>
-              </c:pt>
-              <c:pt idx="86">
-                <c:v>1.9979676383631843E-6</c:v>
-              </c:pt>
-              <c:pt idx="87">
-                <c:v>1.1295484861314217E-6</c:v>
-              </c:pt>
-              <c:pt idx="88">
-                <c:v>6.2868841107405567E-7</c:v>
-              </c:pt>
-              <c:pt idx="89">
-                <c:v>3.4449282469374652E-7</c:v>
-              </c:pt>
-              <c:pt idx="90">
-                <c:v>1.8583993934178721E-7</c:v>
-              </c:pt>
-              <c:pt idx="91">
-                <c:v>9.869884675867493E-8</c:v>
-              </c:pt>
-              <c:pt idx="92">
-                <c:v>5.160588735787498E-8</c:v>
-              </c:pt>
-              <c:pt idx="93">
-                <c:v>2.6564434228878601E-8</c:v>
-              </c:pt>
-              <c:pt idx="94">
-                <c:v>1.3462200053179095E-8</c:v>
-              </c:pt>
-              <c:pt idx="95">
-                <c:v>6.7165408132114375E-9</c:v>
-              </c:pt>
-              <c:pt idx="96">
-                <c:v>3.2990540044632169E-9</c:v>
-              </c:pt>
-              <c:pt idx="97">
-                <c:v>1.5953182754420551E-9</c:v>
-              </c:pt>
-              <c:pt idx="98">
-                <c:v>7.5948535622791076E-10</c:v>
-              </c:pt>
-              <c:pt idx="99">
-                <c:v>3.5596362228710267E-10</c:v>
-              </c:pt>
-              <c:pt idx="100">
-                <c:v>1.642502272694855E-10</c:v>
-              </c:pt>
-            </c:numLit>
+            <c:numRef>
+              <c:f>Normal!$F$1:$F$101</c:f>
+              <c:numCache>
+                <c:formatCode>General</c:formatCode>
+                <c:ptCount val="101"/>
+                <c:pt idx="0">
+                  <c:v>1.642502272694855E-10</c:v>
+                </c:pt>
+                <c:pt idx="1">
+                  <c:v>3.5596362228710267E-10</c:v>
+                </c:pt>
+                <c:pt idx="2">
+                  <c:v>7.5948535622791076E-10</c:v>
+                </c:pt>
+                <c:pt idx="3">
+                  <c:v>1.5953182754420551E-9</c:v>
+                </c:pt>
+                <c:pt idx="4">
+                  <c:v>3.2990540044632169E-9</c:v>
+                </c:pt>
+                <c:pt idx="5">
+                  <c:v>6.7165408132114375E-9</c:v>
+                </c:pt>
+                <c:pt idx="6">
+                  <c:v>1.3462200053179095E-8</c:v>
+                </c:pt>
+                <c:pt idx="7">
+                  <c:v>2.6564434228878601E-8</c:v>
+                </c:pt>
+                <c:pt idx="8">
+                  <c:v>5.160588735787498E-8</c:v>
+                </c:pt>
+                <c:pt idx="9">
+                  <c:v>9.869884675867493E-8</c:v>
+                </c:pt>
+                <c:pt idx="10">
+                  <c:v>1.8583993934178721E-7</c:v>
+                </c:pt>
+                <c:pt idx="11">
+                  <c:v>3.4449282469374652E-7</c:v>
+                </c:pt>
+                <c:pt idx="12">
+                  <c:v>6.2868841107405567E-7</c:v>
+                </c:pt>
+                <c:pt idx="13">
+                  <c:v>1.1295484861314217E-6</c:v>
+                </c:pt>
+                <c:pt idx="14">
+                  <c:v>1.9979676383631843E-6</c:v>
+                </c:pt>
+                <c:pt idx="15">
+                  <c:v>3.4792542786518599E-6</c:v>
+                </c:pt>
+                <c:pt idx="16">
+                  <c:v>5.964829567650619E-6</c:v>
+                </c:pt>
+                <c:pt idx="17">
+                  <c:v>1.0067556069449268E-5</c:v>
+                </c:pt>
+                <c:pt idx="18">
+                  <c:v>1.6728778220610671E-5</c:v>
+                </c:pt>
+                <c:pt idx="19">
+                  <c:v>2.7366454720576512E-5</c:v>
+                </c:pt>
+                <c:pt idx="20">
+                  <c:v>4.4074460295930676E-5</c:v>
+                </c:pt>
+                <c:pt idx="21">
+                  <c:v>6.9882690279020608E-5</c:v>
+                </c:pt>
+                <c:pt idx="22">
+                  <c:v>1.0908533688072002E-4</c:v>
+                </c:pt>
+                <c:pt idx="23">
+                  <c:v>1.6763985918629722E-4</c:v>
+                </c:pt>
+                <c:pt idx="24">
+                  <c:v>2.5363100716247101E-4</c:v>
+                </c:pt>
+                <c:pt idx="25">
+                  <c:v>3.7778225439984452E-4</c:v>
+                </c:pt>
+                <c:pt idx="26">
+                  <c:v>5.5398105149225094E-4</c:v>
+                </c:pt>
+                <c:pt idx="27">
+                  <c:v>7.9976503884044456E-4</c:v>
+                </c:pt>
+                <c:pt idx="28">
+                  <c:v>1.1366953126988816E-3</c:v>
+                </c:pt>
+                <c:pt idx="29">
+                  <c:v>1.5905226996039291E-3</c:v>
+                </c:pt>
+                <c:pt idx="30">
+                  <c:v>2.1910375616960675E-3</c:v>
+                </c:pt>
+                <c:pt idx="31">
+                  <c:v>2.9714876037392258E-3</c:v>
+                </c:pt>
+                <c:pt idx="32">
+                  <c:v>3.9674564794584272E-3</c:v>
+                </c:pt>
+                <c:pt idx="33">
+                  <c:v>5.2151231570423265E-3</c:v>
+                </c:pt>
+                <c:pt idx="34">
+                  <c:v>6.7488708141485079E-3</c:v>
+                </c:pt>
+                <c:pt idx="35">
+                  <c:v>8.5982844783364879E-3</c:v>
+                </c:pt>
+                <c:pt idx="36">
+                  <c:v>1.0784664853313941E-2</c:v>
+                </c:pt>
+                <c:pt idx="37">
+                  <c:v>1.3317283516323134E-2</c:v>
+                </c:pt>
+                <c:pt idx="38">
+                  <c:v>1.6189699458236468E-2</c:v>
+                </c:pt>
+                <c:pt idx="39">
+                  <c:v>1.9376533182286652E-2</c:v>
+                </c:pt>
+                <c:pt idx="40">
+                  <c:v>2.2831135673627739E-2</c:v>
+                </c:pt>
+                <c:pt idx="41">
+                  <c:v>2.6484580721962435E-2</c:v>
+                </c:pt>
+                <c:pt idx="42">
+                  <c:v>3.0246340564892921E-2</c:v>
+                </c:pt>
+                <c:pt idx="43">
+                  <c:v>3.400687479731794E-2</c:v>
+                </c:pt>
+                <c:pt idx="44">
+                  <c:v>3.7642179019350554E-2</c:v>
+                </c:pt>
+                <c:pt idx="45">
+                  <c:v>4.1020121068796885E-2</c:v>
+                </c:pt>
+                <c:pt idx="46">
+                  <c:v>4.4008165845537441E-2</c:v>
+                </c:pt>
+                <c:pt idx="47">
+                  <c:v>4.6481886733721119E-2</c:v>
+                </c:pt>
+                <c:pt idx="48">
+                  <c:v>4.8333514600356155E-2</c:v>
+                </c:pt>
+                <c:pt idx="49">
+                  <c:v>4.947971086809369E-2</c:v>
+                </c:pt>
+                <c:pt idx="50">
+                  <c:v>4.9867785050179088E-2</c:v>
+                </c:pt>
+                <c:pt idx="51">
+                  <c:v>4.947971086809369E-2</c:v>
+                </c:pt>
+                <c:pt idx="52">
+                  <c:v>4.8333514600356155E-2</c:v>
+                </c:pt>
+                <c:pt idx="53">
+                  <c:v>4.6481886733721119E-2</c:v>
+                </c:pt>
+                <c:pt idx="54">
+                  <c:v>4.4008165845537441E-2</c:v>
+                </c:pt>
+                <c:pt idx="55">
+                  <c:v>4.1020121068796885E-2</c:v>
+                </c:pt>
+                <c:pt idx="56">
+                  <c:v>3.7642179019350554E-2</c:v>
+                </c:pt>
+                <c:pt idx="57">
+                  <c:v>3.400687479731794E-2</c:v>
+                </c:pt>
+                <c:pt idx="58">
+                  <c:v>3.0246340564892921E-2</c:v>
+                </c:pt>
+                <c:pt idx="59">
+                  <c:v>2.6484580721962435E-2</c:v>
+                </c:pt>
+                <c:pt idx="60">
+                  <c:v>2.2831135673627739E-2</c:v>
+                </c:pt>
+                <c:pt idx="61">
+                  <c:v>1.9376533182286652E-2</c:v>
+                </c:pt>
+                <c:pt idx="62">
+                  <c:v>1.6189699458236468E-2</c:v>
+                </c:pt>
+                <c:pt idx="63">
+                  <c:v>1.3317283516323134E-2</c:v>
+                </c:pt>
+                <c:pt idx="64">
+                  <c:v>1.0784664853313941E-2</c:v>
+                </c:pt>
+                <c:pt idx="65">
+                  <c:v>8.5982844783364879E-3</c:v>
+                </c:pt>
+                <c:pt idx="66">
+                  <c:v>6.7488708141485079E-3</c:v>
+                </c:pt>
+                <c:pt idx="67">
+                  <c:v>5.2151231570423265E-3</c:v>
+                </c:pt>
+                <c:pt idx="68">
+                  <c:v>3.9674564794584272E-3</c:v>
+                </c:pt>
+                <c:pt idx="69">
+                  <c:v>2.9714876037392258E-3</c:v>
+                </c:pt>
+                <c:pt idx="70">
+                  <c:v>2.1910375616960675E-3</c:v>
+                </c:pt>
+                <c:pt idx="71">
+                  <c:v>1.5905226996039291E-3</c:v>
+                </c:pt>
+                <c:pt idx="72">
+                  <c:v>1.1366953126988816E-3</c:v>
+                </c:pt>
+                <c:pt idx="73">
+                  <c:v>7.9976503884044456E-4</c:v>
+                </c:pt>
+                <c:pt idx="74">
+                  <c:v>5.5398105149225094E-4</c:v>
+                </c:pt>
+                <c:pt idx="75">
+                  <c:v>3.7778225439984452E-4</c:v>
+                </c:pt>
+                <c:pt idx="76">
+                  <c:v>2.5363100716247101E-4</c:v>
+                </c:pt>
+                <c:pt idx="77">
+                  <c:v>1.6763985918629722E-4</c:v>
+                </c:pt>
+                <c:pt idx="78">
+                  <c:v>1.0908533688072002E-4</c:v>
+                </c:pt>
+                <c:pt idx="79">
+                  <c:v>6.9882690279020608E-5</c:v>
+                </c:pt>
+                <c:pt idx="80">
+                  <c:v>4.4074460295930676E-5</c:v>
+                </c:pt>
+                <c:pt idx="81">
+                  <c:v>2.7366454720576512E-5</c:v>
+                </c:pt>
+                <c:pt idx="82">
+                  <c:v>1.6728778220610671E-5</c:v>
+                </c:pt>
+                <c:pt idx="83">
+                  <c:v>1.0067556069449268E-5</c:v>
+                </c:pt>
+                <c:pt idx="84">
+                  <c:v>5.964829567650619E-6</c:v>
+                </c:pt>
+                <c:pt idx="85">
+                  <c:v>3.4792542786518599E-6</c:v>
+                </c:pt>
+                <c:pt idx="86">
+                  <c:v>1.9979676383631843E-6</c:v>
+                </c:pt>
+                <c:pt idx="87">
+                  <c:v>1.1295484861314217E-6</c:v>
+                </c:pt>
+                <c:pt idx="88">
+                  <c:v>6.2868841107405567E-7</c:v>
+                </c:pt>
+                <c:pt idx="89">
+                  <c:v>3.4449282469374652E-7</c:v>
+                </c:pt>
+                <c:pt idx="90">
+                  <c:v>1.8583993934178721E-7</c:v>
+                </c:pt>
+                <c:pt idx="91">
+                  <c:v>9.869884675867493E-8</c:v>
+                </c:pt>
+                <c:pt idx="92">
+                  <c:v>5.160588735787498E-8</c:v>
+                </c:pt>
+                <c:pt idx="93">
+                  <c:v>2.6564434228878601E-8</c:v>
+                </c:pt>
+                <c:pt idx="94">
+                  <c:v>1.3462200053179095E-8</c:v>
+                </c:pt>
+                <c:pt idx="95">
+                  <c:v>6.7165408132114375E-9</c:v>
+                </c:pt>
+                <c:pt idx="96">
+                  <c:v>3.2990540044632169E-9</c:v>
+                </c:pt>
+                <c:pt idx="97">
+                  <c:v>1.5953182754420551E-9</c:v>
+                </c:pt>
+                <c:pt idx="98">
+                  <c:v>7.5948535622791076E-10</c:v>
+                </c:pt>
+                <c:pt idx="99">
+                  <c:v>3.5596362228710267E-10</c:v>
+                </c:pt>
+                <c:pt idx="100">
+                  <c:v>1.642502272694855E-10</c:v>
+                </c:pt>
+              </c:numCache>
+            </c:numRef>
           </c:val>
           <c:smooth val="0"/>
           <c:extLst>
             <c:ext xmlns:c16="http://schemas.microsoft.com/office/drawing/2014/chart" uri="{C3380CC4-5D6E-409C-BE32-E72D297353CC}">
-              <c16:uniqueId val="{00000001-7179-4654-9D88-23E6BDD49D08}"/>
+              <c16:uniqueId val="{00000001-F012-4F9A-B67E-F7967A772DFA}"/>
             </c:ext>
           </c:extLst>
         </c:ser>
@@ -2849,46 +2804,473 @@
         </c:dLbls>
         <c:marker val="1"/>
         <c:smooth val="0"/>
-        <c:axId val="1743720080"/>
-        <c:axId val="1742353392"/>
+        <c:axId val="1401211503"/>
+        <c:axId val="1"/>
       </c:lineChart>
-      <c:valAx>
-        <c:axId val="1742353392"/>
+      <c:lineChart>
+        <c:grouping val="standard"/>
+        <c:varyColors val="0"/>
+        <c:ser>
+          <c:idx val="1"/>
+          <c:order val="1"/>
+          <c:tx>
+            <c:v>Função Distribuição Probabilidade</c:v>
+          </c:tx>
+          <c:spPr>
+            <a:ln w="12700">
+              <a:solidFill>
+                <a:srgbClr val="FF0000"/>
+              </a:solidFill>
+              <a:prstDash val="solid"/>
+            </a:ln>
+          </c:spPr>
+          <c:marker>
+            <c:symbol val="none"/>
+          </c:marker>
+          <c:cat>
+            <c:numRef>
+              <c:f>Normal!$B$1:$B$13</c:f>
+              <c:numCache>
+                <c:formatCode>General</c:formatCode>
+                <c:ptCount val="13"/>
+                <c:pt idx="0">
+                  <c:v>0</c:v>
+                </c:pt>
+                <c:pt idx="1">
+                  <c:v>1</c:v>
+                </c:pt>
+                <c:pt idx="2">
+                  <c:v>2</c:v>
+                </c:pt>
+                <c:pt idx="3">
+                  <c:v>3</c:v>
+                </c:pt>
+                <c:pt idx="4">
+                  <c:v>4</c:v>
+                </c:pt>
+                <c:pt idx="5">
+                  <c:v>5</c:v>
+                </c:pt>
+                <c:pt idx="6">
+                  <c:v>6</c:v>
+                </c:pt>
+                <c:pt idx="7">
+                  <c:v>7</c:v>
+                </c:pt>
+                <c:pt idx="8">
+                  <c:v>8</c:v>
+                </c:pt>
+                <c:pt idx="9">
+                  <c:v>9</c:v>
+                </c:pt>
+                <c:pt idx="10">
+                  <c:v>10</c:v>
+                </c:pt>
+                <c:pt idx="11">
+                  <c:v>11</c:v>
+                </c:pt>
+                <c:pt idx="12">
+                  <c:v>12</c:v>
+                </c:pt>
+              </c:numCache>
+            </c:numRef>
+          </c:cat>
+          <c:val>
+            <c:numRef>
+              <c:f>Normal!$G$1:$G$101</c:f>
+              <c:numCache>
+                <c:formatCode>General</c:formatCode>
+                <c:ptCount val="101"/>
+                <c:pt idx="0">
+                  <c:v>2.0522634252189383E-10</c:v>
+                </c:pt>
+                <c:pt idx="1">
+                  <c:v>2.0522634252189383E-10</c:v>
+                </c:pt>
+                <c:pt idx="2">
+                  <c:v>2.0522634252189383E-10</c:v>
+                </c:pt>
+                <c:pt idx="3">
+                  <c:v>2.0522634252189383E-10</c:v>
+                </c:pt>
+                <c:pt idx="4">
+                  <c:v>2.0522634252189383E-10</c:v>
+                </c:pt>
+                <c:pt idx="5">
+                  <c:v>2.0522634252189383E-10</c:v>
+                </c:pt>
+                <c:pt idx="6">
+                  <c:v>2.0522634252189383E-10</c:v>
+                </c:pt>
+                <c:pt idx="7">
+                  <c:v>2.0522634252189383E-10</c:v>
+                </c:pt>
+                <c:pt idx="8">
+                  <c:v>2.0522634252189383E-10</c:v>
+                </c:pt>
+                <c:pt idx="9">
+                  <c:v>2.0522634252189383E-10</c:v>
+                </c:pt>
+                <c:pt idx="10">
+                  <c:v>2.0522634252189383E-10</c:v>
+                </c:pt>
+                <c:pt idx="11">
+                  <c:v>2.0522634252189383E-10</c:v>
+                </c:pt>
+                <c:pt idx="12">
+                  <c:v>2.0522634252189383E-10</c:v>
+                </c:pt>
+                <c:pt idx="13">
+                  <c:v>2.0522634252189383E-10</c:v>
+                </c:pt>
+                <c:pt idx="14">
+                  <c:v>2.0522634252189383E-10</c:v>
+                </c:pt>
+                <c:pt idx="15">
+                  <c:v>2.0522634252189383E-10</c:v>
+                </c:pt>
+                <c:pt idx="16">
+                  <c:v>2.0522634252189383E-10</c:v>
+                </c:pt>
+                <c:pt idx="17">
+                  <c:v>2.0522634252189383E-10</c:v>
+                </c:pt>
+                <c:pt idx="18">
+                  <c:v>2.0522634252189383E-10</c:v>
+                </c:pt>
+                <c:pt idx="19">
+                  <c:v>2.0522634252189383E-10</c:v>
+                </c:pt>
+                <c:pt idx="20">
+                  <c:v>2.0522634252189383E-10</c:v>
+                </c:pt>
+                <c:pt idx="21">
+                  <c:v>2.0522634252189383E-10</c:v>
+                </c:pt>
+                <c:pt idx="22">
+                  <c:v>2.0522634252189383E-10</c:v>
+                </c:pt>
+                <c:pt idx="23">
+                  <c:v>2.0522634252189383E-10</c:v>
+                </c:pt>
+                <c:pt idx="24">
+                  <c:v>2.0522634252189383E-10</c:v>
+                </c:pt>
+                <c:pt idx="25">
+                  <c:v>9.8658764503769437E-10</c:v>
+                </c:pt>
+                <c:pt idx="26">
+                  <c:v>9.8658764503769437E-10</c:v>
+                </c:pt>
+                <c:pt idx="27">
+                  <c:v>2.1142167424408306E-9</c:v>
+                </c:pt>
+                <c:pt idx="28">
+                  <c:v>1.8989562465887691E-8</c:v>
+                </c:pt>
+                <c:pt idx="29">
+                  <c:v>7.6049605164887013E-8</c:v>
+                </c:pt>
+                <c:pt idx="30">
+                  <c:v>1.0170832425687034E-6</c:v>
+                </c:pt>
+                <c:pt idx="31">
+                  <c:v>6.0716239113305974E-6</c:v>
+                </c:pt>
+                <c:pt idx="32">
+                  <c:v>3.1671241833119857E-5</c:v>
+                </c:pt>
+                <c:pt idx="33">
+                  <c:v>1.3498980316300933E-3</c:v>
+                </c:pt>
+                <c:pt idx="34">
+                  <c:v>2.2750131948179191E-2</c:v>
+                </c:pt>
+                <c:pt idx="35">
+                  <c:v>0.26598552904870049</c:v>
+                </c:pt>
+                <c:pt idx="36">
+                  <c:v>0.84134474606854304</c:v>
+                </c:pt>
+                <c:pt idx="37">
+                  <c:v>0.96960363823473861</c:v>
+                </c:pt>
+                <c:pt idx="38">
+                  <c:v>0.99994668765024886</c:v>
+                </c:pt>
+                <c:pt idx="39">
+                  <c:v>0.99999992395039483</c:v>
+                </c:pt>
+                <c:pt idx="40">
+                  <c:v>0.99999999999991784</c:v>
+                </c:pt>
+                <c:pt idx="41">
+                  <c:v>1</c:v>
+                </c:pt>
+                <c:pt idx="42">
+                  <c:v>1</c:v>
+                </c:pt>
+                <c:pt idx="43">
+                  <c:v>1</c:v>
+                </c:pt>
+                <c:pt idx="44">
+                  <c:v>1</c:v>
+                </c:pt>
+                <c:pt idx="45">
+                  <c:v>1</c:v>
+                </c:pt>
+                <c:pt idx="46">
+                  <c:v>1</c:v>
+                </c:pt>
+                <c:pt idx="47">
+                  <c:v>1</c:v>
+                </c:pt>
+                <c:pt idx="48">
+                  <c:v>1</c:v>
+                </c:pt>
+                <c:pt idx="49">
+                  <c:v>1</c:v>
+                </c:pt>
+                <c:pt idx="50">
+                  <c:v>1</c:v>
+                </c:pt>
+                <c:pt idx="51">
+                  <c:v>1</c:v>
+                </c:pt>
+                <c:pt idx="52">
+                  <c:v>1</c:v>
+                </c:pt>
+                <c:pt idx="53">
+                  <c:v>1</c:v>
+                </c:pt>
+                <c:pt idx="54">
+                  <c:v>1</c:v>
+                </c:pt>
+                <c:pt idx="55">
+                  <c:v>1</c:v>
+                </c:pt>
+                <c:pt idx="56">
+                  <c:v>1</c:v>
+                </c:pt>
+                <c:pt idx="57">
+                  <c:v>1</c:v>
+                </c:pt>
+                <c:pt idx="58">
+                  <c:v>1</c:v>
+                </c:pt>
+                <c:pt idx="59">
+                  <c:v>1</c:v>
+                </c:pt>
+                <c:pt idx="60">
+                  <c:v>1</c:v>
+                </c:pt>
+                <c:pt idx="61">
+                  <c:v>1</c:v>
+                </c:pt>
+                <c:pt idx="62">
+                  <c:v>1</c:v>
+                </c:pt>
+                <c:pt idx="63">
+                  <c:v>1</c:v>
+                </c:pt>
+                <c:pt idx="64">
+                  <c:v>1</c:v>
+                </c:pt>
+                <c:pt idx="65">
+                  <c:v>1</c:v>
+                </c:pt>
+                <c:pt idx="66">
+                  <c:v>1</c:v>
+                </c:pt>
+                <c:pt idx="67">
+                  <c:v>1</c:v>
+                </c:pt>
+                <c:pt idx="68">
+                  <c:v>1</c:v>
+                </c:pt>
+                <c:pt idx="69">
+                  <c:v>1</c:v>
+                </c:pt>
+                <c:pt idx="70">
+                  <c:v>1</c:v>
+                </c:pt>
+                <c:pt idx="71">
+                  <c:v>1</c:v>
+                </c:pt>
+                <c:pt idx="72">
+                  <c:v>1</c:v>
+                </c:pt>
+                <c:pt idx="73">
+                  <c:v>1</c:v>
+                </c:pt>
+                <c:pt idx="74">
+                  <c:v>1</c:v>
+                </c:pt>
+                <c:pt idx="75">
+                  <c:v>1</c:v>
+                </c:pt>
+                <c:pt idx="76">
+                  <c:v>1</c:v>
+                </c:pt>
+                <c:pt idx="77">
+                  <c:v>1</c:v>
+                </c:pt>
+                <c:pt idx="78">
+                  <c:v>1</c:v>
+                </c:pt>
+                <c:pt idx="79">
+                  <c:v>1</c:v>
+                </c:pt>
+                <c:pt idx="80">
+                  <c:v>1</c:v>
+                </c:pt>
+                <c:pt idx="81">
+                  <c:v>1</c:v>
+                </c:pt>
+                <c:pt idx="82">
+                  <c:v>1</c:v>
+                </c:pt>
+                <c:pt idx="83">
+                  <c:v>1</c:v>
+                </c:pt>
+                <c:pt idx="84">
+                  <c:v>1</c:v>
+                </c:pt>
+                <c:pt idx="85">
+                  <c:v>1</c:v>
+                </c:pt>
+                <c:pt idx="86">
+                  <c:v>1</c:v>
+                </c:pt>
+                <c:pt idx="87">
+                  <c:v>1</c:v>
+                </c:pt>
+                <c:pt idx="88">
+                  <c:v>1</c:v>
+                </c:pt>
+                <c:pt idx="89">
+                  <c:v>1</c:v>
+                </c:pt>
+                <c:pt idx="90">
+                  <c:v>1</c:v>
+                </c:pt>
+                <c:pt idx="91">
+                  <c:v>1</c:v>
+                </c:pt>
+                <c:pt idx="92">
+                  <c:v>1</c:v>
+                </c:pt>
+                <c:pt idx="93">
+                  <c:v>1</c:v>
+                </c:pt>
+                <c:pt idx="94">
+                  <c:v>1</c:v>
+                </c:pt>
+                <c:pt idx="95">
+                  <c:v>1</c:v>
+                </c:pt>
+                <c:pt idx="96">
+                  <c:v>1</c:v>
+                </c:pt>
+                <c:pt idx="97">
+                  <c:v>1</c:v>
+                </c:pt>
+                <c:pt idx="98">
+                  <c:v>1</c:v>
+                </c:pt>
+                <c:pt idx="99">
+                  <c:v>1</c:v>
+                </c:pt>
+                <c:pt idx="100">
+                  <c:v>1</c:v>
+                </c:pt>
+              </c:numCache>
+            </c:numRef>
+          </c:val>
+          <c:smooth val="0"/>
+          <c:extLst>
+            <c:ext xmlns:c16="http://schemas.microsoft.com/office/drawing/2014/chart" uri="{C3380CC4-5D6E-409C-BE32-E72D297353CC}">
+              <c16:uniqueId val="{00000002-F012-4F9A-B67E-F7967A772DFA}"/>
+            </c:ext>
+          </c:extLst>
+        </c:ser>
+        <c:dLbls>
+          <c:showLegendKey val="0"/>
+          <c:showVal val="0"/>
+          <c:showCatName val="0"/>
+          <c:showSerName val="0"/>
+          <c:showPercent val="0"/>
+          <c:showBubbleSize val="0"/>
+        </c:dLbls>
+        <c:marker val="1"/>
+        <c:smooth val="0"/>
+        <c:axId val="3"/>
+        <c:axId val="4"/>
+      </c:lineChart>
+      <c:catAx>
+        <c:axId val="1401211503"/>
         <c:scaling>
           <c:orientation val="minMax"/>
         </c:scaling>
         <c:delete val="0"/>
-        <c:axPos val="l"/>
-        <c:numFmt formatCode="General" sourceLinked="0"/>
+        <c:axPos val="b"/>
+        <c:title>
+          <c:tx>
+            <c:rich>
+              <a:bodyPr/>
+              <a:lstStyle/>
+              <a:p>
+                <a:pPr>
+                  <a:defRPr sz="925" b="1" i="0" u="none" strike="noStrike" baseline="0">
+                    <a:solidFill>
+                      <a:srgbClr val="000000"/>
+                    </a:solidFill>
+                    <a:latin typeface="Arial"/>
+                    <a:ea typeface="Arial"/>
+                    <a:cs typeface="Arial"/>
+                  </a:defRPr>
+                </a:pPr>
+                <a:r>
+                  <a:rPr lang="pt-PT"/>
+                  <a:t>n</a:t>
+                </a:r>
+              </a:p>
+            </c:rich>
+          </c:tx>
+          <c:layout>
+            <c:manualLayout>
+              <c:xMode val="edge"/>
+              <c:yMode val="edge"/>
+              <c:x val="0.50706712641311991"/>
+              <c:y val="0.91401282496300484"/>
+            </c:manualLayout>
+          </c:layout>
+          <c:overlay val="0"/>
+          <c:spPr>
+            <a:noFill/>
+            <a:ln w="25400">
+              <a:noFill/>
+            </a:ln>
+          </c:spPr>
+        </c:title>
+        <c:numFmt formatCode="General" sourceLinked="1"/>
         <c:majorTickMark val="out"/>
         <c:minorTickMark val="none"/>
         <c:tickLblPos val="nextTo"/>
         <c:spPr>
-          <a:noFill/>
-          <a:ln w="3172" cap="flat">
+          <a:ln w="3175">
             <a:solidFill>
               <a:srgbClr val="000000"/>
             </a:solidFill>
             <a:prstDash val="solid"/>
-            <a:round/>
           </a:ln>
         </c:spPr>
         <c:txPr>
-          <a:bodyPr lIns="0" tIns="0" rIns="0" bIns="0"/>
+          <a:bodyPr rot="0" vert="horz"/>
           <a:lstStyle/>
           <a:p>
-            <a:pPr marL="0" marR="0" indent="0" defTabSz="914400" fontAlgn="auto" hangingPunct="1">
-              <a:lnSpc>
-                <a:spcPct val="100000"/>
-              </a:lnSpc>
-              <a:spcBef>
-                <a:spcPts val="0"/>
-              </a:spcBef>
-              <a:spcAft>
-                <a:spcPts val="0"/>
-              </a:spcAft>
-              <a:tabLst/>
-              <a:defRPr sz="1025" b="0" i="0" u="none" strike="noStrike" kern="1200" baseline="0">
+            <a:pPr>
+              <a:defRPr sz="1025" b="0" i="0" u="none" strike="noStrike" baseline="0">
                 <a:solidFill>
                   <a:srgbClr val="000000"/>
                 </a:solidFill>
@@ -2900,104 +3282,39 @@
             <a:endParaRPr lang="pt-PT"/>
           </a:p>
         </c:txPr>
-        <c:crossAx val="1743720080"/>
+        <c:crossAx val="1"/>
         <c:crosses val="autoZero"/>
-        <c:crossBetween val="between"/>
-      </c:valAx>
-      <c:catAx>
-        <c:axId val="1743720080"/>
+        <c:auto val="1"/>
+        <c:lblAlgn val="ctr"/>
+        <c:lblOffset val="100"/>
+        <c:tickMarkSkip val="1"/>
+        <c:noMultiLvlLbl val="0"/>
+      </c:catAx>
+      <c:valAx>
+        <c:axId val="1"/>
         <c:scaling>
           <c:orientation val="minMax"/>
         </c:scaling>
         <c:delete val="0"/>
-        <c:axPos val="b"/>
-        <c:title>
-          <c:tx>
-            <c:rich>
-              <a:bodyPr lIns="0" tIns="0" rIns="0" bIns="0"/>
-              <a:lstStyle/>
-              <a:p>
-                <a:pPr marL="0" marR="0" indent="0" algn="ctr" defTabSz="914400" fontAlgn="auto" hangingPunct="1">
-                  <a:lnSpc>
-                    <a:spcPct val="100000"/>
-                  </a:lnSpc>
-                  <a:spcBef>
-                    <a:spcPts val="0"/>
-                  </a:spcBef>
-                  <a:spcAft>
-                    <a:spcPts val="0"/>
-                  </a:spcAft>
-                  <a:tabLst/>
-                  <a:defRPr sz="925" b="1" i="0" u="none" strike="noStrike" kern="1200" baseline="0">
-                    <a:solidFill>
-                      <a:srgbClr val="000000"/>
-                    </a:solidFill>
-                    <a:latin typeface="Arial"/>
-                    <a:ea typeface="Arial"/>
-                    <a:cs typeface="Arial"/>
-                  </a:defRPr>
-                </a:pPr>
-                <a:r>
-                  <a:rPr lang="pt-PT" sz="925" b="1" i="0" u="none" strike="noStrike" kern="1200" cap="none" spc="0" baseline="0">
-                    <a:solidFill>
-                      <a:srgbClr val="000000"/>
-                    </a:solidFill>
-                    <a:uFillTx/>
-                    <a:latin typeface="Arial"/>
-                    <a:ea typeface="Arial"/>
-                    <a:cs typeface="Arial"/>
-                  </a:rPr>
-                  <a:t>n</a:t>
-                </a:r>
-              </a:p>
-            </c:rich>
-          </c:tx>
-          <c:layout>
-            <c:manualLayout>
-              <c:xMode val="edge"/>
-              <c:yMode val="edge"/>
-              <c:x val="0.50706716987281575"/>
-              <c:y val="0.91401274840644919"/>
-            </c:manualLayout>
-          </c:layout>
-          <c:overlay val="0"/>
-          <c:spPr>
-            <a:noFill/>
-            <a:ln>
-              <a:noFill/>
-            </a:ln>
-          </c:spPr>
-        </c:title>
-        <c:numFmt formatCode="General" sourceLinked="0"/>
+        <c:axPos val="l"/>
+        <c:numFmt formatCode="General" sourceLinked="1"/>
         <c:majorTickMark val="out"/>
         <c:minorTickMark val="none"/>
         <c:tickLblPos val="nextTo"/>
         <c:spPr>
-          <a:noFill/>
-          <a:ln w="3172" cap="flat">
+          <a:ln w="3175">
             <a:solidFill>
               <a:srgbClr val="000000"/>
             </a:solidFill>
             <a:prstDash val="solid"/>
-            <a:round/>
           </a:ln>
         </c:spPr>
         <c:txPr>
-          <a:bodyPr lIns="0" tIns="0" rIns="0" bIns="0"/>
+          <a:bodyPr rot="0" vert="horz"/>
           <a:lstStyle/>
           <a:p>
-            <a:pPr marL="0" marR="0" indent="0" defTabSz="914400" fontAlgn="auto" hangingPunct="1">
-              <a:lnSpc>
-                <a:spcPct val="100000"/>
-              </a:lnSpc>
-              <a:spcBef>
-                <a:spcPts val="0"/>
-              </a:spcBef>
-              <a:spcAft>
-                <a:spcPts val="0"/>
-              </a:spcAft>
-              <a:tabLst/>
-              <a:defRPr sz="1025" b="0" i="0" u="none" strike="noStrike" kern="1200" baseline="0">
+            <a:pPr>
+              <a:defRPr sz="1025" b="0" i="0" u="none" strike="noStrike" baseline="0">
                 <a:solidFill>
                   <a:srgbClr val="000000"/>
                 </a:solidFill>
@@ -3009,16 +3326,63 @@
             <a:endParaRPr lang="pt-PT"/>
           </a:p>
         </c:txPr>
-        <c:crossAx val="1742353392"/>
+        <c:crossAx val="1401211503"/>
+        <c:crosses val="autoZero"/>
+        <c:crossBetween val="between"/>
+      </c:valAx>
+      <c:catAx>
+        <c:axId val="3"/>
+        <c:scaling>
+          <c:orientation val="minMax"/>
+        </c:scaling>
+        <c:delete val="1"/>
+        <c:axPos val="b"/>
+        <c:numFmt formatCode="General" sourceLinked="1"/>
+        <c:majorTickMark val="out"/>
+        <c:minorTickMark val="none"/>
+        <c:tickLblPos val="nextTo"/>
+        <c:crossAx val="4"/>
         <c:crosses val="autoZero"/>
         <c:auto val="1"/>
         <c:lblAlgn val="ctr"/>
         <c:lblOffset val="100"/>
         <c:noMultiLvlLbl val="0"/>
       </c:catAx>
+      <c:valAx>
+        <c:axId val="4"/>
+        <c:scaling>
+          <c:orientation val="minMax"/>
+        </c:scaling>
+        <c:delete val="0"/>
+        <c:axPos val="r"/>
+        <c:numFmt formatCode="General" sourceLinked="1"/>
+        <c:majorTickMark val="out"/>
+        <c:minorTickMark val="none"/>
+        <c:tickLblPos val="nextTo"/>
+        <c:txPr>
+          <a:bodyPr rot="0" vert="horz"/>
+          <a:lstStyle/>
+          <a:p>
+            <a:pPr>
+              <a:defRPr sz="1050" b="0" i="0" u="none" strike="noStrike" baseline="0">
+                <a:solidFill>
+                  <a:srgbClr val="000000"/>
+                </a:solidFill>
+                <a:latin typeface="Arial"/>
+                <a:ea typeface="Arial"/>
+                <a:cs typeface="Arial"/>
+              </a:defRPr>
+            </a:pPr>
+            <a:endParaRPr lang="pt-PT"/>
+          </a:p>
+        </c:txPr>
+        <c:crossAx val="3"/>
+        <c:crosses val="max"/>
+        <c:crossBetween val="between"/>
+      </c:valAx>
       <c:spPr>
         <a:noFill/>
-        <a:ln>
+        <a:ln w="25400">
           <a:noFill/>
         </a:ln>
       </c:spPr>
@@ -3031,30 +3395,19 @@
     <a:solidFill>
       <a:srgbClr val="FFFFFF"/>
     </a:solidFill>
-    <a:ln w="3172" cap="flat">
+    <a:ln w="3175">
       <a:solidFill>
         <a:srgbClr val="000000"/>
       </a:solidFill>
       <a:prstDash val="solid"/>
-      <a:round/>
     </a:ln>
   </c:spPr>
   <c:txPr>
-    <a:bodyPr lIns="0" tIns="0" rIns="0" bIns="0"/>
+    <a:bodyPr/>
     <a:lstStyle/>
     <a:p>
-      <a:pPr marL="0" marR="0" indent="0" defTabSz="914400" fontAlgn="auto" hangingPunct="1">
-        <a:lnSpc>
-          <a:spcPct val="100000"/>
-        </a:lnSpc>
-        <a:spcBef>
-          <a:spcPts val="0"/>
-        </a:spcBef>
-        <a:spcAft>
-          <a:spcPts val="0"/>
-        </a:spcAft>
-        <a:tabLst/>
-        <a:defRPr lang="pt-PT" sz="1050" b="0" i="0" u="none" strike="noStrike" kern="1200" baseline="0">
+      <a:pPr>
+        <a:defRPr sz="1050" b="0" i="0" u="none" strike="noStrike" baseline="0">
           <a:solidFill>
             <a:srgbClr val="000000"/>
           </a:solidFill>
@@ -3086,73 +3439,17 @@
     </mc:Fallback>
   </mc:AlternateContent>
   <c:chart>
-    <c:title>
-      <c:tx>
-        <c:rich>
-          <a:bodyPr lIns="0" tIns="0" rIns="0" bIns="0"/>
-          <a:lstStyle/>
-          <a:p>
-            <a:pPr marL="0" marR="0" indent="0" algn="ctr" defTabSz="914400" fontAlgn="auto" hangingPunct="1">
-              <a:lnSpc>
-                <a:spcPct val="100000"/>
-              </a:lnSpc>
-              <a:spcBef>
-                <a:spcPts val="0"/>
-              </a:spcBef>
-              <a:spcAft>
-                <a:spcPts val="0"/>
-              </a:spcAft>
-              <a:tabLst/>
-              <a:defRPr sz="850" b="1" i="0" u="none" strike="noStrike" kern="1200" baseline="0">
-                <a:solidFill>
-                  <a:srgbClr val="000000"/>
-                </a:solidFill>
-                <a:latin typeface="Arial"/>
-                <a:ea typeface="Arial"/>
-                <a:cs typeface="Arial"/>
-              </a:defRPr>
-            </a:pPr>
-            <a:r>
-              <a:rPr lang="pt-PT" sz="850" b="1" i="0" u="none" strike="noStrike" kern="1200" cap="none" spc="0" baseline="0">
-                <a:solidFill>
-                  <a:srgbClr val="000000"/>
-                </a:solidFill>
-                <a:uFillTx/>
-                <a:latin typeface="Arial"/>
-                <a:ea typeface="Arial"/>
-                <a:cs typeface="Arial"/>
-              </a:rPr>
-              <a:t>Análise da VA N para 1000 amostras com intervalos de 1</a:t>
-            </a:r>
-          </a:p>
-        </c:rich>
-      </c:tx>
-      <c:layout>
-        <c:manualLayout>
-          <c:xMode val="edge"/>
-          <c:yMode val="edge"/>
-          <c:x val="0.30388682306056997"/>
-          <c:y val="3.1847149464508367E-2"/>
-        </c:manualLayout>
-      </c:layout>
-      <c:overlay val="0"/>
-      <c:spPr>
-        <a:noFill/>
-        <a:ln>
-          <a:noFill/>
-        </a:ln>
-      </c:spPr>
-    </c:title>
-    <c:autoTitleDeleted val="0"/>
+    <c:autoTitleDeleted val="1"/>
     <c:plotArea>
       <c:layout>
         <c:manualLayout>
+          <c:layoutTarget val="inner"/>
           <c:xMode val="edge"/>
           <c:yMode val="edge"/>
-          <c:x val="0"/>
-          <c:y val="0.11079814377283873"/>
-          <c:w val="1"/>
-          <c:h val="0.80806420043061267"/>
+          <c:x val="6.1837455830388695E-2"/>
+          <c:y val="0.13375796178343949"/>
+          <c:w val="0.90989399293286222"/>
+          <c:h val="0.71019108280254772"/>
         </c:manualLayout>
       </c:layout>
       <c:barChart>
@@ -3166,107 +3463,110 @@
             <c:v>Histograma</c:v>
           </c:tx>
           <c:spPr>
-            <a:solidFill>
-              <a:srgbClr val="4472C4"/>
-            </a:solidFill>
-            <a:ln>
+            <a:ln w="28575">
               <a:noFill/>
             </a:ln>
           </c:spPr>
           <c:invertIfNegative val="0"/>
           <c:cat>
-            <c:numLit>
-              <c:formatCode>General</c:formatCode>
-              <c:ptCount val="13"/>
-              <c:pt idx="0">
-                <c:v>0</c:v>
-              </c:pt>
-              <c:pt idx="1">
-                <c:v>1</c:v>
-              </c:pt>
-              <c:pt idx="2">
-                <c:v>2</c:v>
-              </c:pt>
-              <c:pt idx="3">
-                <c:v>3</c:v>
-              </c:pt>
-              <c:pt idx="4">
-                <c:v>4</c:v>
-              </c:pt>
-              <c:pt idx="5">
-                <c:v>5</c:v>
-              </c:pt>
-              <c:pt idx="6">
-                <c:v>6</c:v>
-              </c:pt>
-              <c:pt idx="7">
-                <c:v>7</c:v>
-              </c:pt>
-              <c:pt idx="8">
-                <c:v>8</c:v>
-              </c:pt>
-              <c:pt idx="9">
-                <c:v>9</c:v>
-              </c:pt>
-              <c:pt idx="10">
-                <c:v>10</c:v>
-              </c:pt>
-              <c:pt idx="11">
-                <c:v>11</c:v>
-              </c:pt>
-              <c:pt idx="12">
-                <c:v>12</c:v>
-              </c:pt>
-            </c:numLit>
+            <c:numRef>
+              <c:f>Gamma!$B$1:$B$13</c:f>
+              <c:numCache>
+                <c:formatCode>General</c:formatCode>
+                <c:ptCount val="13"/>
+                <c:pt idx="0">
+                  <c:v>0</c:v>
+                </c:pt>
+                <c:pt idx="1">
+                  <c:v>1</c:v>
+                </c:pt>
+                <c:pt idx="2">
+                  <c:v>2</c:v>
+                </c:pt>
+                <c:pt idx="3">
+                  <c:v>3</c:v>
+                </c:pt>
+                <c:pt idx="4">
+                  <c:v>4</c:v>
+                </c:pt>
+                <c:pt idx="5">
+                  <c:v>5</c:v>
+                </c:pt>
+                <c:pt idx="6">
+                  <c:v>6</c:v>
+                </c:pt>
+                <c:pt idx="7">
+                  <c:v>7</c:v>
+                </c:pt>
+                <c:pt idx="8">
+                  <c:v>8</c:v>
+                </c:pt>
+                <c:pt idx="9">
+                  <c:v>9</c:v>
+                </c:pt>
+                <c:pt idx="10">
+                  <c:v>10</c:v>
+                </c:pt>
+                <c:pt idx="11">
+                  <c:v>11</c:v>
+                </c:pt>
+                <c:pt idx="12">
+                  <c:v>12</c:v>
+                </c:pt>
+              </c:numCache>
+            </c:numRef>
           </c:cat>
           <c:val>
-            <c:numLit>
-              <c:formatCode>General</c:formatCode>
-              <c:ptCount val="13"/>
-              <c:pt idx="0">
-                <c:v>7.0000000000000001E-3</c:v>
-              </c:pt>
-              <c:pt idx="1">
-                <c:v>0.36499999999999999</c:v>
-              </c:pt>
-              <c:pt idx="2">
-                <c:v>0.29799999999999999</c:v>
-              </c:pt>
-              <c:pt idx="3">
-                <c:v>0.17299999999999999</c:v>
-              </c:pt>
-              <c:pt idx="4">
-                <c:v>9.2999999999999999E-2</c:v>
-              </c:pt>
-              <c:pt idx="5">
-                <c:v>0.04</c:v>
-              </c:pt>
-              <c:pt idx="6">
-                <c:v>1.0999999999999999E-2</c:v>
-              </c:pt>
-              <c:pt idx="7">
-                <c:v>8.0000000000000002E-3</c:v>
-              </c:pt>
-              <c:pt idx="8">
-                <c:v>4.0000000000000001E-3</c:v>
-              </c:pt>
-              <c:pt idx="9">
-                <c:v>1E-3</c:v>
-              </c:pt>
-              <c:pt idx="10">
-                <c:v>0</c:v>
-              </c:pt>
-              <c:pt idx="11">
-                <c:v>0</c:v>
-              </c:pt>
-              <c:pt idx="12">
-                <c:v>0</c:v>
-              </c:pt>
-            </c:numLit>
+            <c:numRef>
+              <c:f>Gamma!$E$1:$E$13</c:f>
+              <c:numCache>
+                <c:formatCode>General</c:formatCode>
+                <c:ptCount val="13"/>
+                <c:pt idx="0">
+                  <c:v>7.0000000000000001E-3</c:v>
+                </c:pt>
+                <c:pt idx="1">
+                  <c:v>0.36499999999999999</c:v>
+                </c:pt>
+                <c:pt idx="2">
+                  <c:v>0.29799999999999999</c:v>
+                </c:pt>
+                <c:pt idx="3">
+                  <c:v>0.17299999999999999</c:v>
+                </c:pt>
+                <c:pt idx="4">
+                  <c:v>9.2999999999999999E-2</c:v>
+                </c:pt>
+                <c:pt idx="5">
+                  <c:v>0.04</c:v>
+                </c:pt>
+                <c:pt idx="6">
+                  <c:v>1.0999999999999999E-2</c:v>
+                </c:pt>
+                <c:pt idx="7">
+                  <c:v>8.0000000000000002E-3</c:v>
+                </c:pt>
+                <c:pt idx="8">
+                  <c:v>4.0000000000000001E-3</c:v>
+                </c:pt>
+                <c:pt idx="9">
+                  <c:v>1E-3</c:v>
+                </c:pt>
+                <c:pt idx="10">
+                  <c:v>0</c:v>
+                </c:pt>
+                <c:pt idx="11">
+                  <c:v>0</c:v>
+                </c:pt>
+                <c:pt idx="12">
+                  <c:v>0</c:v>
+                </c:pt>
+              </c:numCache>
+            </c:numRef>
           </c:val>
           <c:extLst>
             <c:ext xmlns:c16="http://schemas.microsoft.com/office/drawing/2014/chart" uri="{C3380CC4-5D6E-409C-BE32-E72D297353CC}">
-              <c16:uniqueId val="{00000000-1E60-44D1-B9DF-7EECB798BF0C}"/>
+              <c16:uniqueId val="{00000000-8FD7-4D84-9B9F-67E9B1BEA3D5}"/>
             </c:ext>
           </c:extLst>
         </c:ser>
@@ -3279,124 +3579,128 @@
           <c:showBubbleSize val="0"/>
         </c:dLbls>
         <c:gapWidth val="150"/>
-        <c:axId val="1743724480"/>
-        <c:axId val="1742357552"/>
+        <c:axId val="1401211503"/>
+        <c:axId val="1"/>
       </c:barChart>
       <c:lineChart>
         <c:grouping val="standard"/>
         <c:varyColors val="0"/>
         <c:ser>
-          <c:idx val="1"/>
-          <c:order val="1"/>
+          <c:idx val="2"/>
+          <c:order val="2"/>
           <c:tx>
             <c:v>Função Densidade de Probabilidade</c:v>
           </c:tx>
           <c:spPr>
-            <a:ln w="19046" cap="rnd">
+            <a:ln>
               <a:solidFill>
-                <a:srgbClr val="A5A5A5"/>
+                <a:srgbClr val="00B050"/>
               </a:solidFill>
-              <a:prstDash val="solid"/>
-              <a:round/>
             </a:ln>
           </c:spPr>
           <c:marker>
             <c:symbol val="none"/>
           </c:marker>
           <c:cat>
-            <c:numLit>
-              <c:formatCode>General</c:formatCode>
-              <c:ptCount val="13"/>
-              <c:pt idx="0">
-                <c:v>0</c:v>
-              </c:pt>
-              <c:pt idx="1">
-                <c:v>1</c:v>
-              </c:pt>
-              <c:pt idx="2">
-                <c:v>2</c:v>
-              </c:pt>
-              <c:pt idx="3">
-                <c:v>3</c:v>
-              </c:pt>
-              <c:pt idx="4">
-                <c:v>4</c:v>
-              </c:pt>
-              <c:pt idx="5">
-                <c:v>5</c:v>
-              </c:pt>
-              <c:pt idx="6">
-                <c:v>6</c:v>
-              </c:pt>
-              <c:pt idx="7">
-                <c:v>7</c:v>
-              </c:pt>
-              <c:pt idx="8">
-                <c:v>8</c:v>
-              </c:pt>
-              <c:pt idx="9">
-                <c:v>9</c:v>
-              </c:pt>
-              <c:pt idx="10">
-                <c:v>10</c:v>
-              </c:pt>
-              <c:pt idx="11">
-                <c:v>11</c:v>
-              </c:pt>
-              <c:pt idx="12">
-                <c:v>12</c:v>
-              </c:pt>
-            </c:numLit>
+            <c:numRef>
+              <c:f>Gamma!$B$1:$B$13</c:f>
+              <c:numCache>
+                <c:formatCode>General</c:formatCode>
+                <c:ptCount val="13"/>
+                <c:pt idx="0">
+                  <c:v>0</c:v>
+                </c:pt>
+                <c:pt idx="1">
+                  <c:v>1</c:v>
+                </c:pt>
+                <c:pt idx="2">
+                  <c:v>2</c:v>
+                </c:pt>
+                <c:pt idx="3">
+                  <c:v>3</c:v>
+                </c:pt>
+                <c:pt idx="4">
+                  <c:v>4</c:v>
+                </c:pt>
+                <c:pt idx="5">
+                  <c:v>5</c:v>
+                </c:pt>
+                <c:pt idx="6">
+                  <c:v>6</c:v>
+                </c:pt>
+                <c:pt idx="7">
+                  <c:v>7</c:v>
+                </c:pt>
+                <c:pt idx="8">
+                  <c:v>8</c:v>
+                </c:pt>
+                <c:pt idx="9">
+                  <c:v>9</c:v>
+                </c:pt>
+                <c:pt idx="10">
+                  <c:v>10</c:v>
+                </c:pt>
+                <c:pt idx="11">
+                  <c:v>11</c:v>
+                </c:pt>
+                <c:pt idx="12">
+                  <c:v>12</c:v>
+                </c:pt>
+              </c:numCache>
+            </c:numRef>
           </c:cat>
           <c:val>
-            <c:numLit>
-              <c:formatCode>General</c:formatCode>
-              <c:ptCount val="13"/>
-              <c:pt idx="0">
-                <c:v>0</c:v>
-              </c:pt>
-              <c:pt idx="1">
-                <c:v>0.36787944117144228</c:v>
-              </c:pt>
-              <c:pt idx="2">
-                <c:v>0.27067056647322546</c:v>
-              </c:pt>
-              <c:pt idx="3">
-                <c:v>0.14936120510359183</c:v>
-              </c:pt>
-              <c:pt idx="4">
-                <c:v>7.3262555554936729E-2</c:v>
-              </c:pt>
-              <c:pt idx="5">
-                <c:v>3.3689734995427337E-2</c:v>
-              </c:pt>
-              <c:pt idx="6">
-                <c:v>1.4872513059998153E-2</c:v>
-              </c:pt>
-              <c:pt idx="7">
-                <c:v>6.3831737588816145E-3</c:v>
-              </c:pt>
-              <c:pt idx="8">
-                <c:v>2.6837010232200948E-3</c:v>
-              </c:pt>
-              <c:pt idx="9">
-                <c:v>1.1106882367801169E-3</c:v>
-              </c:pt>
-              <c:pt idx="10">
-                <c:v>4.5399929762484888E-4</c:v>
-              </c:pt>
-              <c:pt idx="11">
-                <c:v>1.837187086927024E-4</c:v>
-              </c:pt>
-              <c:pt idx="12">
-                <c:v>7.3730548239938541E-5</c:v>
-              </c:pt>
-            </c:numLit>
+            <c:numRef>
+              <c:f>Gamma!$G$1:$G$13</c:f>
+              <c:numCache>
+                <c:formatCode>General</c:formatCode>
+                <c:ptCount val="13"/>
+                <c:pt idx="0">
+                  <c:v>0</c:v>
+                </c:pt>
+                <c:pt idx="1">
+                  <c:v>0.36787944117144228</c:v>
+                </c:pt>
+                <c:pt idx="2">
+                  <c:v>0.27067056647322546</c:v>
+                </c:pt>
+                <c:pt idx="3">
+                  <c:v>0.14936120510359183</c:v>
+                </c:pt>
+                <c:pt idx="4">
+                  <c:v>7.3262555554936729E-2</c:v>
+                </c:pt>
+                <c:pt idx="5">
+                  <c:v>3.3689734995427337E-2</c:v>
+                </c:pt>
+                <c:pt idx="6">
+                  <c:v>1.4872513059998153E-2</c:v>
+                </c:pt>
+                <c:pt idx="7">
+                  <c:v>6.3831737588816145E-3</c:v>
+                </c:pt>
+                <c:pt idx="8">
+                  <c:v>2.6837010232200948E-3</c:v>
+                </c:pt>
+                <c:pt idx="9">
+                  <c:v>1.1106882367801169E-3</c:v>
+                </c:pt>
+                <c:pt idx="10">
+                  <c:v>4.5399929762484888E-4</c:v>
+                </c:pt>
+                <c:pt idx="11">
+                  <c:v>1.837187086927024E-4</c:v>
+                </c:pt>
+                <c:pt idx="12">
+                  <c:v>7.3730548239938541E-5</c:v>
+                </c:pt>
+              </c:numCache>
+            </c:numRef>
           </c:val>
           <c:smooth val="0"/>
           <c:extLst>
             <c:ext xmlns:c16="http://schemas.microsoft.com/office/drawing/2014/chart" uri="{C3380CC4-5D6E-409C-BE32-E72D297353CC}">
-              <c16:uniqueId val="{00000001-1E60-44D1-B9DF-7EECB798BF0C}"/>
+              <c16:uniqueId val="{00000001-8FD7-4D84-9B9F-67E9B1BEA3D5}"/>
             </c:ext>
           </c:extLst>
         </c:ser>
@@ -3410,46 +3714,209 @@
         </c:dLbls>
         <c:marker val="1"/>
         <c:smooth val="0"/>
-        <c:axId val="1743724480"/>
-        <c:axId val="1742357552"/>
+        <c:axId val="1401211503"/>
+        <c:axId val="1"/>
       </c:lineChart>
-      <c:valAx>
-        <c:axId val="1742357552"/>
+      <c:lineChart>
+        <c:grouping val="standard"/>
+        <c:varyColors val="0"/>
+        <c:ser>
+          <c:idx val="1"/>
+          <c:order val="1"/>
+          <c:tx>
+            <c:v>Função Distribuição Probabilidade</c:v>
+          </c:tx>
+          <c:spPr>
+            <a:ln w="12700">
+              <a:solidFill>
+                <a:srgbClr val="FF0000"/>
+              </a:solidFill>
+              <a:prstDash val="solid"/>
+            </a:ln>
+          </c:spPr>
+          <c:marker>
+            <c:symbol val="none"/>
+          </c:marker>
+          <c:cat>
+            <c:numRef>
+              <c:f>Gamma!$B$1:$B$13</c:f>
+              <c:numCache>
+                <c:formatCode>General</c:formatCode>
+                <c:ptCount val="13"/>
+                <c:pt idx="0">
+                  <c:v>0</c:v>
+                </c:pt>
+                <c:pt idx="1">
+                  <c:v>1</c:v>
+                </c:pt>
+                <c:pt idx="2">
+                  <c:v>2</c:v>
+                </c:pt>
+                <c:pt idx="3">
+                  <c:v>3</c:v>
+                </c:pt>
+                <c:pt idx="4">
+                  <c:v>4</c:v>
+                </c:pt>
+                <c:pt idx="5">
+                  <c:v>5</c:v>
+                </c:pt>
+                <c:pt idx="6">
+                  <c:v>6</c:v>
+                </c:pt>
+                <c:pt idx="7">
+                  <c:v>7</c:v>
+                </c:pt>
+                <c:pt idx="8">
+                  <c:v>8</c:v>
+                </c:pt>
+                <c:pt idx="9">
+                  <c:v>9</c:v>
+                </c:pt>
+                <c:pt idx="10">
+                  <c:v>10</c:v>
+                </c:pt>
+                <c:pt idx="11">
+                  <c:v>11</c:v>
+                </c:pt>
+                <c:pt idx="12">
+                  <c:v>12</c:v>
+                </c:pt>
+              </c:numCache>
+            </c:numRef>
+          </c:cat>
+          <c:val>
+            <c:numRef>
+              <c:f>Gamma!$F$1:$F$13</c:f>
+              <c:numCache>
+                <c:formatCode>General</c:formatCode>
+                <c:ptCount val="13"/>
+                <c:pt idx="0">
+                  <c:v>0</c:v>
+                </c:pt>
+                <c:pt idx="1">
+                  <c:v>0.26424111765711522</c:v>
+                </c:pt>
+                <c:pt idx="2">
+                  <c:v>0.59399415029016189</c:v>
+                </c:pt>
+                <c:pt idx="3">
+                  <c:v>0.80085172652854419</c:v>
+                </c:pt>
+                <c:pt idx="4">
+                  <c:v>0.90842180555632912</c:v>
+                </c:pt>
+                <c:pt idx="5">
+                  <c:v>0.95957231800548715</c:v>
+                </c:pt>
+                <c:pt idx="6">
+                  <c:v>0.98264873476333547</c:v>
+                </c:pt>
+                <c:pt idx="7">
+                  <c:v>0.99270494427556388</c:v>
+                </c:pt>
+                <c:pt idx="8">
+                  <c:v>0.99698083634887746</c:v>
+                </c:pt>
+                <c:pt idx="9">
+                  <c:v>0.99876590195913328</c:v>
+                </c:pt>
+                <c:pt idx="10">
+                  <c:v>0.9995006007726126</c:v>
+                </c:pt>
+                <c:pt idx="11">
+                  <c:v>0.99979957959051702</c:v>
+                </c:pt>
+                <c:pt idx="12">
+                  <c:v>0.99992012523940677</c:v>
+                </c:pt>
+              </c:numCache>
+            </c:numRef>
+          </c:val>
+          <c:smooth val="0"/>
+          <c:extLst>
+            <c:ext xmlns:c16="http://schemas.microsoft.com/office/drawing/2014/chart" uri="{C3380CC4-5D6E-409C-BE32-E72D297353CC}">
+              <c16:uniqueId val="{00000002-8FD7-4D84-9B9F-67E9B1BEA3D5}"/>
+            </c:ext>
+          </c:extLst>
+        </c:ser>
+        <c:dLbls>
+          <c:showLegendKey val="0"/>
+          <c:showVal val="0"/>
+          <c:showCatName val="0"/>
+          <c:showSerName val="0"/>
+          <c:showPercent val="0"/>
+          <c:showBubbleSize val="0"/>
+        </c:dLbls>
+        <c:marker val="1"/>
+        <c:smooth val="0"/>
+        <c:axId val="3"/>
+        <c:axId val="4"/>
+      </c:lineChart>
+      <c:catAx>
+        <c:axId val="1401211503"/>
         <c:scaling>
           <c:orientation val="minMax"/>
         </c:scaling>
         <c:delete val="0"/>
-        <c:axPos val="l"/>
-        <c:numFmt formatCode="General" sourceLinked="0"/>
+        <c:axPos val="b"/>
+        <c:title>
+          <c:tx>
+            <c:rich>
+              <a:bodyPr/>
+              <a:lstStyle/>
+              <a:p>
+                <a:pPr>
+                  <a:defRPr sz="925" b="1" i="0" u="none" strike="noStrike" baseline="0">
+                    <a:solidFill>
+                      <a:srgbClr val="000000"/>
+                    </a:solidFill>
+                    <a:latin typeface="Arial"/>
+                    <a:ea typeface="Arial"/>
+                    <a:cs typeface="Arial"/>
+                  </a:defRPr>
+                </a:pPr>
+                <a:r>
+                  <a:rPr lang="pt-PT"/>
+                  <a:t>n</a:t>
+                </a:r>
+              </a:p>
+            </c:rich>
+          </c:tx>
+          <c:layout>
+            <c:manualLayout>
+              <c:xMode val="edge"/>
+              <c:yMode val="edge"/>
+              <c:x val="0.50706712641311991"/>
+              <c:y val="0.91401282496300484"/>
+            </c:manualLayout>
+          </c:layout>
+          <c:overlay val="0"/>
+          <c:spPr>
+            <a:noFill/>
+            <a:ln w="25400">
+              <a:noFill/>
+            </a:ln>
+          </c:spPr>
+        </c:title>
+        <c:numFmt formatCode="General" sourceLinked="1"/>
         <c:majorTickMark val="out"/>
         <c:minorTickMark val="none"/>
         <c:tickLblPos val="nextTo"/>
         <c:spPr>
-          <a:noFill/>
-          <a:ln w="3172" cap="flat">
+          <a:ln w="3175">
             <a:solidFill>
               <a:srgbClr val="000000"/>
             </a:solidFill>
             <a:prstDash val="solid"/>
-            <a:round/>
           </a:ln>
         </c:spPr>
         <c:txPr>
-          <a:bodyPr lIns="0" tIns="0" rIns="0" bIns="0"/>
+          <a:bodyPr rot="0" vert="horz"/>
           <a:lstStyle/>
           <a:p>
-            <a:pPr marL="0" marR="0" indent="0" defTabSz="914400" fontAlgn="auto" hangingPunct="1">
-              <a:lnSpc>
-                <a:spcPct val="100000"/>
-              </a:lnSpc>
-              <a:spcBef>
-                <a:spcPts val="0"/>
-              </a:spcBef>
-              <a:spcAft>
-                <a:spcPts val="0"/>
-              </a:spcAft>
-              <a:tabLst/>
-              <a:defRPr sz="1025" b="0" i="0" u="none" strike="noStrike" kern="1200" baseline="0">
+            <a:pPr>
+              <a:defRPr sz="1025" b="0" i="0" u="none" strike="noStrike" baseline="0">
                 <a:solidFill>
                   <a:srgbClr val="000000"/>
                 </a:solidFill>
@@ -3461,104 +3928,39 @@
             <a:endParaRPr lang="pt-PT"/>
           </a:p>
         </c:txPr>
-        <c:crossAx val="1743724480"/>
+        <c:crossAx val="1"/>
         <c:crosses val="autoZero"/>
-        <c:crossBetween val="between"/>
-      </c:valAx>
-      <c:catAx>
-        <c:axId val="1743724480"/>
+        <c:auto val="1"/>
+        <c:lblAlgn val="ctr"/>
+        <c:lblOffset val="100"/>
+        <c:tickMarkSkip val="1"/>
+        <c:noMultiLvlLbl val="0"/>
+      </c:catAx>
+      <c:valAx>
+        <c:axId val="1"/>
         <c:scaling>
           <c:orientation val="minMax"/>
         </c:scaling>
         <c:delete val="0"/>
-        <c:axPos val="b"/>
-        <c:title>
-          <c:tx>
-            <c:rich>
-              <a:bodyPr lIns="0" tIns="0" rIns="0" bIns="0"/>
-              <a:lstStyle/>
-              <a:p>
-                <a:pPr marL="0" marR="0" indent="0" algn="ctr" defTabSz="914400" fontAlgn="auto" hangingPunct="1">
-                  <a:lnSpc>
-                    <a:spcPct val="100000"/>
-                  </a:lnSpc>
-                  <a:spcBef>
-                    <a:spcPts val="0"/>
-                  </a:spcBef>
-                  <a:spcAft>
-                    <a:spcPts val="0"/>
-                  </a:spcAft>
-                  <a:tabLst/>
-                  <a:defRPr sz="925" b="1" i="0" u="none" strike="noStrike" kern="1200" baseline="0">
-                    <a:solidFill>
-                      <a:srgbClr val="000000"/>
-                    </a:solidFill>
-                    <a:latin typeface="Arial"/>
-                    <a:ea typeface="Arial"/>
-                    <a:cs typeface="Arial"/>
-                  </a:defRPr>
-                </a:pPr>
-                <a:r>
-                  <a:rPr lang="pt-PT" sz="925" b="1" i="0" u="none" strike="noStrike" kern="1200" cap="none" spc="0" baseline="0">
-                    <a:solidFill>
-                      <a:srgbClr val="000000"/>
-                    </a:solidFill>
-                    <a:uFillTx/>
-                    <a:latin typeface="Arial"/>
-                    <a:ea typeface="Arial"/>
-                    <a:cs typeface="Arial"/>
-                  </a:rPr>
-                  <a:t>n</a:t>
-                </a:r>
-              </a:p>
-            </c:rich>
-          </c:tx>
-          <c:layout>
-            <c:manualLayout>
-              <c:xMode val="edge"/>
-              <c:yMode val="edge"/>
-              <c:x val="0.50706716987281575"/>
-              <c:y val="0.9140124806771438"/>
-            </c:manualLayout>
-          </c:layout>
-          <c:overlay val="0"/>
-          <c:spPr>
-            <a:noFill/>
-            <a:ln>
-              <a:noFill/>
-            </a:ln>
-          </c:spPr>
-        </c:title>
-        <c:numFmt formatCode="General" sourceLinked="0"/>
+        <c:axPos val="l"/>
+        <c:numFmt formatCode="General" sourceLinked="1"/>
         <c:majorTickMark val="out"/>
         <c:minorTickMark val="none"/>
         <c:tickLblPos val="nextTo"/>
         <c:spPr>
-          <a:noFill/>
-          <a:ln w="3172" cap="flat">
+          <a:ln w="3175">
             <a:solidFill>
               <a:srgbClr val="000000"/>
             </a:solidFill>
             <a:prstDash val="solid"/>
-            <a:round/>
           </a:ln>
         </c:spPr>
         <c:txPr>
-          <a:bodyPr lIns="0" tIns="0" rIns="0" bIns="0"/>
+          <a:bodyPr rot="0" vert="horz"/>
           <a:lstStyle/>
           <a:p>
-            <a:pPr marL="0" marR="0" indent="0" defTabSz="914400" fontAlgn="auto" hangingPunct="1">
-              <a:lnSpc>
-                <a:spcPct val="100000"/>
-              </a:lnSpc>
-              <a:spcBef>
-                <a:spcPts val="0"/>
-              </a:spcBef>
-              <a:spcAft>
-                <a:spcPts val="0"/>
-              </a:spcAft>
-              <a:tabLst/>
-              <a:defRPr sz="1025" b="0" i="0" u="none" strike="noStrike" kern="1200" baseline="0">
+            <a:pPr>
+              <a:defRPr sz="1025" b="0" i="0" u="none" strike="noStrike" baseline="0">
                 <a:solidFill>
                   <a:srgbClr val="000000"/>
                 </a:solidFill>
@@ -3570,16 +3972,63 @@
             <a:endParaRPr lang="pt-PT"/>
           </a:p>
         </c:txPr>
-        <c:crossAx val="1742357552"/>
+        <c:crossAx val="1401211503"/>
+        <c:crosses val="autoZero"/>
+        <c:crossBetween val="between"/>
+      </c:valAx>
+      <c:catAx>
+        <c:axId val="3"/>
+        <c:scaling>
+          <c:orientation val="minMax"/>
+        </c:scaling>
+        <c:delete val="1"/>
+        <c:axPos val="b"/>
+        <c:numFmt formatCode="General" sourceLinked="1"/>
+        <c:majorTickMark val="out"/>
+        <c:minorTickMark val="none"/>
+        <c:tickLblPos val="nextTo"/>
+        <c:crossAx val="4"/>
         <c:crosses val="autoZero"/>
         <c:auto val="1"/>
         <c:lblAlgn val="ctr"/>
         <c:lblOffset val="100"/>
         <c:noMultiLvlLbl val="0"/>
       </c:catAx>
+      <c:valAx>
+        <c:axId val="4"/>
+        <c:scaling>
+          <c:orientation val="minMax"/>
+        </c:scaling>
+        <c:delete val="0"/>
+        <c:axPos val="r"/>
+        <c:numFmt formatCode="General" sourceLinked="1"/>
+        <c:majorTickMark val="out"/>
+        <c:minorTickMark val="none"/>
+        <c:tickLblPos val="nextTo"/>
+        <c:txPr>
+          <a:bodyPr rot="0" vert="horz"/>
+          <a:lstStyle/>
+          <a:p>
+            <a:pPr>
+              <a:defRPr sz="1050" b="0" i="0" u="none" strike="noStrike" baseline="0">
+                <a:solidFill>
+                  <a:srgbClr val="000000"/>
+                </a:solidFill>
+                <a:latin typeface="Arial"/>
+                <a:ea typeface="Arial"/>
+                <a:cs typeface="Arial"/>
+              </a:defRPr>
+            </a:pPr>
+            <a:endParaRPr lang="pt-PT"/>
+          </a:p>
+        </c:txPr>
+        <c:crossAx val="3"/>
+        <c:crosses val="max"/>
+        <c:crossBetween val="between"/>
+      </c:valAx>
       <c:spPr>
         <a:noFill/>
-        <a:ln>
+        <a:ln w="25400">
           <a:noFill/>
         </a:ln>
       </c:spPr>
@@ -3592,30 +4041,19 @@
     <a:solidFill>
       <a:srgbClr val="FFFFFF"/>
     </a:solidFill>
-    <a:ln w="3172" cap="flat">
+    <a:ln w="3175">
       <a:solidFill>
         <a:srgbClr val="000000"/>
       </a:solidFill>
       <a:prstDash val="solid"/>
-      <a:round/>
     </a:ln>
   </c:spPr>
   <c:txPr>
-    <a:bodyPr lIns="0" tIns="0" rIns="0" bIns="0"/>
+    <a:bodyPr/>
     <a:lstStyle/>
     <a:p>
-      <a:pPr marL="0" marR="0" indent="0" defTabSz="914400" fontAlgn="auto" hangingPunct="1">
-        <a:lnSpc>
-          <a:spcPct val="100000"/>
-        </a:lnSpc>
-        <a:spcBef>
-          <a:spcPts val="0"/>
-        </a:spcBef>
-        <a:spcAft>
-          <a:spcPts val="0"/>
-        </a:spcAft>
-        <a:tabLst/>
-        <a:defRPr lang="pt-PT" sz="1050" b="0" i="0" u="none" strike="noStrike" kern="1200" baseline="0">
+      <a:pPr>
+        <a:defRPr sz="1050" b="0" i="0" u="none" strike="noStrike" baseline="0">
           <a:solidFill>
             <a:srgbClr val="000000"/>
           </a:solidFill>
@@ -3780,7 +4218,7 @@
           <a:p>
             <a:fld id="{9FE94020-46FA-431F-B2BC-3D7C9E6B5915}" type="datetimeFigureOut">
               <a:rPr lang="pt-PT" smtClean="0"/>
-              <a:t>08/12/2019</a:t>
+              <a:t>14/12/2019</a:t>
             </a:fld>
             <a:endParaRPr lang="pt-PT"/>
           </a:p>
@@ -3978,7 +4416,7 @@
           <a:p>
             <a:fld id="{9FE94020-46FA-431F-B2BC-3D7C9E6B5915}" type="datetimeFigureOut">
               <a:rPr lang="pt-PT" smtClean="0"/>
-              <a:t>08/12/2019</a:t>
+              <a:t>14/12/2019</a:t>
             </a:fld>
             <a:endParaRPr lang="pt-PT"/>
           </a:p>
@@ -4186,7 +4624,7 @@
           <a:p>
             <a:fld id="{9FE94020-46FA-431F-B2BC-3D7C9E6B5915}" type="datetimeFigureOut">
               <a:rPr lang="pt-PT" smtClean="0"/>
-              <a:t>08/12/2019</a:t>
+              <a:t>14/12/2019</a:t>
             </a:fld>
             <a:endParaRPr lang="pt-PT"/>
           </a:p>
@@ -4384,7 +4822,7 @@
           <a:p>
             <a:fld id="{9FE94020-46FA-431F-B2BC-3D7C9E6B5915}" type="datetimeFigureOut">
               <a:rPr lang="pt-PT" smtClean="0"/>
-              <a:t>08/12/2019</a:t>
+              <a:t>14/12/2019</a:t>
             </a:fld>
             <a:endParaRPr lang="pt-PT"/>
           </a:p>
@@ -4659,7 +5097,7 @@
           <a:p>
             <a:fld id="{9FE94020-46FA-431F-B2BC-3D7C9E6B5915}" type="datetimeFigureOut">
               <a:rPr lang="pt-PT" smtClean="0"/>
-              <a:t>08/12/2019</a:t>
+              <a:t>14/12/2019</a:t>
             </a:fld>
             <a:endParaRPr lang="pt-PT"/>
           </a:p>
@@ -4924,7 +5362,7 @@
           <a:p>
             <a:fld id="{9FE94020-46FA-431F-B2BC-3D7C9E6B5915}" type="datetimeFigureOut">
               <a:rPr lang="pt-PT" smtClean="0"/>
-              <a:t>08/12/2019</a:t>
+              <a:t>14/12/2019</a:t>
             </a:fld>
             <a:endParaRPr lang="pt-PT"/>
           </a:p>
@@ -5336,7 +5774,7 @@
           <a:p>
             <a:fld id="{9FE94020-46FA-431F-B2BC-3D7C9E6B5915}" type="datetimeFigureOut">
               <a:rPr lang="pt-PT" smtClean="0"/>
-              <a:t>08/12/2019</a:t>
+              <a:t>14/12/2019</a:t>
             </a:fld>
             <a:endParaRPr lang="pt-PT"/>
           </a:p>
@@ -5477,7 +5915,7 @@
           <a:p>
             <a:fld id="{9FE94020-46FA-431F-B2BC-3D7C9E6B5915}" type="datetimeFigureOut">
               <a:rPr lang="pt-PT" smtClean="0"/>
-              <a:t>08/12/2019</a:t>
+              <a:t>14/12/2019</a:t>
             </a:fld>
             <a:endParaRPr lang="pt-PT"/>
           </a:p>
@@ -5590,7 +6028,7 @@
           <a:p>
             <a:fld id="{9FE94020-46FA-431F-B2BC-3D7C9E6B5915}" type="datetimeFigureOut">
               <a:rPr lang="pt-PT" smtClean="0"/>
-              <a:t>08/12/2019</a:t>
+              <a:t>14/12/2019</a:t>
             </a:fld>
             <a:endParaRPr lang="pt-PT"/>
           </a:p>
@@ -5901,7 +6339,7 @@
           <a:p>
             <a:fld id="{9FE94020-46FA-431F-B2BC-3D7C9E6B5915}" type="datetimeFigureOut">
               <a:rPr lang="pt-PT" smtClean="0"/>
-              <a:t>08/12/2019</a:t>
+              <a:t>14/12/2019</a:t>
             </a:fld>
             <a:endParaRPr lang="pt-PT"/>
           </a:p>
@@ -6189,7 +6627,7 @@
           <a:p>
             <a:fld id="{9FE94020-46FA-431F-B2BC-3D7C9E6B5915}" type="datetimeFigureOut">
               <a:rPr lang="pt-PT" smtClean="0"/>
-              <a:t>08/12/2019</a:t>
+              <a:t>14/12/2019</a:t>
             </a:fld>
             <a:endParaRPr lang="pt-PT"/>
           </a:p>
@@ -6430,7 +6868,7 @@
           <a:p>
             <a:fld id="{9FE94020-46FA-431F-B2BC-3D7C9E6B5915}" type="datetimeFigureOut">
               <a:rPr lang="pt-PT" smtClean="0"/>
-              <a:t>08/12/2019</a:t>
+              <a:t>14/12/2019</a:t>
             </a:fld>
             <a:endParaRPr lang="pt-PT"/>
           </a:p>
@@ -7283,7 +7721,7 @@
                 </a:solidFill>
                 <a:latin typeface="Retro Gaming" panose="00000400000000000000" pitchFamily="2" charset="0"/>
               </a:rPr>
-              <a:t>Implementar 4 variáveis aleatórias com distribuições: Normal, Uniforme, Geométrica e </a:t>
+              <a:t>Implementar 5 variáveis aleatórias com distribuições: Normal, Uniforme, Geométrica e </a:t>
             </a:r>
             <a:r>
               <a:rPr lang="pt-PT" sz="2800" dirty="0" err="1">
@@ -8695,41 +9133,6 @@
       </p:sp>
       <p:sp>
         <p:nvSpPr>
-          <p:cNvPr id="39" name="CaixaDeTexto 38">
-            <a:extLst>
-              <a:ext uri="{FF2B5EF4-FFF2-40B4-BE49-F238E27FC236}">
-                <a16:creationId xmlns:a16="http://schemas.microsoft.com/office/drawing/2014/main" id="{AB94460C-AA55-4FBD-86C2-6F09FD260FF0}"/>
-              </a:ext>
-            </a:extLst>
-          </p:cNvPr>
-          <p:cNvSpPr txBox="1"/>
-          <p:nvPr/>
-        </p:nvSpPr>
-        <p:spPr>
-          <a:xfrm>
-            <a:off x="4245088" y="4205659"/>
-            <a:ext cx="301840" cy="523220"/>
-          </a:xfrm>
-          <a:prstGeom prst="rect">
-            <a:avLst/>
-          </a:prstGeom>
-          <a:noFill/>
-        </p:spPr>
-        <p:txBody>
-          <a:bodyPr wrap="square" rtlCol="0">
-            <a:spAutoFit/>
-          </a:bodyPr>
-          <a:lstStyle/>
-          <a:p>
-            <a:r>
-              <a:rPr lang="pt-PT" sz="2800" b="1" dirty="0"/>
-              <a:t>+</a:t>
-            </a:r>
-          </a:p>
-        </p:txBody>
-      </p:sp>
-      <p:sp>
-        <p:nvSpPr>
           <p:cNvPr id="40" name="CaixaDeTexto 39">
             <a:extLst>
               <a:ext uri="{FF2B5EF4-FFF2-40B4-BE49-F238E27FC236}">
@@ -9787,6 +10190,41 @@
             <a:r>
               <a:rPr lang="pt-PT" sz="2800" b="1" dirty="0"/>
               <a:t>-</a:t>
+            </a:r>
+          </a:p>
+        </p:txBody>
+      </p:sp>
+      <p:sp>
+        <p:nvSpPr>
+          <p:cNvPr id="60" name="CaixaDeTexto 59">
+            <a:extLst>
+              <a:ext uri="{FF2B5EF4-FFF2-40B4-BE49-F238E27FC236}">
+                <a16:creationId xmlns:a16="http://schemas.microsoft.com/office/drawing/2014/main" id="{D46B487C-FBBB-46D2-9231-D0CA638DC7BE}"/>
+              </a:ext>
+            </a:extLst>
+          </p:cNvPr>
+          <p:cNvSpPr txBox="1"/>
+          <p:nvPr/>
+        </p:nvSpPr>
+        <p:spPr>
+          <a:xfrm>
+            <a:off x="4196470" y="4166488"/>
+            <a:ext cx="301840" cy="523220"/>
+          </a:xfrm>
+          <a:prstGeom prst="rect">
+            <a:avLst/>
+          </a:prstGeom>
+          <a:noFill/>
+        </p:spPr>
+        <p:txBody>
+          <a:bodyPr wrap="square" rtlCol="0">
+            <a:spAutoFit/>
+          </a:bodyPr>
+          <a:lstStyle/>
+          <a:p>
+            <a:r>
+              <a:rPr lang="pt-PT" sz="2800" b="1" dirty="0"/>
+              <a:t>=</a:t>
             </a:r>
           </a:p>
         </p:txBody>
@@ -9881,8 +10319,806 @@
           </a:prstGeom>
         </p:spPr>
       </p:pic>
-      <mc:AlternateContent xmlns:mc="http://schemas.openxmlformats.org/markup-compatibility/2006" xmlns:a14="http://schemas.microsoft.com/office/drawing/2010/main">
-        <mc:Choice Requires="a14">
+      <p:sp>
+        <p:nvSpPr>
+          <p:cNvPr id="8" name="Retângulo 7">
+            <a:extLst>
+              <a:ext uri="{FF2B5EF4-FFF2-40B4-BE49-F238E27FC236}">
+                <a16:creationId xmlns:a16="http://schemas.microsoft.com/office/drawing/2014/main" id="{CDC96F03-396E-41AB-9D90-137278306F7A}"/>
+              </a:ext>
+            </a:extLst>
+          </p:cNvPr>
+          <p:cNvSpPr/>
+          <p:nvPr/>
+        </p:nvSpPr>
+        <p:spPr>
+          <a:xfrm>
+            <a:off x="0" y="2387600"/>
+            <a:ext cx="12192000" cy="4470400"/>
+          </a:xfrm>
+          <a:prstGeom prst="rect">
+            <a:avLst/>
+          </a:prstGeom>
+          <a:solidFill>
+            <a:srgbClr val="FFFFFF"/>
+          </a:solidFill>
+          <a:ln>
+            <a:noFill/>
+          </a:ln>
+        </p:spPr>
+        <p:style>
+          <a:lnRef idx="2">
+            <a:schemeClr val="accent1">
+              <a:shade val="50000"/>
+            </a:schemeClr>
+          </a:lnRef>
+          <a:fillRef idx="1">
+            <a:schemeClr val="accent1"/>
+          </a:fillRef>
+          <a:effectRef idx="0">
+            <a:schemeClr val="accent1"/>
+          </a:effectRef>
+          <a:fontRef idx="minor">
+            <a:schemeClr val="lt1"/>
+          </a:fontRef>
+        </p:style>
+        <p:txBody>
+          <a:bodyPr rtlCol="0" anchor="t"/>
+          <a:lstStyle/>
+          <a:p>
+            <a:pPr marL="571500" indent="-571500">
+              <a:buFont typeface="Arial" panose="020B0604020202020204" pitchFamily="34" charset="0"/>
+              <a:buChar char="•"/>
+            </a:pPr>
+            <a:r>
+              <a:rPr lang="pt-PT" sz="2800" dirty="0">
+                <a:solidFill>
+                  <a:srgbClr val="00B050"/>
+                </a:solidFill>
+                <a:latin typeface="Retro Gaming" panose="00000400000000000000" pitchFamily="2" charset="0"/>
+              </a:rPr>
+              <a:t>ATAQUE ESPECIAL DO HERÓI / VILÃO SELECIONADO</a:t>
+            </a:r>
+          </a:p>
+          <a:p>
+            <a:pPr/>
+            <a:endParaRPr lang="pt-PT" dirty="0">
+              <a:solidFill>
+                <a:schemeClr val="tx1"/>
+              </a:solidFill>
+            </a:endParaRPr>
+          </a:p>
+          <a:p>
+            <a:endParaRPr lang="pt-PT" sz="4000" dirty="0">
+              <a:solidFill>
+                <a:srgbClr val="00B050"/>
+              </a:solidFill>
+              <a:latin typeface="Retro Gaming" panose="00000400000000000000" pitchFamily="2" charset="0"/>
+            </a:endParaRPr>
+          </a:p>
+        </p:txBody>
+      </p:sp>
+      <p:graphicFrame>
+        <p:nvGraphicFramePr>
+          <p:cNvPr id="10" name="Chart 5">
+            <a:extLst>
+              <a:ext uri="{FF2B5EF4-FFF2-40B4-BE49-F238E27FC236}">
+                <a16:creationId xmlns:a16="http://schemas.microsoft.com/office/drawing/2014/main" id="{8085FE84-EF1F-4845-9D75-DE1C3648D06F}"/>
+              </a:ext>
+            </a:extLst>
+          </p:cNvPr>
+          <p:cNvGraphicFramePr>
+            <a:graphicFrameLocks/>
+          </p:cNvGraphicFramePr>
+          <p:nvPr>
+            <p:extLst>
+              <p:ext uri="{D42A27DB-BD31-4B8C-83A1-F6EECF244321}">
+                <p14:modId xmlns:p14="http://schemas.microsoft.com/office/powerpoint/2010/main" val="874411360"/>
+              </p:ext>
+            </p:extLst>
+          </p:nvPr>
+        </p:nvGraphicFramePr>
+        <p:xfrm>
+          <a:off x="5104562" y="3602039"/>
+          <a:ext cx="6882027" cy="3056450"/>
+        </p:xfrm>
+        <a:graphic>
+          <a:graphicData uri="http://schemas.openxmlformats.org/drawingml/2006/chart">
+            <c:chart xmlns:c="http://schemas.openxmlformats.org/drawingml/2006/chart" xmlns:r="http://schemas.openxmlformats.org/officeDocument/2006/relationships" r:id="rId3"/>
+          </a:graphicData>
+        </a:graphic>
+      </p:graphicFrame>
+      <mc:AlternateContent xmlns:mc="http://schemas.openxmlformats.org/markup-compatibility/2006">
+        <mc:Choice xmlns:a14="http://schemas.microsoft.com/office/drawing/2010/main" Requires="a14">
+          <p:sp>
+            <p:nvSpPr>
+              <p:cNvPr id="11" name="Retângulo 10">
+                <a:extLst>
+                  <a:ext uri="{FF2B5EF4-FFF2-40B4-BE49-F238E27FC236}">
+                    <a16:creationId xmlns:a16="http://schemas.microsoft.com/office/drawing/2014/main" id="{DED055F7-A0CE-40EF-ACCC-7F07870FDA12}"/>
+                  </a:ext>
+                </a:extLst>
+              </p:cNvPr>
+              <p:cNvSpPr/>
+              <p:nvPr/>
+            </p:nvSpPr>
+            <p:spPr>
+              <a:xfrm>
+                <a:off x="53115" y="2969146"/>
+                <a:ext cx="5051447" cy="3689343"/>
+              </a:xfrm>
+              <a:prstGeom prst="rect">
+                <a:avLst/>
+              </a:prstGeom>
+            </p:spPr>
+            <p:txBody>
+              <a:bodyPr wrap="none">
+                <a:spAutoFit/>
+              </a:bodyPr>
+              <a:lstStyle/>
+              <a:p>
+                <a:pPr/>
+                <a14:m>
+                  <m:oMathPara xmlns:m="http://schemas.openxmlformats.org/officeDocument/2006/math">
+                    <m:oMathParaPr>
+                      <m:jc m:val="left"/>
+                    </m:oMathParaPr>
+                    <m:oMath xmlns:m="http://schemas.openxmlformats.org/officeDocument/2006/math">
+                      <m:r>
+                        <a:rPr lang="pt-PT" b="0" i="1" smtClean="0">
+                          <a:latin typeface="Cambria Math" panose="02040503050406030204" pitchFamily="18" charset="0"/>
+                        </a:rPr>
+                        <m:t>𝐶𝑜𝑚</m:t>
+                      </m:r>
+                      <m:r>
+                        <a:rPr lang="pt-PT" b="0" i="1" smtClean="0">
+                          <a:latin typeface="Cambria Math" panose="02040503050406030204" pitchFamily="18" charset="0"/>
+                        </a:rPr>
+                        <m:t> </m:t>
+                      </m:r>
+                      <m:sSub>
+                        <m:sSubPr>
+                          <m:ctrlPr>
+                            <a:rPr lang="pt-PT" b="0" i="1" smtClean="0">
+                              <a:latin typeface="Cambria Math" panose="02040503050406030204" pitchFamily="18" charset="0"/>
+                            </a:rPr>
+                          </m:ctrlPr>
+                        </m:sSubPr>
+                        <m:e>
+                          <m:r>
+                            <a:rPr lang="pt-PT" b="0" i="1" smtClean="0">
+                              <a:latin typeface="Cambria Math" panose="02040503050406030204" pitchFamily="18" charset="0"/>
+                            </a:rPr>
+                            <m:t>𝑥</m:t>
+                          </m:r>
+                        </m:e>
+                        <m:sub>
+                          <m:r>
+                            <a:rPr lang="pt-PT" b="0" i="1" smtClean="0">
+                              <a:latin typeface="Cambria Math" panose="02040503050406030204" pitchFamily="18" charset="0"/>
+                            </a:rPr>
+                            <m:t>𝑚𝑎𝑥</m:t>
+                          </m:r>
+                        </m:sub>
+                      </m:sSub>
+                      <m:r>
+                        <a:rPr lang="pt-PT" b="0" i="1" smtClean="0">
+                          <a:latin typeface="Cambria Math" panose="02040503050406030204" pitchFamily="18" charset="0"/>
+                        </a:rPr>
+                        <m:t>=4 </m:t>
+                      </m:r>
+                      <m:r>
+                        <a:rPr lang="pt-PT" b="0" i="1" smtClean="0">
+                          <a:latin typeface="Cambria Math" panose="02040503050406030204" pitchFamily="18" charset="0"/>
+                        </a:rPr>
+                        <m:t>𝑒</m:t>
+                      </m:r>
+                      <m:r>
+                        <a:rPr lang="pt-PT" b="0" i="1" smtClean="0">
+                          <a:latin typeface="Cambria Math" panose="02040503050406030204" pitchFamily="18" charset="0"/>
+                        </a:rPr>
+                        <m:t> </m:t>
+                      </m:r>
+                      <m:sSub>
+                        <m:sSubPr>
+                          <m:ctrlPr>
+                            <a:rPr lang="pt-PT" b="0" i="1" smtClean="0">
+                              <a:latin typeface="Cambria Math" panose="02040503050406030204" pitchFamily="18" charset="0"/>
+                            </a:rPr>
+                          </m:ctrlPr>
+                        </m:sSubPr>
+                        <m:e>
+                          <m:r>
+                            <a:rPr lang="pt-PT" b="0" i="1" smtClean="0">
+                              <a:latin typeface="Cambria Math" panose="02040503050406030204" pitchFamily="18" charset="0"/>
+                            </a:rPr>
+                            <m:t>𝑥</m:t>
+                          </m:r>
+                        </m:e>
+                        <m:sub>
+                          <m:r>
+                            <a:rPr lang="pt-PT" b="0" i="1" smtClean="0">
+                              <a:latin typeface="Cambria Math" panose="02040503050406030204" pitchFamily="18" charset="0"/>
+                            </a:rPr>
+                            <m:t>𝑚𝑖𝑛</m:t>
+                          </m:r>
+                        </m:sub>
+                      </m:sSub>
+                      <m:r>
+                        <a:rPr lang="pt-PT" b="0" i="1" smtClean="0">
+                          <a:latin typeface="Cambria Math" panose="02040503050406030204" pitchFamily="18" charset="0"/>
+                        </a:rPr>
+                        <m:t>=0 … </m:t>
+                      </m:r>
+                    </m:oMath>
+                  </m:oMathPara>
+                </a14:m>
+                <a:endParaRPr lang="pt-PT" i="1" dirty="0">
+                  <a:solidFill>
+                    <a:srgbClr val="FF0000"/>
+                  </a:solidFill>
+                  <a:latin typeface="Cambria Math" panose="02040503050406030204" pitchFamily="18" charset="0"/>
+                </a:endParaRPr>
+              </a:p>
+              <a:p>
+                <a:pPr/>
+                <a:endParaRPr lang="pt-PT" i="1" dirty="0">
+                  <a:solidFill>
+                    <a:srgbClr val="FF0000"/>
+                  </a:solidFill>
+                  <a:latin typeface="Cambria Math" panose="02040503050406030204" pitchFamily="18" charset="0"/>
+                </a:endParaRPr>
+              </a:p>
+              <a:p>
+                <a:pPr algn="ctr"/>
+                <a:r>
+                  <a:rPr lang="pt-PT" i="1" dirty="0">
+                    <a:solidFill>
+                      <a:srgbClr val="FF0000"/>
+                    </a:solidFill>
+                    <a:latin typeface="Cambria Math" panose="02040503050406030204" pitchFamily="18" charset="0"/>
+                  </a:rPr>
+                  <a:t>FUNÇÃO DISTRIBUIÇÃO DE PROBABILIDADE </a:t>
+                </a:r>
+              </a:p>
+              <a:p>
+                <a:pPr algn="ctr"/>
+                <a:r>
+                  <a:rPr lang="pt-PT" i="1" dirty="0">
+                    <a:solidFill>
+                      <a:srgbClr val="FF0000"/>
+                    </a:solidFill>
+                    <a:latin typeface="Cambria Math" panose="02040503050406030204" pitchFamily="18" charset="0"/>
+                  </a:rPr>
+                  <a:t>ACUMULADA</a:t>
+                </a:r>
+                <a:endParaRPr lang="pt-PT" i="1" dirty="0">
+                  <a:latin typeface="Cambria Math" panose="02040503050406030204" pitchFamily="18" charset="0"/>
+                </a:endParaRPr>
+              </a:p>
+              <a:p>
+                <a:pPr/>
+                <a14:m>
+                  <m:oMathPara xmlns:m="http://schemas.openxmlformats.org/officeDocument/2006/math">
+                    <m:oMathParaPr>
+                      <m:jc m:val="left"/>
+                    </m:oMathParaPr>
+                    <m:oMath xmlns:m="http://schemas.openxmlformats.org/officeDocument/2006/math">
+                      <m:r>
+                        <a:rPr lang="pt-PT" i="1" smtClean="0">
+                          <a:latin typeface="Cambria Math" panose="02040503050406030204" pitchFamily="18" charset="0"/>
+                        </a:rPr>
+                        <m:t>𝑓</m:t>
+                      </m:r>
+                      <m:d>
+                        <m:dPr>
+                          <m:ctrlPr>
+                            <a:rPr lang="pt-PT" i="1">
+                              <a:latin typeface="Cambria Math" panose="02040503050406030204" pitchFamily="18" charset="0"/>
+                            </a:rPr>
+                          </m:ctrlPr>
+                        </m:dPr>
+                        <m:e>
+                          <m:r>
+                            <a:rPr lang="pt-PT" i="1">
+                              <a:latin typeface="Cambria Math" panose="02040503050406030204" pitchFamily="18" charset="0"/>
+                            </a:rPr>
+                            <m:t>𝑥</m:t>
+                          </m:r>
+                        </m:e>
+                      </m:d>
+                      <m:r>
+                        <a:rPr lang="pt-PT" i="0">
+                          <a:latin typeface="Cambria Math" panose="02040503050406030204" pitchFamily="18" charset="0"/>
+                        </a:rPr>
+                        <m:t>= </m:t>
+                      </m:r>
+                      <m:d>
+                        <m:dPr>
+                          <m:begChr m:val="{"/>
+                          <m:endChr m:val=""/>
+                          <m:ctrlPr>
+                            <a:rPr lang="pt-PT" i="1">
+                              <a:latin typeface="Cambria Math" panose="02040503050406030204" pitchFamily="18" charset="0"/>
+                            </a:rPr>
+                          </m:ctrlPr>
+                        </m:dPr>
+                        <m:e>
+                          <m:eqArr>
+                            <m:eqArrPr>
+                              <m:ctrlPr>
+                                <a:rPr lang="pt-PT" i="1">
+                                  <a:latin typeface="Cambria Math" panose="02040503050406030204" pitchFamily="18" charset="0"/>
+                                </a:rPr>
+                              </m:ctrlPr>
+                            </m:eqArrPr>
+                            <m:e>
+                              <m:r>
+                                <a:rPr lang="pt-PT" i="0">
+                                  <a:latin typeface="Cambria Math" panose="02040503050406030204" pitchFamily="18" charset="0"/>
+                                </a:rPr>
+                                <m:t>&amp;</m:t>
+                              </m:r>
+                              <m:r>
+                                <a:rPr lang="pt-PT" b="0" i="1" smtClean="0">
+                                  <a:latin typeface="Cambria Math" panose="02040503050406030204" pitchFamily="18" charset="0"/>
+                                </a:rPr>
+                                <m:t>0</m:t>
+                              </m:r>
+                              <m:r>
+                                <a:rPr lang="pt-PT" i="0">
+                                  <a:latin typeface="Cambria Math" panose="02040503050406030204" pitchFamily="18" charset="0"/>
+                                </a:rPr>
+                                <m:t>, </m:t>
+                              </m:r>
+                              <m:r>
+                                <a:rPr lang="pt-PT" b="0" i="0" smtClean="0">
+                                  <a:latin typeface="Cambria Math" panose="02040503050406030204" pitchFamily="18" charset="0"/>
+                                </a:rPr>
+                                <m:t>      </m:t>
+                              </m:r>
+                              <m:r>
+                                <a:rPr lang="pt-PT" i="0">
+                                  <a:latin typeface="Cambria Math" panose="02040503050406030204" pitchFamily="18" charset="0"/>
+                                </a:rPr>
+                                <m:t>  </m:t>
+                              </m:r>
+                              <m:r>
+                                <a:rPr lang="pt-PT" i="1">
+                                  <a:latin typeface="Cambria Math" panose="02040503050406030204" pitchFamily="18" charset="0"/>
+                                </a:rPr>
+                                <m:t>𝑥</m:t>
+                              </m:r>
+                              <m:r>
+                                <a:rPr lang="pt-PT" b="0" i="0" smtClean="0">
+                                  <a:latin typeface="Cambria Math" panose="02040503050406030204" pitchFamily="18" charset="0"/>
+                                </a:rPr>
+                                <m:t>&lt;</m:t>
+                              </m:r>
+                              <m:r>
+                                <a:rPr lang="pt-PT" b="0" i="1" smtClean="0">
+                                  <a:latin typeface="Cambria Math" panose="02040503050406030204" pitchFamily="18" charset="0"/>
+                                </a:rPr>
+                                <m:t>1</m:t>
+                              </m:r>
+                            </m:e>
+                            <m:e>
+                              <m:r>
+                                <a:rPr lang="pt-PT" b="0" i="1" smtClean="0">
+                                  <a:latin typeface="Cambria Math" panose="02040503050406030204" pitchFamily="18" charset="0"/>
+                                </a:rPr>
+                                <m:t>       </m:t>
+                              </m:r>
+                              <m:f>
+                                <m:fPr>
+                                  <m:ctrlPr>
+                                    <a:rPr lang="pt-PT" i="1">
+                                      <a:latin typeface="Cambria Math" panose="02040503050406030204" pitchFamily="18" charset="0"/>
+                                    </a:rPr>
+                                  </m:ctrlPr>
+                                </m:fPr>
+                                <m:num>
+                                  <m:r>
+                                    <a:rPr lang="pt-PT" i="1">
+                                      <a:latin typeface="Cambria Math" panose="02040503050406030204" pitchFamily="18" charset="0"/>
+                                    </a:rPr>
+                                    <m:t>𝑥</m:t>
+                                  </m:r>
+                                </m:num>
+                                <m:den>
+                                  <m:r>
+                                    <a:rPr lang="pt-PT" i="1">
+                                      <a:latin typeface="Cambria Math" panose="02040503050406030204" pitchFamily="18" charset="0"/>
+                                    </a:rPr>
+                                    <m:t>4</m:t>
+                                  </m:r>
+                                </m:den>
+                              </m:f>
+                              <m:r>
+                                <a:rPr lang="pt-PT" b="0" i="1" smtClean="0">
+                                  <a:latin typeface="Cambria Math" panose="02040503050406030204" pitchFamily="18" charset="0"/>
+                                </a:rPr>
+                                <m:t>,              1≤</m:t>
+                              </m:r>
+                              <m:r>
+                                <a:rPr lang="pt-PT" b="0" i="1" smtClean="0">
+                                  <a:latin typeface="Cambria Math" panose="02040503050406030204" pitchFamily="18" charset="0"/>
+                                </a:rPr>
+                                <m:t>𝑥</m:t>
+                              </m:r>
+                              <m:r>
+                                <a:rPr lang="pt-PT" b="0" i="1" smtClean="0">
+                                  <a:latin typeface="Cambria Math" panose="02040503050406030204" pitchFamily="18" charset="0"/>
+                                </a:rPr>
+                                <m:t>≤4</m:t>
+                              </m:r>
+                            </m:e>
+                            <m:e>
+                              <m:r>
+                                <a:rPr lang="pt-PT" i="0">
+                                  <a:latin typeface="Cambria Math" panose="02040503050406030204" pitchFamily="18" charset="0"/>
+                                </a:rPr>
+                                <m:t>&amp;0,         </m:t>
+                              </m:r>
+                              <m:r>
+                                <a:rPr lang="pt-PT" i="1">
+                                  <a:latin typeface="Cambria Math" panose="02040503050406030204" pitchFamily="18" charset="0"/>
+                                </a:rPr>
+                                <m:t>𝑥</m:t>
+                              </m:r>
+                              <m:r>
+                                <a:rPr lang="pt-PT" b="0" i="0" smtClean="0">
+                                  <a:latin typeface="Cambria Math" panose="02040503050406030204" pitchFamily="18" charset="0"/>
+                                </a:rPr>
+                                <m:t>&gt;4</m:t>
+                              </m:r>
+                              <m:r>
+                                <a:rPr lang="pt-PT" i="0">
+                                  <a:latin typeface="Cambria Math" panose="02040503050406030204" pitchFamily="18" charset="0"/>
+                                </a:rPr>
+                                <m:t>       </m:t>
+                              </m:r>
+                            </m:e>
+                          </m:eqArr>
+                        </m:e>
+                      </m:d>
+                    </m:oMath>
+                  </m:oMathPara>
+                </a14:m>
+                <a:endParaRPr lang="pt-PT" dirty="0"/>
+              </a:p>
+              <a:p>
+                <a:r>
+                  <a:rPr lang="pt-PT" i="1" dirty="0">
+                    <a:solidFill>
+                      <a:srgbClr val="00B050"/>
+                    </a:solidFill>
+                    <a:latin typeface="Cambria Math" panose="02040503050406030204" pitchFamily="18" charset="0"/>
+                  </a:rPr>
+                  <a:t>FUNÇÃO DENSIDADE DE PROBABILIDADE</a:t>
+                </a:r>
+              </a:p>
+              <a:p>
+                <a:endParaRPr lang="pt-PT" i="1" dirty="0">
+                  <a:latin typeface="Cambria Math" panose="02040503050406030204" pitchFamily="18" charset="0"/>
+                </a:endParaRPr>
+              </a:p>
+              <a:p>
+                <a:pPr/>
+                <a14:m>
+                  <m:oMathPara xmlns:m="http://schemas.openxmlformats.org/officeDocument/2006/math">
+                    <m:oMathParaPr>
+                      <m:jc m:val="centerGroup"/>
+                    </m:oMathParaPr>
+                    <m:oMath xmlns:m="http://schemas.openxmlformats.org/officeDocument/2006/math">
+                      <m:r>
+                        <a:rPr lang="pt-PT" i="1">
+                          <a:latin typeface="Cambria Math" panose="02040503050406030204" pitchFamily="18" charset="0"/>
+                        </a:rPr>
+                        <m:t>𝑓</m:t>
+                      </m:r>
+                      <m:d>
+                        <m:dPr>
+                          <m:ctrlPr>
+                            <a:rPr lang="pt-PT" i="1">
+                              <a:latin typeface="Cambria Math" panose="02040503050406030204" pitchFamily="18" charset="0"/>
+                            </a:rPr>
+                          </m:ctrlPr>
+                        </m:dPr>
+                        <m:e>
+                          <m:r>
+                            <a:rPr lang="pt-PT" i="1">
+                              <a:latin typeface="Cambria Math" panose="02040503050406030204" pitchFamily="18" charset="0"/>
+                            </a:rPr>
+                            <m:t>𝑥</m:t>
+                          </m:r>
+                        </m:e>
+                      </m:d>
+                      <m:r>
+                        <a:rPr lang="pt-PT">
+                          <a:latin typeface="Cambria Math" panose="02040503050406030204" pitchFamily="18" charset="0"/>
+                        </a:rPr>
+                        <m:t>= </m:t>
+                      </m:r>
+                      <m:d>
+                        <m:dPr>
+                          <m:begChr m:val="{"/>
+                          <m:endChr m:val=""/>
+                          <m:ctrlPr>
+                            <a:rPr lang="pt-PT" i="1">
+                              <a:latin typeface="Cambria Math" panose="02040503050406030204" pitchFamily="18" charset="0"/>
+                            </a:rPr>
+                          </m:ctrlPr>
+                        </m:dPr>
+                        <m:e>
+                          <m:eqArr>
+                            <m:eqArrPr>
+                              <m:ctrlPr>
+                                <a:rPr lang="pt-PT" i="1">
+                                  <a:latin typeface="Cambria Math" panose="02040503050406030204" pitchFamily="18" charset="0"/>
+                                </a:rPr>
+                              </m:ctrlPr>
+                            </m:eqArrPr>
+                            <m:e>
+                              <m:r>
+                                <a:rPr lang="pt-PT">
+                                  <a:latin typeface="Cambria Math" panose="02040503050406030204" pitchFamily="18" charset="0"/>
+                                </a:rPr>
+                                <m:t>&amp;</m:t>
+                              </m:r>
+                              <m:f>
+                                <m:fPr>
+                                  <m:ctrlPr>
+                                    <a:rPr lang="pt-PT" i="1" smtClean="0">
+                                      <a:latin typeface="Cambria Math" panose="02040503050406030204" pitchFamily="18" charset="0"/>
+                                    </a:rPr>
+                                  </m:ctrlPr>
+                                </m:fPr>
+                                <m:num>
+                                  <m:r>
+                                    <a:rPr lang="pt-PT" b="0" i="1" smtClean="0">
+                                      <a:latin typeface="Cambria Math" panose="02040503050406030204" pitchFamily="18" charset="0"/>
+                                    </a:rPr>
+                                    <m:t>1</m:t>
+                                  </m:r>
+                                </m:num>
+                                <m:den>
+                                  <m:r>
+                                    <a:rPr lang="pt-PT" b="0" i="1" smtClean="0">
+                                      <a:latin typeface="Cambria Math" panose="02040503050406030204" pitchFamily="18" charset="0"/>
+                                    </a:rPr>
+                                    <m:t>4</m:t>
+                                  </m:r>
+                                </m:den>
+                              </m:f>
+                              <m:r>
+                                <a:rPr lang="pt-PT">
+                                  <a:latin typeface="Cambria Math" panose="02040503050406030204" pitchFamily="18" charset="0"/>
+                                </a:rPr>
+                                <m:t> ,</m:t>
+                              </m:r>
+                              <m:r>
+                                <a:rPr lang="pt-PT" b="0" i="1" smtClean="0">
+                                  <a:latin typeface="Cambria Math" panose="02040503050406030204" pitchFamily="18" charset="0"/>
+                                </a:rPr>
+                                <m:t>        </m:t>
+                              </m:r>
+                              <m:r>
+                                <a:rPr lang="pt-PT" i="1">
+                                  <a:latin typeface="Cambria Math" panose="02040503050406030204" pitchFamily="18" charset="0"/>
+                                </a:rPr>
+                                <m:t>1≤</m:t>
+                              </m:r>
+                              <m:r>
+                                <a:rPr lang="pt-PT" i="1">
+                                  <a:latin typeface="Cambria Math" panose="02040503050406030204" pitchFamily="18" charset="0"/>
+                                </a:rPr>
+                                <m:t>𝑥</m:t>
+                              </m:r>
+                              <m:r>
+                                <a:rPr lang="pt-PT" i="1">
+                                  <a:latin typeface="Cambria Math" panose="02040503050406030204" pitchFamily="18" charset="0"/>
+                                </a:rPr>
+                                <m:t>≤4</m:t>
+                              </m:r>
+                            </m:e>
+                            <m:e>
+                              <m:r>
+                                <a:rPr lang="pt-PT">
+                                  <a:latin typeface="Cambria Math" panose="02040503050406030204" pitchFamily="18" charset="0"/>
+                                </a:rPr>
+                                <m:t>&amp;0,         </m:t>
+                              </m:r>
+                              <m:r>
+                                <a:rPr lang="pt-PT" b="0" i="1" smtClean="0">
+                                  <a:latin typeface="Cambria Math" panose="02040503050406030204" pitchFamily="18" charset="0"/>
+                                </a:rPr>
+                                <m:t>𝑜𝑡h𝑒𝑟𝑤𝑖𝑠𝑒</m:t>
+                              </m:r>
+                            </m:e>
+                          </m:eqArr>
+                        </m:e>
+                      </m:d>
+                    </m:oMath>
+                  </m:oMathPara>
+                </a14:m>
+                <a:endParaRPr lang="pt-PT" dirty="0"/>
+              </a:p>
+            </p:txBody>
+          </p:sp>
+        </mc:Choice>
+        <mc:Fallback>
+          <p:sp>
+            <p:nvSpPr>
+              <p:cNvPr id="11" name="Retângulo 10">
+                <a:extLst>
+                  <a:ext uri="{FF2B5EF4-FFF2-40B4-BE49-F238E27FC236}">
+                    <a16:creationId xmlns:a16="http://schemas.microsoft.com/office/drawing/2014/main" id="{DED055F7-A0CE-40EF-ACCC-7F07870FDA12}"/>
+                  </a:ext>
+                </a:extLst>
+              </p:cNvPr>
+              <p:cNvSpPr>
+                <a:spLocks noRot="1" noChangeAspect="1" noMove="1" noResize="1" noEditPoints="1" noAdjustHandles="1" noChangeArrowheads="1" noChangeShapeType="1" noTextEdit="1"/>
+              </p:cNvSpPr>
+              <p:nvPr/>
+            </p:nvSpPr>
+            <p:spPr>
+              <a:xfrm>
+                <a:off x="53115" y="2969146"/>
+                <a:ext cx="5051447" cy="3689343"/>
+              </a:xfrm>
+              <a:prstGeom prst="rect">
+                <a:avLst/>
+              </a:prstGeom>
+              <a:blipFill>
+                <a:blip r:embed="rId4"/>
+                <a:stretch>
+                  <a:fillRect l="-1087"/>
+                </a:stretch>
+              </a:blipFill>
+            </p:spPr>
+            <p:txBody>
+              <a:bodyPr/>
+              <a:lstStyle/>
+              <a:p>
+                <a:r>
+                  <a:rPr lang="pt-PT">
+                    <a:noFill/>
+                  </a:rPr>
+                  <a:t> </a:t>
+                </a:r>
+              </a:p>
+            </p:txBody>
+          </p:sp>
+        </mc:Fallback>
+      </mc:AlternateContent>
+      <p:sp>
+        <p:nvSpPr>
+          <p:cNvPr id="2" name="CaixaDeTexto 1">
+            <a:extLst>
+              <a:ext uri="{FF2B5EF4-FFF2-40B4-BE49-F238E27FC236}">
+                <a16:creationId xmlns:a16="http://schemas.microsoft.com/office/drawing/2014/main" id="{19E14ADD-7556-4555-B382-08BBEACAC201}"/>
+              </a:ext>
+            </a:extLst>
+          </p:cNvPr>
+          <p:cNvSpPr txBox="1"/>
+          <p:nvPr/>
+        </p:nvSpPr>
+        <p:spPr>
+          <a:xfrm>
+            <a:off x="6480638" y="3217861"/>
+            <a:ext cx="4129873" cy="369332"/>
+          </a:xfrm>
+          <a:prstGeom prst="rect">
+            <a:avLst/>
+          </a:prstGeom>
+          <a:noFill/>
+        </p:spPr>
+        <p:txBody>
+          <a:bodyPr wrap="square" rtlCol="0">
+            <a:spAutoFit/>
+          </a:bodyPr>
+          <a:lstStyle/>
+          <a:p>
+            <a:r>
+              <a:rPr lang="pt-PT" b="1" dirty="0"/>
+              <a:t>VA DISCRETA – DISTRIBUIÇÃO UNIFORME</a:t>
+            </a:r>
+          </a:p>
+        </p:txBody>
+      </p:sp>
+    </p:spTree>
+    <p:extLst>
+      <p:ext uri="{BB962C8B-B14F-4D97-AF65-F5344CB8AC3E}">
+        <p14:creationId xmlns:p14="http://schemas.microsoft.com/office/powerpoint/2010/main" val="467076290"/>
+      </p:ext>
+    </p:extLst>
+  </p:cSld>
+  <p:clrMapOvr>
+    <a:masterClrMapping/>
+  </p:clrMapOvr>
+</p:sld>
+</file>
+
+<file path=ppt/slides/slide5.xml><?xml version="1.0" encoding="utf-8"?>
+<p:sld xmlns:a="http://schemas.openxmlformats.org/drawingml/2006/main" xmlns:r="http://schemas.openxmlformats.org/officeDocument/2006/relationships" xmlns:p="http://schemas.openxmlformats.org/presentationml/2006/main">
+  <p:cSld>
+    <p:spTree>
+      <p:nvGrpSpPr>
+        <p:cNvPr id="1" name=""/>
+        <p:cNvGrpSpPr/>
+        <p:nvPr/>
+      </p:nvGrpSpPr>
+      <p:grpSpPr>
+        <a:xfrm>
+          <a:off x="0" y="0"/>
+          <a:ext cx="0" cy="0"/>
+          <a:chOff x="0" y="0"/>
+          <a:chExt cx="0" cy="0"/>
+        </a:xfrm>
+      </p:grpSpPr>
+      <p:sp>
+        <p:nvSpPr>
+          <p:cNvPr id="3" name="Subtítulo 2">
+            <a:extLst>
+              <a:ext uri="{FF2B5EF4-FFF2-40B4-BE49-F238E27FC236}">
+                <a16:creationId xmlns:a16="http://schemas.microsoft.com/office/drawing/2014/main" id="{204348A3-19CC-4C5C-8645-C2F9F25F8CD5}"/>
+              </a:ext>
+            </a:extLst>
+          </p:cNvPr>
+          <p:cNvSpPr>
+            <a:spLocks noGrp="1"/>
+          </p:cNvSpPr>
+          <p:nvPr>
+            <p:ph type="subTitle" idx="1"/>
+          </p:nvPr>
+        </p:nvSpPr>
+        <p:spPr/>
+        <p:txBody>
+          <a:bodyPr/>
+          <a:lstStyle/>
+          <a:p>
+            <a:endParaRPr lang="pt-PT"/>
+          </a:p>
+        </p:txBody>
+      </p:sp>
+      <p:pic>
+        <p:nvPicPr>
+          <p:cNvPr id="7" name="Imagem 6">
+            <a:extLst>
+              <a:ext uri="{FF2B5EF4-FFF2-40B4-BE49-F238E27FC236}">
+                <a16:creationId xmlns:a16="http://schemas.microsoft.com/office/drawing/2014/main" id="{76C4170D-002F-418E-9062-DE2E371A20C6}"/>
+              </a:ext>
+            </a:extLst>
+          </p:cNvPr>
+          <p:cNvPicPr>
+            <a:picLocks noChangeAspect="1"/>
+          </p:cNvPicPr>
+          <p:nvPr/>
+        </p:nvPicPr>
+        <p:blipFill rotWithShape="1">
+          <a:blip r:embed="rId2">
+            <a:extLst>
+              <a:ext uri="{28A0092B-C50C-407E-A947-70E740481C1C}">
+                <a14:useLocalDpi xmlns:a14="http://schemas.microsoft.com/office/drawing/2010/main" val="0"/>
+              </a:ext>
+            </a:extLst>
+          </a:blip>
+          <a:srcRect t="65227" b="-64"/>
+          <a:stretch/>
+        </p:blipFill>
+        <p:spPr>
+          <a:xfrm>
+            <a:off x="-1" y="0"/>
+            <a:ext cx="12192001" cy="2387600"/>
+          </a:xfrm>
+          <a:prstGeom prst="rect">
+            <a:avLst/>
+          </a:prstGeom>
+        </p:spPr>
+      </p:pic>
+      <mc:AlternateContent xmlns:mc="http://schemas.openxmlformats.org/markup-compatibility/2006">
+        <mc:Choice xmlns:a14="http://schemas.microsoft.com/office/drawing/2010/main" Requires="a14">
           <p:sp>
             <p:nvSpPr>
               <p:cNvPr id="8" name="Retângulo 7">
@@ -9941,7 +11177,7 @@
                     </a:solidFill>
                     <a:latin typeface="Retro Gaming" panose="00000400000000000000" pitchFamily="2" charset="0"/>
                   </a:rPr>
-                  <a:t>ATAQUE ESPECIAL DO HERÓI</a:t>
+                  <a:t>ITEM RECEBIDO PELO TOTEM</a:t>
                 </a:r>
               </a:p>
               <a:p>
@@ -10121,7 +11357,7 @@
             </p:txBody>
           </p:sp>
         </mc:Choice>
-        <mc:Fallback xmlns="">
+        <mc:Fallback>
           <p:sp>
             <p:nvSpPr>
               <p:cNvPr id="8" name="Retângulo 7">
@@ -10169,14 +11405,14 @@
           </p:sp>
         </mc:Fallback>
       </mc:AlternateContent>
-      <mc:AlternateContent xmlns:mc="http://schemas.openxmlformats.org/markup-compatibility/2006" xmlns:a14="http://schemas.microsoft.com/office/drawing/2010/main">
-        <mc:Choice Requires="a14">
+      <mc:AlternateContent xmlns:mc="http://schemas.openxmlformats.org/markup-compatibility/2006">
+        <mc:Choice xmlns:a14="http://schemas.microsoft.com/office/drawing/2010/main" Requires="a14">
           <p:sp>
             <p:nvSpPr>
-              <p:cNvPr id="4" name="Retângulo 3">
+              <p:cNvPr id="9" name="Retângulo 8">
                 <a:extLst>
                   <a:ext uri="{FF2B5EF4-FFF2-40B4-BE49-F238E27FC236}">
-                    <a16:creationId xmlns:a16="http://schemas.microsoft.com/office/drawing/2014/main" id="{826CD139-7F1F-48E9-B653-327FB9D1A14F}"/>
+                    <a16:creationId xmlns:a16="http://schemas.microsoft.com/office/drawing/2014/main" id="{AEB06CEF-B5D5-4116-9CF7-FDAA2DF9A610}"/>
                   </a:ext>
                 </a:extLst>
               </p:cNvPr>
@@ -10185,18 +11421,113 @@
             </p:nvSpPr>
             <p:spPr>
               <a:xfrm>
-                <a:off x="1726269" y="4622800"/>
-                <a:ext cx="2866041" cy="686342"/>
+                <a:off x="116929" y="2815304"/>
+                <a:ext cx="6084722" cy="3919791"/>
               </a:xfrm>
               <a:prstGeom prst="rect">
                 <a:avLst/>
               </a:prstGeom>
             </p:spPr>
             <p:txBody>
-              <a:bodyPr wrap="none">
+              <a:bodyPr wrap="square">
                 <a:spAutoFit/>
               </a:bodyPr>
               <a:lstStyle/>
+              <a:p>
+                <a:pPr/>
+                <a:endParaRPr lang="pt-PT" i="1" dirty="0">
+                  <a:latin typeface="Cambria Math" panose="02040503050406030204" pitchFamily="18" charset="0"/>
+                </a:endParaRPr>
+              </a:p>
+              <a:p>
+                <a:pPr/>
+                <a:r>
+                  <a:rPr lang="pt-PT" i="1" dirty="0">
+                    <a:latin typeface="Cambria Math" panose="02040503050406030204" pitchFamily="18" charset="0"/>
+                  </a:rPr>
+                  <a:t>Com  </a:t>
+                </a:r>
+                <a14:m>
+                  <m:oMath xmlns:m="http://schemas.openxmlformats.org/officeDocument/2006/math">
+                    <m:r>
+                      <a:rPr lang="pt-PT" b="0" i="1" smtClean="0">
+                        <a:latin typeface="Cambria Math" panose="02040503050406030204" pitchFamily="18" charset="0"/>
+                      </a:rPr>
+                      <m:t>𝑝</m:t>
+                    </m:r>
+                    <m:r>
+                      <a:rPr lang="pt-PT" b="0" i="1" smtClean="0">
+                        <a:latin typeface="Cambria Math" panose="02040503050406030204" pitchFamily="18" charset="0"/>
+                      </a:rPr>
+                      <m:t>=</m:t>
+                    </m:r>
+                    <m:f>
+                      <m:fPr>
+                        <m:ctrlPr>
+                          <a:rPr lang="pt-PT" i="1" smtClean="0">
+                            <a:latin typeface="Cambria Math" panose="02040503050406030204" pitchFamily="18" charset="0"/>
+                          </a:rPr>
+                        </m:ctrlPr>
+                      </m:fPr>
+                      <m:num>
+                        <m:r>
+                          <a:rPr lang="pt-PT" b="0" i="1" smtClean="0">
+                            <a:latin typeface="Cambria Math" panose="02040503050406030204" pitchFamily="18" charset="0"/>
+                          </a:rPr>
+                          <m:t>1</m:t>
+                        </m:r>
+                      </m:num>
+                      <m:den>
+                        <m:r>
+                          <a:rPr lang="pt-PT" b="0" i="1" smtClean="0">
+                            <a:latin typeface="Cambria Math" panose="02040503050406030204" pitchFamily="18" charset="0"/>
+                          </a:rPr>
+                          <m:t>2</m:t>
+                        </m:r>
+                      </m:den>
+                    </m:f>
+                  </m:oMath>
+                </a14:m>
+                <a:r>
+                  <a:rPr lang="pt-PT" i="1" dirty="0">
+                    <a:latin typeface="Cambria Math" panose="02040503050406030204" pitchFamily="18" charset="0"/>
+                  </a:rPr>
+                  <a:t>…</a:t>
+                </a:r>
+                <a:endParaRPr lang="pt-PT" i="1" dirty="0">
+                  <a:solidFill>
+                    <a:srgbClr val="FF0000"/>
+                  </a:solidFill>
+                  <a:latin typeface="Cambria Math" panose="02040503050406030204" pitchFamily="18" charset="0"/>
+                </a:endParaRPr>
+              </a:p>
+              <a:p>
+                <a:pPr algn="ctr"/>
+                <a:r>
+                  <a:rPr lang="pt-PT" i="1" dirty="0">
+                    <a:solidFill>
+                      <a:srgbClr val="FF0000"/>
+                    </a:solidFill>
+                    <a:latin typeface="Cambria Math" panose="02040503050406030204" pitchFamily="18" charset="0"/>
+                  </a:rPr>
+                  <a:t>FUNÇÃO DISTRIBUIÇÃO DE PROBABILIDADE </a:t>
+                </a:r>
+              </a:p>
+              <a:p>
+                <a:pPr algn="ctr"/>
+                <a:r>
+                  <a:rPr lang="pt-PT" i="1" dirty="0">
+                    <a:solidFill>
+                      <a:srgbClr val="FF0000"/>
+                    </a:solidFill>
+                    <a:latin typeface="Cambria Math" panose="02040503050406030204" pitchFamily="18" charset="0"/>
+                  </a:rPr>
+                  <a:t>ACUMULADA</a:t>
+                </a:r>
+                <a:endParaRPr lang="pt-PT" i="1" dirty="0">
+                  <a:latin typeface="Cambria Math" panose="02040503050406030204" pitchFamily="18" charset="0"/>
+                </a:endParaRPr>
+              </a:p>
               <a:p>
                 <a:pPr/>
                 <a14:m>
@@ -10206,7 +11537,7 @@
                     </m:oMathParaPr>
                     <m:oMath xmlns:m="http://schemas.openxmlformats.org/officeDocument/2006/math">
                       <m:r>
-                        <a:rPr lang="pt-PT" i="1">
+                        <a:rPr lang="pt-PT" i="1" smtClean="0">
                           <a:latin typeface="Cambria Math" panose="02040503050406030204" pitchFamily="18" charset="0"/>
                         </a:rPr>
                         <m:t>𝑓</m:t>
@@ -10229,324 +11560,179 @@
                         </m:e>
                       </m:d>
                       <m:r>
-                        <a:rPr lang="pt-PT" i="1">
+                        <a:rPr lang="pt-PT" i="0">
                           <a:latin typeface="Cambria Math" panose="02040503050406030204" pitchFamily="18" charset="0"/>
                         </a:rPr>
-                        <m:t>=</m:t>
+                        <m:t>= </m:t>
                       </m:r>
-                      <m:sSup>
-                        <m:sSupPr>
+                      <m:d>
+                        <m:dPr>
+                          <m:begChr m:val="{"/>
+                          <m:endChr m:val=""/>
                           <m:ctrlPr>
                             <a:rPr lang="pt-PT" i="1">
                               <a:latin typeface="Cambria Math" panose="02040503050406030204" pitchFamily="18" charset="0"/>
                             </a:rPr>
                           </m:ctrlPr>
-                        </m:sSupPr>
+                        </m:dPr>
                         <m:e>
-                          <m:d>
-                            <m:dPr>
+                          <m:eqArr>
+                            <m:eqArrPr>
                               <m:ctrlPr>
                                 <a:rPr lang="pt-PT" i="1">
                                   <a:latin typeface="Cambria Math" panose="02040503050406030204" pitchFamily="18" charset="0"/>
                                 </a:rPr>
                               </m:ctrlPr>
-                            </m:dPr>
+                            </m:eqArrPr>
                             <m:e>
+                              <m:r>
+                                <a:rPr lang="pt-PT" i="0">
+                                  <a:latin typeface="Cambria Math" panose="02040503050406030204" pitchFamily="18" charset="0"/>
+                                </a:rPr>
+                                <m:t>&amp;</m:t>
+                              </m:r>
+                              <m:r>
+                                <a:rPr lang="pt-PT" b="0" i="1" smtClean="0">
+                                  <a:latin typeface="Cambria Math" panose="02040503050406030204" pitchFamily="18" charset="0"/>
+                                </a:rPr>
+                                <m:t>1−</m:t>
+                              </m:r>
+                              <m:sSup>
+                                <m:sSupPr>
+                                  <m:ctrlPr>
+                                    <a:rPr lang="pt-PT" b="0" i="1" smtClean="0">
+                                      <a:latin typeface="Cambria Math" panose="02040503050406030204" pitchFamily="18" charset="0"/>
+                                    </a:rPr>
+                                  </m:ctrlPr>
+                                </m:sSupPr>
+                                <m:e>
+                                  <m:d>
+                                    <m:dPr>
+                                      <m:ctrlPr>
+                                        <a:rPr lang="pt-PT" b="0" i="1" smtClean="0">
+                                          <a:latin typeface="Cambria Math" panose="02040503050406030204" pitchFamily="18" charset="0"/>
+                                        </a:rPr>
+                                      </m:ctrlPr>
+                                    </m:dPr>
+                                    <m:e>
+                                      <m:f>
+                                        <m:fPr>
+                                          <m:ctrlPr>
+                                            <a:rPr lang="pt-PT" b="0" i="1" smtClean="0">
+                                              <a:latin typeface="Cambria Math" panose="02040503050406030204" pitchFamily="18" charset="0"/>
+                                            </a:rPr>
+                                          </m:ctrlPr>
+                                        </m:fPr>
+                                        <m:num>
+                                          <m:r>
+                                            <a:rPr lang="pt-PT" b="0" i="1" smtClean="0">
+                                              <a:latin typeface="Cambria Math" panose="02040503050406030204" pitchFamily="18" charset="0"/>
+                                            </a:rPr>
+                                            <m:t>1</m:t>
+                                          </m:r>
+                                        </m:num>
+                                        <m:den>
+                                          <m:r>
+                                            <a:rPr lang="pt-PT" b="0" i="1" smtClean="0">
+                                              <a:latin typeface="Cambria Math" panose="02040503050406030204" pitchFamily="18" charset="0"/>
+                                            </a:rPr>
+                                            <m:t>2</m:t>
+                                          </m:r>
+                                        </m:den>
+                                      </m:f>
+                                    </m:e>
+                                  </m:d>
+                                </m:e>
+                                <m:sup>
+                                  <m:r>
+                                    <a:rPr lang="pt-PT" b="0" i="1" smtClean="0">
+                                      <a:latin typeface="Cambria Math" panose="02040503050406030204" pitchFamily="18" charset="0"/>
+                                    </a:rPr>
+                                    <m:t>𝑥</m:t>
+                                  </m:r>
+                                  <m:r>
+                                    <a:rPr lang="pt-PT" b="0" i="1" smtClean="0">
+                                      <a:latin typeface="Cambria Math" panose="02040503050406030204" pitchFamily="18" charset="0"/>
+                                    </a:rPr>
+                                    <m:t>+1</m:t>
+                                  </m:r>
+                                </m:sup>
+                              </m:sSup>
+                              <m:r>
+                                <a:rPr lang="pt-PT" i="0">
+                                  <a:latin typeface="Cambria Math" panose="02040503050406030204" pitchFamily="18" charset="0"/>
+                                </a:rPr>
+                                <m:t>,   </m:t>
+                              </m:r>
                               <m:r>
                                 <a:rPr lang="pt-PT" i="1">
                                   <a:latin typeface="Cambria Math" panose="02040503050406030204" pitchFamily="18" charset="0"/>
                                 </a:rPr>
-                                <m:t>1−</m:t>
+                                <m:t>𝑥</m:t>
                               </m:r>
                               <m:r>
-                                <a:rPr lang="pt-PT">
+                                <a:rPr lang="pt-PT" i="0">
                                   <a:latin typeface="Cambria Math" panose="02040503050406030204" pitchFamily="18" charset="0"/>
                                 </a:rPr>
-                                <m:t>0,65</m:t>
+                                <m:t>≥</m:t>
+                              </m:r>
+                              <m:r>
+                                <a:rPr lang="pt-PT" b="0" i="1" smtClean="0">
+                                  <a:latin typeface="Cambria Math" panose="02040503050406030204" pitchFamily="18" charset="0"/>
+                                </a:rPr>
+                                <m:t>0</m:t>
                               </m:r>
                             </m:e>
-                          </m:d>
+                            <m:e>
+                              <m:r>
+                                <a:rPr lang="pt-PT" i="0">
+                                  <a:latin typeface="Cambria Math" panose="02040503050406030204" pitchFamily="18" charset="0"/>
+                                </a:rPr>
+                                <m:t>&amp;0,         </m:t>
+                              </m:r>
+                              <m:r>
+                                <a:rPr lang="pt-PT" i="1">
+                                  <a:latin typeface="Cambria Math" panose="02040503050406030204" pitchFamily="18" charset="0"/>
+                                </a:rPr>
+                                <m:t>𝑥</m:t>
+                              </m:r>
+                              <m:r>
+                                <a:rPr lang="pt-PT" b="0" i="0" smtClean="0">
+                                  <a:latin typeface="Cambria Math" panose="02040503050406030204" pitchFamily="18" charset="0"/>
+                                </a:rPr>
+                                <m:t>&lt;0</m:t>
+                              </m:r>
+                              <m:r>
+                                <a:rPr lang="pt-PT" i="0">
+                                  <a:latin typeface="Cambria Math" panose="02040503050406030204" pitchFamily="18" charset="0"/>
+                                </a:rPr>
+                                <m:t>          </m:t>
+                              </m:r>
+                            </m:e>
+                          </m:eqArr>
                         </m:e>
-                        <m:sup>
-                          <m:r>
-                            <a:rPr lang="pt-PT" i="1">
-                              <a:latin typeface="Cambria Math" panose="02040503050406030204" pitchFamily="18" charset="0"/>
-                            </a:rPr>
-                            <m:t>1−</m:t>
-                          </m:r>
-                          <m:r>
-                            <a:rPr lang="pt-PT" i="1">
-                              <a:latin typeface="Cambria Math" panose="02040503050406030204" pitchFamily="18" charset="0"/>
-                            </a:rPr>
-                            <m:t>𝑥</m:t>
-                          </m:r>
-                        </m:sup>
-                      </m:sSup>
-                      <m:r>
-                        <a:rPr lang="pt-PT" i="1">
-                          <a:latin typeface="Cambria Math" panose="02040503050406030204" pitchFamily="18" charset="0"/>
-                        </a:rPr>
-                        <m:t>.</m:t>
-                      </m:r>
-                      <m:r>
-                        <a:rPr lang="pt-PT">
-                          <a:latin typeface="Cambria Math" panose="02040503050406030204" pitchFamily="18" charset="0"/>
-                        </a:rPr>
-                        <m:t>0,65</m:t>
-                      </m:r>
+                      </m:d>
                     </m:oMath>
                   </m:oMathPara>
                 </a14:m>
                 <a:endParaRPr lang="pt-PT" dirty="0"/>
               </a:p>
               <a:p>
-                <a:pPr/>
-                <a14:m>
-                  <m:oMathPara xmlns:m="http://schemas.openxmlformats.org/officeDocument/2006/math">
-                    <m:oMathParaPr>
-                      <m:jc m:val="centerGroup"/>
-                    </m:oMathParaPr>
-                    <m:oMath xmlns:m="http://schemas.openxmlformats.org/officeDocument/2006/math">
-                      <m:r>
-                        <m:rPr>
-                          <m:nor/>
-                        </m:rPr>
-                        <a:rPr lang="pt-PT"/>
-                        <m:t> </m:t>
-                      </m:r>
-                    </m:oMath>
-                  </m:oMathPara>
-                </a14:m>
-                <a:endParaRPr lang="pt-PT" dirty="0"/>
-              </a:p>
-            </p:txBody>
-          </p:sp>
-        </mc:Choice>
-        <mc:Fallback xmlns="">
-          <p:sp>
-            <p:nvSpPr>
-              <p:cNvPr id="4" name="Retângulo 3">
-                <a:extLst>
-                  <a:ext uri="{FF2B5EF4-FFF2-40B4-BE49-F238E27FC236}">
-                    <a16:creationId xmlns:a16="http://schemas.microsoft.com/office/drawing/2014/main" id="{826CD139-7F1F-48E9-B653-327FB9D1A14F}"/>
-                  </a:ext>
-                </a:extLst>
-              </p:cNvPr>
-              <p:cNvSpPr>
-                <a:spLocks noRot="1" noChangeAspect="1" noMove="1" noResize="1" noEditPoints="1" noAdjustHandles="1" noChangeArrowheads="1" noChangeShapeType="1" noTextEdit="1"/>
-              </p:cNvSpPr>
-              <p:nvPr/>
-            </p:nvSpPr>
-            <p:spPr>
-              <a:xfrm>
-                <a:off x="1726269" y="4622800"/>
-                <a:ext cx="2866041" cy="686342"/>
-              </a:xfrm>
-              <a:prstGeom prst="rect">
-                <a:avLst/>
-              </a:prstGeom>
-              <a:blipFill>
-                <a:blip r:embed="rId4"/>
-                <a:stretch>
-                  <a:fillRect/>
-                </a:stretch>
-              </a:blipFill>
-            </p:spPr>
-            <p:txBody>
-              <a:bodyPr/>
-              <a:lstStyle/>
-              <a:p>
+                <a:pPr algn="ctr"/>
                 <a:r>
-                  <a:rPr lang="pt-PT">
-                    <a:noFill/>
-                  </a:rPr>
-                  <a:t> </a:t>
-                </a:r>
-              </a:p>
-            </p:txBody>
-          </p:sp>
-        </mc:Fallback>
-      </mc:AlternateContent>
-      <p:graphicFrame>
-        <p:nvGraphicFramePr>
-          <p:cNvPr id="10" name="Gráfico 9">
-            <a:extLst>
-              <a:ext uri="{FF2B5EF4-FFF2-40B4-BE49-F238E27FC236}">
-                <a16:creationId xmlns:a16="http://schemas.microsoft.com/office/drawing/2014/main" id="{AA215547-E4B8-4389-9EDE-DD0F6B4990F7}"/>
-              </a:ext>
-            </a:extLst>
-          </p:cNvPr>
-          <p:cNvGraphicFramePr/>
-          <p:nvPr>
-            <p:extLst>
-              <p:ext uri="{D42A27DB-BD31-4B8C-83A1-F6EECF244321}">
-                <p14:modId xmlns:p14="http://schemas.microsoft.com/office/powerpoint/2010/main" val="1969275266"/>
-              </p:ext>
-            </p:extLst>
-          </p:nvPr>
-        </p:nvGraphicFramePr>
-        <p:xfrm>
-          <a:off x="6318579" y="3255962"/>
-          <a:ext cx="5478186" cy="3275467"/>
-        </p:xfrm>
-        <a:graphic>
-          <a:graphicData uri="http://schemas.openxmlformats.org/drawingml/2006/chart">
-            <c:chart xmlns:c="http://schemas.openxmlformats.org/drawingml/2006/chart" xmlns:r="http://schemas.openxmlformats.org/officeDocument/2006/relationships" r:id="rId5"/>
-          </a:graphicData>
-        </a:graphic>
-      </p:graphicFrame>
-    </p:spTree>
-    <p:extLst>
-      <p:ext uri="{BB962C8B-B14F-4D97-AF65-F5344CB8AC3E}">
-        <p14:creationId xmlns:p14="http://schemas.microsoft.com/office/powerpoint/2010/main" val="2661554164"/>
-      </p:ext>
-    </p:extLst>
-  </p:cSld>
-  <p:clrMapOvr>
-    <a:masterClrMapping/>
-  </p:clrMapOvr>
-</p:sld>
-</file>
-
-<file path=ppt/slides/slide5.xml><?xml version="1.0" encoding="utf-8"?>
-<p:sld xmlns:a="http://schemas.openxmlformats.org/drawingml/2006/main" xmlns:r="http://schemas.openxmlformats.org/officeDocument/2006/relationships" xmlns:p="http://schemas.openxmlformats.org/presentationml/2006/main">
-  <p:cSld>
-    <p:spTree>
-      <p:nvGrpSpPr>
-        <p:cNvPr id="1" name=""/>
-        <p:cNvGrpSpPr/>
-        <p:nvPr/>
-      </p:nvGrpSpPr>
-      <p:grpSpPr>
-        <a:xfrm>
-          <a:off x="0" y="0"/>
-          <a:ext cx="0" cy="0"/>
-          <a:chOff x="0" y="0"/>
-          <a:chExt cx="0" cy="0"/>
-        </a:xfrm>
-      </p:grpSpPr>
-      <p:sp>
-        <p:nvSpPr>
-          <p:cNvPr id="3" name="Subtítulo 2">
-            <a:extLst>
-              <a:ext uri="{FF2B5EF4-FFF2-40B4-BE49-F238E27FC236}">
-                <a16:creationId xmlns:a16="http://schemas.microsoft.com/office/drawing/2014/main" id="{204348A3-19CC-4C5C-8645-C2F9F25F8CD5}"/>
-              </a:ext>
-            </a:extLst>
-          </p:cNvPr>
-          <p:cNvSpPr>
-            <a:spLocks noGrp="1"/>
-          </p:cNvSpPr>
-          <p:nvPr>
-            <p:ph type="subTitle" idx="1"/>
-          </p:nvPr>
-        </p:nvSpPr>
-        <p:spPr/>
-        <p:txBody>
-          <a:bodyPr/>
-          <a:lstStyle/>
-          <a:p>
-            <a:endParaRPr lang="pt-PT"/>
-          </a:p>
-        </p:txBody>
-      </p:sp>
-      <p:pic>
-        <p:nvPicPr>
-          <p:cNvPr id="7" name="Imagem 6">
-            <a:extLst>
-              <a:ext uri="{FF2B5EF4-FFF2-40B4-BE49-F238E27FC236}">
-                <a16:creationId xmlns:a16="http://schemas.microsoft.com/office/drawing/2014/main" id="{76C4170D-002F-418E-9062-DE2E371A20C6}"/>
-              </a:ext>
-            </a:extLst>
-          </p:cNvPr>
-          <p:cNvPicPr>
-            <a:picLocks noChangeAspect="1"/>
-          </p:cNvPicPr>
-          <p:nvPr/>
-        </p:nvPicPr>
-        <p:blipFill rotWithShape="1">
-          <a:blip r:embed="rId2">
-            <a:extLst>
-              <a:ext uri="{28A0092B-C50C-407E-A947-70E740481C1C}">
-                <a14:useLocalDpi xmlns:a14="http://schemas.microsoft.com/office/drawing/2010/main" val="0"/>
-              </a:ext>
-            </a:extLst>
-          </a:blip>
-          <a:srcRect t="65227" b="-64"/>
-          <a:stretch/>
-        </p:blipFill>
-        <p:spPr>
-          <a:xfrm>
-            <a:off x="-1" y="0"/>
-            <a:ext cx="12192001" cy="2387600"/>
-          </a:xfrm>
-          <a:prstGeom prst="rect">
-            <a:avLst/>
-          </a:prstGeom>
-        </p:spPr>
-      </p:pic>
-      <mc:AlternateContent xmlns:mc="http://schemas.openxmlformats.org/markup-compatibility/2006" xmlns:a14="http://schemas.microsoft.com/office/drawing/2010/main">
-        <mc:Choice Requires="a14">
-          <p:sp>
-            <p:nvSpPr>
-              <p:cNvPr id="8" name="Retângulo 7">
-                <a:extLst>
-                  <a:ext uri="{FF2B5EF4-FFF2-40B4-BE49-F238E27FC236}">
-                    <a16:creationId xmlns:a16="http://schemas.microsoft.com/office/drawing/2014/main" id="{CDC96F03-396E-41AB-9D90-137278306F7A}"/>
-                  </a:ext>
-                </a:extLst>
-              </p:cNvPr>
-              <p:cNvSpPr/>
-              <p:nvPr/>
-            </p:nvSpPr>
-            <p:spPr>
-              <a:xfrm>
-                <a:off x="0" y="2387600"/>
-                <a:ext cx="12192000" cy="4470400"/>
-              </a:xfrm>
-              <a:prstGeom prst="rect">
-                <a:avLst/>
-              </a:prstGeom>
-              <a:solidFill>
-                <a:srgbClr val="FFFFFF"/>
-              </a:solidFill>
-              <a:ln>
-                <a:noFill/>
-              </a:ln>
-            </p:spPr>
-            <p:style>
-              <a:lnRef idx="2">
-                <a:schemeClr val="accent1">
-                  <a:shade val="50000"/>
-                </a:schemeClr>
-              </a:lnRef>
-              <a:fillRef idx="1">
-                <a:schemeClr val="accent1"/>
-              </a:fillRef>
-              <a:effectRef idx="0">
-                <a:schemeClr val="accent1"/>
-              </a:effectRef>
-              <a:fontRef idx="minor">
-                <a:schemeClr val="lt1"/>
-              </a:fontRef>
-            </p:style>
-            <p:txBody>
-              <a:bodyPr rtlCol="0" anchor="t"/>
-              <a:lstStyle/>
-              <a:p>
-                <a:pPr marL="571500" indent="-571500">
-                  <a:buFont typeface="Arial" panose="020B0604020202020204" pitchFamily="34" charset="0"/>
-                  <a:buChar char="•"/>
-                </a:pPr>
-                <a:r>
-                  <a:rPr lang="pt-PT" sz="4000" dirty="0">
+                  <a:rPr lang="pt-PT" i="1" dirty="0">
                     <a:solidFill>
                       <a:srgbClr val="00B050"/>
                     </a:solidFill>
-                    <a:latin typeface="Retro Gaming" panose="00000400000000000000" pitchFamily="2" charset="0"/>
+                    <a:latin typeface="Cambria Math" panose="02040503050406030204" pitchFamily="18" charset="0"/>
                   </a:rPr>
-                  <a:t>ATAQUE ESPECIAL DO HERÓI / VILÃO SELECIONADO</a:t>
+                  <a:t>FUNÇÃO DENSIDADE DE PROBABILIDADE</a:t>
                 </a:r>
+              </a:p>
+              <a:p>
+                <a:endParaRPr lang="pt-PT" i="1" dirty="0">
+                  <a:latin typeface="Cambria Math" panose="02040503050406030204" pitchFamily="18" charset="0"/>
+                </a:endParaRPr>
               </a:p>
               <a:p>
                 <a:pPr/>
@@ -10580,7 +11766,7 @@
                         </m:e>
                       </m:d>
                       <m:r>
-                        <a:rPr lang="pt-PT" i="1">
+                        <a:rPr lang="pt-PT">
                           <a:latin typeface="Cambria Math" panose="02040503050406030204" pitchFamily="18" charset="0"/>
                         </a:rPr>
                         <m:t>= </m:t>
@@ -10605,36 +11791,43 @@
                               </m:ctrlPr>
                             </m:eqArrPr>
                             <m:e>
-                              <m:sSup>
-                                <m:sSupPr>
+                              <m:r>
+                                <a:rPr lang="pt-PT">
+                                  <a:latin typeface="Cambria Math" panose="02040503050406030204" pitchFamily="18" charset="0"/>
+                                </a:rPr>
+                                <m:t>&amp;</m:t>
+                              </m:r>
+                              <m:f>
+                                <m:fPr>
                                   <m:ctrlPr>
-                                    <a:rPr lang="pt-PT" i="1">
+                                    <a:rPr lang="pt-PT" i="1" smtClean="0">
                                       <a:latin typeface="Cambria Math" panose="02040503050406030204" pitchFamily="18" charset="0"/>
                                     </a:rPr>
                                   </m:ctrlPr>
-                                </m:sSupPr>
-                                <m:e>
+                                </m:fPr>
+                                <m:num>
                                   <m:r>
-                                    <a:rPr lang="pt-PT" i="1">
+                                    <a:rPr lang="pt-PT" b="0" i="1" smtClean="0">
                                       <a:latin typeface="Cambria Math" panose="02040503050406030204" pitchFamily="18" charset="0"/>
                                     </a:rPr>
                                     <m:t>1</m:t>
                                   </m:r>
-                                </m:e>
-                                <m:sup>
+                                </m:num>
+                                <m:den>
                                   <m:r>
-                                    <a:rPr lang="pt-PT" i="1">
+                                    <a:rPr lang="pt-PT" b="0" i="1" smtClean="0">
                                       <a:latin typeface="Cambria Math" panose="02040503050406030204" pitchFamily="18" charset="0"/>
                                     </a:rPr>
-                                    <m:t>−2</m:t>
+                                    <m:t>2</m:t>
                                   </m:r>
-                                </m:sup>
-                              </m:sSup>
+                                </m:den>
+                              </m:f>
                               <m:r>
                                 <a:rPr lang="pt-PT" i="1">
                                   <a:latin typeface="Cambria Math" panose="02040503050406030204" pitchFamily="18" charset="0"/>
+                                  <a:ea typeface="Cambria Math" panose="02040503050406030204" pitchFamily="18" charset="0"/>
                                 </a:rPr>
-                                <m:t>𝑥</m:t>
+                                <m:t>∙</m:t>
                               </m:r>
                               <m:sSup>
                                 <m:sSupPr>
@@ -10645,20 +11838,44 @@
                                   </m:ctrlPr>
                                 </m:sSupPr>
                                 <m:e>
-                                  <m:r>
-                                    <a:rPr lang="pt-PT" i="1">
-                                      <a:latin typeface="Cambria Math" panose="02040503050406030204" pitchFamily="18" charset="0"/>
-                                    </a:rPr>
-                                    <m:t>𝑒</m:t>
-                                  </m:r>
+                                  <m:d>
+                                    <m:dPr>
+                                      <m:ctrlPr>
+                                        <a:rPr lang="pt-PT" i="1">
+                                          <a:latin typeface="Cambria Math" panose="02040503050406030204" pitchFamily="18" charset="0"/>
+                                        </a:rPr>
+                                      </m:ctrlPr>
+                                    </m:dPr>
+                                    <m:e>
+                                      <m:f>
+                                        <m:fPr>
+                                          <m:ctrlPr>
+                                            <a:rPr lang="pt-PT" i="1">
+                                              <a:latin typeface="Cambria Math" panose="02040503050406030204" pitchFamily="18" charset="0"/>
+                                            </a:rPr>
+                                          </m:ctrlPr>
+                                        </m:fPr>
+                                        <m:num>
+                                          <m:r>
+                                            <a:rPr lang="pt-PT" i="1">
+                                              <a:latin typeface="Cambria Math" panose="02040503050406030204" pitchFamily="18" charset="0"/>
+                                            </a:rPr>
+                                            <m:t>1</m:t>
+                                          </m:r>
+                                        </m:num>
+                                        <m:den>
+                                          <m:r>
+                                            <a:rPr lang="pt-PT" i="1">
+                                              <a:latin typeface="Cambria Math" panose="02040503050406030204" pitchFamily="18" charset="0"/>
+                                            </a:rPr>
+                                            <m:t>2</m:t>
+                                          </m:r>
+                                        </m:den>
+                                      </m:f>
+                                    </m:e>
+                                  </m:d>
                                 </m:e>
                                 <m:sup>
-                                  <m:r>
-                                    <a:rPr lang="pt-PT" i="1">
-                                      <a:latin typeface="Cambria Math" panose="02040503050406030204" pitchFamily="18" charset="0"/>
-                                    </a:rPr>
-                                    <m:t>−</m:t>
-                                  </m:r>
                                   <m:r>
                                     <a:rPr lang="pt-PT" i="1">
                                       <a:latin typeface="Cambria Math" panose="02040503050406030204" pitchFamily="18" charset="0"/>
@@ -10668,10 +11885,10 @@
                                 </m:sup>
                               </m:sSup>
                               <m:r>
-                                <a:rPr lang="pt-PT" i="1">
+                                <a:rPr lang="pt-PT">
                                   <a:latin typeface="Cambria Math" panose="02040503050406030204" pitchFamily="18" charset="0"/>
                                 </a:rPr>
-                                <m:t> ,   </m:t>
+                                <m:t>,   </m:t>
                               </m:r>
                               <m:r>
                                 <a:rPr lang="pt-PT" i="1">
@@ -10680,30 +11897,37 @@
                                 <m:t>𝑥</m:t>
                               </m:r>
                               <m:r>
-                                <a:rPr lang="pt-PT" i="1">
+                                <a:rPr lang="pt-PT" b="0" i="1" smtClean="0">
                                   <a:latin typeface="Cambria Math" panose="02040503050406030204" pitchFamily="18" charset="0"/>
                                 </a:rPr>
-                                <m:t>&gt;2</m:t>
+                                <m:t> </m:t>
+                              </m:r>
+                              <m:r>
+                                <a:rPr lang="pt-PT" b="0" i="1" smtClean="0">
+                                  <a:latin typeface="Cambria Math" panose="02040503050406030204" pitchFamily="18" charset="0"/>
+                                  <a:ea typeface="Cambria Math" panose="02040503050406030204" pitchFamily="18" charset="0"/>
+                                </a:rPr>
+                                <m:t>∈{0,1,…}</m:t>
                               </m:r>
                             </m:e>
                             <m:e>
                               <m:r>
-                                <a:rPr lang="pt-PT" i="1">
+                                <a:rPr lang="pt-PT">
                                   <a:latin typeface="Cambria Math" panose="02040503050406030204" pitchFamily="18" charset="0"/>
                                 </a:rPr>
-                                <m:t>0,         </m:t>
+                                <m:t>&amp;0, </m:t>
                               </m:r>
                               <m:r>
-                                <a:rPr lang="pt-PT" i="1">
+                                <a:rPr lang="pt-PT" b="0" i="1" smtClean="0">
                                   <a:latin typeface="Cambria Math" panose="02040503050406030204" pitchFamily="18" charset="0"/>
                                 </a:rPr>
-                                <m:t>𝑥</m:t>
+                                <m:t>              </m:t>
                               </m:r>
                               <m:r>
-                                <a:rPr lang="pt-PT" i="1">
+                                <a:rPr lang="pt-PT" b="0" i="1" smtClean="0">
                                   <a:latin typeface="Cambria Math" panose="02040503050406030204" pitchFamily="18" charset="0"/>
                                 </a:rPr>
-                                <m:t>≤2          </m:t>
+                                <m:t>𝑜𝑡h𝑒𝑟𝑤𝑖𝑠𝑒</m:t>
                               </m:r>
                             </m:e>
                           </m:eqArr>
@@ -10714,24 +11938,16 @@
                 </a14:m>
                 <a:endParaRPr lang="pt-PT" dirty="0"/>
               </a:p>
-              <a:p>
-                <a:endParaRPr lang="pt-PT" sz="4000" dirty="0">
-                  <a:solidFill>
-                    <a:srgbClr val="00B050"/>
-                  </a:solidFill>
-                  <a:latin typeface="Retro Gaming" panose="00000400000000000000" pitchFamily="2" charset="0"/>
-                </a:endParaRPr>
-              </a:p>
             </p:txBody>
           </p:sp>
         </mc:Choice>
-        <mc:Fallback xmlns="">
+        <mc:Fallback>
           <p:sp>
             <p:nvSpPr>
-              <p:cNvPr id="8" name="Retângulo 7">
+              <p:cNvPr id="9" name="Retângulo 8">
                 <a:extLst>
                   <a:ext uri="{FF2B5EF4-FFF2-40B4-BE49-F238E27FC236}">
-                    <a16:creationId xmlns:a16="http://schemas.microsoft.com/office/drawing/2014/main" id="{CDC96F03-396E-41AB-9D90-137278306F7A}"/>
+                    <a16:creationId xmlns:a16="http://schemas.microsoft.com/office/drawing/2014/main" id="{AEB06CEF-B5D5-4116-9CF7-FDAA2DF9A610}"/>
                   </a:ext>
                 </a:extLst>
               </p:cNvPr>
@@ -10742,190 +11958,16 @@
             </p:nvSpPr>
             <p:spPr>
               <a:xfrm>
-                <a:off x="0" y="2387600"/>
-                <a:ext cx="12192000" cy="4470400"/>
+                <a:off x="116929" y="2815304"/>
+                <a:ext cx="6084722" cy="3919791"/>
               </a:xfrm>
               <a:prstGeom prst="rect">
                 <a:avLst/>
               </a:prstGeom>
               <a:blipFill>
-                <a:blip r:embed="rId3"/>
+                <a:blip r:embed="rId4"/>
                 <a:stretch>
-                  <a:fillRect l="-1600" t="-2319" r="-1950"/>
-                </a:stretch>
-              </a:blipFill>
-              <a:ln>
-                <a:noFill/>
-              </a:ln>
-            </p:spPr>
-            <p:txBody>
-              <a:bodyPr/>
-              <a:lstStyle/>
-              <a:p>
-                <a:r>
-                  <a:rPr lang="pt-PT">
-                    <a:noFill/>
-                  </a:rPr>
-                  <a:t> </a:t>
-                </a:r>
-              </a:p>
-            </p:txBody>
-          </p:sp>
-        </mc:Fallback>
-      </mc:AlternateContent>
-      <p:graphicFrame>
-        <p:nvGraphicFramePr>
-          <p:cNvPr id="9" name="Gráfico 8">
-            <a:extLst>
-              <a:ext uri="{FF2B5EF4-FFF2-40B4-BE49-F238E27FC236}">
-                <a16:creationId xmlns:a16="http://schemas.microsoft.com/office/drawing/2014/main" id="{BF376FBB-F02B-4B58-9EC0-33C16F22E4A6}"/>
-              </a:ext>
-            </a:extLst>
-          </p:cNvPr>
-          <p:cNvGraphicFramePr/>
-          <p:nvPr>
-            <p:extLst>
-              <p:ext uri="{D42A27DB-BD31-4B8C-83A1-F6EECF244321}">
-                <p14:modId xmlns:p14="http://schemas.microsoft.com/office/powerpoint/2010/main" val="4127604739"/>
-              </p:ext>
-            </p:extLst>
-          </p:nvPr>
-        </p:nvGraphicFramePr>
-        <p:xfrm>
-          <a:off x="6150384" y="3429000"/>
-          <a:ext cx="5400040" cy="3041650"/>
-        </p:xfrm>
-        <a:graphic>
-          <a:graphicData uri="http://schemas.openxmlformats.org/drawingml/2006/chart">
-            <c:chart xmlns:c="http://schemas.openxmlformats.org/drawingml/2006/chart" xmlns:r="http://schemas.openxmlformats.org/officeDocument/2006/relationships" r:id="rId4"/>
-          </a:graphicData>
-        </a:graphic>
-      </p:graphicFrame>
-      <mc:AlternateContent xmlns:mc="http://schemas.openxmlformats.org/markup-compatibility/2006" xmlns:a14="http://schemas.microsoft.com/office/drawing/2010/main">
-        <mc:Choice Requires="a14">
-          <p:sp>
-            <p:nvSpPr>
-              <p:cNvPr id="4" name="Retângulo 3">
-                <a:extLst>
-                  <a:ext uri="{FF2B5EF4-FFF2-40B4-BE49-F238E27FC236}">
-                    <a16:creationId xmlns:a16="http://schemas.microsoft.com/office/drawing/2014/main" id="{826CD139-7F1F-48E9-B653-327FB9D1A14F}"/>
-                  </a:ext>
-                </a:extLst>
-              </p:cNvPr>
-              <p:cNvSpPr/>
-              <p:nvPr/>
-            </p:nvSpPr>
-            <p:spPr>
-              <a:xfrm>
-                <a:off x="2488269" y="4622800"/>
-                <a:ext cx="1173846" cy="610936"/>
-              </a:xfrm>
-              <a:prstGeom prst="rect">
-                <a:avLst/>
-              </a:prstGeom>
-            </p:spPr>
-            <p:txBody>
-              <a:bodyPr wrap="none">
-                <a:spAutoFit/>
-              </a:bodyPr>
-              <a:lstStyle/>
-              <a:p>
-                <a:pPr/>
-                <a14:m>
-                  <m:oMathPara xmlns:m="http://schemas.openxmlformats.org/officeDocument/2006/math">
-                    <m:oMathParaPr>
-                      <m:jc m:val="centerGroup"/>
-                    </m:oMathParaPr>
-                    <m:oMath xmlns:m="http://schemas.openxmlformats.org/officeDocument/2006/math">
-                      <m:r>
-                        <a:rPr lang="pt-PT" i="1">
-                          <a:latin typeface="Cambria Math" panose="02040503050406030204" pitchFamily="18" charset="0"/>
-                        </a:rPr>
-                        <m:t>𝑓</m:t>
-                      </m:r>
-                      <m:d>
-                        <m:dPr>
-                          <m:ctrlPr>
-                            <a:rPr lang="pt-PT" i="1">
-                              <a:latin typeface="Cambria Math" panose="02040503050406030204" pitchFamily="18" charset="0"/>
-                            </a:rPr>
-                          </m:ctrlPr>
-                        </m:dPr>
-                        <m:e>
-                          <m:r>
-                            <a:rPr lang="pt-PT" i="1">
-                              <a:latin typeface="Cambria Math" panose="02040503050406030204" pitchFamily="18" charset="0"/>
-                            </a:rPr>
-                            <m:t>𝑥</m:t>
-                          </m:r>
-                        </m:e>
-                      </m:d>
-                      <m:r>
-                        <a:rPr lang="pt-PT" i="0">
-                          <a:latin typeface="Cambria Math" panose="02040503050406030204" pitchFamily="18" charset="0"/>
-                        </a:rPr>
-                        <m:t>= </m:t>
-                      </m:r>
-                      <m:f>
-                        <m:fPr>
-                          <m:ctrlPr>
-                            <a:rPr lang="pt-PT" i="1">
-                              <a:latin typeface="Cambria Math" panose="02040503050406030204" pitchFamily="18" charset="0"/>
-                            </a:rPr>
-                          </m:ctrlPr>
-                        </m:fPr>
-                        <m:num>
-                          <m:r>
-                            <a:rPr lang="pt-PT" i="0">
-                              <a:latin typeface="Cambria Math" panose="02040503050406030204" pitchFamily="18" charset="0"/>
-                            </a:rPr>
-                            <m:t>1</m:t>
-                          </m:r>
-                        </m:num>
-                        <m:den>
-                          <m:r>
-                            <a:rPr lang="pt-PT" i="0">
-                              <a:latin typeface="Cambria Math" panose="02040503050406030204" pitchFamily="18" charset="0"/>
-                            </a:rPr>
-                            <m:t>4</m:t>
-                          </m:r>
-                        </m:den>
-                      </m:f>
-                    </m:oMath>
-                  </m:oMathPara>
-                </a14:m>
-                <a:endParaRPr lang="pt-PT" dirty="0"/>
-              </a:p>
-            </p:txBody>
-          </p:sp>
-        </mc:Choice>
-        <mc:Fallback xmlns="">
-          <p:sp>
-            <p:nvSpPr>
-              <p:cNvPr id="4" name="Retângulo 3">
-                <a:extLst>
-                  <a:ext uri="{FF2B5EF4-FFF2-40B4-BE49-F238E27FC236}">
-                    <a16:creationId xmlns:a16="http://schemas.microsoft.com/office/drawing/2014/main" id="{826CD139-7F1F-48E9-B653-327FB9D1A14F}"/>
-                  </a:ext>
-                </a:extLst>
-              </p:cNvPr>
-              <p:cNvSpPr>
-                <a:spLocks noRot="1" noChangeAspect="1" noMove="1" noResize="1" noEditPoints="1" noAdjustHandles="1" noChangeArrowheads="1" noChangeShapeType="1" noTextEdit="1"/>
-              </p:cNvSpPr>
-              <p:nvPr/>
-            </p:nvSpPr>
-            <p:spPr>
-              <a:xfrm>
-                <a:off x="2488269" y="4622800"/>
-                <a:ext cx="1173846" cy="610936"/>
-              </a:xfrm>
-              <a:prstGeom prst="rect">
-                <a:avLst/>
-              </a:prstGeom>
-              <a:blipFill>
-                <a:blip r:embed="rId5"/>
-                <a:stretch>
-                  <a:fillRect/>
+                  <a:fillRect l="-802"/>
                 </a:stretch>
               </a:blipFill>
             </p:spPr>
@@ -10944,10 +11986,75 @@
           </p:sp>
         </mc:Fallback>
       </mc:AlternateContent>
+      <p:sp>
+        <p:nvSpPr>
+          <p:cNvPr id="12" name="CaixaDeTexto 11">
+            <a:extLst>
+              <a:ext uri="{FF2B5EF4-FFF2-40B4-BE49-F238E27FC236}">
+                <a16:creationId xmlns:a16="http://schemas.microsoft.com/office/drawing/2014/main" id="{B24DAEFE-8411-4BD9-92C1-49361009EF86}"/>
+              </a:ext>
+            </a:extLst>
+          </p:cNvPr>
+          <p:cNvSpPr txBox="1"/>
+          <p:nvPr/>
+        </p:nvSpPr>
+        <p:spPr>
+          <a:xfrm>
+            <a:off x="6480637" y="3208315"/>
+            <a:ext cx="4683081" cy="369332"/>
+          </a:xfrm>
+          <a:prstGeom prst="rect">
+            <a:avLst/>
+          </a:prstGeom>
+          <a:noFill/>
+        </p:spPr>
+        <p:txBody>
+          <a:bodyPr wrap="square" rtlCol="0">
+            <a:spAutoFit/>
+          </a:bodyPr>
+          <a:lstStyle/>
+          <a:p>
+            <a:r>
+              <a:rPr lang="pt-PT" b="1" dirty="0"/>
+              <a:t>VA DISCRETA – DISTRIBUIÇÃO GEOMÉTRICA</a:t>
+            </a:r>
+          </a:p>
+        </p:txBody>
+      </p:sp>
+      <p:graphicFrame>
+        <p:nvGraphicFramePr>
+          <p:cNvPr id="13" name="Chart 5">
+            <a:extLst>
+              <a:ext uri="{FF2B5EF4-FFF2-40B4-BE49-F238E27FC236}">
+                <a16:creationId xmlns:a16="http://schemas.microsoft.com/office/drawing/2014/main" id="{1863A901-F95A-42E7-96A0-AD15B7BE4502}"/>
+              </a:ext>
+            </a:extLst>
+          </p:cNvPr>
+          <p:cNvGraphicFramePr>
+            <a:graphicFrameLocks/>
+          </p:cNvGraphicFramePr>
+          <p:nvPr>
+            <p:extLst>
+              <p:ext uri="{D42A27DB-BD31-4B8C-83A1-F6EECF244321}">
+                <p14:modId xmlns:p14="http://schemas.microsoft.com/office/powerpoint/2010/main" val="1409205074"/>
+              </p:ext>
+            </p:extLst>
+          </p:nvPr>
+        </p:nvGraphicFramePr>
+        <p:xfrm>
+          <a:off x="5738983" y="3613771"/>
+          <a:ext cx="6166390" cy="3096933"/>
+        </p:xfrm>
+        <a:graphic>
+          <a:graphicData uri="http://schemas.openxmlformats.org/drawingml/2006/chart">
+            <c:chart xmlns:c="http://schemas.openxmlformats.org/drawingml/2006/chart" xmlns:r="http://schemas.openxmlformats.org/officeDocument/2006/relationships" r:id="rId5"/>
+          </a:graphicData>
+        </a:graphic>
+      </p:graphicFrame>
     </p:spTree>
     <p:extLst>
       <p:ext uri="{BB962C8B-B14F-4D97-AF65-F5344CB8AC3E}">
-        <p14:creationId xmlns:p14="http://schemas.microsoft.com/office/powerpoint/2010/main" val="467076290"/>
+        <p14:creationId xmlns:p14="http://schemas.microsoft.com/office/powerpoint/2010/main" val="2661554164"/>
       </p:ext>
     </p:extLst>
   </p:cSld>
@@ -11034,8 +12141,8 @@
           </a:prstGeom>
         </p:spPr>
       </p:pic>
-      <mc:AlternateContent xmlns:mc="http://schemas.openxmlformats.org/markup-compatibility/2006" xmlns:a14="http://schemas.microsoft.com/office/drawing/2010/main">
-        <mc:Choice Requires="a14">
+      <mc:AlternateContent xmlns:mc="http://schemas.openxmlformats.org/markup-compatibility/2006">
+        <mc:Choice xmlns:a14="http://schemas.microsoft.com/office/drawing/2010/main" Requires="a14">
           <p:sp>
             <p:nvSpPr>
               <p:cNvPr id="8" name="Retângulo 7">
@@ -11274,7 +12381,7 @@
             </p:txBody>
           </p:sp>
         </mc:Choice>
-        <mc:Fallback xmlns="">
+        <mc:Fallback>
           <p:sp>
             <p:nvSpPr>
               <p:cNvPr id="8" name="Retângulo 7">
@@ -11322,14 +12429,44 @@
           </p:sp>
         </mc:Fallback>
       </mc:AlternateContent>
-      <mc:AlternateContent xmlns:mc="http://schemas.openxmlformats.org/markup-compatibility/2006" xmlns:a14="http://schemas.microsoft.com/office/drawing/2010/main">
-        <mc:Choice Requires="a14">
+      <p:graphicFrame>
+        <p:nvGraphicFramePr>
+          <p:cNvPr id="10" name="Chart 5">
+            <a:extLst>
+              <a:ext uri="{FF2B5EF4-FFF2-40B4-BE49-F238E27FC236}">
+                <a16:creationId xmlns:a16="http://schemas.microsoft.com/office/drawing/2014/main" id="{6143CC7D-5EFF-4520-852C-7B70B6B865CE}"/>
+              </a:ext>
+            </a:extLst>
+          </p:cNvPr>
+          <p:cNvGraphicFramePr>
+            <a:graphicFrameLocks/>
+          </p:cNvGraphicFramePr>
+          <p:nvPr>
+            <p:extLst>
+              <p:ext uri="{D42A27DB-BD31-4B8C-83A1-F6EECF244321}">
+                <p14:modId xmlns:p14="http://schemas.microsoft.com/office/powerpoint/2010/main" val="3136596233"/>
+              </p:ext>
+            </p:extLst>
+          </p:nvPr>
+        </p:nvGraphicFramePr>
+        <p:xfrm>
+          <a:off x="4754628" y="3602038"/>
+          <a:ext cx="7157957" cy="3137876"/>
+        </p:xfrm>
+        <a:graphic>
+          <a:graphicData uri="http://schemas.openxmlformats.org/drawingml/2006/chart">
+            <c:chart xmlns:c="http://schemas.openxmlformats.org/drawingml/2006/chart" xmlns:r="http://schemas.openxmlformats.org/officeDocument/2006/relationships" r:id="rId4"/>
+          </a:graphicData>
+        </a:graphic>
+      </p:graphicFrame>
+      <mc:AlternateContent xmlns:mc="http://schemas.openxmlformats.org/markup-compatibility/2006">
+        <mc:Choice xmlns:a14="http://schemas.microsoft.com/office/drawing/2010/main" Requires="a14">
           <p:sp>
             <p:nvSpPr>
-              <p:cNvPr id="4" name="Retângulo 3">
+              <p:cNvPr id="11" name="Retângulo 10">
                 <a:extLst>
                   <a:ext uri="{FF2B5EF4-FFF2-40B4-BE49-F238E27FC236}">
-                    <a16:creationId xmlns:a16="http://schemas.microsoft.com/office/drawing/2014/main" id="{A827C336-501F-4A24-9BD2-373387017740}"/>
+                    <a16:creationId xmlns:a16="http://schemas.microsoft.com/office/drawing/2014/main" id="{DDCC6236-EBCB-4FC6-85F0-3D652DFCDC31}"/>
                   </a:ext>
                 </a:extLst>
               </p:cNvPr>
@@ -11338,8 +12475,8 @@
             </p:nvSpPr>
             <p:spPr>
               <a:xfrm>
-                <a:off x="2099942" y="4563571"/>
-                <a:ext cx="2399183" cy="694229"/>
+                <a:off x="11278" y="3069040"/>
+                <a:ext cx="4743350" cy="3532570"/>
               </a:xfrm>
               <a:prstGeom prst="rect">
                 <a:avLst/>
@@ -11350,6 +12487,277 @@
                 <a:spAutoFit/>
               </a:bodyPr>
               <a:lstStyle/>
+              <a:p>
+                <a:pPr/>
+                <a:r>
+                  <a:rPr lang="pt-PT" i="1" dirty="0">
+                    <a:latin typeface="Cambria Math" panose="02040503050406030204" pitchFamily="18" charset="0"/>
+                  </a:rPr>
+                  <a:t>Com </a:t>
+                </a:r>
+                <a14:m>
+                  <m:oMath xmlns:m="http://schemas.openxmlformats.org/officeDocument/2006/math">
+                    <m:r>
+                      <a:rPr lang="pt-PT" i="1" dirty="0" smtClean="0">
+                        <a:latin typeface="Cambria Math" panose="02040503050406030204" pitchFamily="18" charset="0"/>
+                        <a:ea typeface="Cambria Math" panose="02040503050406030204" pitchFamily="18" charset="0"/>
+                      </a:rPr>
+                      <m:t>𝜇</m:t>
+                    </m:r>
+                  </m:oMath>
+                </a14:m>
+                <a:r>
+                  <a:rPr lang="pt-PT" i="1" dirty="0">
+                    <a:latin typeface="Cambria Math" panose="02040503050406030204" pitchFamily="18" charset="0"/>
+                  </a:rPr>
+                  <a:t>=50 e </a:t>
+                </a:r>
+                <a14:m>
+                  <m:oMath xmlns:m="http://schemas.openxmlformats.org/officeDocument/2006/math">
+                    <m:r>
+                      <a:rPr lang="pt-PT" i="1" smtClean="0">
+                        <a:latin typeface="Cambria Math" panose="02040503050406030204" pitchFamily="18" charset="0"/>
+                        <a:ea typeface="Cambria Math" panose="02040503050406030204" pitchFamily="18" charset="0"/>
+                      </a:rPr>
+                      <m:t>𝜎</m:t>
+                    </m:r>
+                    <m:r>
+                      <a:rPr lang="pt-PT" b="0" i="1" smtClean="0">
+                        <a:latin typeface="Cambria Math" panose="02040503050406030204" pitchFamily="18" charset="0"/>
+                        <a:ea typeface="Cambria Math" panose="02040503050406030204" pitchFamily="18" charset="0"/>
+                      </a:rPr>
+                      <m:t>=8 …</m:t>
+                    </m:r>
+                  </m:oMath>
+                </a14:m>
+                <a:endParaRPr lang="pt-PT" i="1" dirty="0">
+                  <a:latin typeface="Cambria Math" panose="02040503050406030204" pitchFamily="18" charset="0"/>
+                </a:endParaRPr>
+              </a:p>
+              <a:p>
+                <a:pPr/>
+                <a:endParaRPr lang="pt-PT" i="1" dirty="0">
+                  <a:solidFill>
+                    <a:srgbClr val="FF0000"/>
+                  </a:solidFill>
+                  <a:latin typeface="Cambria Math" panose="02040503050406030204" pitchFamily="18" charset="0"/>
+                </a:endParaRPr>
+              </a:p>
+              <a:p>
+                <a:pPr algn="ctr"/>
+                <a:r>
+                  <a:rPr lang="pt-PT" i="1" dirty="0">
+                    <a:solidFill>
+                      <a:srgbClr val="FF0000"/>
+                    </a:solidFill>
+                    <a:latin typeface="Cambria Math" panose="02040503050406030204" pitchFamily="18" charset="0"/>
+                  </a:rPr>
+                  <a:t>FUNÇÃO DISTRIBUIÇÃO DE PROBABILIDADE </a:t>
+                </a:r>
+              </a:p>
+              <a:p>
+                <a:pPr algn="ctr"/>
+                <a:r>
+                  <a:rPr lang="pt-PT" i="1" dirty="0">
+                    <a:solidFill>
+                      <a:srgbClr val="FF0000"/>
+                    </a:solidFill>
+                    <a:latin typeface="Cambria Math" panose="02040503050406030204" pitchFamily="18" charset="0"/>
+                  </a:rPr>
+                  <a:t>ACUMULADA</a:t>
+                </a:r>
+              </a:p>
+              <a:p>
+                <a:pPr algn="ctr"/>
+                <a:endParaRPr lang="pt-PT" i="1" dirty="0">
+                  <a:latin typeface="Cambria Math" panose="02040503050406030204" pitchFamily="18" charset="0"/>
+                </a:endParaRPr>
+              </a:p>
+              <a:p>
+                <a:pPr/>
+                <a14:m>
+                  <m:oMathPara xmlns:m="http://schemas.openxmlformats.org/officeDocument/2006/math">
+                    <m:oMathParaPr>
+                      <m:jc m:val="centerGroup"/>
+                    </m:oMathParaPr>
+                    <m:oMath xmlns:m="http://schemas.openxmlformats.org/officeDocument/2006/math">
+                      <m:r>
+                        <a:rPr lang="pt-PT" i="1" smtClean="0">
+                          <a:latin typeface="Cambria Math" panose="02040503050406030204" pitchFamily="18" charset="0"/>
+                        </a:rPr>
+                        <m:t>𝑓</m:t>
+                      </m:r>
+                      <m:d>
+                        <m:dPr>
+                          <m:ctrlPr>
+                            <a:rPr lang="pt-PT" i="1">
+                              <a:latin typeface="Cambria Math" panose="02040503050406030204" pitchFamily="18" charset="0"/>
+                            </a:rPr>
+                          </m:ctrlPr>
+                        </m:dPr>
+                        <m:e>
+                          <m:r>
+                            <a:rPr lang="pt-PT" i="1">
+                              <a:latin typeface="Cambria Math" panose="02040503050406030204" pitchFamily="18" charset="0"/>
+                            </a:rPr>
+                            <m:t>𝑥</m:t>
+                          </m:r>
+                        </m:e>
+                      </m:d>
+                      <m:r>
+                        <a:rPr lang="pt-PT" i="0">
+                          <a:latin typeface="Cambria Math" panose="02040503050406030204" pitchFamily="18" charset="0"/>
+                        </a:rPr>
+                        <m:t>=</m:t>
+                      </m:r>
+                      <m:f>
+                        <m:fPr>
+                          <m:ctrlPr>
+                            <a:rPr lang="pt-PT" i="1" smtClean="0">
+                              <a:latin typeface="Cambria Math" panose="02040503050406030204" pitchFamily="18" charset="0"/>
+                            </a:rPr>
+                          </m:ctrlPr>
+                        </m:fPr>
+                        <m:num>
+                          <m:r>
+                            <a:rPr lang="pt-PT" b="0" i="1" smtClean="0">
+                              <a:latin typeface="Cambria Math" panose="02040503050406030204" pitchFamily="18" charset="0"/>
+                            </a:rPr>
+                            <m:t>1</m:t>
+                          </m:r>
+                        </m:num>
+                        <m:den>
+                          <m:r>
+                            <a:rPr lang="pt-PT" b="0" i="1" smtClean="0">
+                              <a:latin typeface="Cambria Math" panose="02040503050406030204" pitchFamily="18" charset="0"/>
+                            </a:rPr>
+                            <m:t>2</m:t>
+                          </m:r>
+                        </m:den>
+                      </m:f>
+                      <m:func>
+                        <m:funcPr>
+                          <m:ctrlPr>
+                            <a:rPr lang="pt-PT" b="0" i="1" smtClean="0">
+                              <a:latin typeface="Cambria Math" panose="02040503050406030204" pitchFamily="18" charset="0"/>
+                            </a:rPr>
+                          </m:ctrlPr>
+                        </m:funcPr>
+                        <m:fName>
+                          <m:r>
+                            <m:rPr>
+                              <m:sty m:val="p"/>
+                            </m:rPr>
+                            <a:rPr lang="pt-PT" b="0" i="0" smtClean="0">
+                              <a:latin typeface="Cambria Math" panose="02040503050406030204" pitchFamily="18" charset="0"/>
+                            </a:rPr>
+                            <m:t>erf</m:t>
+                          </m:r>
+                        </m:fName>
+                        <m:e>
+                          <m:d>
+                            <m:dPr>
+                              <m:begChr m:val="["/>
+                              <m:endChr m:val="]"/>
+                              <m:ctrlPr>
+                                <a:rPr lang="pt-PT" b="0" i="1" smtClean="0">
+                                  <a:latin typeface="Cambria Math" panose="02040503050406030204" pitchFamily="18" charset="0"/>
+                                </a:rPr>
+                              </m:ctrlPr>
+                            </m:dPr>
+                            <m:e>
+                              <m:d>
+                                <m:dPr>
+                                  <m:ctrlPr>
+                                    <a:rPr lang="pt-PT" b="0" i="1" smtClean="0">
+                                      <a:latin typeface="Cambria Math" panose="02040503050406030204" pitchFamily="18" charset="0"/>
+                                    </a:rPr>
+                                  </m:ctrlPr>
+                                </m:dPr>
+                                <m:e>
+                                  <m:f>
+                                    <m:fPr>
+                                      <m:ctrlPr>
+                                        <a:rPr lang="pt-PT" b="0" i="1" smtClean="0">
+                                          <a:latin typeface="Cambria Math" panose="02040503050406030204" pitchFamily="18" charset="0"/>
+                                        </a:rPr>
+                                      </m:ctrlPr>
+                                    </m:fPr>
+                                    <m:num>
+                                      <m:r>
+                                        <a:rPr lang="pt-PT" b="0" i="1" smtClean="0">
+                                          <a:latin typeface="Cambria Math" panose="02040503050406030204" pitchFamily="18" charset="0"/>
+                                        </a:rPr>
+                                        <m:t>𝑥</m:t>
+                                      </m:r>
+                                      <m:r>
+                                        <a:rPr lang="pt-PT" b="0" i="1" smtClean="0">
+                                          <a:latin typeface="Cambria Math" panose="02040503050406030204" pitchFamily="18" charset="0"/>
+                                        </a:rPr>
+                                        <m:t>−50</m:t>
+                                      </m:r>
+                                    </m:num>
+                                    <m:den>
+                                      <m:r>
+                                        <a:rPr lang="pt-PT" b="0" i="1" smtClean="0">
+                                          <a:latin typeface="Cambria Math" panose="02040503050406030204" pitchFamily="18" charset="0"/>
+                                        </a:rPr>
+                                        <m:t>8</m:t>
+                                      </m:r>
+                                      <m:rad>
+                                        <m:radPr>
+                                          <m:degHide m:val="on"/>
+                                          <m:ctrlPr>
+                                            <a:rPr lang="pt-PT" b="0" i="1" smtClean="0">
+                                              <a:latin typeface="Cambria Math" panose="02040503050406030204" pitchFamily="18" charset="0"/>
+                                              <a:ea typeface="Cambria Math" panose="02040503050406030204" pitchFamily="18" charset="0"/>
+                                            </a:rPr>
+                                          </m:ctrlPr>
+                                        </m:radPr>
+                                        <m:deg/>
+                                        <m:e>
+                                          <m:r>
+                                            <a:rPr lang="pt-PT" b="0" i="1" smtClean="0">
+                                              <a:latin typeface="Cambria Math" panose="02040503050406030204" pitchFamily="18" charset="0"/>
+                                              <a:ea typeface="Cambria Math" panose="02040503050406030204" pitchFamily="18" charset="0"/>
+                                            </a:rPr>
+                                            <m:t>2</m:t>
+                                          </m:r>
+                                        </m:e>
+                                      </m:rad>
+                                    </m:den>
+                                  </m:f>
+                                </m:e>
+                              </m:d>
+                            </m:e>
+                          </m:d>
+                        </m:e>
+                      </m:func>
+                    </m:oMath>
+                  </m:oMathPara>
+                </a14:m>
+                <a:endParaRPr lang="pt-PT" dirty="0"/>
+              </a:p>
+              <a:p>
+                <a:pPr/>
+                <a:endParaRPr lang="pt-PT" dirty="0"/>
+              </a:p>
+              <a:p>
+                <a:r>
+                  <a:rPr lang="pt-PT" i="1" dirty="0">
+                    <a:solidFill>
+                      <a:srgbClr val="00B050"/>
+                    </a:solidFill>
+                    <a:latin typeface="Cambria Math" panose="02040503050406030204" pitchFamily="18" charset="0"/>
+                  </a:rPr>
+                  <a:t>FUNÇÃO DENSIDADE DE PROBABILIDADE</a:t>
+                </a:r>
+              </a:p>
+              <a:p>
+                <a:endParaRPr lang="pt-PT" i="1" dirty="0">
+                  <a:latin typeface="Cambria Math" panose="02040503050406030204" pitchFamily="18" charset="0"/>
+                </a:endParaRPr>
+              </a:p>
               <a:p>
                 <a:pPr/>
                 <a14:m>
@@ -11382,7 +12790,7 @@
                         </m:e>
                       </m:d>
                       <m:r>
-                        <a:rPr lang="pt-PT" i="0">
+                        <a:rPr lang="pt-PT">
                           <a:latin typeface="Cambria Math" panose="02040503050406030204" pitchFamily="18" charset="0"/>
                         </a:rPr>
                         <m:t>= </m:t>
@@ -11397,7 +12805,7 @@
                         </m:fPr>
                         <m:num>
                           <m:r>
-                            <a:rPr lang="pt-PT" i="0">
+                            <a:rPr lang="pt-PT">
                               <a:latin typeface="Cambria Math" panose="02040503050406030204" pitchFamily="18" charset="0"/>
                             </a:rPr>
                             <m:t>1</m:t>
@@ -11416,7 +12824,7 @@
                             <m:deg/>
                             <m:e>
                               <m:r>
-                                <a:rPr lang="pt-PT" i="0">
+                                <a:rPr lang="pt-PT">
                                   <a:latin typeface="Cambria Math" panose="02040503050406030204" pitchFamily="18" charset="0"/>
                                 </a:rPr>
                                 <m:t>2</m:t>
@@ -11444,7 +12852,7 @@
                             <m:rPr>
                               <m:sty m:val="p"/>
                             </m:rPr>
-                            <a:rPr lang="pt-PT" i="0">
+                            <a:rPr lang="pt-PT">
                               <a:latin typeface="Cambria Math" panose="02040503050406030204" pitchFamily="18" charset="0"/>
                             </a:rPr>
                             <m:t>e</m:t>
@@ -11480,7 +12888,7 @@
                                     </m:dPr>
                                     <m:e>
                                       <m:r>
-                                        <a:rPr lang="pt-PT" i="0">
+                                        <a:rPr lang="pt-PT">
                                           <a:latin typeface="Cambria Math" panose="02040503050406030204" pitchFamily="18" charset="0"/>
                                         </a:rPr>
                                         <m:t>−(</m:t>
@@ -11492,7 +12900,7 @@
                                         <m:t>𝑥</m:t>
                                       </m:r>
                                       <m:r>
-                                        <a:rPr lang="pt-PT" i="0">
+                                        <a:rPr lang="pt-PT">
                                           <a:latin typeface="Cambria Math" panose="02040503050406030204" pitchFamily="18" charset="0"/>
                                         </a:rPr>
                                         <m:t>−50</m:t>
@@ -11502,7 +12910,7 @@
                                 </m:e>
                                 <m:sup>
                                   <m:r>
-                                    <a:rPr lang="pt-PT" i="0">
+                                    <a:rPr lang="pt-PT">
                                       <a:latin typeface="Cambria Math" panose="02040503050406030204" pitchFamily="18" charset="0"/>
                                     </a:rPr>
                                     <m:t>2</m:t>
@@ -11512,7 +12920,7 @@
                             </m:num>
                             <m:den>
                               <m:r>
-                                <a:rPr lang="pt-PT" i="0">
+                                <a:rPr lang="pt-PT">
                                   <a:latin typeface="Cambria Math" panose="02040503050406030204" pitchFamily="18" charset="0"/>
                                 </a:rPr>
                                 <m:t>128</m:t>
@@ -11529,13 +12937,13 @@
             </p:txBody>
           </p:sp>
         </mc:Choice>
-        <mc:Fallback xmlns="">
+        <mc:Fallback>
           <p:sp>
             <p:nvSpPr>
-              <p:cNvPr id="4" name="Retângulo 3">
+              <p:cNvPr id="11" name="Retângulo 10">
                 <a:extLst>
                   <a:ext uri="{FF2B5EF4-FFF2-40B4-BE49-F238E27FC236}">
-                    <a16:creationId xmlns:a16="http://schemas.microsoft.com/office/drawing/2014/main" id="{A827C336-501F-4A24-9BD2-373387017740}"/>
+                    <a16:creationId xmlns:a16="http://schemas.microsoft.com/office/drawing/2014/main" id="{DDCC6236-EBCB-4FC6-85F0-3D652DFCDC31}"/>
                   </a:ext>
                 </a:extLst>
               </p:cNvPr>
@@ -11546,16 +12954,16 @@
             </p:nvSpPr>
             <p:spPr>
               <a:xfrm>
-                <a:off x="2099942" y="4563571"/>
-                <a:ext cx="2399183" cy="694229"/>
+                <a:off x="11278" y="3069040"/>
+                <a:ext cx="4743350" cy="3532570"/>
               </a:xfrm>
               <a:prstGeom prst="rect">
                 <a:avLst/>
               </a:prstGeom>
               <a:blipFill>
-                <a:blip r:embed="rId4"/>
+                <a:blip r:embed="rId5"/>
                 <a:stretch>
-                  <a:fillRect/>
+                  <a:fillRect l="-1157" t="-1034"/>
                 </a:stretch>
               </a:blipFill>
             </p:spPr>
@@ -11574,34 +12982,41 @@
           </p:sp>
         </mc:Fallback>
       </mc:AlternateContent>
-      <p:graphicFrame>
-        <p:nvGraphicFramePr>
-          <p:cNvPr id="9" name="Gráfico 8">
-            <a:extLst>
-              <a:ext uri="{FF2B5EF4-FFF2-40B4-BE49-F238E27FC236}">
-                <a16:creationId xmlns:a16="http://schemas.microsoft.com/office/drawing/2014/main" id="{3D4DF4BA-810D-48C7-96FA-E4EAEF65A75E}"/>
-              </a:ext>
-            </a:extLst>
-          </p:cNvPr>
-          <p:cNvGraphicFramePr/>
-          <p:nvPr>
-            <p:extLst>
-              <p:ext uri="{D42A27DB-BD31-4B8C-83A1-F6EECF244321}">
-                <p14:modId xmlns:p14="http://schemas.microsoft.com/office/powerpoint/2010/main" val="2822734502"/>
-              </p:ext>
-            </p:extLst>
-          </p:nvPr>
-        </p:nvGraphicFramePr>
-        <p:xfrm>
-          <a:off x="6095999" y="3108642"/>
-          <a:ext cx="5400040" cy="3333115"/>
-        </p:xfrm>
-        <a:graphic>
-          <a:graphicData uri="http://schemas.openxmlformats.org/drawingml/2006/chart">
-            <c:chart xmlns:c="http://schemas.openxmlformats.org/drawingml/2006/chart" xmlns:r="http://schemas.openxmlformats.org/officeDocument/2006/relationships" r:id="rId5"/>
-          </a:graphicData>
-        </a:graphic>
-      </p:graphicFrame>
+      <p:sp>
+        <p:nvSpPr>
+          <p:cNvPr id="13" name="CaixaDeTexto 12">
+            <a:extLst>
+              <a:ext uri="{FF2B5EF4-FFF2-40B4-BE49-F238E27FC236}">
+                <a16:creationId xmlns:a16="http://schemas.microsoft.com/office/drawing/2014/main" id="{3A7B21B3-347B-4AE4-951A-2E7461ACC347}"/>
+              </a:ext>
+            </a:extLst>
+          </p:cNvPr>
+          <p:cNvSpPr txBox="1"/>
+          <p:nvPr/>
+        </p:nvSpPr>
+        <p:spPr>
+          <a:xfrm>
+            <a:off x="5640648" y="3232706"/>
+            <a:ext cx="5385916" cy="369332"/>
+          </a:xfrm>
+          <a:prstGeom prst="rect">
+            <a:avLst/>
+          </a:prstGeom>
+          <a:noFill/>
+        </p:spPr>
+        <p:txBody>
+          <a:bodyPr wrap="square" rtlCol="0">
+            <a:spAutoFit/>
+          </a:bodyPr>
+          <a:lstStyle/>
+          <a:p>
+            <a:r>
+              <a:rPr lang="pt-PT" b="1" dirty="0"/>
+              <a:t>VA DISCRETA – DISTRIBUIÇÃO GAUSSIANA (NORMAL)</a:t>
+            </a:r>
+          </a:p>
+        </p:txBody>
+      </p:sp>
     </p:spTree>
     <p:extLst>
       <p:ext uri="{BB962C8B-B14F-4D97-AF65-F5344CB8AC3E}">
@@ -11980,14 +13395,44 @@
           </p:sp>
         </mc:Fallback>
       </mc:AlternateContent>
+      <p:graphicFrame>
+        <p:nvGraphicFramePr>
+          <p:cNvPr id="9" name="Chart 5">
+            <a:extLst>
+              <a:ext uri="{FF2B5EF4-FFF2-40B4-BE49-F238E27FC236}">
+                <a16:creationId xmlns:a16="http://schemas.microsoft.com/office/drawing/2014/main" id="{6B3BE1DE-8EAE-459B-AF89-19F7CE8EB1F5}"/>
+              </a:ext>
+            </a:extLst>
+          </p:cNvPr>
+          <p:cNvGraphicFramePr>
+            <a:graphicFrameLocks/>
+          </p:cNvGraphicFramePr>
+          <p:nvPr>
+            <p:extLst>
+              <p:ext uri="{D42A27DB-BD31-4B8C-83A1-F6EECF244321}">
+                <p14:modId xmlns:p14="http://schemas.microsoft.com/office/powerpoint/2010/main" val="3359417705"/>
+              </p:ext>
+            </p:extLst>
+          </p:nvPr>
+        </p:nvGraphicFramePr>
+        <p:xfrm>
+          <a:off x="4754628" y="3602038"/>
+          <a:ext cx="7218119" cy="3033840"/>
+        </p:xfrm>
+        <a:graphic>
+          <a:graphicData uri="http://schemas.openxmlformats.org/drawingml/2006/chart">
+            <c:chart xmlns:c="http://schemas.openxmlformats.org/drawingml/2006/chart" xmlns:r="http://schemas.openxmlformats.org/officeDocument/2006/relationships" r:id="rId4"/>
+          </a:graphicData>
+        </a:graphic>
+      </p:graphicFrame>
       <mc:AlternateContent xmlns:mc="http://schemas.openxmlformats.org/markup-compatibility/2006">
         <mc:Choice xmlns:a14="http://schemas.microsoft.com/office/drawing/2010/main" Requires="a14">
           <p:sp>
             <p:nvSpPr>
-              <p:cNvPr id="2" name="Retângulo 1">
+              <p:cNvPr id="10" name="Retângulo 9">
                 <a:extLst>
                   <a:ext uri="{FF2B5EF4-FFF2-40B4-BE49-F238E27FC236}">
-                    <a16:creationId xmlns:a16="http://schemas.microsoft.com/office/drawing/2014/main" id="{13E55CF4-DC66-4096-AFF8-4E317B2E0FC0}"/>
+                    <a16:creationId xmlns:a16="http://schemas.microsoft.com/office/drawing/2014/main" id="{99438D73-034B-43AB-9E62-2FD907893912}"/>
                   </a:ext>
                 </a:extLst>
               </p:cNvPr>
@@ -11996,8 +13441,8 @@
             </p:nvSpPr>
             <p:spPr>
               <a:xfrm>
-                <a:off x="1395756" y="4547606"/>
-                <a:ext cx="3230628" cy="710194"/>
+                <a:off x="11278" y="3069040"/>
+                <a:ext cx="4743350" cy="3620735"/>
               </a:xfrm>
               <a:prstGeom prst="rect">
                 <a:avLst/>
@@ -12008,6 +13453,51 @@
                 <a:spAutoFit/>
               </a:bodyPr>
               <a:lstStyle/>
+              <a:p>
+                <a:pPr/>
+                <a:r>
+                  <a:rPr lang="pt-PT" i="1" dirty="0">
+                    <a:latin typeface="Cambria Math" panose="02040503050406030204" pitchFamily="18" charset="0"/>
+                  </a:rPr>
+                  <a:t>Com a=0, b=1 e c=2…</a:t>
+                </a:r>
+              </a:p>
+              <a:p>
+                <a:pPr algn="ctr"/>
+                <a:endParaRPr lang="pt-PT" i="1" dirty="0">
+                  <a:solidFill>
+                    <a:srgbClr val="FF0000"/>
+                  </a:solidFill>
+                  <a:latin typeface="Cambria Math" panose="02040503050406030204" pitchFamily="18" charset="0"/>
+                </a:endParaRPr>
+              </a:p>
+              <a:p>
+                <a:pPr algn="ctr"/>
+                <a:r>
+                  <a:rPr lang="pt-PT" i="1" dirty="0">
+                    <a:solidFill>
+                      <a:srgbClr val="FF0000"/>
+                    </a:solidFill>
+                    <a:latin typeface="Cambria Math" panose="02040503050406030204" pitchFamily="18" charset="0"/>
+                  </a:rPr>
+                  <a:t>FUNÇÃO DISTRIBUIÇÃO DE PROBABILIDADE </a:t>
+                </a:r>
+              </a:p>
+              <a:p>
+                <a:pPr algn="ctr"/>
+                <a:r>
+                  <a:rPr lang="pt-PT" i="1" dirty="0">
+                    <a:solidFill>
+                      <a:srgbClr val="FF0000"/>
+                    </a:solidFill>
+                    <a:latin typeface="Cambria Math" panose="02040503050406030204" pitchFamily="18" charset="0"/>
+                  </a:rPr>
+                  <a:t>ACUMULADA</a:t>
+                </a:r>
+                <a:endParaRPr lang="pt-PT" i="1" dirty="0">
+                  <a:latin typeface="Cambria Math" panose="02040503050406030204" pitchFamily="18" charset="0"/>
+                </a:endParaRPr>
+              </a:p>
               <a:p>
                 <a:pPr/>
                 <a14:m>
@@ -12071,48 +13561,23 @@
                                 </a:rPr>
                                 <m:t>&amp;</m:t>
                               </m:r>
+                              <m:r>
+                                <a:rPr lang="pt-PT" b="0" i="1" smtClean="0">
+                                  <a:latin typeface="Cambria Math" panose="02040503050406030204" pitchFamily="18" charset="0"/>
+                                </a:rPr>
+                                <m:t>1−</m:t>
+                              </m:r>
                               <m:sSup>
                                 <m:sSupPr>
                                   <m:ctrlPr>
-                                    <a:rPr lang="pt-PT" i="1">
+                                    <a:rPr lang="pt-PT" b="0" i="1" smtClean="0">
                                       <a:latin typeface="Cambria Math" panose="02040503050406030204" pitchFamily="18" charset="0"/>
                                     </a:rPr>
                                   </m:ctrlPr>
                                 </m:sSupPr>
                                 <m:e>
                                   <m:r>
-                                    <a:rPr lang="pt-PT" i="0">
-                                      <a:latin typeface="Cambria Math" panose="02040503050406030204" pitchFamily="18" charset="0"/>
-                                    </a:rPr>
-                                    <m:t>1</m:t>
-                                  </m:r>
-                                </m:e>
-                                <m:sup>
-                                  <m:r>
-                                    <a:rPr lang="pt-PT" i="0">
-                                      <a:latin typeface="Cambria Math" panose="02040503050406030204" pitchFamily="18" charset="0"/>
-                                    </a:rPr>
-                                    <m:t>−2</m:t>
-                                  </m:r>
-                                </m:sup>
-                              </m:sSup>
-                              <m:r>
-                                <a:rPr lang="pt-PT" i="1">
-                                  <a:latin typeface="Cambria Math" panose="02040503050406030204" pitchFamily="18" charset="0"/>
-                                </a:rPr>
-                                <m:t>𝑥</m:t>
-                              </m:r>
-                              <m:sSup>
-                                <m:sSupPr>
-                                  <m:ctrlPr>
-                                    <a:rPr lang="pt-PT" i="1">
-                                      <a:latin typeface="Cambria Math" panose="02040503050406030204" pitchFamily="18" charset="0"/>
-                                    </a:rPr>
-                                  </m:ctrlPr>
-                                </m:sSupPr>
-                                <m:e>
-                                  <m:r>
-                                    <a:rPr lang="pt-PT" i="1">
+                                    <a:rPr lang="pt-PT" b="0" i="1" smtClean="0">
                                       <a:latin typeface="Cambria Math" panose="02040503050406030204" pitchFamily="18" charset="0"/>
                                     </a:rPr>
                                     <m:t>𝑒</m:t>
@@ -12120,24 +13585,117 @@
                                 </m:e>
                                 <m:sup>
                                   <m:r>
-                                    <a:rPr lang="pt-PT" i="0">
+                                    <a:rPr lang="pt-PT" b="0" i="1" smtClean="0">
                                       <a:latin typeface="Cambria Math" panose="02040503050406030204" pitchFamily="18" charset="0"/>
                                     </a:rPr>
                                     <m:t>−</m:t>
                                   </m:r>
                                   <m:r>
-                                    <a:rPr lang="pt-PT" i="1">
+                                    <a:rPr lang="pt-PT" b="0" i="1" smtClean="0">
                                       <a:latin typeface="Cambria Math" panose="02040503050406030204" pitchFamily="18" charset="0"/>
                                     </a:rPr>
                                     <m:t>𝑥</m:t>
                                   </m:r>
                                 </m:sup>
                               </m:sSup>
+                              <m:nary>
+                                <m:naryPr>
+                                  <m:chr m:val="∑"/>
+                                  <m:ctrlPr>
+                                    <a:rPr lang="pt-PT" b="0" i="1" smtClean="0">
+                                      <a:latin typeface="Cambria Math" panose="02040503050406030204" pitchFamily="18" charset="0"/>
+                                    </a:rPr>
+                                  </m:ctrlPr>
+                                </m:naryPr>
+                                <m:sub>
+                                  <m:r>
+                                    <m:rPr>
+                                      <m:brk m:alnAt="23"/>
+                                    </m:rPr>
+                                    <a:rPr lang="pt-PT" b="0" i="1" smtClean="0">
+                                      <a:latin typeface="Cambria Math" panose="02040503050406030204" pitchFamily="18" charset="0"/>
+                                    </a:rPr>
+                                    <m:t>𝑘</m:t>
+                                  </m:r>
+                                  <m:r>
+                                    <a:rPr lang="pt-PT" b="0" i="1" smtClean="0">
+                                      <a:latin typeface="Cambria Math" panose="02040503050406030204" pitchFamily="18" charset="0"/>
+                                    </a:rPr>
+                                    <m:t>=0</m:t>
+                                  </m:r>
+                                </m:sub>
+                                <m:sup>
+                                  <m:r>
+                                    <a:rPr lang="pt-PT" b="0" i="1" smtClean="0">
+                                      <a:latin typeface="Cambria Math" panose="02040503050406030204" pitchFamily="18" charset="0"/>
+                                    </a:rPr>
+                                    <m:t>1</m:t>
+                                  </m:r>
+                                </m:sup>
+                                <m:e>
+                                  <m:f>
+                                    <m:fPr>
+                                      <m:ctrlPr>
+                                        <a:rPr lang="pt-PT" b="0" i="1" smtClean="0">
+                                          <a:latin typeface="Cambria Math" panose="02040503050406030204" pitchFamily="18" charset="0"/>
+                                        </a:rPr>
+                                      </m:ctrlPr>
+                                    </m:fPr>
+                                    <m:num>
+                                      <m:r>
+                                        <a:rPr lang="pt-PT" b="0" i="1" smtClean="0">
+                                          <a:latin typeface="Cambria Math" panose="02040503050406030204" pitchFamily="18" charset="0"/>
+                                        </a:rPr>
+                                        <m:t>1</m:t>
+                                      </m:r>
+                                    </m:num>
+                                    <m:den>
+                                      <m:r>
+                                        <a:rPr lang="pt-PT" b="0" i="1" smtClean="0">
+                                          <a:latin typeface="Cambria Math" panose="02040503050406030204" pitchFamily="18" charset="0"/>
+                                        </a:rPr>
+                                        <m:t>𝑘</m:t>
+                                      </m:r>
+                                      <m:r>
+                                        <a:rPr lang="pt-PT" b="0" i="1" smtClean="0">
+                                          <a:latin typeface="Cambria Math" panose="02040503050406030204" pitchFamily="18" charset="0"/>
+                                        </a:rPr>
+                                        <m:t>!</m:t>
+                                      </m:r>
+                                    </m:den>
+                                  </m:f>
+                                  <m:sSup>
+                                    <m:sSupPr>
+                                      <m:ctrlPr>
+                                        <a:rPr lang="pt-PT" b="0" i="1" smtClean="0">
+                                          <a:latin typeface="Cambria Math" panose="02040503050406030204" pitchFamily="18" charset="0"/>
+                                        </a:rPr>
+                                      </m:ctrlPr>
+                                    </m:sSupPr>
+                                    <m:e>
+                                      <m:r>
+                                        <a:rPr lang="pt-PT" b="0" i="1" smtClean="0">
+                                          <a:latin typeface="Cambria Math" panose="02040503050406030204" pitchFamily="18" charset="0"/>
+                                        </a:rPr>
+                                        <m:t>𝑥</m:t>
+                                      </m:r>
+                                    </m:e>
+                                    <m:sup>
+                                      <m:r>
+                                        <a:rPr lang="pt-PT" b="0" i="1" smtClean="0">
+                                          <a:latin typeface="Cambria Math" panose="02040503050406030204" pitchFamily="18" charset="0"/>
+                                        </a:rPr>
+                                        <m:t>𝑘</m:t>
+                                      </m:r>
+                                    </m:sup>
+                                  </m:sSup>
+                                </m:e>
+                              </m:nary>
                               <m:r>
                                 <a:rPr lang="pt-PT" i="0">
                                   <a:latin typeface="Cambria Math" panose="02040503050406030204" pitchFamily="18" charset="0"/>
                                 </a:rPr>
-                                <m:t> ,   </m:t>
+                                <m:t>,   </m:t>
                               </m:r>
                               <m:r>
                                 <a:rPr lang="pt-PT" i="1">
@@ -12198,16 +13756,222 @@
                 </a14:m>
                 <a:endParaRPr lang="pt-PT" dirty="0"/>
               </a:p>
+              <a:p>
+                <a:r>
+                  <a:rPr lang="pt-PT" i="1" dirty="0">
+                    <a:solidFill>
+                      <a:srgbClr val="00B050"/>
+                    </a:solidFill>
+                    <a:latin typeface="Cambria Math" panose="02040503050406030204" pitchFamily="18" charset="0"/>
+                  </a:rPr>
+                  <a:t>FUNÇÃO DENSIDADE DE PROBABILIDADE</a:t>
+                </a:r>
+              </a:p>
+              <a:p>
+                <a:endParaRPr lang="pt-PT" i="1" dirty="0">
+                  <a:latin typeface="Cambria Math" panose="02040503050406030204" pitchFamily="18" charset="0"/>
+                </a:endParaRPr>
+              </a:p>
+              <a:p>
+                <a:pPr/>
+                <a14:m>
+                  <m:oMathPara xmlns:m="http://schemas.openxmlformats.org/officeDocument/2006/math">
+                    <m:oMathParaPr>
+                      <m:jc m:val="centerGroup"/>
+                    </m:oMathParaPr>
+                    <m:oMath xmlns:m="http://schemas.openxmlformats.org/officeDocument/2006/math">
+                      <m:r>
+                        <a:rPr lang="pt-PT" i="1">
+                          <a:latin typeface="Cambria Math" panose="02040503050406030204" pitchFamily="18" charset="0"/>
+                        </a:rPr>
+                        <m:t>𝑓</m:t>
+                      </m:r>
+                      <m:d>
+                        <m:dPr>
+                          <m:ctrlPr>
+                            <a:rPr lang="pt-PT" i="1">
+                              <a:latin typeface="Cambria Math" panose="02040503050406030204" pitchFamily="18" charset="0"/>
+                            </a:rPr>
+                          </m:ctrlPr>
+                        </m:dPr>
+                        <m:e>
+                          <m:r>
+                            <a:rPr lang="pt-PT" i="1">
+                              <a:latin typeface="Cambria Math" panose="02040503050406030204" pitchFamily="18" charset="0"/>
+                            </a:rPr>
+                            <m:t>𝑥</m:t>
+                          </m:r>
+                        </m:e>
+                      </m:d>
+                      <m:r>
+                        <a:rPr lang="pt-PT">
+                          <a:latin typeface="Cambria Math" panose="02040503050406030204" pitchFamily="18" charset="0"/>
+                        </a:rPr>
+                        <m:t>= </m:t>
+                      </m:r>
+                      <m:d>
+                        <m:dPr>
+                          <m:begChr m:val="{"/>
+                          <m:endChr m:val=""/>
+                          <m:ctrlPr>
+                            <a:rPr lang="pt-PT" i="1">
+                              <a:latin typeface="Cambria Math" panose="02040503050406030204" pitchFamily="18" charset="0"/>
+                            </a:rPr>
+                          </m:ctrlPr>
+                        </m:dPr>
+                        <m:e>
+                          <m:eqArr>
+                            <m:eqArrPr>
+                              <m:ctrlPr>
+                                <a:rPr lang="pt-PT" i="1">
+                                  <a:latin typeface="Cambria Math" panose="02040503050406030204" pitchFamily="18" charset="0"/>
+                                </a:rPr>
+                              </m:ctrlPr>
+                            </m:eqArrPr>
+                            <m:e>
+                              <m:r>
+                                <a:rPr lang="pt-PT">
+                                  <a:latin typeface="Cambria Math" panose="02040503050406030204" pitchFamily="18" charset="0"/>
+                                </a:rPr>
+                                <m:t>&amp;</m:t>
+                              </m:r>
+                              <m:sSup>
+                                <m:sSupPr>
+                                  <m:ctrlPr>
+                                    <a:rPr lang="pt-PT" i="1">
+                                      <a:latin typeface="Cambria Math" panose="02040503050406030204" pitchFamily="18" charset="0"/>
+                                    </a:rPr>
+                                  </m:ctrlPr>
+                                </m:sSupPr>
+                                <m:e>
+                                  <m:r>
+                                    <a:rPr lang="pt-PT">
+                                      <a:latin typeface="Cambria Math" panose="02040503050406030204" pitchFamily="18" charset="0"/>
+                                    </a:rPr>
+                                    <m:t>1</m:t>
+                                  </m:r>
+                                </m:e>
+                                <m:sup>
+                                  <m:r>
+                                    <a:rPr lang="pt-PT">
+                                      <a:latin typeface="Cambria Math" panose="02040503050406030204" pitchFamily="18" charset="0"/>
+                                    </a:rPr>
+                                    <m:t>−2</m:t>
+                                  </m:r>
+                                </m:sup>
+                              </m:sSup>
+                              <m:r>
+                                <a:rPr lang="pt-PT" i="1">
+                                  <a:latin typeface="Cambria Math" panose="02040503050406030204" pitchFamily="18" charset="0"/>
+                                </a:rPr>
+                                <m:t>𝑥</m:t>
+                              </m:r>
+                              <m:sSup>
+                                <m:sSupPr>
+                                  <m:ctrlPr>
+                                    <a:rPr lang="pt-PT" i="1">
+                                      <a:latin typeface="Cambria Math" panose="02040503050406030204" pitchFamily="18" charset="0"/>
+                                    </a:rPr>
+                                  </m:ctrlPr>
+                                </m:sSupPr>
+                                <m:e>
+                                  <m:r>
+                                    <a:rPr lang="pt-PT" i="1">
+                                      <a:latin typeface="Cambria Math" panose="02040503050406030204" pitchFamily="18" charset="0"/>
+                                    </a:rPr>
+                                    <m:t>𝑒</m:t>
+                                  </m:r>
+                                </m:e>
+                                <m:sup>
+                                  <m:r>
+                                    <a:rPr lang="pt-PT">
+                                      <a:latin typeface="Cambria Math" panose="02040503050406030204" pitchFamily="18" charset="0"/>
+                                    </a:rPr>
+                                    <m:t>−</m:t>
+                                  </m:r>
+                                  <m:r>
+                                    <a:rPr lang="pt-PT" i="1">
+                                      <a:latin typeface="Cambria Math" panose="02040503050406030204" pitchFamily="18" charset="0"/>
+                                    </a:rPr>
+                                    <m:t>𝑥</m:t>
+                                  </m:r>
+                                </m:sup>
+                              </m:sSup>
+                              <m:r>
+                                <a:rPr lang="pt-PT">
+                                  <a:latin typeface="Cambria Math" panose="02040503050406030204" pitchFamily="18" charset="0"/>
+                                </a:rPr>
+                                <m:t> ,   </m:t>
+                              </m:r>
+                              <m:r>
+                                <a:rPr lang="pt-PT" i="1">
+                                  <a:latin typeface="Cambria Math" panose="02040503050406030204" pitchFamily="18" charset="0"/>
+                                </a:rPr>
+                                <m:t>𝑥</m:t>
+                              </m:r>
+                              <m:r>
+                                <a:rPr lang="pt-PT">
+                                  <a:latin typeface="Cambria Math" panose="02040503050406030204" pitchFamily="18" charset="0"/>
+                                </a:rPr>
+                                <m:t>&gt;</m:t>
+                              </m:r>
+                              <m:r>
+                                <a:rPr lang="pt-PT" i="1">
+                                  <a:latin typeface="Cambria Math" panose="02040503050406030204" pitchFamily="18" charset="0"/>
+                                </a:rPr>
+                                <m:t>0</m:t>
+                              </m:r>
+                            </m:e>
+                            <m:e>
+                              <m:r>
+                                <a:rPr lang="pt-PT">
+                                  <a:latin typeface="Cambria Math" panose="02040503050406030204" pitchFamily="18" charset="0"/>
+                                </a:rPr>
+                                <m:t>&amp;0,         </m:t>
+                              </m:r>
+                              <m:r>
+                                <a:rPr lang="pt-PT" i="1">
+                                  <a:latin typeface="Cambria Math" panose="02040503050406030204" pitchFamily="18" charset="0"/>
+                                </a:rPr>
+                                <m:t>𝑥</m:t>
+                              </m:r>
+                              <m:r>
+                                <a:rPr lang="pt-PT">
+                                  <a:latin typeface="Cambria Math" panose="02040503050406030204" pitchFamily="18" charset="0"/>
+                                </a:rPr>
+                                <m:t>≤</m:t>
+                              </m:r>
+                              <m:r>
+                                <a:rPr lang="pt-PT">
+                                  <a:latin typeface="Cambria Math" panose="02040503050406030204" pitchFamily="18" charset="0"/>
+                                </a:rPr>
+                                <m:t>0</m:t>
+                              </m:r>
+                              <m:r>
+                                <a:rPr lang="pt-PT">
+                                  <a:latin typeface="Cambria Math" panose="02040503050406030204" pitchFamily="18" charset="0"/>
+                                </a:rPr>
+                                <m:t>          </m:t>
+                              </m:r>
+                            </m:e>
+                          </m:eqArr>
+                        </m:e>
+                      </m:d>
+                    </m:oMath>
+                  </m:oMathPara>
+                </a14:m>
+                <a:endParaRPr lang="pt-PT" dirty="0"/>
+              </a:p>
             </p:txBody>
           </p:sp>
         </mc:Choice>
         <mc:Fallback>
           <p:sp>
             <p:nvSpPr>
-              <p:cNvPr id="2" name="Retângulo 1">
+              <p:cNvPr id="10" name="Retângulo 9">
                 <a:extLst>
                   <a:ext uri="{FF2B5EF4-FFF2-40B4-BE49-F238E27FC236}">
-                    <a16:creationId xmlns:a16="http://schemas.microsoft.com/office/drawing/2014/main" id="{13E55CF4-DC66-4096-AFF8-4E317B2E0FC0}"/>
+                    <a16:creationId xmlns:a16="http://schemas.microsoft.com/office/drawing/2014/main" id="{99438D73-034B-43AB-9E62-2FD907893912}"/>
                   </a:ext>
                 </a:extLst>
               </p:cNvPr>
@@ -12218,16 +13982,16 @@
             </p:nvSpPr>
             <p:spPr>
               <a:xfrm>
-                <a:off x="1395756" y="4547606"/>
-                <a:ext cx="3230628" cy="710194"/>
+                <a:off x="11278" y="3069040"/>
+                <a:ext cx="4743350" cy="3620735"/>
               </a:xfrm>
               <a:prstGeom prst="rect">
                 <a:avLst/>
               </a:prstGeom>
               <a:blipFill>
-                <a:blip r:embed="rId4"/>
+                <a:blip r:embed="rId5"/>
                 <a:stretch>
-                  <a:fillRect/>
+                  <a:fillRect l="-1157" t="-1010"/>
                 </a:stretch>
               </a:blipFill>
             </p:spPr>
@@ -12246,34 +14010,41 @@
           </p:sp>
         </mc:Fallback>
       </mc:AlternateContent>
-      <p:graphicFrame>
-        <p:nvGraphicFramePr>
-          <p:cNvPr id="6" name="Gráfico 5">
-            <a:extLst>
-              <a:ext uri="{FF2B5EF4-FFF2-40B4-BE49-F238E27FC236}">
-                <a16:creationId xmlns:a16="http://schemas.microsoft.com/office/drawing/2014/main" id="{5F0422D8-CD7E-475C-B0FE-8B4E46F8A30E}"/>
-              </a:ext>
-            </a:extLst>
-          </p:cNvPr>
-          <p:cNvGraphicFramePr/>
-          <p:nvPr>
-            <p:extLst>
-              <p:ext uri="{D42A27DB-BD31-4B8C-83A1-F6EECF244321}">
-                <p14:modId xmlns:p14="http://schemas.microsoft.com/office/powerpoint/2010/main" val="3081521844"/>
-              </p:ext>
-            </p:extLst>
-          </p:nvPr>
-        </p:nvGraphicFramePr>
-        <p:xfrm>
-          <a:off x="6022140" y="3355789"/>
-          <a:ext cx="5400040" cy="3244215"/>
-        </p:xfrm>
-        <a:graphic>
-          <a:graphicData uri="http://schemas.openxmlformats.org/drawingml/2006/chart">
-            <c:chart xmlns:c="http://schemas.openxmlformats.org/drawingml/2006/chart" xmlns:r="http://schemas.openxmlformats.org/officeDocument/2006/relationships" r:id="rId5"/>
-          </a:graphicData>
-        </a:graphic>
-      </p:graphicFrame>
+      <p:sp>
+        <p:nvSpPr>
+          <p:cNvPr id="11" name="CaixaDeTexto 10">
+            <a:extLst>
+              <a:ext uri="{FF2B5EF4-FFF2-40B4-BE49-F238E27FC236}">
+                <a16:creationId xmlns:a16="http://schemas.microsoft.com/office/drawing/2014/main" id="{DDA1760B-215D-4A42-9700-3B69A9FEBB6F}"/>
+              </a:ext>
+            </a:extLst>
+          </p:cNvPr>
+          <p:cNvSpPr txBox="1"/>
+          <p:nvPr/>
+        </p:nvSpPr>
+        <p:spPr>
+          <a:xfrm>
+            <a:off x="6480637" y="3208315"/>
+            <a:ext cx="4683081" cy="369332"/>
+          </a:xfrm>
+          <a:prstGeom prst="rect">
+            <a:avLst/>
+          </a:prstGeom>
+          <a:noFill/>
+        </p:spPr>
+        <p:txBody>
+          <a:bodyPr wrap="square" rtlCol="0">
+            <a:spAutoFit/>
+          </a:bodyPr>
+          <a:lstStyle/>
+          <a:p>
+            <a:r>
+              <a:rPr lang="pt-PT" b="1" dirty="0"/>
+              <a:t>VA CONTÍNUA – DISTRIBUIÇÃO GAMA</a:t>
+            </a:r>
+          </a:p>
+        </p:txBody>
+      </p:sp>
     </p:spTree>
     <p:extLst>
       <p:ext uri="{BB962C8B-B14F-4D97-AF65-F5344CB8AC3E}">
@@ -12927,9 +14698,12 @@
 </file>
 
 <file path=customXml/item1.xml><?xml version="1.0" encoding="utf-8"?>
-<p:properties xmlns:p="http://schemas.microsoft.com/office/2006/metadata/properties" xmlns:xsi="http://www.w3.org/2001/XMLSchema-instance" xmlns:pc="http://schemas.microsoft.com/office/infopath/2007/PartnerControls">
-  <documentManagement/>
-</p:properties>
+<?mso-contentType ?>
+<FormTemplates xmlns="http://schemas.microsoft.com/sharepoint/v3/contenttype/forms">
+  <Display>DocumentLibraryForm</Display>
+  <Edit>DocumentLibraryForm</Edit>
+  <New>DocumentLibraryForm</New>
+</FormTemplates>
 </file>
 
 <file path=customXml/item2.xml><?xml version="1.0" encoding="utf-8"?>
@@ -13097,19 +14871,15 @@
 </file>
 
 <file path=customXml/item3.xml><?xml version="1.0" encoding="utf-8"?>
-<?mso-contentType ?>
-<FormTemplates xmlns="http://schemas.microsoft.com/sharepoint/v3/contenttype/forms">
-  <Display>DocumentLibraryForm</Display>
-  <Edit>DocumentLibraryForm</Edit>
-  <New>DocumentLibraryForm</New>
-</FormTemplates>
+<p:properties xmlns:p="http://schemas.microsoft.com/office/2006/metadata/properties" xmlns:xsi="http://www.w3.org/2001/XMLSchema-instance" xmlns:pc="http://schemas.microsoft.com/office/infopath/2007/PartnerControls">
+  <documentManagement/>
+</p:properties>
 </file>
 
 <file path=customXml/itemProps1.xml><?xml version="1.0" encoding="utf-8"?>
-<ds:datastoreItem xmlns:ds="http://schemas.openxmlformats.org/officeDocument/2006/customXml" ds:itemID="{BF8F676A-C4DA-4AA2-A674-9ED029534088}">
+<ds:datastoreItem xmlns:ds="http://schemas.openxmlformats.org/officeDocument/2006/customXml" ds:itemID="{D3B4F939-F5AF-4D0A-9185-6269B57343D6}">
   <ds:schemaRefs>
-    <ds:schemaRef ds:uri="http://schemas.microsoft.com/office/2006/metadata/properties"/>
-    <ds:schemaRef ds:uri="http://schemas.microsoft.com/office/infopath/2007/PartnerControls"/>
+    <ds:schemaRef ds:uri="http://schemas.microsoft.com/sharepoint/v3/contenttype/forms"/>
   </ds:schemaRefs>
 </ds:datastoreItem>
 </file>
@@ -13133,9 +14903,10 @@
 </file>
 
 <file path=customXml/itemProps3.xml><?xml version="1.0" encoding="utf-8"?>
-<ds:datastoreItem xmlns:ds="http://schemas.openxmlformats.org/officeDocument/2006/customXml" ds:itemID="{D3B4F939-F5AF-4D0A-9185-6269B57343D6}">
+<ds:datastoreItem xmlns:ds="http://schemas.openxmlformats.org/officeDocument/2006/customXml" ds:itemID="{BF8F676A-C4DA-4AA2-A674-9ED029534088}">
   <ds:schemaRefs>
-    <ds:schemaRef ds:uri="http://schemas.microsoft.com/sharepoint/v3/contenttype/forms"/>
+    <ds:schemaRef ds:uri="http://schemas.microsoft.com/office/2006/metadata/properties"/>
+    <ds:schemaRef ds:uri="http://schemas.microsoft.com/office/infopath/2007/PartnerControls"/>
   </ds:schemaRefs>
 </ds:datastoreItem>
 </file>